--- a/Documents/Презентация диплома Семенов Е.А. БПЦ 21-01.pptx
+++ b/Documents/Презентация диплома Семенов Е.А. БПЦ 21-01.pptx
@@ -31628,7 +31628,7 @@
           <a:p>
             <a:pPr algn="ctr" eaLnBrk="1" hangingPunct="1"/>
             <a:r>
-              <a:rPr lang="ru-RU" altLang="ru-RU" sz="3600" dirty="0">
+              <a:rPr lang="ru-RU" altLang="ru-RU" sz="3200" dirty="0">
                 <a:solidFill>
                   <a:schemeClr val="accent1"/>
                 </a:solidFill>
@@ -33980,7 +33980,7 @@
           <a:p>
             <a:pPr algn="ctr" eaLnBrk="1" hangingPunct="1"/>
             <a:r>
-              <a:rPr lang="ru-RU" altLang="ru-RU" sz="3600" dirty="0">
+              <a:rPr lang="ru-RU" altLang="ru-RU" sz="3200" dirty="0">
                 <a:solidFill>
                   <a:schemeClr val="accent1"/>
                 </a:solidFill>
@@ -34945,15 +34945,7 @@
                   <a:schemeClr val="accent1"/>
                 </a:solidFill>
               </a:rPr>
-              <a:t>Перспективы</a:t>
-            </a:r>
-            <a:r>
-              <a:rPr lang="ru-RU" altLang="ru-RU" sz="3600" dirty="0">
-                <a:solidFill>
-                  <a:schemeClr val="accent1"/>
-                </a:solidFill>
-              </a:rPr>
-              <a:t> развития системы</a:t>
+              <a:t>Перспективы развития системы</a:t>
             </a:r>
           </a:p>
         </p:txBody>

--- a/Documents/Презентация диплома Семенов Е.А. БПЦ 21-01.pptx
+++ b/Documents/Презентация диплома Семенов Е.А. БПЦ 21-01.pptx
@@ -23,11 +23,11 @@
     <p:sldId id="452" r:id="rId11"/>
     <p:sldId id="444" r:id="rId12"/>
     <p:sldId id="445" r:id="rId13"/>
-    <p:sldId id="455" r:id="rId14"/>
+    <p:sldId id="461" r:id="rId14"/>
     <p:sldId id="446" r:id="rId15"/>
-    <p:sldId id="456" r:id="rId16"/>
-    <p:sldId id="457" r:id="rId17"/>
-    <p:sldId id="458" r:id="rId18"/>
+    <p:sldId id="459" r:id="rId16"/>
+    <p:sldId id="460" r:id="rId17"/>
+    <p:sldId id="462" r:id="rId18"/>
     <p:sldId id="447" r:id="rId19"/>
     <p:sldId id="449" r:id="rId20"/>
     <p:sldId id="448" r:id="rId21"/>
@@ -178,11 +178,11 @@
             <p14:sldId id="452"/>
             <p14:sldId id="444"/>
             <p14:sldId id="445"/>
-            <p14:sldId id="455"/>
+            <p14:sldId id="461"/>
             <p14:sldId id="446"/>
-            <p14:sldId id="456"/>
-            <p14:sldId id="457"/>
-            <p14:sldId id="458"/>
+            <p14:sldId id="459"/>
+            <p14:sldId id="460"/>
+            <p14:sldId id="462"/>
             <p14:sldId id="447"/>
             <p14:sldId id="449"/>
             <p14:sldId id="448"/>
@@ -361,7 +361,7 @@
               <a:pPr>
                 <a:defRPr/>
               </a:pPr>
-              <a:t>6/1/2025</a:t>
+              <a:t>6/4/2025</a:t>
             </a:fld>
             <a:endParaRPr lang="en-US"/>
           </a:p>
@@ -595,7 +595,7 @@
               <a:pPr>
                 <a:defRPr/>
               </a:pPr>
-              <a:t>01.06.2025</a:t>
+              <a:t>04.06.2025</a:t>
             </a:fld>
             <a:endParaRPr lang="ru-RU"/>
           </a:p>
@@ -2178,6 +2178,261 @@
             <a:fld id="{B27D2EDF-3F8B-45B7-B9D2-EC69D99C01DC}" type="slidenum">
               <a:rPr kumimoji="0" lang="ru-RU" altLang="ru-RU" sz="1600"/>
               <a:pPr/>
+              <a:t>13</a:t>
+            </a:fld>
+            <a:endParaRPr kumimoji="0" lang="ru-RU" altLang="ru-RU" sz="1600"/>
+          </a:p>
+        </p:txBody>
+      </p:sp>
+    </p:spTree>
+    <p:extLst>
+      <p:ext uri="{BB962C8B-B14F-4D97-AF65-F5344CB8AC3E}">
+        <p14:creationId xmlns:p14="http://schemas.microsoft.com/office/powerpoint/2010/main" val="647205710"/>
+      </p:ext>
+    </p:extLst>
+  </p:cSld>
+  <p:clrMapOvr>
+    <a:masterClrMapping/>
+  </p:clrMapOvr>
+</p:notes>
+</file>
+
+<file path=ppt/notesSlides/notesSlide14.xml><?xml version="1.0" encoding="utf-8"?>
+<p:notes xmlns:a="http://schemas.openxmlformats.org/drawingml/2006/main" xmlns:r="http://schemas.openxmlformats.org/officeDocument/2006/relationships" xmlns:p="http://schemas.openxmlformats.org/presentationml/2006/main">
+  <p:cSld>
+    <p:spTree>
+      <p:nvGrpSpPr>
+        <p:cNvPr id="1" name=""/>
+        <p:cNvGrpSpPr/>
+        <p:nvPr/>
+      </p:nvGrpSpPr>
+      <p:grpSpPr>
+        <a:xfrm>
+          <a:off x="0" y="0"/>
+          <a:ext cx="0" cy="0"/>
+          <a:chOff x="0" y="0"/>
+          <a:chExt cx="0" cy="0"/>
+        </a:xfrm>
+      </p:grpSpPr>
+      <p:sp>
+        <p:nvSpPr>
+          <p:cNvPr id="39938" name="Образ слайда 1"/>
+          <p:cNvSpPr>
+            <a:spLocks noGrp="1" noRot="1" noChangeAspect="1" noTextEdit="1"/>
+          </p:cNvSpPr>
+          <p:nvPr>
+            <p:ph type="sldImg"/>
+          </p:nvPr>
+        </p:nvSpPr>
+        <p:spPr bwMode="auto">
+          <a:noFill/>
+          <a:ln>
+            <a:solidFill>
+              <a:srgbClr val="000000"/>
+            </a:solidFill>
+            <a:miter lim="800000"/>
+            <a:headEnd/>
+            <a:tailEnd/>
+          </a:ln>
+          <a:extLst>
+            <a:ext uri="{909E8E84-426E-40DD-AFC4-6F175D3DCCD1}">
+              <a14:hiddenFill xmlns:a14="http://schemas.microsoft.com/office/drawing/2010/main">
+                <a:solidFill>
+                  <a:srgbClr val="FFFFFF"/>
+                </a:solidFill>
+              </a14:hiddenFill>
+            </a:ext>
+          </a:extLst>
+        </p:spPr>
+      </p:sp>
+      <p:sp>
+        <p:nvSpPr>
+          <p:cNvPr id="39939" name="Заметки 2"/>
+          <p:cNvSpPr>
+            <a:spLocks noGrp="1"/>
+          </p:cNvSpPr>
+          <p:nvPr>
+            <p:ph type="body" idx="1"/>
+          </p:nvPr>
+        </p:nvSpPr>
+        <p:spPr bwMode="auto">
+          <a:noFill/>
+          <a:extLst>
+            <a:ext uri="{909E8E84-426E-40DD-AFC4-6F175D3DCCD1}">
+              <a14:hiddenFill xmlns:a14="http://schemas.microsoft.com/office/drawing/2010/main">
+                <a:solidFill>
+                  <a:srgbClr val="FFFFFF"/>
+                </a:solidFill>
+              </a14:hiddenFill>
+            </a:ext>
+            <a:ext uri="{91240B29-F687-4F45-9708-019B960494DF}">
+              <a14:hiddenLine xmlns:a14="http://schemas.microsoft.com/office/drawing/2010/main" w="9525">
+                <a:solidFill>
+                  <a:srgbClr val="000000"/>
+                </a:solidFill>
+                <a:miter lim="800000"/>
+                <a:headEnd/>
+                <a:tailEnd/>
+              </a14:hiddenLine>
+            </a:ext>
+          </a:extLst>
+        </p:spPr>
+        <p:txBody>
+          <a:bodyPr/>
+          <a:lstStyle/>
+          <a:p>
+            <a:endParaRPr lang="ru-RU" altLang="ru-RU">
+              <a:latin typeface="Calibri" panose="020F0502020204030204" pitchFamily="34" charset="0"/>
+              <a:cs typeface="Arial" panose="020B0604020202020204" pitchFamily="34" charset="0"/>
+            </a:endParaRPr>
+          </a:p>
+        </p:txBody>
+      </p:sp>
+      <p:sp>
+        <p:nvSpPr>
+          <p:cNvPr id="39940" name="Номер слайда 3"/>
+          <p:cNvSpPr>
+            <a:spLocks noGrp="1"/>
+          </p:cNvSpPr>
+          <p:nvPr>
+            <p:ph type="sldNum" sz="quarter" idx="5"/>
+          </p:nvPr>
+        </p:nvSpPr>
+        <p:spPr bwMode="auto">
+          <a:noFill/>
+          <a:extLst>
+            <a:ext uri="{909E8E84-426E-40DD-AFC4-6F175D3DCCD1}">
+              <a14:hiddenFill xmlns:a14="http://schemas.microsoft.com/office/drawing/2010/main">
+                <a:solidFill>
+                  <a:srgbClr val="FFFFFF"/>
+                </a:solidFill>
+              </a14:hiddenFill>
+            </a:ext>
+            <a:ext uri="{91240B29-F687-4F45-9708-019B960494DF}">
+              <a14:hiddenLine xmlns:a14="http://schemas.microsoft.com/office/drawing/2010/main" w="9525">
+                <a:solidFill>
+                  <a:srgbClr val="000000"/>
+                </a:solidFill>
+                <a:miter lim="800000"/>
+                <a:headEnd/>
+                <a:tailEnd/>
+              </a14:hiddenLine>
+            </a:ext>
+          </a:extLst>
+        </p:spPr>
+        <p:txBody>
+          <a:bodyPr/>
+          <a:lstStyle>
+            <a:lvl1pPr>
+              <a:defRPr kumimoji="1" sz="2400">
+                <a:solidFill>
+                  <a:schemeClr val="tx1"/>
+                </a:solidFill>
+                <a:latin typeface="Calibri" panose="020F0502020204030204" pitchFamily="34" charset="0"/>
+                <a:cs typeface="Arial" panose="020B0604020202020204" pitchFamily="34" charset="0"/>
+              </a:defRPr>
+            </a:lvl1pPr>
+            <a:lvl2pPr marL="742950" indent="-285750">
+              <a:defRPr kumimoji="1" sz="2400">
+                <a:solidFill>
+                  <a:schemeClr val="tx1"/>
+                </a:solidFill>
+                <a:latin typeface="Calibri" panose="020F0502020204030204" pitchFamily="34" charset="0"/>
+                <a:cs typeface="Arial" panose="020B0604020202020204" pitchFamily="34" charset="0"/>
+              </a:defRPr>
+            </a:lvl2pPr>
+            <a:lvl3pPr marL="1143000" indent="-228600">
+              <a:defRPr kumimoji="1" sz="2400">
+                <a:solidFill>
+                  <a:schemeClr val="tx1"/>
+                </a:solidFill>
+                <a:latin typeface="Calibri" panose="020F0502020204030204" pitchFamily="34" charset="0"/>
+                <a:cs typeface="Arial" panose="020B0604020202020204" pitchFamily="34" charset="0"/>
+              </a:defRPr>
+            </a:lvl3pPr>
+            <a:lvl4pPr marL="1600200" indent="-228600">
+              <a:defRPr kumimoji="1" sz="2400">
+                <a:solidFill>
+                  <a:schemeClr val="tx1"/>
+                </a:solidFill>
+                <a:latin typeface="Calibri" panose="020F0502020204030204" pitchFamily="34" charset="0"/>
+                <a:cs typeface="Arial" panose="020B0604020202020204" pitchFamily="34" charset="0"/>
+              </a:defRPr>
+            </a:lvl4pPr>
+            <a:lvl5pPr marL="2057400" indent="-228600">
+              <a:defRPr kumimoji="1" sz="2400">
+                <a:solidFill>
+                  <a:schemeClr val="tx1"/>
+                </a:solidFill>
+                <a:latin typeface="Calibri" panose="020F0502020204030204" pitchFamily="34" charset="0"/>
+                <a:cs typeface="Arial" panose="020B0604020202020204" pitchFamily="34" charset="0"/>
+              </a:defRPr>
+            </a:lvl5pPr>
+            <a:lvl6pPr marL="2514600" indent="-228600" eaLnBrk="0" fontAlgn="base" hangingPunct="0">
+              <a:spcBef>
+                <a:spcPct val="0"/>
+              </a:spcBef>
+              <a:spcAft>
+                <a:spcPct val="0"/>
+              </a:spcAft>
+              <a:defRPr kumimoji="1" sz="2400">
+                <a:solidFill>
+                  <a:schemeClr val="tx1"/>
+                </a:solidFill>
+                <a:latin typeface="Calibri" panose="020F0502020204030204" pitchFamily="34" charset="0"/>
+                <a:cs typeface="Arial" panose="020B0604020202020204" pitchFamily="34" charset="0"/>
+              </a:defRPr>
+            </a:lvl6pPr>
+            <a:lvl7pPr marL="2971800" indent="-228600" eaLnBrk="0" fontAlgn="base" hangingPunct="0">
+              <a:spcBef>
+                <a:spcPct val="0"/>
+              </a:spcBef>
+              <a:spcAft>
+                <a:spcPct val="0"/>
+              </a:spcAft>
+              <a:defRPr kumimoji="1" sz="2400">
+                <a:solidFill>
+                  <a:schemeClr val="tx1"/>
+                </a:solidFill>
+                <a:latin typeface="Calibri" panose="020F0502020204030204" pitchFamily="34" charset="0"/>
+                <a:cs typeface="Arial" panose="020B0604020202020204" pitchFamily="34" charset="0"/>
+              </a:defRPr>
+            </a:lvl7pPr>
+            <a:lvl8pPr marL="3429000" indent="-228600" eaLnBrk="0" fontAlgn="base" hangingPunct="0">
+              <a:spcBef>
+                <a:spcPct val="0"/>
+              </a:spcBef>
+              <a:spcAft>
+                <a:spcPct val="0"/>
+              </a:spcAft>
+              <a:defRPr kumimoji="1" sz="2400">
+                <a:solidFill>
+                  <a:schemeClr val="tx1"/>
+                </a:solidFill>
+                <a:latin typeface="Calibri" panose="020F0502020204030204" pitchFamily="34" charset="0"/>
+                <a:cs typeface="Arial" panose="020B0604020202020204" pitchFamily="34" charset="0"/>
+              </a:defRPr>
+            </a:lvl8pPr>
+            <a:lvl9pPr marL="3886200" indent="-228600" eaLnBrk="0" fontAlgn="base" hangingPunct="0">
+              <a:spcBef>
+                <a:spcPct val="0"/>
+              </a:spcBef>
+              <a:spcAft>
+                <a:spcPct val="0"/>
+              </a:spcAft>
+              <a:defRPr kumimoji="1" sz="2400">
+                <a:solidFill>
+                  <a:schemeClr val="tx1"/>
+                </a:solidFill>
+                <a:latin typeface="Calibri" panose="020F0502020204030204" pitchFamily="34" charset="0"/>
+                <a:cs typeface="Arial" panose="020B0604020202020204" pitchFamily="34" charset="0"/>
+              </a:defRPr>
+            </a:lvl9pPr>
+          </a:lstStyle>
+          <a:p>
+            <a:fld id="{B27D2EDF-3F8B-45B7-B9D2-EC69D99C01DC}" type="slidenum">
+              <a:rPr kumimoji="0" lang="ru-RU" altLang="ru-RU" sz="1600"/>
+              <a:pPr/>
               <a:t>14</a:t>
             </a:fld>
             <a:endParaRPr kumimoji="0" lang="ru-RU" altLang="ru-RU" sz="1600"/>
@@ -2192,7 +2447,772 @@
 </p:notes>
 </file>
 
-<file path=ppt/notesSlides/notesSlide14.xml><?xml version="1.0" encoding="utf-8"?>
+<file path=ppt/notesSlides/notesSlide15.xml><?xml version="1.0" encoding="utf-8"?>
+<p:notes xmlns:a="http://schemas.openxmlformats.org/drawingml/2006/main" xmlns:r="http://schemas.openxmlformats.org/officeDocument/2006/relationships" xmlns:p="http://schemas.openxmlformats.org/presentationml/2006/main">
+  <p:cSld>
+    <p:spTree>
+      <p:nvGrpSpPr>
+        <p:cNvPr id="1" name=""/>
+        <p:cNvGrpSpPr/>
+        <p:nvPr/>
+      </p:nvGrpSpPr>
+      <p:grpSpPr>
+        <a:xfrm>
+          <a:off x="0" y="0"/>
+          <a:ext cx="0" cy="0"/>
+          <a:chOff x="0" y="0"/>
+          <a:chExt cx="0" cy="0"/>
+        </a:xfrm>
+      </p:grpSpPr>
+      <p:sp>
+        <p:nvSpPr>
+          <p:cNvPr id="39938" name="Образ слайда 1"/>
+          <p:cNvSpPr>
+            <a:spLocks noGrp="1" noRot="1" noChangeAspect="1" noTextEdit="1"/>
+          </p:cNvSpPr>
+          <p:nvPr>
+            <p:ph type="sldImg"/>
+          </p:nvPr>
+        </p:nvSpPr>
+        <p:spPr bwMode="auto">
+          <a:noFill/>
+          <a:ln>
+            <a:solidFill>
+              <a:srgbClr val="000000"/>
+            </a:solidFill>
+            <a:miter lim="800000"/>
+            <a:headEnd/>
+            <a:tailEnd/>
+          </a:ln>
+          <a:extLst>
+            <a:ext uri="{909E8E84-426E-40DD-AFC4-6F175D3DCCD1}">
+              <a14:hiddenFill xmlns:a14="http://schemas.microsoft.com/office/drawing/2010/main">
+                <a:solidFill>
+                  <a:srgbClr val="FFFFFF"/>
+                </a:solidFill>
+              </a14:hiddenFill>
+            </a:ext>
+          </a:extLst>
+        </p:spPr>
+      </p:sp>
+      <p:sp>
+        <p:nvSpPr>
+          <p:cNvPr id="39939" name="Заметки 2"/>
+          <p:cNvSpPr>
+            <a:spLocks noGrp="1"/>
+          </p:cNvSpPr>
+          <p:nvPr>
+            <p:ph type="body" idx="1"/>
+          </p:nvPr>
+        </p:nvSpPr>
+        <p:spPr bwMode="auto">
+          <a:noFill/>
+          <a:extLst>
+            <a:ext uri="{909E8E84-426E-40DD-AFC4-6F175D3DCCD1}">
+              <a14:hiddenFill xmlns:a14="http://schemas.microsoft.com/office/drawing/2010/main">
+                <a:solidFill>
+                  <a:srgbClr val="FFFFFF"/>
+                </a:solidFill>
+              </a14:hiddenFill>
+            </a:ext>
+            <a:ext uri="{91240B29-F687-4F45-9708-019B960494DF}">
+              <a14:hiddenLine xmlns:a14="http://schemas.microsoft.com/office/drawing/2010/main" w="9525">
+                <a:solidFill>
+                  <a:srgbClr val="000000"/>
+                </a:solidFill>
+                <a:miter lim="800000"/>
+                <a:headEnd/>
+                <a:tailEnd/>
+              </a14:hiddenLine>
+            </a:ext>
+          </a:extLst>
+        </p:spPr>
+        <p:txBody>
+          <a:bodyPr/>
+          <a:lstStyle/>
+          <a:p>
+            <a:endParaRPr lang="ru-RU" altLang="ru-RU">
+              <a:latin typeface="Calibri" panose="020F0502020204030204" pitchFamily="34" charset="0"/>
+              <a:cs typeface="Arial" panose="020B0604020202020204" pitchFamily="34" charset="0"/>
+            </a:endParaRPr>
+          </a:p>
+        </p:txBody>
+      </p:sp>
+      <p:sp>
+        <p:nvSpPr>
+          <p:cNvPr id="39940" name="Номер слайда 3"/>
+          <p:cNvSpPr>
+            <a:spLocks noGrp="1"/>
+          </p:cNvSpPr>
+          <p:nvPr>
+            <p:ph type="sldNum" sz="quarter" idx="5"/>
+          </p:nvPr>
+        </p:nvSpPr>
+        <p:spPr bwMode="auto">
+          <a:noFill/>
+          <a:extLst>
+            <a:ext uri="{909E8E84-426E-40DD-AFC4-6F175D3DCCD1}">
+              <a14:hiddenFill xmlns:a14="http://schemas.microsoft.com/office/drawing/2010/main">
+                <a:solidFill>
+                  <a:srgbClr val="FFFFFF"/>
+                </a:solidFill>
+              </a14:hiddenFill>
+            </a:ext>
+            <a:ext uri="{91240B29-F687-4F45-9708-019B960494DF}">
+              <a14:hiddenLine xmlns:a14="http://schemas.microsoft.com/office/drawing/2010/main" w="9525">
+                <a:solidFill>
+                  <a:srgbClr val="000000"/>
+                </a:solidFill>
+                <a:miter lim="800000"/>
+                <a:headEnd/>
+                <a:tailEnd/>
+              </a14:hiddenLine>
+            </a:ext>
+          </a:extLst>
+        </p:spPr>
+        <p:txBody>
+          <a:bodyPr/>
+          <a:lstStyle>
+            <a:lvl1pPr>
+              <a:defRPr kumimoji="1" sz="2400">
+                <a:solidFill>
+                  <a:schemeClr val="tx1"/>
+                </a:solidFill>
+                <a:latin typeface="Calibri" panose="020F0502020204030204" pitchFamily="34" charset="0"/>
+                <a:cs typeface="Arial" panose="020B0604020202020204" pitchFamily="34" charset="0"/>
+              </a:defRPr>
+            </a:lvl1pPr>
+            <a:lvl2pPr marL="742950" indent="-285750">
+              <a:defRPr kumimoji="1" sz="2400">
+                <a:solidFill>
+                  <a:schemeClr val="tx1"/>
+                </a:solidFill>
+                <a:latin typeface="Calibri" panose="020F0502020204030204" pitchFamily="34" charset="0"/>
+                <a:cs typeface="Arial" panose="020B0604020202020204" pitchFamily="34" charset="0"/>
+              </a:defRPr>
+            </a:lvl2pPr>
+            <a:lvl3pPr marL="1143000" indent="-228600">
+              <a:defRPr kumimoji="1" sz="2400">
+                <a:solidFill>
+                  <a:schemeClr val="tx1"/>
+                </a:solidFill>
+                <a:latin typeface="Calibri" panose="020F0502020204030204" pitchFamily="34" charset="0"/>
+                <a:cs typeface="Arial" panose="020B0604020202020204" pitchFamily="34" charset="0"/>
+              </a:defRPr>
+            </a:lvl3pPr>
+            <a:lvl4pPr marL="1600200" indent="-228600">
+              <a:defRPr kumimoji="1" sz="2400">
+                <a:solidFill>
+                  <a:schemeClr val="tx1"/>
+                </a:solidFill>
+                <a:latin typeface="Calibri" panose="020F0502020204030204" pitchFamily="34" charset="0"/>
+                <a:cs typeface="Arial" panose="020B0604020202020204" pitchFamily="34" charset="0"/>
+              </a:defRPr>
+            </a:lvl4pPr>
+            <a:lvl5pPr marL="2057400" indent="-228600">
+              <a:defRPr kumimoji="1" sz="2400">
+                <a:solidFill>
+                  <a:schemeClr val="tx1"/>
+                </a:solidFill>
+                <a:latin typeface="Calibri" panose="020F0502020204030204" pitchFamily="34" charset="0"/>
+                <a:cs typeface="Arial" panose="020B0604020202020204" pitchFamily="34" charset="0"/>
+              </a:defRPr>
+            </a:lvl5pPr>
+            <a:lvl6pPr marL="2514600" indent="-228600" eaLnBrk="0" fontAlgn="base" hangingPunct="0">
+              <a:spcBef>
+                <a:spcPct val="0"/>
+              </a:spcBef>
+              <a:spcAft>
+                <a:spcPct val="0"/>
+              </a:spcAft>
+              <a:defRPr kumimoji="1" sz="2400">
+                <a:solidFill>
+                  <a:schemeClr val="tx1"/>
+                </a:solidFill>
+                <a:latin typeface="Calibri" panose="020F0502020204030204" pitchFamily="34" charset="0"/>
+                <a:cs typeface="Arial" panose="020B0604020202020204" pitchFamily="34" charset="0"/>
+              </a:defRPr>
+            </a:lvl6pPr>
+            <a:lvl7pPr marL="2971800" indent="-228600" eaLnBrk="0" fontAlgn="base" hangingPunct="0">
+              <a:spcBef>
+                <a:spcPct val="0"/>
+              </a:spcBef>
+              <a:spcAft>
+                <a:spcPct val="0"/>
+              </a:spcAft>
+              <a:defRPr kumimoji="1" sz="2400">
+                <a:solidFill>
+                  <a:schemeClr val="tx1"/>
+                </a:solidFill>
+                <a:latin typeface="Calibri" panose="020F0502020204030204" pitchFamily="34" charset="0"/>
+                <a:cs typeface="Arial" panose="020B0604020202020204" pitchFamily="34" charset="0"/>
+              </a:defRPr>
+            </a:lvl7pPr>
+            <a:lvl8pPr marL="3429000" indent="-228600" eaLnBrk="0" fontAlgn="base" hangingPunct="0">
+              <a:spcBef>
+                <a:spcPct val="0"/>
+              </a:spcBef>
+              <a:spcAft>
+                <a:spcPct val="0"/>
+              </a:spcAft>
+              <a:defRPr kumimoji="1" sz="2400">
+                <a:solidFill>
+                  <a:schemeClr val="tx1"/>
+                </a:solidFill>
+                <a:latin typeface="Calibri" panose="020F0502020204030204" pitchFamily="34" charset="0"/>
+                <a:cs typeface="Arial" panose="020B0604020202020204" pitchFamily="34" charset="0"/>
+              </a:defRPr>
+            </a:lvl8pPr>
+            <a:lvl9pPr marL="3886200" indent="-228600" eaLnBrk="0" fontAlgn="base" hangingPunct="0">
+              <a:spcBef>
+                <a:spcPct val="0"/>
+              </a:spcBef>
+              <a:spcAft>
+                <a:spcPct val="0"/>
+              </a:spcAft>
+              <a:defRPr kumimoji="1" sz="2400">
+                <a:solidFill>
+                  <a:schemeClr val="tx1"/>
+                </a:solidFill>
+                <a:latin typeface="Calibri" panose="020F0502020204030204" pitchFamily="34" charset="0"/>
+                <a:cs typeface="Arial" panose="020B0604020202020204" pitchFamily="34" charset="0"/>
+              </a:defRPr>
+            </a:lvl9pPr>
+          </a:lstStyle>
+          <a:p>
+            <a:fld id="{B27D2EDF-3F8B-45B7-B9D2-EC69D99C01DC}" type="slidenum">
+              <a:rPr kumimoji="0" lang="ru-RU" altLang="ru-RU" sz="1600"/>
+              <a:pPr/>
+              <a:t>15</a:t>
+            </a:fld>
+            <a:endParaRPr kumimoji="0" lang="ru-RU" altLang="ru-RU" sz="1600"/>
+          </a:p>
+        </p:txBody>
+      </p:sp>
+    </p:spTree>
+    <p:extLst>
+      <p:ext uri="{BB962C8B-B14F-4D97-AF65-F5344CB8AC3E}">
+        <p14:creationId xmlns:p14="http://schemas.microsoft.com/office/powerpoint/2010/main" val="431855833"/>
+      </p:ext>
+    </p:extLst>
+  </p:cSld>
+  <p:clrMapOvr>
+    <a:masterClrMapping/>
+  </p:clrMapOvr>
+</p:notes>
+</file>
+
+<file path=ppt/notesSlides/notesSlide16.xml><?xml version="1.0" encoding="utf-8"?>
+<p:notes xmlns:a="http://schemas.openxmlformats.org/drawingml/2006/main" xmlns:r="http://schemas.openxmlformats.org/officeDocument/2006/relationships" xmlns:p="http://schemas.openxmlformats.org/presentationml/2006/main">
+  <p:cSld>
+    <p:spTree>
+      <p:nvGrpSpPr>
+        <p:cNvPr id="1" name=""/>
+        <p:cNvGrpSpPr/>
+        <p:nvPr/>
+      </p:nvGrpSpPr>
+      <p:grpSpPr>
+        <a:xfrm>
+          <a:off x="0" y="0"/>
+          <a:ext cx="0" cy="0"/>
+          <a:chOff x="0" y="0"/>
+          <a:chExt cx="0" cy="0"/>
+        </a:xfrm>
+      </p:grpSpPr>
+      <p:sp>
+        <p:nvSpPr>
+          <p:cNvPr id="39938" name="Образ слайда 1"/>
+          <p:cNvSpPr>
+            <a:spLocks noGrp="1" noRot="1" noChangeAspect="1" noTextEdit="1"/>
+          </p:cNvSpPr>
+          <p:nvPr>
+            <p:ph type="sldImg"/>
+          </p:nvPr>
+        </p:nvSpPr>
+        <p:spPr bwMode="auto">
+          <a:noFill/>
+          <a:ln>
+            <a:solidFill>
+              <a:srgbClr val="000000"/>
+            </a:solidFill>
+            <a:miter lim="800000"/>
+            <a:headEnd/>
+            <a:tailEnd/>
+          </a:ln>
+          <a:extLst>
+            <a:ext uri="{909E8E84-426E-40DD-AFC4-6F175D3DCCD1}">
+              <a14:hiddenFill xmlns:a14="http://schemas.microsoft.com/office/drawing/2010/main">
+                <a:solidFill>
+                  <a:srgbClr val="FFFFFF"/>
+                </a:solidFill>
+              </a14:hiddenFill>
+            </a:ext>
+          </a:extLst>
+        </p:spPr>
+      </p:sp>
+      <p:sp>
+        <p:nvSpPr>
+          <p:cNvPr id="39939" name="Заметки 2"/>
+          <p:cNvSpPr>
+            <a:spLocks noGrp="1"/>
+          </p:cNvSpPr>
+          <p:nvPr>
+            <p:ph type="body" idx="1"/>
+          </p:nvPr>
+        </p:nvSpPr>
+        <p:spPr bwMode="auto">
+          <a:noFill/>
+          <a:extLst>
+            <a:ext uri="{909E8E84-426E-40DD-AFC4-6F175D3DCCD1}">
+              <a14:hiddenFill xmlns:a14="http://schemas.microsoft.com/office/drawing/2010/main">
+                <a:solidFill>
+                  <a:srgbClr val="FFFFFF"/>
+                </a:solidFill>
+              </a14:hiddenFill>
+            </a:ext>
+            <a:ext uri="{91240B29-F687-4F45-9708-019B960494DF}">
+              <a14:hiddenLine xmlns:a14="http://schemas.microsoft.com/office/drawing/2010/main" w="9525">
+                <a:solidFill>
+                  <a:srgbClr val="000000"/>
+                </a:solidFill>
+                <a:miter lim="800000"/>
+                <a:headEnd/>
+                <a:tailEnd/>
+              </a14:hiddenLine>
+            </a:ext>
+          </a:extLst>
+        </p:spPr>
+        <p:txBody>
+          <a:bodyPr/>
+          <a:lstStyle/>
+          <a:p>
+            <a:endParaRPr lang="ru-RU" altLang="ru-RU">
+              <a:latin typeface="Calibri" panose="020F0502020204030204" pitchFamily="34" charset="0"/>
+              <a:cs typeface="Arial" panose="020B0604020202020204" pitchFamily="34" charset="0"/>
+            </a:endParaRPr>
+          </a:p>
+        </p:txBody>
+      </p:sp>
+      <p:sp>
+        <p:nvSpPr>
+          <p:cNvPr id="39940" name="Номер слайда 3"/>
+          <p:cNvSpPr>
+            <a:spLocks noGrp="1"/>
+          </p:cNvSpPr>
+          <p:nvPr>
+            <p:ph type="sldNum" sz="quarter" idx="5"/>
+          </p:nvPr>
+        </p:nvSpPr>
+        <p:spPr bwMode="auto">
+          <a:noFill/>
+          <a:extLst>
+            <a:ext uri="{909E8E84-426E-40DD-AFC4-6F175D3DCCD1}">
+              <a14:hiddenFill xmlns:a14="http://schemas.microsoft.com/office/drawing/2010/main">
+                <a:solidFill>
+                  <a:srgbClr val="FFFFFF"/>
+                </a:solidFill>
+              </a14:hiddenFill>
+            </a:ext>
+            <a:ext uri="{91240B29-F687-4F45-9708-019B960494DF}">
+              <a14:hiddenLine xmlns:a14="http://schemas.microsoft.com/office/drawing/2010/main" w="9525">
+                <a:solidFill>
+                  <a:srgbClr val="000000"/>
+                </a:solidFill>
+                <a:miter lim="800000"/>
+                <a:headEnd/>
+                <a:tailEnd/>
+              </a14:hiddenLine>
+            </a:ext>
+          </a:extLst>
+        </p:spPr>
+        <p:txBody>
+          <a:bodyPr/>
+          <a:lstStyle>
+            <a:lvl1pPr>
+              <a:defRPr kumimoji="1" sz="2400">
+                <a:solidFill>
+                  <a:schemeClr val="tx1"/>
+                </a:solidFill>
+                <a:latin typeface="Calibri" panose="020F0502020204030204" pitchFamily="34" charset="0"/>
+                <a:cs typeface="Arial" panose="020B0604020202020204" pitchFamily="34" charset="0"/>
+              </a:defRPr>
+            </a:lvl1pPr>
+            <a:lvl2pPr marL="742950" indent="-285750">
+              <a:defRPr kumimoji="1" sz="2400">
+                <a:solidFill>
+                  <a:schemeClr val="tx1"/>
+                </a:solidFill>
+                <a:latin typeface="Calibri" panose="020F0502020204030204" pitchFamily="34" charset="0"/>
+                <a:cs typeface="Arial" panose="020B0604020202020204" pitchFamily="34" charset="0"/>
+              </a:defRPr>
+            </a:lvl2pPr>
+            <a:lvl3pPr marL="1143000" indent="-228600">
+              <a:defRPr kumimoji="1" sz="2400">
+                <a:solidFill>
+                  <a:schemeClr val="tx1"/>
+                </a:solidFill>
+                <a:latin typeface="Calibri" panose="020F0502020204030204" pitchFamily="34" charset="0"/>
+                <a:cs typeface="Arial" panose="020B0604020202020204" pitchFamily="34" charset="0"/>
+              </a:defRPr>
+            </a:lvl3pPr>
+            <a:lvl4pPr marL="1600200" indent="-228600">
+              <a:defRPr kumimoji="1" sz="2400">
+                <a:solidFill>
+                  <a:schemeClr val="tx1"/>
+                </a:solidFill>
+                <a:latin typeface="Calibri" panose="020F0502020204030204" pitchFamily="34" charset="0"/>
+                <a:cs typeface="Arial" panose="020B0604020202020204" pitchFamily="34" charset="0"/>
+              </a:defRPr>
+            </a:lvl4pPr>
+            <a:lvl5pPr marL="2057400" indent="-228600">
+              <a:defRPr kumimoji="1" sz="2400">
+                <a:solidFill>
+                  <a:schemeClr val="tx1"/>
+                </a:solidFill>
+                <a:latin typeface="Calibri" panose="020F0502020204030204" pitchFamily="34" charset="0"/>
+                <a:cs typeface="Arial" panose="020B0604020202020204" pitchFamily="34" charset="0"/>
+              </a:defRPr>
+            </a:lvl5pPr>
+            <a:lvl6pPr marL="2514600" indent="-228600" eaLnBrk="0" fontAlgn="base" hangingPunct="0">
+              <a:spcBef>
+                <a:spcPct val="0"/>
+              </a:spcBef>
+              <a:spcAft>
+                <a:spcPct val="0"/>
+              </a:spcAft>
+              <a:defRPr kumimoji="1" sz="2400">
+                <a:solidFill>
+                  <a:schemeClr val="tx1"/>
+                </a:solidFill>
+                <a:latin typeface="Calibri" panose="020F0502020204030204" pitchFamily="34" charset="0"/>
+                <a:cs typeface="Arial" panose="020B0604020202020204" pitchFamily="34" charset="0"/>
+              </a:defRPr>
+            </a:lvl6pPr>
+            <a:lvl7pPr marL="2971800" indent="-228600" eaLnBrk="0" fontAlgn="base" hangingPunct="0">
+              <a:spcBef>
+                <a:spcPct val="0"/>
+              </a:spcBef>
+              <a:spcAft>
+                <a:spcPct val="0"/>
+              </a:spcAft>
+              <a:defRPr kumimoji="1" sz="2400">
+                <a:solidFill>
+                  <a:schemeClr val="tx1"/>
+                </a:solidFill>
+                <a:latin typeface="Calibri" panose="020F0502020204030204" pitchFamily="34" charset="0"/>
+                <a:cs typeface="Arial" panose="020B0604020202020204" pitchFamily="34" charset="0"/>
+              </a:defRPr>
+            </a:lvl7pPr>
+            <a:lvl8pPr marL="3429000" indent="-228600" eaLnBrk="0" fontAlgn="base" hangingPunct="0">
+              <a:spcBef>
+                <a:spcPct val="0"/>
+              </a:spcBef>
+              <a:spcAft>
+                <a:spcPct val="0"/>
+              </a:spcAft>
+              <a:defRPr kumimoji="1" sz="2400">
+                <a:solidFill>
+                  <a:schemeClr val="tx1"/>
+                </a:solidFill>
+                <a:latin typeface="Calibri" panose="020F0502020204030204" pitchFamily="34" charset="0"/>
+                <a:cs typeface="Arial" panose="020B0604020202020204" pitchFamily="34" charset="0"/>
+              </a:defRPr>
+            </a:lvl8pPr>
+            <a:lvl9pPr marL="3886200" indent="-228600" eaLnBrk="0" fontAlgn="base" hangingPunct="0">
+              <a:spcBef>
+                <a:spcPct val="0"/>
+              </a:spcBef>
+              <a:spcAft>
+                <a:spcPct val="0"/>
+              </a:spcAft>
+              <a:defRPr kumimoji="1" sz="2400">
+                <a:solidFill>
+                  <a:schemeClr val="tx1"/>
+                </a:solidFill>
+                <a:latin typeface="Calibri" panose="020F0502020204030204" pitchFamily="34" charset="0"/>
+                <a:cs typeface="Arial" panose="020B0604020202020204" pitchFamily="34" charset="0"/>
+              </a:defRPr>
+            </a:lvl9pPr>
+          </a:lstStyle>
+          <a:p>
+            <a:fld id="{B27D2EDF-3F8B-45B7-B9D2-EC69D99C01DC}" type="slidenum">
+              <a:rPr kumimoji="0" lang="ru-RU" altLang="ru-RU" sz="1600"/>
+              <a:pPr/>
+              <a:t>16</a:t>
+            </a:fld>
+            <a:endParaRPr kumimoji="0" lang="ru-RU" altLang="ru-RU" sz="1600"/>
+          </a:p>
+        </p:txBody>
+      </p:sp>
+    </p:spTree>
+    <p:extLst>
+      <p:ext uri="{BB962C8B-B14F-4D97-AF65-F5344CB8AC3E}">
+        <p14:creationId xmlns:p14="http://schemas.microsoft.com/office/powerpoint/2010/main" val="3916531791"/>
+      </p:ext>
+    </p:extLst>
+  </p:cSld>
+  <p:clrMapOvr>
+    <a:masterClrMapping/>
+  </p:clrMapOvr>
+</p:notes>
+</file>
+
+<file path=ppt/notesSlides/notesSlide17.xml><?xml version="1.0" encoding="utf-8"?>
+<p:notes xmlns:a="http://schemas.openxmlformats.org/drawingml/2006/main" xmlns:r="http://schemas.openxmlformats.org/officeDocument/2006/relationships" xmlns:p="http://schemas.openxmlformats.org/presentationml/2006/main">
+  <p:cSld>
+    <p:spTree>
+      <p:nvGrpSpPr>
+        <p:cNvPr id="1" name=""/>
+        <p:cNvGrpSpPr/>
+        <p:nvPr/>
+      </p:nvGrpSpPr>
+      <p:grpSpPr>
+        <a:xfrm>
+          <a:off x="0" y="0"/>
+          <a:ext cx="0" cy="0"/>
+          <a:chOff x="0" y="0"/>
+          <a:chExt cx="0" cy="0"/>
+        </a:xfrm>
+      </p:grpSpPr>
+      <p:sp>
+        <p:nvSpPr>
+          <p:cNvPr id="39938" name="Образ слайда 1"/>
+          <p:cNvSpPr>
+            <a:spLocks noGrp="1" noRot="1" noChangeAspect="1" noTextEdit="1"/>
+          </p:cNvSpPr>
+          <p:nvPr>
+            <p:ph type="sldImg"/>
+          </p:nvPr>
+        </p:nvSpPr>
+        <p:spPr bwMode="auto">
+          <a:noFill/>
+          <a:ln>
+            <a:solidFill>
+              <a:srgbClr val="000000"/>
+            </a:solidFill>
+            <a:miter lim="800000"/>
+            <a:headEnd/>
+            <a:tailEnd/>
+          </a:ln>
+          <a:extLst>
+            <a:ext uri="{909E8E84-426E-40DD-AFC4-6F175D3DCCD1}">
+              <a14:hiddenFill xmlns:a14="http://schemas.microsoft.com/office/drawing/2010/main">
+                <a:solidFill>
+                  <a:srgbClr val="FFFFFF"/>
+                </a:solidFill>
+              </a14:hiddenFill>
+            </a:ext>
+          </a:extLst>
+        </p:spPr>
+      </p:sp>
+      <p:sp>
+        <p:nvSpPr>
+          <p:cNvPr id="39939" name="Заметки 2"/>
+          <p:cNvSpPr>
+            <a:spLocks noGrp="1"/>
+          </p:cNvSpPr>
+          <p:nvPr>
+            <p:ph type="body" idx="1"/>
+          </p:nvPr>
+        </p:nvSpPr>
+        <p:spPr bwMode="auto">
+          <a:noFill/>
+          <a:extLst>
+            <a:ext uri="{909E8E84-426E-40DD-AFC4-6F175D3DCCD1}">
+              <a14:hiddenFill xmlns:a14="http://schemas.microsoft.com/office/drawing/2010/main">
+                <a:solidFill>
+                  <a:srgbClr val="FFFFFF"/>
+                </a:solidFill>
+              </a14:hiddenFill>
+            </a:ext>
+            <a:ext uri="{91240B29-F687-4F45-9708-019B960494DF}">
+              <a14:hiddenLine xmlns:a14="http://schemas.microsoft.com/office/drawing/2010/main" w="9525">
+                <a:solidFill>
+                  <a:srgbClr val="000000"/>
+                </a:solidFill>
+                <a:miter lim="800000"/>
+                <a:headEnd/>
+                <a:tailEnd/>
+              </a14:hiddenLine>
+            </a:ext>
+          </a:extLst>
+        </p:spPr>
+        <p:txBody>
+          <a:bodyPr/>
+          <a:lstStyle/>
+          <a:p>
+            <a:endParaRPr lang="ru-RU" altLang="ru-RU">
+              <a:latin typeface="Calibri" panose="020F0502020204030204" pitchFamily="34" charset="0"/>
+              <a:cs typeface="Arial" panose="020B0604020202020204" pitchFamily="34" charset="0"/>
+            </a:endParaRPr>
+          </a:p>
+        </p:txBody>
+      </p:sp>
+      <p:sp>
+        <p:nvSpPr>
+          <p:cNvPr id="39940" name="Номер слайда 3"/>
+          <p:cNvSpPr>
+            <a:spLocks noGrp="1"/>
+          </p:cNvSpPr>
+          <p:nvPr>
+            <p:ph type="sldNum" sz="quarter" idx="5"/>
+          </p:nvPr>
+        </p:nvSpPr>
+        <p:spPr bwMode="auto">
+          <a:noFill/>
+          <a:extLst>
+            <a:ext uri="{909E8E84-426E-40DD-AFC4-6F175D3DCCD1}">
+              <a14:hiddenFill xmlns:a14="http://schemas.microsoft.com/office/drawing/2010/main">
+                <a:solidFill>
+                  <a:srgbClr val="FFFFFF"/>
+                </a:solidFill>
+              </a14:hiddenFill>
+            </a:ext>
+            <a:ext uri="{91240B29-F687-4F45-9708-019B960494DF}">
+              <a14:hiddenLine xmlns:a14="http://schemas.microsoft.com/office/drawing/2010/main" w="9525">
+                <a:solidFill>
+                  <a:srgbClr val="000000"/>
+                </a:solidFill>
+                <a:miter lim="800000"/>
+                <a:headEnd/>
+                <a:tailEnd/>
+              </a14:hiddenLine>
+            </a:ext>
+          </a:extLst>
+        </p:spPr>
+        <p:txBody>
+          <a:bodyPr/>
+          <a:lstStyle>
+            <a:lvl1pPr>
+              <a:defRPr kumimoji="1" sz="2400">
+                <a:solidFill>
+                  <a:schemeClr val="tx1"/>
+                </a:solidFill>
+                <a:latin typeface="Calibri" panose="020F0502020204030204" pitchFamily="34" charset="0"/>
+                <a:cs typeface="Arial" panose="020B0604020202020204" pitchFamily="34" charset="0"/>
+              </a:defRPr>
+            </a:lvl1pPr>
+            <a:lvl2pPr marL="742950" indent="-285750">
+              <a:defRPr kumimoji="1" sz="2400">
+                <a:solidFill>
+                  <a:schemeClr val="tx1"/>
+                </a:solidFill>
+                <a:latin typeface="Calibri" panose="020F0502020204030204" pitchFamily="34" charset="0"/>
+                <a:cs typeface="Arial" panose="020B0604020202020204" pitchFamily="34" charset="0"/>
+              </a:defRPr>
+            </a:lvl2pPr>
+            <a:lvl3pPr marL="1143000" indent="-228600">
+              <a:defRPr kumimoji="1" sz="2400">
+                <a:solidFill>
+                  <a:schemeClr val="tx1"/>
+                </a:solidFill>
+                <a:latin typeface="Calibri" panose="020F0502020204030204" pitchFamily="34" charset="0"/>
+                <a:cs typeface="Arial" panose="020B0604020202020204" pitchFamily="34" charset="0"/>
+              </a:defRPr>
+            </a:lvl3pPr>
+            <a:lvl4pPr marL="1600200" indent="-228600">
+              <a:defRPr kumimoji="1" sz="2400">
+                <a:solidFill>
+                  <a:schemeClr val="tx1"/>
+                </a:solidFill>
+                <a:latin typeface="Calibri" panose="020F0502020204030204" pitchFamily="34" charset="0"/>
+                <a:cs typeface="Arial" panose="020B0604020202020204" pitchFamily="34" charset="0"/>
+              </a:defRPr>
+            </a:lvl4pPr>
+            <a:lvl5pPr marL="2057400" indent="-228600">
+              <a:defRPr kumimoji="1" sz="2400">
+                <a:solidFill>
+                  <a:schemeClr val="tx1"/>
+                </a:solidFill>
+                <a:latin typeface="Calibri" panose="020F0502020204030204" pitchFamily="34" charset="0"/>
+                <a:cs typeface="Arial" panose="020B0604020202020204" pitchFamily="34" charset="0"/>
+              </a:defRPr>
+            </a:lvl5pPr>
+            <a:lvl6pPr marL="2514600" indent="-228600" eaLnBrk="0" fontAlgn="base" hangingPunct="0">
+              <a:spcBef>
+                <a:spcPct val="0"/>
+              </a:spcBef>
+              <a:spcAft>
+                <a:spcPct val="0"/>
+              </a:spcAft>
+              <a:defRPr kumimoji="1" sz="2400">
+                <a:solidFill>
+                  <a:schemeClr val="tx1"/>
+                </a:solidFill>
+                <a:latin typeface="Calibri" panose="020F0502020204030204" pitchFamily="34" charset="0"/>
+                <a:cs typeface="Arial" panose="020B0604020202020204" pitchFamily="34" charset="0"/>
+              </a:defRPr>
+            </a:lvl6pPr>
+            <a:lvl7pPr marL="2971800" indent="-228600" eaLnBrk="0" fontAlgn="base" hangingPunct="0">
+              <a:spcBef>
+                <a:spcPct val="0"/>
+              </a:spcBef>
+              <a:spcAft>
+                <a:spcPct val="0"/>
+              </a:spcAft>
+              <a:defRPr kumimoji="1" sz="2400">
+                <a:solidFill>
+                  <a:schemeClr val="tx1"/>
+                </a:solidFill>
+                <a:latin typeface="Calibri" panose="020F0502020204030204" pitchFamily="34" charset="0"/>
+                <a:cs typeface="Arial" panose="020B0604020202020204" pitchFamily="34" charset="0"/>
+              </a:defRPr>
+            </a:lvl7pPr>
+            <a:lvl8pPr marL="3429000" indent="-228600" eaLnBrk="0" fontAlgn="base" hangingPunct="0">
+              <a:spcBef>
+                <a:spcPct val="0"/>
+              </a:spcBef>
+              <a:spcAft>
+                <a:spcPct val="0"/>
+              </a:spcAft>
+              <a:defRPr kumimoji="1" sz="2400">
+                <a:solidFill>
+                  <a:schemeClr val="tx1"/>
+                </a:solidFill>
+                <a:latin typeface="Calibri" panose="020F0502020204030204" pitchFamily="34" charset="0"/>
+                <a:cs typeface="Arial" panose="020B0604020202020204" pitchFamily="34" charset="0"/>
+              </a:defRPr>
+            </a:lvl8pPr>
+            <a:lvl9pPr marL="3886200" indent="-228600" eaLnBrk="0" fontAlgn="base" hangingPunct="0">
+              <a:spcBef>
+                <a:spcPct val="0"/>
+              </a:spcBef>
+              <a:spcAft>
+                <a:spcPct val="0"/>
+              </a:spcAft>
+              <a:defRPr kumimoji="1" sz="2400">
+                <a:solidFill>
+                  <a:schemeClr val="tx1"/>
+                </a:solidFill>
+                <a:latin typeface="Calibri" panose="020F0502020204030204" pitchFamily="34" charset="0"/>
+                <a:cs typeface="Arial" panose="020B0604020202020204" pitchFamily="34" charset="0"/>
+              </a:defRPr>
+            </a:lvl9pPr>
+          </a:lstStyle>
+          <a:p>
+            <a:fld id="{B27D2EDF-3F8B-45B7-B9D2-EC69D99C01DC}" type="slidenum">
+              <a:rPr kumimoji="0" lang="ru-RU" altLang="ru-RU" sz="1600"/>
+              <a:pPr/>
+              <a:t>17</a:t>
+            </a:fld>
+            <a:endParaRPr kumimoji="0" lang="ru-RU" altLang="ru-RU" sz="1600"/>
+          </a:p>
+        </p:txBody>
+      </p:sp>
+    </p:spTree>
+    <p:extLst>
+      <p:ext uri="{BB962C8B-B14F-4D97-AF65-F5344CB8AC3E}">
+        <p14:creationId xmlns:p14="http://schemas.microsoft.com/office/powerpoint/2010/main" val="1307447463"/>
+      </p:ext>
+    </p:extLst>
+  </p:cSld>
+  <p:clrMapOvr>
+    <a:masterClrMapping/>
+  </p:clrMapOvr>
+</p:notes>
+</file>
+
+<file path=ppt/notesSlides/notesSlide18.xml><?xml version="1.0" encoding="utf-8"?>
 <p:notes xmlns:a="http://schemas.openxmlformats.org/drawingml/2006/main" xmlns:r="http://schemas.openxmlformats.org/officeDocument/2006/relationships" xmlns:p="http://schemas.openxmlformats.org/presentationml/2006/main">
   <p:cSld>
     <p:spTree>
@@ -2442,7 +3462,7 @@
 </p:notes>
 </file>
 
-<file path=ppt/notesSlides/notesSlide15.xml><?xml version="1.0" encoding="utf-8"?>
+<file path=ppt/notesSlides/notesSlide19.xml><?xml version="1.0" encoding="utf-8"?>
 <p:notes xmlns:a="http://schemas.openxmlformats.org/drawingml/2006/main" xmlns:r="http://schemas.openxmlformats.org/officeDocument/2006/relationships" xmlns:p="http://schemas.openxmlformats.org/presentationml/2006/main">
   <p:cSld>
     <p:spTree>
@@ -2679,756 +3699,6 @@
               <a:rPr kumimoji="0" lang="ru-RU" altLang="ru-RU" sz="1600"/>
               <a:pPr/>
               <a:t>19</a:t>
-            </a:fld>
-            <a:endParaRPr kumimoji="0" lang="ru-RU" altLang="ru-RU" sz="1600"/>
-          </a:p>
-        </p:txBody>
-      </p:sp>
-    </p:spTree>
-  </p:cSld>
-  <p:clrMapOvr>
-    <a:masterClrMapping/>
-  </p:clrMapOvr>
-</p:notes>
-</file>
-
-<file path=ppt/notesSlides/notesSlide16.xml><?xml version="1.0" encoding="utf-8"?>
-<p:notes xmlns:a="http://schemas.openxmlformats.org/drawingml/2006/main" xmlns:r="http://schemas.openxmlformats.org/officeDocument/2006/relationships" xmlns:p="http://schemas.openxmlformats.org/presentationml/2006/main">
-  <p:cSld>
-    <p:spTree>
-      <p:nvGrpSpPr>
-        <p:cNvPr id="1" name=""/>
-        <p:cNvGrpSpPr/>
-        <p:nvPr/>
-      </p:nvGrpSpPr>
-      <p:grpSpPr>
-        <a:xfrm>
-          <a:off x="0" y="0"/>
-          <a:ext cx="0" cy="0"/>
-          <a:chOff x="0" y="0"/>
-          <a:chExt cx="0" cy="0"/>
-        </a:xfrm>
-      </p:grpSpPr>
-      <p:sp>
-        <p:nvSpPr>
-          <p:cNvPr id="44034" name="Образ слайда 1"/>
-          <p:cNvSpPr>
-            <a:spLocks noGrp="1" noRot="1" noChangeAspect="1" noTextEdit="1"/>
-          </p:cNvSpPr>
-          <p:nvPr>
-            <p:ph type="sldImg"/>
-          </p:nvPr>
-        </p:nvSpPr>
-        <p:spPr bwMode="auto">
-          <a:noFill/>
-          <a:ln>
-            <a:solidFill>
-              <a:srgbClr val="000000"/>
-            </a:solidFill>
-            <a:miter lim="800000"/>
-            <a:headEnd/>
-            <a:tailEnd/>
-          </a:ln>
-          <a:extLst>
-            <a:ext uri="{909E8E84-426E-40DD-AFC4-6F175D3DCCD1}">
-              <a14:hiddenFill xmlns:a14="http://schemas.microsoft.com/office/drawing/2010/main">
-                <a:solidFill>
-                  <a:srgbClr val="FFFFFF"/>
-                </a:solidFill>
-              </a14:hiddenFill>
-            </a:ext>
-          </a:extLst>
-        </p:spPr>
-      </p:sp>
-      <p:sp>
-        <p:nvSpPr>
-          <p:cNvPr id="44035" name="Заметки 2"/>
-          <p:cNvSpPr>
-            <a:spLocks noGrp="1"/>
-          </p:cNvSpPr>
-          <p:nvPr>
-            <p:ph type="body" idx="1"/>
-          </p:nvPr>
-        </p:nvSpPr>
-        <p:spPr bwMode="auto">
-          <a:noFill/>
-          <a:extLst>
-            <a:ext uri="{909E8E84-426E-40DD-AFC4-6F175D3DCCD1}">
-              <a14:hiddenFill xmlns:a14="http://schemas.microsoft.com/office/drawing/2010/main">
-                <a:solidFill>
-                  <a:srgbClr val="FFFFFF"/>
-                </a:solidFill>
-              </a14:hiddenFill>
-            </a:ext>
-            <a:ext uri="{91240B29-F687-4F45-9708-019B960494DF}">
-              <a14:hiddenLine xmlns:a14="http://schemas.microsoft.com/office/drawing/2010/main" w="9525">
-                <a:solidFill>
-                  <a:srgbClr val="000000"/>
-                </a:solidFill>
-                <a:miter lim="800000"/>
-                <a:headEnd/>
-                <a:tailEnd/>
-              </a14:hiddenLine>
-            </a:ext>
-          </a:extLst>
-        </p:spPr>
-        <p:txBody>
-          <a:bodyPr/>
-          <a:lstStyle/>
-          <a:p>
-            <a:endParaRPr lang="ru-RU" altLang="ru-RU">
-              <a:latin typeface="Calibri" panose="020F0502020204030204" pitchFamily="34" charset="0"/>
-              <a:cs typeface="Arial" panose="020B0604020202020204" pitchFamily="34" charset="0"/>
-            </a:endParaRPr>
-          </a:p>
-        </p:txBody>
-      </p:sp>
-      <p:sp>
-        <p:nvSpPr>
-          <p:cNvPr id="44036" name="Номер слайда 3"/>
-          <p:cNvSpPr>
-            <a:spLocks noGrp="1"/>
-          </p:cNvSpPr>
-          <p:nvPr>
-            <p:ph type="sldNum" sz="quarter" idx="5"/>
-          </p:nvPr>
-        </p:nvSpPr>
-        <p:spPr bwMode="auto">
-          <a:noFill/>
-          <a:extLst>
-            <a:ext uri="{909E8E84-426E-40DD-AFC4-6F175D3DCCD1}">
-              <a14:hiddenFill xmlns:a14="http://schemas.microsoft.com/office/drawing/2010/main">
-                <a:solidFill>
-                  <a:srgbClr val="FFFFFF"/>
-                </a:solidFill>
-              </a14:hiddenFill>
-            </a:ext>
-            <a:ext uri="{91240B29-F687-4F45-9708-019B960494DF}">
-              <a14:hiddenLine xmlns:a14="http://schemas.microsoft.com/office/drawing/2010/main" w="9525">
-                <a:solidFill>
-                  <a:srgbClr val="000000"/>
-                </a:solidFill>
-                <a:miter lim="800000"/>
-                <a:headEnd/>
-                <a:tailEnd/>
-              </a14:hiddenLine>
-            </a:ext>
-          </a:extLst>
-        </p:spPr>
-        <p:txBody>
-          <a:bodyPr/>
-          <a:lstStyle>
-            <a:lvl1pPr>
-              <a:defRPr kumimoji="1" sz="2400">
-                <a:solidFill>
-                  <a:schemeClr val="tx1"/>
-                </a:solidFill>
-                <a:latin typeface="Calibri" panose="020F0502020204030204" pitchFamily="34" charset="0"/>
-                <a:cs typeface="Arial" panose="020B0604020202020204" pitchFamily="34" charset="0"/>
-              </a:defRPr>
-            </a:lvl1pPr>
-            <a:lvl2pPr marL="742950" indent="-285750">
-              <a:defRPr kumimoji="1" sz="2400">
-                <a:solidFill>
-                  <a:schemeClr val="tx1"/>
-                </a:solidFill>
-                <a:latin typeface="Calibri" panose="020F0502020204030204" pitchFamily="34" charset="0"/>
-                <a:cs typeface="Arial" panose="020B0604020202020204" pitchFamily="34" charset="0"/>
-              </a:defRPr>
-            </a:lvl2pPr>
-            <a:lvl3pPr marL="1143000" indent="-228600">
-              <a:defRPr kumimoji="1" sz="2400">
-                <a:solidFill>
-                  <a:schemeClr val="tx1"/>
-                </a:solidFill>
-                <a:latin typeface="Calibri" panose="020F0502020204030204" pitchFamily="34" charset="0"/>
-                <a:cs typeface="Arial" panose="020B0604020202020204" pitchFamily="34" charset="0"/>
-              </a:defRPr>
-            </a:lvl3pPr>
-            <a:lvl4pPr marL="1600200" indent="-228600">
-              <a:defRPr kumimoji="1" sz="2400">
-                <a:solidFill>
-                  <a:schemeClr val="tx1"/>
-                </a:solidFill>
-                <a:latin typeface="Calibri" panose="020F0502020204030204" pitchFamily="34" charset="0"/>
-                <a:cs typeface="Arial" panose="020B0604020202020204" pitchFamily="34" charset="0"/>
-              </a:defRPr>
-            </a:lvl4pPr>
-            <a:lvl5pPr marL="2057400" indent="-228600">
-              <a:defRPr kumimoji="1" sz="2400">
-                <a:solidFill>
-                  <a:schemeClr val="tx1"/>
-                </a:solidFill>
-                <a:latin typeface="Calibri" panose="020F0502020204030204" pitchFamily="34" charset="0"/>
-                <a:cs typeface="Arial" panose="020B0604020202020204" pitchFamily="34" charset="0"/>
-              </a:defRPr>
-            </a:lvl5pPr>
-            <a:lvl6pPr marL="2514600" indent="-228600" eaLnBrk="0" fontAlgn="base" hangingPunct="0">
-              <a:spcBef>
-                <a:spcPct val="0"/>
-              </a:spcBef>
-              <a:spcAft>
-                <a:spcPct val="0"/>
-              </a:spcAft>
-              <a:defRPr kumimoji="1" sz="2400">
-                <a:solidFill>
-                  <a:schemeClr val="tx1"/>
-                </a:solidFill>
-                <a:latin typeface="Calibri" panose="020F0502020204030204" pitchFamily="34" charset="0"/>
-                <a:cs typeface="Arial" panose="020B0604020202020204" pitchFamily="34" charset="0"/>
-              </a:defRPr>
-            </a:lvl6pPr>
-            <a:lvl7pPr marL="2971800" indent="-228600" eaLnBrk="0" fontAlgn="base" hangingPunct="0">
-              <a:spcBef>
-                <a:spcPct val="0"/>
-              </a:spcBef>
-              <a:spcAft>
-                <a:spcPct val="0"/>
-              </a:spcAft>
-              <a:defRPr kumimoji="1" sz="2400">
-                <a:solidFill>
-                  <a:schemeClr val="tx1"/>
-                </a:solidFill>
-                <a:latin typeface="Calibri" panose="020F0502020204030204" pitchFamily="34" charset="0"/>
-                <a:cs typeface="Arial" panose="020B0604020202020204" pitchFamily="34" charset="0"/>
-              </a:defRPr>
-            </a:lvl7pPr>
-            <a:lvl8pPr marL="3429000" indent="-228600" eaLnBrk="0" fontAlgn="base" hangingPunct="0">
-              <a:spcBef>
-                <a:spcPct val="0"/>
-              </a:spcBef>
-              <a:spcAft>
-                <a:spcPct val="0"/>
-              </a:spcAft>
-              <a:defRPr kumimoji="1" sz="2400">
-                <a:solidFill>
-                  <a:schemeClr val="tx1"/>
-                </a:solidFill>
-                <a:latin typeface="Calibri" panose="020F0502020204030204" pitchFamily="34" charset="0"/>
-                <a:cs typeface="Arial" panose="020B0604020202020204" pitchFamily="34" charset="0"/>
-              </a:defRPr>
-            </a:lvl8pPr>
-            <a:lvl9pPr marL="3886200" indent="-228600" eaLnBrk="0" fontAlgn="base" hangingPunct="0">
-              <a:spcBef>
-                <a:spcPct val="0"/>
-              </a:spcBef>
-              <a:spcAft>
-                <a:spcPct val="0"/>
-              </a:spcAft>
-              <a:defRPr kumimoji="1" sz="2400">
-                <a:solidFill>
-                  <a:schemeClr val="tx1"/>
-                </a:solidFill>
-                <a:latin typeface="Calibri" panose="020F0502020204030204" pitchFamily="34" charset="0"/>
-                <a:cs typeface="Arial" panose="020B0604020202020204" pitchFamily="34" charset="0"/>
-              </a:defRPr>
-            </a:lvl9pPr>
-          </a:lstStyle>
-          <a:p>
-            <a:fld id="{0AC64D54-ECC5-431C-85CD-C231FAFCE238}" type="slidenum">
-              <a:rPr kumimoji="0" lang="ru-RU" altLang="ru-RU" sz="1600"/>
-              <a:pPr/>
-              <a:t>20</a:t>
-            </a:fld>
-            <a:endParaRPr kumimoji="0" lang="ru-RU" altLang="ru-RU" sz="1600"/>
-          </a:p>
-        </p:txBody>
-      </p:sp>
-    </p:spTree>
-  </p:cSld>
-  <p:clrMapOvr>
-    <a:masterClrMapping/>
-  </p:clrMapOvr>
-</p:notes>
-</file>
-
-<file path=ppt/notesSlides/notesSlide17.xml><?xml version="1.0" encoding="utf-8"?>
-<p:notes xmlns:a="http://schemas.openxmlformats.org/drawingml/2006/main" xmlns:r="http://schemas.openxmlformats.org/officeDocument/2006/relationships" xmlns:p="http://schemas.openxmlformats.org/presentationml/2006/main">
-  <p:cSld>
-    <p:spTree>
-      <p:nvGrpSpPr>
-        <p:cNvPr id="1" name=""/>
-        <p:cNvGrpSpPr/>
-        <p:nvPr/>
-      </p:nvGrpSpPr>
-      <p:grpSpPr>
-        <a:xfrm>
-          <a:off x="0" y="0"/>
-          <a:ext cx="0" cy="0"/>
-          <a:chOff x="0" y="0"/>
-          <a:chExt cx="0" cy="0"/>
-        </a:xfrm>
-      </p:grpSpPr>
-      <p:sp>
-        <p:nvSpPr>
-          <p:cNvPr id="48130" name="Образ слайда 1"/>
-          <p:cNvSpPr>
-            <a:spLocks noGrp="1" noRot="1" noChangeAspect="1" noTextEdit="1"/>
-          </p:cNvSpPr>
-          <p:nvPr>
-            <p:ph type="sldImg"/>
-          </p:nvPr>
-        </p:nvSpPr>
-        <p:spPr bwMode="auto">
-          <a:noFill/>
-          <a:ln>
-            <a:solidFill>
-              <a:srgbClr val="000000"/>
-            </a:solidFill>
-            <a:miter lim="800000"/>
-            <a:headEnd/>
-            <a:tailEnd/>
-          </a:ln>
-          <a:extLst>
-            <a:ext uri="{909E8E84-426E-40DD-AFC4-6F175D3DCCD1}">
-              <a14:hiddenFill xmlns:a14="http://schemas.microsoft.com/office/drawing/2010/main">
-                <a:solidFill>
-                  <a:srgbClr val="FFFFFF"/>
-                </a:solidFill>
-              </a14:hiddenFill>
-            </a:ext>
-          </a:extLst>
-        </p:spPr>
-      </p:sp>
-      <p:sp>
-        <p:nvSpPr>
-          <p:cNvPr id="48131" name="Заметки 2"/>
-          <p:cNvSpPr>
-            <a:spLocks noGrp="1"/>
-          </p:cNvSpPr>
-          <p:nvPr>
-            <p:ph type="body" idx="1"/>
-          </p:nvPr>
-        </p:nvSpPr>
-        <p:spPr bwMode="auto">
-          <a:noFill/>
-          <a:extLst>
-            <a:ext uri="{909E8E84-426E-40DD-AFC4-6F175D3DCCD1}">
-              <a14:hiddenFill xmlns:a14="http://schemas.microsoft.com/office/drawing/2010/main">
-                <a:solidFill>
-                  <a:srgbClr val="FFFFFF"/>
-                </a:solidFill>
-              </a14:hiddenFill>
-            </a:ext>
-            <a:ext uri="{91240B29-F687-4F45-9708-019B960494DF}">
-              <a14:hiddenLine xmlns:a14="http://schemas.microsoft.com/office/drawing/2010/main" w="9525">
-                <a:solidFill>
-                  <a:srgbClr val="000000"/>
-                </a:solidFill>
-                <a:miter lim="800000"/>
-                <a:headEnd/>
-                <a:tailEnd/>
-              </a14:hiddenLine>
-            </a:ext>
-          </a:extLst>
-        </p:spPr>
-        <p:txBody>
-          <a:bodyPr/>
-          <a:lstStyle/>
-          <a:p>
-            <a:endParaRPr lang="ru-RU" altLang="ru-RU">
-              <a:latin typeface="Calibri" panose="020F0502020204030204" pitchFamily="34" charset="0"/>
-              <a:cs typeface="Arial" panose="020B0604020202020204" pitchFamily="34" charset="0"/>
-            </a:endParaRPr>
-          </a:p>
-        </p:txBody>
-      </p:sp>
-      <p:sp>
-        <p:nvSpPr>
-          <p:cNvPr id="48132" name="Номер слайда 3"/>
-          <p:cNvSpPr>
-            <a:spLocks noGrp="1"/>
-          </p:cNvSpPr>
-          <p:nvPr>
-            <p:ph type="sldNum" sz="quarter" idx="5"/>
-          </p:nvPr>
-        </p:nvSpPr>
-        <p:spPr bwMode="auto">
-          <a:noFill/>
-          <a:extLst>
-            <a:ext uri="{909E8E84-426E-40DD-AFC4-6F175D3DCCD1}">
-              <a14:hiddenFill xmlns:a14="http://schemas.microsoft.com/office/drawing/2010/main">
-                <a:solidFill>
-                  <a:srgbClr val="FFFFFF"/>
-                </a:solidFill>
-              </a14:hiddenFill>
-            </a:ext>
-            <a:ext uri="{91240B29-F687-4F45-9708-019B960494DF}">
-              <a14:hiddenLine xmlns:a14="http://schemas.microsoft.com/office/drawing/2010/main" w="9525">
-                <a:solidFill>
-                  <a:srgbClr val="000000"/>
-                </a:solidFill>
-                <a:miter lim="800000"/>
-                <a:headEnd/>
-                <a:tailEnd/>
-              </a14:hiddenLine>
-            </a:ext>
-          </a:extLst>
-        </p:spPr>
-        <p:txBody>
-          <a:bodyPr/>
-          <a:lstStyle>
-            <a:lvl1pPr>
-              <a:defRPr kumimoji="1" sz="2400">
-                <a:solidFill>
-                  <a:schemeClr val="tx1"/>
-                </a:solidFill>
-                <a:latin typeface="Calibri" panose="020F0502020204030204" pitchFamily="34" charset="0"/>
-                <a:cs typeface="Arial" panose="020B0604020202020204" pitchFamily="34" charset="0"/>
-              </a:defRPr>
-            </a:lvl1pPr>
-            <a:lvl2pPr marL="742950" indent="-285750">
-              <a:defRPr kumimoji="1" sz="2400">
-                <a:solidFill>
-                  <a:schemeClr val="tx1"/>
-                </a:solidFill>
-                <a:latin typeface="Calibri" panose="020F0502020204030204" pitchFamily="34" charset="0"/>
-                <a:cs typeface="Arial" panose="020B0604020202020204" pitchFamily="34" charset="0"/>
-              </a:defRPr>
-            </a:lvl2pPr>
-            <a:lvl3pPr marL="1143000" indent="-228600">
-              <a:defRPr kumimoji="1" sz="2400">
-                <a:solidFill>
-                  <a:schemeClr val="tx1"/>
-                </a:solidFill>
-                <a:latin typeface="Calibri" panose="020F0502020204030204" pitchFamily="34" charset="0"/>
-                <a:cs typeface="Arial" panose="020B0604020202020204" pitchFamily="34" charset="0"/>
-              </a:defRPr>
-            </a:lvl3pPr>
-            <a:lvl4pPr marL="1600200" indent="-228600">
-              <a:defRPr kumimoji="1" sz="2400">
-                <a:solidFill>
-                  <a:schemeClr val="tx1"/>
-                </a:solidFill>
-                <a:latin typeface="Calibri" panose="020F0502020204030204" pitchFamily="34" charset="0"/>
-                <a:cs typeface="Arial" panose="020B0604020202020204" pitchFamily="34" charset="0"/>
-              </a:defRPr>
-            </a:lvl4pPr>
-            <a:lvl5pPr marL="2057400" indent="-228600">
-              <a:defRPr kumimoji="1" sz="2400">
-                <a:solidFill>
-                  <a:schemeClr val="tx1"/>
-                </a:solidFill>
-                <a:latin typeface="Calibri" panose="020F0502020204030204" pitchFamily="34" charset="0"/>
-                <a:cs typeface="Arial" panose="020B0604020202020204" pitchFamily="34" charset="0"/>
-              </a:defRPr>
-            </a:lvl5pPr>
-            <a:lvl6pPr marL="2514600" indent="-228600" eaLnBrk="0" fontAlgn="base" hangingPunct="0">
-              <a:spcBef>
-                <a:spcPct val="0"/>
-              </a:spcBef>
-              <a:spcAft>
-                <a:spcPct val="0"/>
-              </a:spcAft>
-              <a:defRPr kumimoji="1" sz="2400">
-                <a:solidFill>
-                  <a:schemeClr val="tx1"/>
-                </a:solidFill>
-                <a:latin typeface="Calibri" panose="020F0502020204030204" pitchFamily="34" charset="0"/>
-                <a:cs typeface="Arial" panose="020B0604020202020204" pitchFamily="34" charset="0"/>
-              </a:defRPr>
-            </a:lvl6pPr>
-            <a:lvl7pPr marL="2971800" indent="-228600" eaLnBrk="0" fontAlgn="base" hangingPunct="0">
-              <a:spcBef>
-                <a:spcPct val="0"/>
-              </a:spcBef>
-              <a:spcAft>
-                <a:spcPct val="0"/>
-              </a:spcAft>
-              <a:defRPr kumimoji="1" sz="2400">
-                <a:solidFill>
-                  <a:schemeClr val="tx1"/>
-                </a:solidFill>
-                <a:latin typeface="Calibri" panose="020F0502020204030204" pitchFamily="34" charset="0"/>
-                <a:cs typeface="Arial" panose="020B0604020202020204" pitchFamily="34" charset="0"/>
-              </a:defRPr>
-            </a:lvl7pPr>
-            <a:lvl8pPr marL="3429000" indent="-228600" eaLnBrk="0" fontAlgn="base" hangingPunct="0">
-              <a:spcBef>
-                <a:spcPct val="0"/>
-              </a:spcBef>
-              <a:spcAft>
-                <a:spcPct val="0"/>
-              </a:spcAft>
-              <a:defRPr kumimoji="1" sz="2400">
-                <a:solidFill>
-                  <a:schemeClr val="tx1"/>
-                </a:solidFill>
-                <a:latin typeface="Calibri" panose="020F0502020204030204" pitchFamily="34" charset="0"/>
-                <a:cs typeface="Arial" panose="020B0604020202020204" pitchFamily="34" charset="0"/>
-              </a:defRPr>
-            </a:lvl8pPr>
-            <a:lvl9pPr marL="3886200" indent="-228600" eaLnBrk="0" fontAlgn="base" hangingPunct="0">
-              <a:spcBef>
-                <a:spcPct val="0"/>
-              </a:spcBef>
-              <a:spcAft>
-                <a:spcPct val="0"/>
-              </a:spcAft>
-              <a:defRPr kumimoji="1" sz="2400">
-                <a:solidFill>
-                  <a:schemeClr val="tx1"/>
-                </a:solidFill>
-                <a:latin typeface="Calibri" panose="020F0502020204030204" pitchFamily="34" charset="0"/>
-                <a:cs typeface="Arial" panose="020B0604020202020204" pitchFamily="34" charset="0"/>
-              </a:defRPr>
-            </a:lvl9pPr>
-          </a:lstStyle>
-          <a:p>
-            <a:fld id="{F733DCA9-6936-47D9-B7F4-B4C9F6B94827}" type="slidenum">
-              <a:rPr kumimoji="0" lang="ru-RU" altLang="ru-RU" sz="1600"/>
-              <a:pPr/>
-              <a:t>21</a:t>
-            </a:fld>
-            <a:endParaRPr kumimoji="0" lang="ru-RU" altLang="ru-RU" sz="1600"/>
-          </a:p>
-        </p:txBody>
-      </p:sp>
-    </p:spTree>
-  </p:cSld>
-  <p:clrMapOvr>
-    <a:masterClrMapping/>
-  </p:clrMapOvr>
-</p:notes>
-</file>
-
-<file path=ppt/notesSlides/notesSlide18.xml><?xml version="1.0" encoding="utf-8"?>
-<p:notes xmlns:a="http://schemas.openxmlformats.org/drawingml/2006/main" xmlns:r="http://schemas.openxmlformats.org/officeDocument/2006/relationships" xmlns:p="http://schemas.openxmlformats.org/presentationml/2006/main">
-  <p:cSld>
-    <p:spTree>
-      <p:nvGrpSpPr>
-        <p:cNvPr id="1" name=""/>
-        <p:cNvGrpSpPr/>
-        <p:nvPr/>
-      </p:nvGrpSpPr>
-      <p:grpSpPr>
-        <a:xfrm>
-          <a:off x="0" y="0"/>
-          <a:ext cx="0" cy="0"/>
-          <a:chOff x="0" y="0"/>
-          <a:chExt cx="0" cy="0"/>
-        </a:xfrm>
-      </p:grpSpPr>
-      <p:sp>
-        <p:nvSpPr>
-          <p:cNvPr id="50178" name="Образ слайда 1"/>
-          <p:cNvSpPr>
-            <a:spLocks noGrp="1" noRot="1" noChangeAspect="1" noTextEdit="1"/>
-          </p:cNvSpPr>
-          <p:nvPr>
-            <p:ph type="sldImg"/>
-          </p:nvPr>
-        </p:nvSpPr>
-        <p:spPr bwMode="auto">
-          <a:noFill/>
-          <a:ln>
-            <a:solidFill>
-              <a:srgbClr val="000000"/>
-            </a:solidFill>
-            <a:miter lim="800000"/>
-            <a:headEnd/>
-            <a:tailEnd/>
-          </a:ln>
-          <a:extLst>
-            <a:ext uri="{909E8E84-426E-40DD-AFC4-6F175D3DCCD1}">
-              <a14:hiddenFill xmlns:a14="http://schemas.microsoft.com/office/drawing/2010/main">
-                <a:solidFill>
-                  <a:srgbClr val="FFFFFF"/>
-                </a:solidFill>
-              </a14:hiddenFill>
-            </a:ext>
-          </a:extLst>
-        </p:spPr>
-      </p:sp>
-      <p:sp>
-        <p:nvSpPr>
-          <p:cNvPr id="50179" name="Заметки 2"/>
-          <p:cNvSpPr>
-            <a:spLocks noGrp="1"/>
-          </p:cNvSpPr>
-          <p:nvPr>
-            <p:ph type="body" idx="1"/>
-          </p:nvPr>
-        </p:nvSpPr>
-        <p:spPr bwMode="auto">
-          <a:noFill/>
-          <a:extLst>
-            <a:ext uri="{909E8E84-426E-40DD-AFC4-6F175D3DCCD1}">
-              <a14:hiddenFill xmlns:a14="http://schemas.microsoft.com/office/drawing/2010/main">
-                <a:solidFill>
-                  <a:srgbClr val="FFFFFF"/>
-                </a:solidFill>
-              </a14:hiddenFill>
-            </a:ext>
-            <a:ext uri="{91240B29-F687-4F45-9708-019B960494DF}">
-              <a14:hiddenLine xmlns:a14="http://schemas.microsoft.com/office/drawing/2010/main" w="9525">
-                <a:solidFill>
-                  <a:srgbClr val="000000"/>
-                </a:solidFill>
-                <a:miter lim="800000"/>
-                <a:headEnd/>
-                <a:tailEnd/>
-              </a14:hiddenLine>
-            </a:ext>
-          </a:extLst>
-        </p:spPr>
-        <p:txBody>
-          <a:bodyPr/>
-          <a:lstStyle/>
-          <a:p>
-            <a:endParaRPr lang="ru-RU" altLang="ru-RU">
-              <a:latin typeface="Calibri" panose="020F0502020204030204" pitchFamily="34" charset="0"/>
-              <a:cs typeface="Arial" panose="020B0604020202020204" pitchFamily="34" charset="0"/>
-            </a:endParaRPr>
-          </a:p>
-        </p:txBody>
-      </p:sp>
-      <p:sp>
-        <p:nvSpPr>
-          <p:cNvPr id="50180" name="Номер слайда 3"/>
-          <p:cNvSpPr>
-            <a:spLocks noGrp="1"/>
-          </p:cNvSpPr>
-          <p:nvPr>
-            <p:ph type="sldNum" sz="quarter" idx="5"/>
-          </p:nvPr>
-        </p:nvSpPr>
-        <p:spPr bwMode="auto">
-          <a:noFill/>
-          <a:extLst>
-            <a:ext uri="{909E8E84-426E-40DD-AFC4-6F175D3DCCD1}">
-              <a14:hiddenFill xmlns:a14="http://schemas.microsoft.com/office/drawing/2010/main">
-                <a:solidFill>
-                  <a:srgbClr val="FFFFFF"/>
-                </a:solidFill>
-              </a14:hiddenFill>
-            </a:ext>
-            <a:ext uri="{91240B29-F687-4F45-9708-019B960494DF}">
-              <a14:hiddenLine xmlns:a14="http://schemas.microsoft.com/office/drawing/2010/main" w="9525">
-                <a:solidFill>
-                  <a:srgbClr val="000000"/>
-                </a:solidFill>
-                <a:miter lim="800000"/>
-                <a:headEnd/>
-                <a:tailEnd/>
-              </a14:hiddenLine>
-            </a:ext>
-          </a:extLst>
-        </p:spPr>
-        <p:txBody>
-          <a:bodyPr/>
-          <a:lstStyle>
-            <a:lvl1pPr>
-              <a:defRPr kumimoji="1" sz="2400">
-                <a:solidFill>
-                  <a:schemeClr val="tx1"/>
-                </a:solidFill>
-                <a:latin typeface="Calibri" panose="020F0502020204030204" pitchFamily="34" charset="0"/>
-                <a:cs typeface="Arial" panose="020B0604020202020204" pitchFamily="34" charset="0"/>
-              </a:defRPr>
-            </a:lvl1pPr>
-            <a:lvl2pPr marL="742950" indent="-285750">
-              <a:defRPr kumimoji="1" sz="2400">
-                <a:solidFill>
-                  <a:schemeClr val="tx1"/>
-                </a:solidFill>
-                <a:latin typeface="Calibri" panose="020F0502020204030204" pitchFamily="34" charset="0"/>
-                <a:cs typeface="Arial" panose="020B0604020202020204" pitchFamily="34" charset="0"/>
-              </a:defRPr>
-            </a:lvl2pPr>
-            <a:lvl3pPr marL="1143000" indent="-228600">
-              <a:defRPr kumimoji="1" sz="2400">
-                <a:solidFill>
-                  <a:schemeClr val="tx1"/>
-                </a:solidFill>
-                <a:latin typeface="Calibri" panose="020F0502020204030204" pitchFamily="34" charset="0"/>
-                <a:cs typeface="Arial" panose="020B0604020202020204" pitchFamily="34" charset="0"/>
-              </a:defRPr>
-            </a:lvl3pPr>
-            <a:lvl4pPr marL="1600200" indent="-228600">
-              <a:defRPr kumimoji="1" sz="2400">
-                <a:solidFill>
-                  <a:schemeClr val="tx1"/>
-                </a:solidFill>
-                <a:latin typeface="Calibri" panose="020F0502020204030204" pitchFamily="34" charset="0"/>
-                <a:cs typeface="Arial" panose="020B0604020202020204" pitchFamily="34" charset="0"/>
-              </a:defRPr>
-            </a:lvl4pPr>
-            <a:lvl5pPr marL="2057400" indent="-228600">
-              <a:defRPr kumimoji="1" sz="2400">
-                <a:solidFill>
-                  <a:schemeClr val="tx1"/>
-                </a:solidFill>
-                <a:latin typeface="Calibri" panose="020F0502020204030204" pitchFamily="34" charset="0"/>
-                <a:cs typeface="Arial" panose="020B0604020202020204" pitchFamily="34" charset="0"/>
-              </a:defRPr>
-            </a:lvl5pPr>
-            <a:lvl6pPr marL="2514600" indent="-228600" eaLnBrk="0" fontAlgn="base" hangingPunct="0">
-              <a:spcBef>
-                <a:spcPct val="0"/>
-              </a:spcBef>
-              <a:spcAft>
-                <a:spcPct val="0"/>
-              </a:spcAft>
-              <a:defRPr kumimoji="1" sz="2400">
-                <a:solidFill>
-                  <a:schemeClr val="tx1"/>
-                </a:solidFill>
-                <a:latin typeface="Calibri" panose="020F0502020204030204" pitchFamily="34" charset="0"/>
-                <a:cs typeface="Arial" panose="020B0604020202020204" pitchFamily="34" charset="0"/>
-              </a:defRPr>
-            </a:lvl6pPr>
-            <a:lvl7pPr marL="2971800" indent="-228600" eaLnBrk="0" fontAlgn="base" hangingPunct="0">
-              <a:spcBef>
-                <a:spcPct val="0"/>
-              </a:spcBef>
-              <a:spcAft>
-                <a:spcPct val="0"/>
-              </a:spcAft>
-              <a:defRPr kumimoji="1" sz="2400">
-                <a:solidFill>
-                  <a:schemeClr val="tx1"/>
-                </a:solidFill>
-                <a:latin typeface="Calibri" panose="020F0502020204030204" pitchFamily="34" charset="0"/>
-                <a:cs typeface="Arial" panose="020B0604020202020204" pitchFamily="34" charset="0"/>
-              </a:defRPr>
-            </a:lvl7pPr>
-            <a:lvl8pPr marL="3429000" indent="-228600" eaLnBrk="0" fontAlgn="base" hangingPunct="0">
-              <a:spcBef>
-                <a:spcPct val="0"/>
-              </a:spcBef>
-              <a:spcAft>
-                <a:spcPct val="0"/>
-              </a:spcAft>
-              <a:defRPr kumimoji="1" sz="2400">
-                <a:solidFill>
-                  <a:schemeClr val="tx1"/>
-                </a:solidFill>
-                <a:latin typeface="Calibri" panose="020F0502020204030204" pitchFamily="34" charset="0"/>
-                <a:cs typeface="Arial" panose="020B0604020202020204" pitchFamily="34" charset="0"/>
-              </a:defRPr>
-            </a:lvl8pPr>
-            <a:lvl9pPr marL="3886200" indent="-228600" eaLnBrk="0" fontAlgn="base" hangingPunct="0">
-              <a:spcBef>
-                <a:spcPct val="0"/>
-              </a:spcBef>
-              <a:spcAft>
-                <a:spcPct val="0"/>
-              </a:spcAft>
-              <a:defRPr kumimoji="1" sz="2400">
-                <a:solidFill>
-                  <a:schemeClr val="tx1"/>
-                </a:solidFill>
-                <a:latin typeface="Calibri" panose="020F0502020204030204" pitchFamily="34" charset="0"/>
-                <a:cs typeface="Arial" panose="020B0604020202020204" pitchFamily="34" charset="0"/>
-              </a:defRPr>
-            </a:lvl9pPr>
-          </a:lstStyle>
-          <a:p>
-            <a:fld id="{BC6B0DFC-B04F-448A-A406-09A7377BEFE5}" type="slidenum">
-              <a:rPr kumimoji="0" lang="ru-RU" altLang="ru-RU" sz="1600"/>
-              <a:pPr/>
-              <a:t>22</a:t>
             </a:fld>
             <a:endParaRPr kumimoji="0" lang="ru-RU" altLang="ru-RU" sz="1600"/>
           </a:p>
@@ -3679,6 +3949,756 @@
               <a:rPr kumimoji="0" lang="ru-RU" altLang="ru-RU" sz="1600"/>
               <a:pPr/>
               <a:t>2</a:t>
+            </a:fld>
+            <a:endParaRPr kumimoji="0" lang="ru-RU" altLang="ru-RU" sz="1600"/>
+          </a:p>
+        </p:txBody>
+      </p:sp>
+    </p:spTree>
+  </p:cSld>
+  <p:clrMapOvr>
+    <a:masterClrMapping/>
+  </p:clrMapOvr>
+</p:notes>
+</file>
+
+<file path=ppt/notesSlides/notesSlide20.xml><?xml version="1.0" encoding="utf-8"?>
+<p:notes xmlns:a="http://schemas.openxmlformats.org/drawingml/2006/main" xmlns:r="http://schemas.openxmlformats.org/officeDocument/2006/relationships" xmlns:p="http://schemas.openxmlformats.org/presentationml/2006/main">
+  <p:cSld>
+    <p:spTree>
+      <p:nvGrpSpPr>
+        <p:cNvPr id="1" name=""/>
+        <p:cNvGrpSpPr/>
+        <p:nvPr/>
+      </p:nvGrpSpPr>
+      <p:grpSpPr>
+        <a:xfrm>
+          <a:off x="0" y="0"/>
+          <a:ext cx="0" cy="0"/>
+          <a:chOff x="0" y="0"/>
+          <a:chExt cx="0" cy="0"/>
+        </a:xfrm>
+      </p:grpSpPr>
+      <p:sp>
+        <p:nvSpPr>
+          <p:cNvPr id="44034" name="Образ слайда 1"/>
+          <p:cNvSpPr>
+            <a:spLocks noGrp="1" noRot="1" noChangeAspect="1" noTextEdit="1"/>
+          </p:cNvSpPr>
+          <p:nvPr>
+            <p:ph type="sldImg"/>
+          </p:nvPr>
+        </p:nvSpPr>
+        <p:spPr bwMode="auto">
+          <a:noFill/>
+          <a:ln>
+            <a:solidFill>
+              <a:srgbClr val="000000"/>
+            </a:solidFill>
+            <a:miter lim="800000"/>
+            <a:headEnd/>
+            <a:tailEnd/>
+          </a:ln>
+          <a:extLst>
+            <a:ext uri="{909E8E84-426E-40DD-AFC4-6F175D3DCCD1}">
+              <a14:hiddenFill xmlns:a14="http://schemas.microsoft.com/office/drawing/2010/main">
+                <a:solidFill>
+                  <a:srgbClr val="FFFFFF"/>
+                </a:solidFill>
+              </a14:hiddenFill>
+            </a:ext>
+          </a:extLst>
+        </p:spPr>
+      </p:sp>
+      <p:sp>
+        <p:nvSpPr>
+          <p:cNvPr id="44035" name="Заметки 2"/>
+          <p:cNvSpPr>
+            <a:spLocks noGrp="1"/>
+          </p:cNvSpPr>
+          <p:nvPr>
+            <p:ph type="body" idx="1"/>
+          </p:nvPr>
+        </p:nvSpPr>
+        <p:spPr bwMode="auto">
+          <a:noFill/>
+          <a:extLst>
+            <a:ext uri="{909E8E84-426E-40DD-AFC4-6F175D3DCCD1}">
+              <a14:hiddenFill xmlns:a14="http://schemas.microsoft.com/office/drawing/2010/main">
+                <a:solidFill>
+                  <a:srgbClr val="FFFFFF"/>
+                </a:solidFill>
+              </a14:hiddenFill>
+            </a:ext>
+            <a:ext uri="{91240B29-F687-4F45-9708-019B960494DF}">
+              <a14:hiddenLine xmlns:a14="http://schemas.microsoft.com/office/drawing/2010/main" w="9525">
+                <a:solidFill>
+                  <a:srgbClr val="000000"/>
+                </a:solidFill>
+                <a:miter lim="800000"/>
+                <a:headEnd/>
+                <a:tailEnd/>
+              </a14:hiddenLine>
+            </a:ext>
+          </a:extLst>
+        </p:spPr>
+        <p:txBody>
+          <a:bodyPr/>
+          <a:lstStyle/>
+          <a:p>
+            <a:endParaRPr lang="ru-RU" altLang="ru-RU">
+              <a:latin typeface="Calibri" panose="020F0502020204030204" pitchFamily="34" charset="0"/>
+              <a:cs typeface="Arial" panose="020B0604020202020204" pitchFamily="34" charset="0"/>
+            </a:endParaRPr>
+          </a:p>
+        </p:txBody>
+      </p:sp>
+      <p:sp>
+        <p:nvSpPr>
+          <p:cNvPr id="44036" name="Номер слайда 3"/>
+          <p:cNvSpPr>
+            <a:spLocks noGrp="1"/>
+          </p:cNvSpPr>
+          <p:nvPr>
+            <p:ph type="sldNum" sz="quarter" idx="5"/>
+          </p:nvPr>
+        </p:nvSpPr>
+        <p:spPr bwMode="auto">
+          <a:noFill/>
+          <a:extLst>
+            <a:ext uri="{909E8E84-426E-40DD-AFC4-6F175D3DCCD1}">
+              <a14:hiddenFill xmlns:a14="http://schemas.microsoft.com/office/drawing/2010/main">
+                <a:solidFill>
+                  <a:srgbClr val="FFFFFF"/>
+                </a:solidFill>
+              </a14:hiddenFill>
+            </a:ext>
+            <a:ext uri="{91240B29-F687-4F45-9708-019B960494DF}">
+              <a14:hiddenLine xmlns:a14="http://schemas.microsoft.com/office/drawing/2010/main" w="9525">
+                <a:solidFill>
+                  <a:srgbClr val="000000"/>
+                </a:solidFill>
+                <a:miter lim="800000"/>
+                <a:headEnd/>
+                <a:tailEnd/>
+              </a14:hiddenLine>
+            </a:ext>
+          </a:extLst>
+        </p:spPr>
+        <p:txBody>
+          <a:bodyPr/>
+          <a:lstStyle>
+            <a:lvl1pPr>
+              <a:defRPr kumimoji="1" sz="2400">
+                <a:solidFill>
+                  <a:schemeClr val="tx1"/>
+                </a:solidFill>
+                <a:latin typeface="Calibri" panose="020F0502020204030204" pitchFamily="34" charset="0"/>
+                <a:cs typeface="Arial" panose="020B0604020202020204" pitchFamily="34" charset="0"/>
+              </a:defRPr>
+            </a:lvl1pPr>
+            <a:lvl2pPr marL="742950" indent="-285750">
+              <a:defRPr kumimoji="1" sz="2400">
+                <a:solidFill>
+                  <a:schemeClr val="tx1"/>
+                </a:solidFill>
+                <a:latin typeface="Calibri" panose="020F0502020204030204" pitchFamily="34" charset="0"/>
+                <a:cs typeface="Arial" panose="020B0604020202020204" pitchFamily="34" charset="0"/>
+              </a:defRPr>
+            </a:lvl2pPr>
+            <a:lvl3pPr marL="1143000" indent="-228600">
+              <a:defRPr kumimoji="1" sz="2400">
+                <a:solidFill>
+                  <a:schemeClr val="tx1"/>
+                </a:solidFill>
+                <a:latin typeface="Calibri" panose="020F0502020204030204" pitchFamily="34" charset="0"/>
+                <a:cs typeface="Arial" panose="020B0604020202020204" pitchFamily="34" charset="0"/>
+              </a:defRPr>
+            </a:lvl3pPr>
+            <a:lvl4pPr marL="1600200" indent="-228600">
+              <a:defRPr kumimoji="1" sz="2400">
+                <a:solidFill>
+                  <a:schemeClr val="tx1"/>
+                </a:solidFill>
+                <a:latin typeface="Calibri" panose="020F0502020204030204" pitchFamily="34" charset="0"/>
+                <a:cs typeface="Arial" panose="020B0604020202020204" pitchFamily="34" charset="0"/>
+              </a:defRPr>
+            </a:lvl4pPr>
+            <a:lvl5pPr marL="2057400" indent="-228600">
+              <a:defRPr kumimoji="1" sz="2400">
+                <a:solidFill>
+                  <a:schemeClr val="tx1"/>
+                </a:solidFill>
+                <a:latin typeface="Calibri" panose="020F0502020204030204" pitchFamily="34" charset="0"/>
+                <a:cs typeface="Arial" panose="020B0604020202020204" pitchFamily="34" charset="0"/>
+              </a:defRPr>
+            </a:lvl5pPr>
+            <a:lvl6pPr marL="2514600" indent="-228600" eaLnBrk="0" fontAlgn="base" hangingPunct="0">
+              <a:spcBef>
+                <a:spcPct val="0"/>
+              </a:spcBef>
+              <a:spcAft>
+                <a:spcPct val="0"/>
+              </a:spcAft>
+              <a:defRPr kumimoji="1" sz="2400">
+                <a:solidFill>
+                  <a:schemeClr val="tx1"/>
+                </a:solidFill>
+                <a:latin typeface="Calibri" panose="020F0502020204030204" pitchFamily="34" charset="0"/>
+                <a:cs typeface="Arial" panose="020B0604020202020204" pitchFamily="34" charset="0"/>
+              </a:defRPr>
+            </a:lvl6pPr>
+            <a:lvl7pPr marL="2971800" indent="-228600" eaLnBrk="0" fontAlgn="base" hangingPunct="0">
+              <a:spcBef>
+                <a:spcPct val="0"/>
+              </a:spcBef>
+              <a:spcAft>
+                <a:spcPct val="0"/>
+              </a:spcAft>
+              <a:defRPr kumimoji="1" sz="2400">
+                <a:solidFill>
+                  <a:schemeClr val="tx1"/>
+                </a:solidFill>
+                <a:latin typeface="Calibri" panose="020F0502020204030204" pitchFamily="34" charset="0"/>
+                <a:cs typeface="Arial" panose="020B0604020202020204" pitchFamily="34" charset="0"/>
+              </a:defRPr>
+            </a:lvl7pPr>
+            <a:lvl8pPr marL="3429000" indent="-228600" eaLnBrk="0" fontAlgn="base" hangingPunct="0">
+              <a:spcBef>
+                <a:spcPct val="0"/>
+              </a:spcBef>
+              <a:spcAft>
+                <a:spcPct val="0"/>
+              </a:spcAft>
+              <a:defRPr kumimoji="1" sz="2400">
+                <a:solidFill>
+                  <a:schemeClr val="tx1"/>
+                </a:solidFill>
+                <a:latin typeface="Calibri" panose="020F0502020204030204" pitchFamily="34" charset="0"/>
+                <a:cs typeface="Arial" panose="020B0604020202020204" pitchFamily="34" charset="0"/>
+              </a:defRPr>
+            </a:lvl8pPr>
+            <a:lvl9pPr marL="3886200" indent="-228600" eaLnBrk="0" fontAlgn="base" hangingPunct="0">
+              <a:spcBef>
+                <a:spcPct val="0"/>
+              </a:spcBef>
+              <a:spcAft>
+                <a:spcPct val="0"/>
+              </a:spcAft>
+              <a:defRPr kumimoji="1" sz="2400">
+                <a:solidFill>
+                  <a:schemeClr val="tx1"/>
+                </a:solidFill>
+                <a:latin typeface="Calibri" panose="020F0502020204030204" pitchFamily="34" charset="0"/>
+                <a:cs typeface="Arial" panose="020B0604020202020204" pitchFamily="34" charset="0"/>
+              </a:defRPr>
+            </a:lvl9pPr>
+          </a:lstStyle>
+          <a:p>
+            <a:fld id="{0AC64D54-ECC5-431C-85CD-C231FAFCE238}" type="slidenum">
+              <a:rPr kumimoji="0" lang="ru-RU" altLang="ru-RU" sz="1600"/>
+              <a:pPr/>
+              <a:t>20</a:t>
+            </a:fld>
+            <a:endParaRPr kumimoji="0" lang="ru-RU" altLang="ru-RU" sz="1600"/>
+          </a:p>
+        </p:txBody>
+      </p:sp>
+    </p:spTree>
+  </p:cSld>
+  <p:clrMapOvr>
+    <a:masterClrMapping/>
+  </p:clrMapOvr>
+</p:notes>
+</file>
+
+<file path=ppt/notesSlides/notesSlide21.xml><?xml version="1.0" encoding="utf-8"?>
+<p:notes xmlns:a="http://schemas.openxmlformats.org/drawingml/2006/main" xmlns:r="http://schemas.openxmlformats.org/officeDocument/2006/relationships" xmlns:p="http://schemas.openxmlformats.org/presentationml/2006/main">
+  <p:cSld>
+    <p:spTree>
+      <p:nvGrpSpPr>
+        <p:cNvPr id="1" name=""/>
+        <p:cNvGrpSpPr/>
+        <p:nvPr/>
+      </p:nvGrpSpPr>
+      <p:grpSpPr>
+        <a:xfrm>
+          <a:off x="0" y="0"/>
+          <a:ext cx="0" cy="0"/>
+          <a:chOff x="0" y="0"/>
+          <a:chExt cx="0" cy="0"/>
+        </a:xfrm>
+      </p:grpSpPr>
+      <p:sp>
+        <p:nvSpPr>
+          <p:cNvPr id="48130" name="Образ слайда 1"/>
+          <p:cNvSpPr>
+            <a:spLocks noGrp="1" noRot="1" noChangeAspect="1" noTextEdit="1"/>
+          </p:cNvSpPr>
+          <p:nvPr>
+            <p:ph type="sldImg"/>
+          </p:nvPr>
+        </p:nvSpPr>
+        <p:spPr bwMode="auto">
+          <a:noFill/>
+          <a:ln>
+            <a:solidFill>
+              <a:srgbClr val="000000"/>
+            </a:solidFill>
+            <a:miter lim="800000"/>
+            <a:headEnd/>
+            <a:tailEnd/>
+          </a:ln>
+          <a:extLst>
+            <a:ext uri="{909E8E84-426E-40DD-AFC4-6F175D3DCCD1}">
+              <a14:hiddenFill xmlns:a14="http://schemas.microsoft.com/office/drawing/2010/main">
+                <a:solidFill>
+                  <a:srgbClr val="FFFFFF"/>
+                </a:solidFill>
+              </a14:hiddenFill>
+            </a:ext>
+          </a:extLst>
+        </p:spPr>
+      </p:sp>
+      <p:sp>
+        <p:nvSpPr>
+          <p:cNvPr id="48131" name="Заметки 2"/>
+          <p:cNvSpPr>
+            <a:spLocks noGrp="1"/>
+          </p:cNvSpPr>
+          <p:nvPr>
+            <p:ph type="body" idx="1"/>
+          </p:nvPr>
+        </p:nvSpPr>
+        <p:spPr bwMode="auto">
+          <a:noFill/>
+          <a:extLst>
+            <a:ext uri="{909E8E84-426E-40DD-AFC4-6F175D3DCCD1}">
+              <a14:hiddenFill xmlns:a14="http://schemas.microsoft.com/office/drawing/2010/main">
+                <a:solidFill>
+                  <a:srgbClr val="FFFFFF"/>
+                </a:solidFill>
+              </a14:hiddenFill>
+            </a:ext>
+            <a:ext uri="{91240B29-F687-4F45-9708-019B960494DF}">
+              <a14:hiddenLine xmlns:a14="http://schemas.microsoft.com/office/drawing/2010/main" w="9525">
+                <a:solidFill>
+                  <a:srgbClr val="000000"/>
+                </a:solidFill>
+                <a:miter lim="800000"/>
+                <a:headEnd/>
+                <a:tailEnd/>
+              </a14:hiddenLine>
+            </a:ext>
+          </a:extLst>
+        </p:spPr>
+        <p:txBody>
+          <a:bodyPr/>
+          <a:lstStyle/>
+          <a:p>
+            <a:endParaRPr lang="ru-RU" altLang="ru-RU">
+              <a:latin typeface="Calibri" panose="020F0502020204030204" pitchFamily="34" charset="0"/>
+              <a:cs typeface="Arial" panose="020B0604020202020204" pitchFamily="34" charset="0"/>
+            </a:endParaRPr>
+          </a:p>
+        </p:txBody>
+      </p:sp>
+      <p:sp>
+        <p:nvSpPr>
+          <p:cNvPr id="48132" name="Номер слайда 3"/>
+          <p:cNvSpPr>
+            <a:spLocks noGrp="1"/>
+          </p:cNvSpPr>
+          <p:nvPr>
+            <p:ph type="sldNum" sz="quarter" idx="5"/>
+          </p:nvPr>
+        </p:nvSpPr>
+        <p:spPr bwMode="auto">
+          <a:noFill/>
+          <a:extLst>
+            <a:ext uri="{909E8E84-426E-40DD-AFC4-6F175D3DCCD1}">
+              <a14:hiddenFill xmlns:a14="http://schemas.microsoft.com/office/drawing/2010/main">
+                <a:solidFill>
+                  <a:srgbClr val="FFFFFF"/>
+                </a:solidFill>
+              </a14:hiddenFill>
+            </a:ext>
+            <a:ext uri="{91240B29-F687-4F45-9708-019B960494DF}">
+              <a14:hiddenLine xmlns:a14="http://schemas.microsoft.com/office/drawing/2010/main" w="9525">
+                <a:solidFill>
+                  <a:srgbClr val="000000"/>
+                </a:solidFill>
+                <a:miter lim="800000"/>
+                <a:headEnd/>
+                <a:tailEnd/>
+              </a14:hiddenLine>
+            </a:ext>
+          </a:extLst>
+        </p:spPr>
+        <p:txBody>
+          <a:bodyPr/>
+          <a:lstStyle>
+            <a:lvl1pPr>
+              <a:defRPr kumimoji="1" sz="2400">
+                <a:solidFill>
+                  <a:schemeClr val="tx1"/>
+                </a:solidFill>
+                <a:latin typeface="Calibri" panose="020F0502020204030204" pitchFamily="34" charset="0"/>
+                <a:cs typeface="Arial" panose="020B0604020202020204" pitchFamily="34" charset="0"/>
+              </a:defRPr>
+            </a:lvl1pPr>
+            <a:lvl2pPr marL="742950" indent="-285750">
+              <a:defRPr kumimoji="1" sz="2400">
+                <a:solidFill>
+                  <a:schemeClr val="tx1"/>
+                </a:solidFill>
+                <a:latin typeface="Calibri" panose="020F0502020204030204" pitchFamily="34" charset="0"/>
+                <a:cs typeface="Arial" panose="020B0604020202020204" pitchFamily="34" charset="0"/>
+              </a:defRPr>
+            </a:lvl2pPr>
+            <a:lvl3pPr marL="1143000" indent="-228600">
+              <a:defRPr kumimoji="1" sz="2400">
+                <a:solidFill>
+                  <a:schemeClr val="tx1"/>
+                </a:solidFill>
+                <a:latin typeface="Calibri" panose="020F0502020204030204" pitchFamily="34" charset="0"/>
+                <a:cs typeface="Arial" panose="020B0604020202020204" pitchFamily="34" charset="0"/>
+              </a:defRPr>
+            </a:lvl3pPr>
+            <a:lvl4pPr marL="1600200" indent="-228600">
+              <a:defRPr kumimoji="1" sz="2400">
+                <a:solidFill>
+                  <a:schemeClr val="tx1"/>
+                </a:solidFill>
+                <a:latin typeface="Calibri" panose="020F0502020204030204" pitchFamily="34" charset="0"/>
+                <a:cs typeface="Arial" panose="020B0604020202020204" pitchFamily="34" charset="0"/>
+              </a:defRPr>
+            </a:lvl4pPr>
+            <a:lvl5pPr marL="2057400" indent="-228600">
+              <a:defRPr kumimoji="1" sz="2400">
+                <a:solidFill>
+                  <a:schemeClr val="tx1"/>
+                </a:solidFill>
+                <a:latin typeface="Calibri" panose="020F0502020204030204" pitchFamily="34" charset="0"/>
+                <a:cs typeface="Arial" panose="020B0604020202020204" pitchFamily="34" charset="0"/>
+              </a:defRPr>
+            </a:lvl5pPr>
+            <a:lvl6pPr marL="2514600" indent="-228600" eaLnBrk="0" fontAlgn="base" hangingPunct="0">
+              <a:spcBef>
+                <a:spcPct val="0"/>
+              </a:spcBef>
+              <a:spcAft>
+                <a:spcPct val="0"/>
+              </a:spcAft>
+              <a:defRPr kumimoji="1" sz="2400">
+                <a:solidFill>
+                  <a:schemeClr val="tx1"/>
+                </a:solidFill>
+                <a:latin typeface="Calibri" panose="020F0502020204030204" pitchFamily="34" charset="0"/>
+                <a:cs typeface="Arial" panose="020B0604020202020204" pitchFamily="34" charset="0"/>
+              </a:defRPr>
+            </a:lvl6pPr>
+            <a:lvl7pPr marL="2971800" indent="-228600" eaLnBrk="0" fontAlgn="base" hangingPunct="0">
+              <a:spcBef>
+                <a:spcPct val="0"/>
+              </a:spcBef>
+              <a:spcAft>
+                <a:spcPct val="0"/>
+              </a:spcAft>
+              <a:defRPr kumimoji="1" sz="2400">
+                <a:solidFill>
+                  <a:schemeClr val="tx1"/>
+                </a:solidFill>
+                <a:latin typeface="Calibri" panose="020F0502020204030204" pitchFamily="34" charset="0"/>
+                <a:cs typeface="Arial" panose="020B0604020202020204" pitchFamily="34" charset="0"/>
+              </a:defRPr>
+            </a:lvl7pPr>
+            <a:lvl8pPr marL="3429000" indent="-228600" eaLnBrk="0" fontAlgn="base" hangingPunct="0">
+              <a:spcBef>
+                <a:spcPct val="0"/>
+              </a:spcBef>
+              <a:spcAft>
+                <a:spcPct val="0"/>
+              </a:spcAft>
+              <a:defRPr kumimoji="1" sz="2400">
+                <a:solidFill>
+                  <a:schemeClr val="tx1"/>
+                </a:solidFill>
+                <a:latin typeface="Calibri" panose="020F0502020204030204" pitchFamily="34" charset="0"/>
+                <a:cs typeface="Arial" panose="020B0604020202020204" pitchFamily="34" charset="0"/>
+              </a:defRPr>
+            </a:lvl8pPr>
+            <a:lvl9pPr marL="3886200" indent="-228600" eaLnBrk="0" fontAlgn="base" hangingPunct="0">
+              <a:spcBef>
+                <a:spcPct val="0"/>
+              </a:spcBef>
+              <a:spcAft>
+                <a:spcPct val="0"/>
+              </a:spcAft>
+              <a:defRPr kumimoji="1" sz="2400">
+                <a:solidFill>
+                  <a:schemeClr val="tx1"/>
+                </a:solidFill>
+                <a:latin typeface="Calibri" panose="020F0502020204030204" pitchFamily="34" charset="0"/>
+                <a:cs typeface="Arial" panose="020B0604020202020204" pitchFamily="34" charset="0"/>
+              </a:defRPr>
+            </a:lvl9pPr>
+          </a:lstStyle>
+          <a:p>
+            <a:fld id="{F733DCA9-6936-47D9-B7F4-B4C9F6B94827}" type="slidenum">
+              <a:rPr kumimoji="0" lang="ru-RU" altLang="ru-RU" sz="1600"/>
+              <a:pPr/>
+              <a:t>21</a:t>
+            </a:fld>
+            <a:endParaRPr kumimoji="0" lang="ru-RU" altLang="ru-RU" sz="1600"/>
+          </a:p>
+        </p:txBody>
+      </p:sp>
+    </p:spTree>
+  </p:cSld>
+  <p:clrMapOvr>
+    <a:masterClrMapping/>
+  </p:clrMapOvr>
+</p:notes>
+</file>
+
+<file path=ppt/notesSlides/notesSlide22.xml><?xml version="1.0" encoding="utf-8"?>
+<p:notes xmlns:a="http://schemas.openxmlformats.org/drawingml/2006/main" xmlns:r="http://schemas.openxmlformats.org/officeDocument/2006/relationships" xmlns:p="http://schemas.openxmlformats.org/presentationml/2006/main">
+  <p:cSld>
+    <p:spTree>
+      <p:nvGrpSpPr>
+        <p:cNvPr id="1" name=""/>
+        <p:cNvGrpSpPr/>
+        <p:nvPr/>
+      </p:nvGrpSpPr>
+      <p:grpSpPr>
+        <a:xfrm>
+          <a:off x="0" y="0"/>
+          <a:ext cx="0" cy="0"/>
+          <a:chOff x="0" y="0"/>
+          <a:chExt cx="0" cy="0"/>
+        </a:xfrm>
+      </p:grpSpPr>
+      <p:sp>
+        <p:nvSpPr>
+          <p:cNvPr id="50178" name="Образ слайда 1"/>
+          <p:cNvSpPr>
+            <a:spLocks noGrp="1" noRot="1" noChangeAspect="1" noTextEdit="1"/>
+          </p:cNvSpPr>
+          <p:nvPr>
+            <p:ph type="sldImg"/>
+          </p:nvPr>
+        </p:nvSpPr>
+        <p:spPr bwMode="auto">
+          <a:noFill/>
+          <a:ln>
+            <a:solidFill>
+              <a:srgbClr val="000000"/>
+            </a:solidFill>
+            <a:miter lim="800000"/>
+            <a:headEnd/>
+            <a:tailEnd/>
+          </a:ln>
+          <a:extLst>
+            <a:ext uri="{909E8E84-426E-40DD-AFC4-6F175D3DCCD1}">
+              <a14:hiddenFill xmlns:a14="http://schemas.microsoft.com/office/drawing/2010/main">
+                <a:solidFill>
+                  <a:srgbClr val="FFFFFF"/>
+                </a:solidFill>
+              </a14:hiddenFill>
+            </a:ext>
+          </a:extLst>
+        </p:spPr>
+      </p:sp>
+      <p:sp>
+        <p:nvSpPr>
+          <p:cNvPr id="50179" name="Заметки 2"/>
+          <p:cNvSpPr>
+            <a:spLocks noGrp="1"/>
+          </p:cNvSpPr>
+          <p:nvPr>
+            <p:ph type="body" idx="1"/>
+          </p:nvPr>
+        </p:nvSpPr>
+        <p:spPr bwMode="auto">
+          <a:noFill/>
+          <a:extLst>
+            <a:ext uri="{909E8E84-426E-40DD-AFC4-6F175D3DCCD1}">
+              <a14:hiddenFill xmlns:a14="http://schemas.microsoft.com/office/drawing/2010/main">
+                <a:solidFill>
+                  <a:srgbClr val="FFFFFF"/>
+                </a:solidFill>
+              </a14:hiddenFill>
+            </a:ext>
+            <a:ext uri="{91240B29-F687-4F45-9708-019B960494DF}">
+              <a14:hiddenLine xmlns:a14="http://schemas.microsoft.com/office/drawing/2010/main" w="9525">
+                <a:solidFill>
+                  <a:srgbClr val="000000"/>
+                </a:solidFill>
+                <a:miter lim="800000"/>
+                <a:headEnd/>
+                <a:tailEnd/>
+              </a14:hiddenLine>
+            </a:ext>
+          </a:extLst>
+        </p:spPr>
+        <p:txBody>
+          <a:bodyPr/>
+          <a:lstStyle/>
+          <a:p>
+            <a:endParaRPr lang="ru-RU" altLang="ru-RU">
+              <a:latin typeface="Calibri" panose="020F0502020204030204" pitchFamily="34" charset="0"/>
+              <a:cs typeface="Arial" panose="020B0604020202020204" pitchFamily="34" charset="0"/>
+            </a:endParaRPr>
+          </a:p>
+        </p:txBody>
+      </p:sp>
+      <p:sp>
+        <p:nvSpPr>
+          <p:cNvPr id="50180" name="Номер слайда 3"/>
+          <p:cNvSpPr>
+            <a:spLocks noGrp="1"/>
+          </p:cNvSpPr>
+          <p:nvPr>
+            <p:ph type="sldNum" sz="quarter" idx="5"/>
+          </p:nvPr>
+        </p:nvSpPr>
+        <p:spPr bwMode="auto">
+          <a:noFill/>
+          <a:extLst>
+            <a:ext uri="{909E8E84-426E-40DD-AFC4-6F175D3DCCD1}">
+              <a14:hiddenFill xmlns:a14="http://schemas.microsoft.com/office/drawing/2010/main">
+                <a:solidFill>
+                  <a:srgbClr val="FFFFFF"/>
+                </a:solidFill>
+              </a14:hiddenFill>
+            </a:ext>
+            <a:ext uri="{91240B29-F687-4F45-9708-019B960494DF}">
+              <a14:hiddenLine xmlns:a14="http://schemas.microsoft.com/office/drawing/2010/main" w="9525">
+                <a:solidFill>
+                  <a:srgbClr val="000000"/>
+                </a:solidFill>
+                <a:miter lim="800000"/>
+                <a:headEnd/>
+                <a:tailEnd/>
+              </a14:hiddenLine>
+            </a:ext>
+          </a:extLst>
+        </p:spPr>
+        <p:txBody>
+          <a:bodyPr/>
+          <a:lstStyle>
+            <a:lvl1pPr>
+              <a:defRPr kumimoji="1" sz="2400">
+                <a:solidFill>
+                  <a:schemeClr val="tx1"/>
+                </a:solidFill>
+                <a:latin typeface="Calibri" panose="020F0502020204030204" pitchFamily="34" charset="0"/>
+                <a:cs typeface="Arial" panose="020B0604020202020204" pitchFamily="34" charset="0"/>
+              </a:defRPr>
+            </a:lvl1pPr>
+            <a:lvl2pPr marL="742950" indent="-285750">
+              <a:defRPr kumimoji="1" sz="2400">
+                <a:solidFill>
+                  <a:schemeClr val="tx1"/>
+                </a:solidFill>
+                <a:latin typeface="Calibri" panose="020F0502020204030204" pitchFamily="34" charset="0"/>
+                <a:cs typeface="Arial" panose="020B0604020202020204" pitchFamily="34" charset="0"/>
+              </a:defRPr>
+            </a:lvl2pPr>
+            <a:lvl3pPr marL="1143000" indent="-228600">
+              <a:defRPr kumimoji="1" sz="2400">
+                <a:solidFill>
+                  <a:schemeClr val="tx1"/>
+                </a:solidFill>
+                <a:latin typeface="Calibri" panose="020F0502020204030204" pitchFamily="34" charset="0"/>
+                <a:cs typeface="Arial" panose="020B0604020202020204" pitchFamily="34" charset="0"/>
+              </a:defRPr>
+            </a:lvl3pPr>
+            <a:lvl4pPr marL="1600200" indent="-228600">
+              <a:defRPr kumimoji="1" sz="2400">
+                <a:solidFill>
+                  <a:schemeClr val="tx1"/>
+                </a:solidFill>
+                <a:latin typeface="Calibri" panose="020F0502020204030204" pitchFamily="34" charset="0"/>
+                <a:cs typeface="Arial" panose="020B0604020202020204" pitchFamily="34" charset="0"/>
+              </a:defRPr>
+            </a:lvl4pPr>
+            <a:lvl5pPr marL="2057400" indent="-228600">
+              <a:defRPr kumimoji="1" sz="2400">
+                <a:solidFill>
+                  <a:schemeClr val="tx1"/>
+                </a:solidFill>
+                <a:latin typeface="Calibri" panose="020F0502020204030204" pitchFamily="34" charset="0"/>
+                <a:cs typeface="Arial" panose="020B0604020202020204" pitchFamily="34" charset="0"/>
+              </a:defRPr>
+            </a:lvl5pPr>
+            <a:lvl6pPr marL="2514600" indent="-228600" eaLnBrk="0" fontAlgn="base" hangingPunct="0">
+              <a:spcBef>
+                <a:spcPct val="0"/>
+              </a:spcBef>
+              <a:spcAft>
+                <a:spcPct val="0"/>
+              </a:spcAft>
+              <a:defRPr kumimoji="1" sz="2400">
+                <a:solidFill>
+                  <a:schemeClr val="tx1"/>
+                </a:solidFill>
+                <a:latin typeface="Calibri" panose="020F0502020204030204" pitchFamily="34" charset="0"/>
+                <a:cs typeface="Arial" panose="020B0604020202020204" pitchFamily="34" charset="0"/>
+              </a:defRPr>
+            </a:lvl6pPr>
+            <a:lvl7pPr marL="2971800" indent="-228600" eaLnBrk="0" fontAlgn="base" hangingPunct="0">
+              <a:spcBef>
+                <a:spcPct val="0"/>
+              </a:spcBef>
+              <a:spcAft>
+                <a:spcPct val="0"/>
+              </a:spcAft>
+              <a:defRPr kumimoji="1" sz="2400">
+                <a:solidFill>
+                  <a:schemeClr val="tx1"/>
+                </a:solidFill>
+                <a:latin typeface="Calibri" panose="020F0502020204030204" pitchFamily="34" charset="0"/>
+                <a:cs typeface="Arial" panose="020B0604020202020204" pitchFamily="34" charset="0"/>
+              </a:defRPr>
+            </a:lvl7pPr>
+            <a:lvl8pPr marL="3429000" indent="-228600" eaLnBrk="0" fontAlgn="base" hangingPunct="0">
+              <a:spcBef>
+                <a:spcPct val="0"/>
+              </a:spcBef>
+              <a:spcAft>
+                <a:spcPct val="0"/>
+              </a:spcAft>
+              <a:defRPr kumimoji="1" sz="2400">
+                <a:solidFill>
+                  <a:schemeClr val="tx1"/>
+                </a:solidFill>
+                <a:latin typeface="Calibri" panose="020F0502020204030204" pitchFamily="34" charset="0"/>
+                <a:cs typeface="Arial" panose="020B0604020202020204" pitchFamily="34" charset="0"/>
+              </a:defRPr>
+            </a:lvl8pPr>
+            <a:lvl9pPr marL="3886200" indent="-228600" eaLnBrk="0" fontAlgn="base" hangingPunct="0">
+              <a:spcBef>
+                <a:spcPct val="0"/>
+              </a:spcBef>
+              <a:spcAft>
+                <a:spcPct val="0"/>
+              </a:spcAft>
+              <a:defRPr kumimoji="1" sz="2400">
+                <a:solidFill>
+                  <a:schemeClr val="tx1"/>
+                </a:solidFill>
+                <a:latin typeface="Calibri" panose="020F0502020204030204" pitchFamily="34" charset="0"/>
+                <a:cs typeface="Arial" panose="020B0604020202020204" pitchFamily="34" charset="0"/>
+              </a:defRPr>
+            </a:lvl9pPr>
+          </a:lstStyle>
+          <a:p>
+            <a:fld id="{BC6B0DFC-B04F-448A-A406-09A7377BEFE5}" type="slidenum">
+              <a:rPr kumimoji="0" lang="ru-RU" altLang="ru-RU" sz="1600"/>
+              <a:pPr/>
+              <a:t>22</a:t>
             </a:fld>
             <a:endParaRPr kumimoji="0" lang="ru-RU" altLang="ru-RU" sz="1600"/>
           </a:p>
@@ -19748,8 +20768,8 @@
         </p:nvSpPr>
         <p:spPr bwMode="auto">
           <a:xfrm>
-            <a:off x="36513" y="127000"/>
-            <a:ext cx="382587" cy="307975"/>
+            <a:off x="36087" y="127000"/>
+            <a:ext cx="383438" cy="307777"/>
           </a:xfrm>
           <a:prstGeom prst="rect">
             <a:avLst/>
@@ -19895,23 +20915,20 @@
               <a:buNone/>
             </a:pPr>
             <a:r>
-              <a:rPr lang="ru-RU" altLang="ru-RU" sz="1400" b="1">
+              <a:rPr lang="ru-RU" altLang="ru-RU" sz="1400" b="1" dirty="0">
                 <a:solidFill>
                   <a:schemeClr val="bg1"/>
                 </a:solidFill>
                 <a:latin typeface="Arial" panose="020B0604020202020204" pitchFamily="34" charset="0"/>
               </a:rPr>
-              <a:t>1</a:t>
+              <a:t>10</a:t>
             </a:r>
-            <a:r>
-              <a:rPr lang="en-US" altLang="ru-RU" sz="1400" b="1">
-                <a:solidFill>
-                  <a:schemeClr val="bg1"/>
-                </a:solidFill>
-                <a:latin typeface="Arial" panose="020B0604020202020204" pitchFamily="34" charset="0"/>
-              </a:rPr>
-              <a:t>1</a:t>
-            </a:r>
+            <a:endParaRPr lang="en-US" altLang="ru-RU" sz="1400" b="1" dirty="0">
+              <a:solidFill>
+                <a:schemeClr val="bg1"/>
+              </a:solidFill>
+              <a:latin typeface="Arial" panose="020B0604020202020204" pitchFamily="34" charset="0"/>
+            </a:endParaRPr>
           </a:p>
         </p:txBody>
       </p:sp>
@@ -20659,8 +21676,8 @@
         </p:nvSpPr>
         <p:spPr bwMode="auto">
           <a:xfrm>
-            <a:off x="36088" y="127000"/>
-            <a:ext cx="383438" cy="523220"/>
+            <a:off x="41025" y="127000"/>
+            <a:ext cx="373565" cy="523220"/>
           </a:xfrm>
           <a:prstGeom prst="rect">
             <a:avLst/>
@@ -20812,7 +21829,7 @@
                 </a:solidFill>
                 <a:latin typeface="Arial" panose="020B0604020202020204" pitchFamily="34" charset="0"/>
               </a:rPr>
-              <a:t>10</a:t>
+              <a:t>11</a:t>
             </a:r>
           </a:p>
           <a:p>
@@ -22611,313 +23628,6 @@
           <a:chExt cx="0" cy="0"/>
         </a:xfrm>
       </p:grpSpPr>
-      <p:sp>
-        <p:nvSpPr>
-          <p:cNvPr id="2" name="Заголовок 1">
-            <a:extLst>
-              <a:ext uri="{FF2B5EF4-FFF2-40B4-BE49-F238E27FC236}">
-                <a16:creationId xmlns:a16="http://schemas.microsoft.com/office/drawing/2014/main" id="{94082479-0885-4492-8E6A-CC7B179034C3}"/>
-              </a:ext>
-            </a:extLst>
-          </p:cNvPr>
-          <p:cNvSpPr>
-            <a:spLocks noGrp="1" noChangeArrowheads="1"/>
-          </p:cNvSpPr>
-          <p:nvPr/>
-        </p:nvSpPr>
-        <p:spPr bwMode="auto">
-          <a:xfrm>
-            <a:off x="0" y="1"/>
-            <a:ext cx="9906000" cy="661578"/>
-          </a:xfrm>
-          <a:prstGeom prst="rect">
-            <a:avLst/>
-          </a:prstGeom>
-          <a:noFill/>
-          <a:ln>
-            <a:noFill/>
-          </a:ln>
-          <a:extLst>
-            <a:ext uri="{909E8E84-426E-40DD-AFC4-6F175D3DCCD1}">
-              <a14:hiddenFill xmlns:a14="http://schemas.microsoft.com/office/drawing/2010/main">
-                <a:solidFill>
-                  <a:srgbClr val="FFFFFF"/>
-                </a:solidFill>
-              </a14:hiddenFill>
-            </a:ext>
-            <a:ext uri="{91240B29-F687-4F45-9708-019B960494DF}">
-              <a14:hiddenLine xmlns:a14="http://schemas.microsoft.com/office/drawing/2010/main" w="9525">
-                <a:solidFill>
-                  <a:srgbClr val="000000"/>
-                </a:solidFill>
-                <a:miter lim="800000"/>
-                <a:headEnd/>
-                <a:tailEnd/>
-              </a14:hiddenLine>
-            </a:ext>
-          </a:extLst>
-        </p:spPr>
-        <p:txBody>
-          <a:bodyPr/>
-          <a:lstStyle>
-            <a:lvl1pPr defTabSz="457200">
-              <a:defRPr kumimoji="1" sz="2400">
-                <a:solidFill>
-                  <a:schemeClr val="tx1"/>
-                </a:solidFill>
-                <a:latin typeface="Calibri" panose="020F0502020204030204" pitchFamily="34" charset="0"/>
-                <a:cs typeface="Arial" panose="020B0604020202020204" pitchFamily="34" charset="0"/>
-              </a:defRPr>
-            </a:lvl1pPr>
-            <a:lvl2pPr marL="742950" indent="-285750" defTabSz="457200">
-              <a:defRPr kumimoji="1" sz="2400">
-                <a:solidFill>
-                  <a:schemeClr val="tx1"/>
-                </a:solidFill>
-                <a:latin typeface="Calibri" panose="020F0502020204030204" pitchFamily="34" charset="0"/>
-                <a:cs typeface="Arial" panose="020B0604020202020204" pitchFamily="34" charset="0"/>
-              </a:defRPr>
-            </a:lvl2pPr>
-            <a:lvl3pPr marL="1143000" indent="-228600" defTabSz="457200">
-              <a:defRPr kumimoji="1" sz="2400">
-                <a:solidFill>
-                  <a:schemeClr val="tx1"/>
-                </a:solidFill>
-                <a:latin typeface="Calibri" panose="020F0502020204030204" pitchFamily="34" charset="0"/>
-                <a:cs typeface="Arial" panose="020B0604020202020204" pitchFamily="34" charset="0"/>
-              </a:defRPr>
-            </a:lvl3pPr>
-            <a:lvl4pPr marL="1600200" indent="-228600" defTabSz="457200">
-              <a:defRPr kumimoji="1" sz="2400">
-                <a:solidFill>
-                  <a:schemeClr val="tx1"/>
-                </a:solidFill>
-                <a:latin typeface="Calibri" panose="020F0502020204030204" pitchFamily="34" charset="0"/>
-                <a:cs typeface="Arial" panose="020B0604020202020204" pitchFamily="34" charset="0"/>
-              </a:defRPr>
-            </a:lvl4pPr>
-            <a:lvl5pPr marL="2057400" indent="-228600" defTabSz="457200">
-              <a:defRPr kumimoji="1" sz="2400">
-                <a:solidFill>
-                  <a:schemeClr val="tx1"/>
-                </a:solidFill>
-                <a:latin typeface="Calibri" panose="020F0502020204030204" pitchFamily="34" charset="0"/>
-                <a:cs typeface="Arial" panose="020B0604020202020204" pitchFamily="34" charset="0"/>
-              </a:defRPr>
-            </a:lvl5pPr>
-            <a:lvl6pPr marL="2514600" indent="-228600" defTabSz="457200" eaLnBrk="0" fontAlgn="base" hangingPunct="0">
-              <a:spcBef>
-                <a:spcPct val="0"/>
-              </a:spcBef>
-              <a:spcAft>
-                <a:spcPct val="0"/>
-              </a:spcAft>
-              <a:defRPr kumimoji="1" sz="2400">
-                <a:solidFill>
-                  <a:schemeClr val="tx1"/>
-                </a:solidFill>
-                <a:latin typeface="Calibri" panose="020F0502020204030204" pitchFamily="34" charset="0"/>
-                <a:cs typeface="Arial" panose="020B0604020202020204" pitchFamily="34" charset="0"/>
-              </a:defRPr>
-            </a:lvl6pPr>
-            <a:lvl7pPr marL="2971800" indent="-228600" defTabSz="457200" eaLnBrk="0" fontAlgn="base" hangingPunct="0">
-              <a:spcBef>
-                <a:spcPct val="0"/>
-              </a:spcBef>
-              <a:spcAft>
-                <a:spcPct val="0"/>
-              </a:spcAft>
-              <a:defRPr kumimoji="1" sz="2400">
-                <a:solidFill>
-                  <a:schemeClr val="tx1"/>
-                </a:solidFill>
-                <a:latin typeface="Calibri" panose="020F0502020204030204" pitchFamily="34" charset="0"/>
-                <a:cs typeface="Arial" panose="020B0604020202020204" pitchFamily="34" charset="0"/>
-              </a:defRPr>
-            </a:lvl7pPr>
-            <a:lvl8pPr marL="3429000" indent="-228600" defTabSz="457200" eaLnBrk="0" fontAlgn="base" hangingPunct="0">
-              <a:spcBef>
-                <a:spcPct val="0"/>
-              </a:spcBef>
-              <a:spcAft>
-                <a:spcPct val="0"/>
-              </a:spcAft>
-              <a:defRPr kumimoji="1" sz="2400">
-                <a:solidFill>
-                  <a:schemeClr val="tx1"/>
-                </a:solidFill>
-                <a:latin typeface="Calibri" panose="020F0502020204030204" pitchFamily="34" charset="0"/>
-                <a:cs typeface="Arial" panose="020B0604020202020204" pitchFamily="34" charset="0"/>
-              </a:defRPr>
-            </a:lvl8pPr>
-            <a:lvl9pPr marL="3886200" indent="-228600" defTabSz="457200" eaLnBrk="0" fontAlgn="base" hangingPunct="0">
-              <a:spcBef>
-                <a:spcPct val="0"/>
-              </a:spcBef>
-              <a:spcAft>
-                <a:spcPct val="0"/>
-              </a:spcAft>
-              <a:defRPr kumimoji="1" sz="2400">
-                <a:solidFill>
-                  <a:schemeClr val="tx1"/>
-                </a:solidFill>
-                <a:latin typeface="Calibri" panose="020F0502020204030204" pitchFamily="34" charset="0"/>
-                <a:cs typeface="Arial" panose="020B0604020202020204" pitchFamily="34" charset="0"/>
-              </a:defRPr>
-            </a:lvl9pPr>
-          </a:lstStyle>
-          <a:p>
-            <a:pPr algn="ctr" eaLnBrk="1" hangingPunct="1"/>
-            <a:r>
-              <a:rPr lang="ru-RU" altLang="ru-RU" sz="3200" dirty="0">
-                <a:solidFill>
-                  <a:schemeClr val="accent1"/>
-                </a:solidFill>
-              </a:rPr>
-              <a:t>Сбор данных</a:t>
-            </a:r>
-          </a:p>
-        </p:txBody>
-      </p:sp>
-      <p:pic>
-        <p:nvPicPr>
-          <p:cNvPr id="3" name="Рисунок 2">
-            <a:extLst>
-              <a:ext uri="{FF2B5EF4-FFF2-40B4-BE49-F238E27FC236}">
-                <a16:creationId xmlns:a16="http://schemas.microsoft.com/office/drawing/2014/main" id="{7ABC2710-5E52-4C3C-90A7-6CF1405CE39B}"/>
-              </a:ext>
-            </a:extLst>
-          </p:cNvPr>
-          <p:cNvPicPr/>
-          <p:nvPr/>
-        </p:nvPicPr>
-        <p:blipFill>
-          <a:blip r:embed="rId2" cstate="print">
-            <a:extLst>
-              <a:ext uri="{28A0092B-C50C-407E-A947-70E740481C1C}">
-                <a14:useLocalDpi xmlns:a14="http://schemas.microsoft.com/office/drawing/2010/main" val="0"/>
-              </a:ext>
-            </a:extLst>
-          </a:blip>
-          <a:srcRect/>
-          <a:stretch>
-            <a:fillRect/>
-          </a:stretch>
-        </p:blipFill>
-        <p:spPr bwMode="auto">
-          <a:xfrm>
-            <a:off x="144378" y="794084"/>
-            <a:ext cx="9565105" cy="5017168"/>
-          </a:xfrm>
-          <a:prstGeom prst="rect">
-            <a:avLst/>
-          </a:prstGeom>
-          <a:noFill/>
-          <a:ln>
-            <a:noFill/>
-          </a:ln>
-        </p:spPr>
-      </p:pic>
-      <p:sp>
-        <p:nvSpPr>
-          <p:cNvPr id="4" name="TextBox 3">
-            <a:extLst>
-              <a:ext uri="{FF2B5EF4-FFF2-40B4-BE49-F238E27FC236}">
-                <a16:creationId xmlns:a16="http://schemas.microsoft.com/office/drawing/2014/main" id="{C28DEA03-375C-4948-817F-832F446FB68A}"/>
-              </a:ext>
-            </a:extLst>
-          </p:cNvPr>
-          <p:cNvSpPr txBox="1"/>
-          <p:nvPr/>
-        </p:nvSpPr>
-        <p:spPr>
-          <a:xfrm>
-            <a:off x="144379" y="5918911"/>
-            <a:ext cx="9534608" cy="400110"/>
-          </a:xfrm>
-          <a:prstGeom prst="rect">
-            <a:avLst/>
-          </a:prstGeom>
-          <a:noFill/>
-        </p:spPr>
-        <p:txBody>
-          <a:bodyPr wrap="square">
-            <a:spAutoFit/>
-          </a:bodyPr>
-          <a:lstStyle/>
-          <a:p>
-            <a:pPr algn="ctr"/>
-            <a:r>
-              <a:rPr lang="ru-RU" sz="2000" b="0" i="0" dirty="0">
-                <a:solidFill>
-                  <a:schemeClr val="accent1">
-                    <a:lumMod val="50000"/>
-                  </a:schemeClr>
-                </a:solidFill>
-                <a:effectLst/>
-                <a:latin typeface="+mn-lt"/>
-              </a:rPr>
-              <a:t>Страница «С</a:t>
-            </a:r>
-            <a:r>
-              <a:rPr lang="ru-RU" sz="2000" dirty="0">
-                <a:solidFill>
-                  <a:schemeClr val="accent1">
-                    <a:lumMod val="50000"/>
-                  </a:schemeClr>
-                </a:solidFill>
-                <a:latin typeface="+mn-lt"/>
-              </a:rPr>
-              <a:t>бор данных</a:t>
-            </a:r>
-            <a:r>
-              <a:rPr lang="ru-RU" sz="2000" b="0" i="0" dirty="0">
-                <a:solidFill>
-                  <a:schemeClr val="accent1">
-                    <a:lumMod val="50000"/>
-                  </a:schemeClr>
-                </a:solidFill>
-                <a:effectLst/>
-                <a:latin typeface="+mn-lt"/>
-              </a:rPr>
-              <a:t>»</a:t>
-            </a:r>
-          </a:p>
-        </p:txBody>
-      </p:sp>
-    </p:spTree>
-    <p:extLst>
-      <p:ext uri="{BB962C8B-B14F-4D97-AF65-F5344CB8AC3E}">
-        <p14:creationId xmlns:p14="http://schemas.microsoft.com/office/powerpoint/2010/main" val="3693233596"/>
-      </p:ext>
-    </p:extLst>
-  </p:cSld>
-  <p:clrMapOvr>
-    <a:masterClrMapping/>
-  </p:clrMapOvr>
-  <p:transition spd="slow" advClick="0" advTm="2000">
-    <p:cover dir="d"/>
-  </p:transition>
-</p:sld>
-</file>
-
-<file path=ppt/slides/slide14.xml><?xml version="1.0" encoding="utf-8"?>
-<p:sld xmlns:a="http://schemas.openxmlformats.org/drawingml/2006/main" xmlns:r="http://schemas.openxmlformats.org/officeDocument/2006/relationships" xmlns:p="http://schemas.openxmlformats.org/presentationml/2006/main">
-  <p:cSld>
-    <p:spTree>
-      <p:nvGrpSpPr>
-        <p:cNvPr id="1" name=""/>
-        <p:cNvGrpSpPr/>
-        <p:nvPr/>
-      </p:nvGrpSpPr>
-      <p:grpSpPr>
-        <a:xfrm>
-          <a:off x="0" y="0"/>
-          <a:ext cx="0" cy="0"/>
-          <a:chOff x="0" y="0"/>
-          <a:chExt cx="0" cy="0"/>
-        </a:xfrm>
-      </p:grpSpPr>
       <p:pic>
         <p:nvPicPr>
           <p:cNvPr id="38914" name="Рисунок 6"/>
@@ -23386,6 +24096,1039 @@
       </p:sp>
       <p:sp>
         <p:nvSpPr>
+          <p:cNvPr id="16" name="Объект 2">
+            <a:extLst>
+              <a:ext uri="{FF2B5EF4-FFF2-40B4-BE49-F238E27FC236}">
+                <a16:creationId xmlns:a16="http://schemas.microsoft.com/office/drawing/2014/main" id="{3C0E2EDF-70A4-4FB2-B359-076A89F4DE57}"/>
+              </a:ext>
+            </a:extLst>
+          </p:cNvPr>
+          <p:cNvSpPr>
+            <a:spLocks noGrp="1"/>
+          </p:cNvSpPr>
+          <p:nvPr/>
+        </p:nvSpPr>
+        <p:spPr>
+          <a:xfrm>
+            <a:off x="781050" y="1163638"/>
+            <a:ext cx="9893300" cy="5513076"/>
+          </a:xfrm>
+          <a:prstGeom prst="rect">
+            <a:avLst/>
+          </a:prstGeom>
+        </p:spPr>
+        <p:txBody>
+          <a:bodyPr/>
+          <a:lstStyle>
+            <a:lvl1pPr marL="342900" indent="-342900" algn="l" defTabSz="457200" rtl="0" eaLnBrk="1" latinLnBrk="0" hangingPunct="1">
+              <a:spcBef>
+                <a:spcPts val="1000"/>
+              </a:spcBef>
+              <a:spcAft>
+                <a:spcPts val="0"/>
+              </a:spcAft>
+              <a:buClr>
+                <a:schemeClr val="accent1"/>
+              </a:buClr>
+              <a:buSzPct val="80000"/>
+              <a:buFont typeface="Wingdings 3" charset="2"/>
+              <a:buChar char=""/>
+              <a:defRPr sz="1800" kern="1200">
+                <a:solidFill>
+                  <a:schemeClr val="tx1">
+                    <a:lumMod val="75000"/>
+                    <a:lumOff val="25000"/>
+                  </a:schemeClr>
+                </a:solidFill>
+                <a:latin typeface="+mn-lt"/>
+                <a:ea typeface="+mn-ea"/>
+                <a:cs typeface="+mn-cs"/>
+              </a:defRPr>
+            </a:lvl1pPr>
+            <a:lvl2pPr marL="742950" indent="-285750" algn="l" defTabSz="457200" rtl="0" eaLnBrk="1" latinLnBrk="0" hangingPunct="1">
+              <a:spcBef>
+                <a:spcPts val="1000"/>
+              </a:spcBef>
+              <a:spcAft>
+                <a:spcPts val="0"/>
+              </a:spcAft>
+              <a:buClr>
+                <a:schemeClr val="accent1"/>
+              </a:buClr>
+              <a:buSzPct val="80000"/>
+              <a:buFont typeface="Wingdings 3" charset="2"/>
+              <a:buChar char=""/>
+              <a:defRPr sz="1600" kern="1200">
+                <a:solidFill>
+                  <a:schemeClr val="tx1">
+                    <a:lumMod val="75000"/>
+                    <a:lumOff val="25000"/>
+                  </a:schemeClr>
+                </a:solidFill>
+                <a:latin typeface="+mn-lt"/>
+                <a:ea typeface="+mn-ea"/>
+                <a:cs typeface="+mn-cs"/>
+              </a:defRPr>
+            </a:lvl2pPr>
+            <a:lvl3pPr marL="1143000" indent="-228600" algn="l" defTabSz="457200" rtl="0" eaLnBrk="1" latinLnBrk="0" hangingPunct="1">
+              <a:spcBef>
+                <a:spcPts val="1000"/>
+              </a:spcBef>
+              <a:spcAft>
+                <a:spcPts val="0"/>
+              </a:spcAft>
+              <a:buClr>
+                <a:schemeClr val="accent1"/>
+              </a:buClr>
+              <a:buSzPct val="80000"/>
+              <a:buFont typeface="Wingdings 3" charset="2"/>
+              <a:buChar char=""/>
+              <a:defRPr sz="1400" kern="1200">
+                <a:solidFill>
+                  <a:schemeClr val="tx1">
+                    <a:lumMod val="75000"/>
+                    <a:lumOff val="25000"/>
+                  </a:schemeClr>
+                </a:solidFill>
+                <a:latin typeface="+mn-lt"/>
+                <a:ea typeface="+mn-ea"/>
+                <a:cs typeface="+mn-cs"/>
+              </a:defRPr>
+            </a:lvl3pPr>
+            <a:lvl4pPr marL="1600200" indent="-228600" algn="l" defTabSz="457200" rtl="0" eaLnBrk="1" latinLnBrk="0" hangingPunct="1">
+              <a:spcBef>
+                <a:spcPts val="1000"/>
+              </a:spcBef>
+              <a:spcAft>
+                <a:spcPts val="0"/>
+              </a:spcAft>
+              <a:buClr>
+                <a:schemeClr val="accent1"/>
+              </a:buClr>
+              <a:buSzPct val="80000"/>
+              <a:buFont typeface="Wingdings 3" charset="2"/>
+              <a:buChar char=""/>
+              <a:defRPr sz="1200" kern="1200">
+                <a:solidFill>
+                  <a:schemeClr val="tx1">
+                    <a:lumMod val="75000"/>
+                    <a:lumOff val="25000"/>
+                  </a:schemeClr>
+                </a:solidFill>
+                <a:latin typeface="+mn-lt"/>
+                <a:ea typeface="+mn-ea"/>
+                <a:cs typeface="+mn-cs"/>
+              </a:defRPr>
+            </a:lvl4pPr>
+            <a:lvl5pPr marL="2057400" indent="-228600" algn="l" defTabSz="457200" rtl="0" eaLnBrk="1" latinLnBrk="0" hangingPunct="1">
+              <a:spcBef>
+                <a:spcPts val="1000"/>
+              </a:spcBef>
+              <a:spcAft>
+                <a:spcPts val="0"/>
+              </a:spcAft>
+              <a:buClr>
+                <a:schemeClr val="accent1"/>
+              </a:buClr>
+              <a:buSzPct val="80000"/>
+              <a:buFont typeface="Wingdings 3" charset="2"/>
+              <a:buChar char=""/>
+              <a:defRPr sz="1200" kern="1200">
+                <a:solidFill>
+                  <a:schemeClr val="tx1">
+                    <a:lumMod val="75000"/>
+                    <a:lumOff val="25000"/>
+                  </a:schemeClr>
+                </a:solidFill>
+                <a:latin typeface="+mn-lt"/>
+                <a:ea typeface="+mn-ea"/>
+                <a:cs typeface="+mn-cs"/>
+              </a:defRPr>
+            </a:lvl5pPr>
+            <a:lvl6pPr marL="2514600" indent="-228600" algn="l" defTabSz="457200" rtl="0" eaLnBrk="1" latinLnBrk="0" hangingPunct="1">
+              <a:spcBef>
+                <a:spcPts val="1000"/>
+              </a:spcBef>
+              <a:spcAft>
+                <a:spcPts val="0"/>
+              </a:spcAft>
+              <a:buClr>
+                <a:schemeClr val="accent1"/>
+              </a:buClr>
+              <a:buSzPct val="80000"/>
+              <a:buFont typeface="Wingdings 3" charset="2"/>
+              <a:buChar char=""/>
+              <a:defRPr sz="1200" kern="1200">
+                <a:solidFill>
+                  <a:schemeClr val="tx1">
+                    <a:lumMod val="75000"/>
+                    <a:lumOff val="25000"/>
+                  </a:schemeClr>
+                </a:solidFill>
+                <a:latin typeface="+mn-lt"/>
+                <a:ea typeface="+mn-ea"/>
+                <a:cs typeface="+mn-cs"/>
+              </a:defRPr>
+            </a:lvl6pPr>
+            <a:lvl7pPr marL="2971800" indent="-228600" algn="l" defTabSz="457200" rtl="0" eaLnBrk="1" latinLnBrk="0" hangingPunct="1">
+              <a:spcBef>
+                <a:spcPts val="1000"/>
+              </a:spcBef>
+              <a:spcAft>
+                <a:spcPts val="0"/>
+              </a:spcAft>
+              <a:buClr>
+                <a:schemeClr val="accent1"/>
+              </a:buClr>
+              <a:buSzPct val="80000"/>
+              <a:buFont typeface="Wingdings 3" charset="2"/>
+              <a:buChar char=""/>
+              <a:defRPr sz="1200" kern="1200">
+                <a:solidFill>
+                  <a:schemeClr val="tx1">
+                    <a:lumMod val="75000"/>
+                    <a:lumOff val="25000"/>
+                  </a:schemeClr>
+                </a:solidFill>
+                <a:latin typeface="+mn-lt"/>
+                <a:ea typeface="+mn-ea"/>
+                <a:cs typeface="+mn-cs"/>
+              </a:defRPr>
+            </a:lvl7pPr>
+            <a:lvl8pPr marL="3429000" indent="-228600" algn="l" defTabSz="457200" rtl="0" eaLnBrk="1" latinLnBrk="0" hangingPunct="1">
+              <a:spcBef>
+                <a:spcPts val="1000"/>
+              </a:spcBef>
+              <a:spcAft>
+                <a:spcPts val="0"/>
+              </a:spcAft>
+              <a:buClr>
+                <a:schemeClr val="accent1"/>
+              </a:buClr>
+              <a:buSzPct val="80000"/>
+              <a:buFont typeface="Wingdings 3" charset="2"/>
+              <a:buChar char=""/>
+              <a:defRPr sz="1200" kern="1200">
+                <a:solidFill>
+                  <a:schemeClr val="tx1">
+                    <a:lumMod val="75000"/>
+                    <a:lumOff val="25000"/>
+                  </a:schemeClr>
+                </a:solidFill>
+                <a:latin typeface="+mn-lt"/>
+                <a:ea typeface="+mn-ea"/>
+                <a:cs typeface="+mn-cs"/>
+              </a:defRPr>
+            </a:lvl8pPr>
+            <a:lvl9pPr marL="3886200" indent="-228600" algn="l" defTabSz="457200" rtl="0" eaLnBrk="1" latinLnBrk="0" hangingPunct="1">
+              <a:spcBef>
+                <a:spcPts val="1000"/>
+              </a:spcBef>
+              <a:spcAft>
+                <a:spcPts val="0"/>
+              </a:spcAft>
+              <a:buClr>
+                <a:schemeClr val="accent1"/>
+              </a:buClr>
+              <a:buSzPct val="80000"/>
+              <a:buFont typeface="Wingdings 3" charset="2"/>
+              <a:buChar char=""/>
+              <a:defRPr sz="1200" kern="1200">
+                <a:solidFill>
+                  <a:schemeClr val="tx1">
+                    <a:lumMod val="75000"/>
+                    <a:lumOff val="25000"/>
+                  </a:schemeClr>
+                </a:solidFill>
+                <a:latin typeface="+mn-lt"/>
+                <a:ea typeface="+mn-ea"/>
+                <a:cs typeface="+mn-cs"/>
+              </a:defRPr>
+            </a:lvl9pPr>
+          </a:lstStyle>
+          <a:p>
+            <a:pPr>
+              <a:defRPr/>
+            </a:pPr>
+            <a:endParaRPr lang="ru-RU" sz="2400" dirty="0"/>
+          </a:p>
+        </p:txBody>
+      </p:sp>
+      <p:sp>
+        <p:nvSpPr>
+          <p:cNvPr id="10" name="Заголовок 1">
+            <a:extLst>
+              <a:ext uri="{FF2B5EF4-FFF2-40B4-BE49-F238E27FC236}">
+                <a16:creationId xmlns:a16="http://schemas.microsoft.com/office/drawing/2014/main" id="{602DB3F3-7BA2-4860-B3A0-FBC440907B6C}"/>
+              </a:ext>
+            </a:extLst>
+          </p:cNvPr>
+          <p:cNvSpPr>
+            <a:spLocks noGrp="1" noChangeArrowheads="1"/>
+          </p:cNvSpPr>
+          <p:nvPr/>
+        </p:nvSpPr>
+        <p:spPr bwMode="auto">
+          <a:xfrm>
+            <a:off x="455612" y="1"/>
+            <a:ext cx="9450387" cy="661578"/>
+          </a:xfrm>
+          <a:prstGeom prst="rect">
+            <a:avLst/>
+          </a:prstGeom>
+          <a:noFill/>
+          <a:ln>
+            <a:noFill/>
+          </a:ln>
+          <a:extLst>
+            <a:ext uri="{909E8E84-426E-40DD-AFC4-6F175D3DCCD1}">
+              <a14:hiddenFill xmlns:a14="http://schemas.microsoft.com/office/drawing/2010/main">
+                <a:solidFill>
+                  <a:srgbClr val="FFFFFF"/>
+                </a:solidFill>
+              </a14:hiddenFill>
+            </a:ext>
+            <a:ext uri="{91240B29-F687-4F45-9708-019B960494DF}">
+              <a14:hiddenLine xmlns:a14="http://schemas.microsoft.com/office/drawing/2010/main" w="9525">
+                <a:solidFill>
+                  <a:srgbClr val="000000"/>
+                </a:solidFill>
+                <a:miter lim="800000"/>
+                <a:headEnd/>
+                <a:tailEnd/>
+              </a14:hiddenLine>
+            </a:ext>
+          </a:extLst>
+        </p:spPr>
+        <p:txBody>
+          <a:bodyPr/>
+          <a:lstStyle>
+            <a:lvl1pPr defTabSz="457200">
+              <a:defRPr kumimoji="1" sz="2400">
+                <a:solidFill>
+                  <a:schemeClr val="tx1"/>
+                </a:solidFill>
+                <a:latin typeface="Calibri" panose="020F0502020204030204" pitchFamily="34" charset="0"/>
+                <a:cs typeface="Arial" panose="020B0604020202020204" pitchFamily="34" charset="0"/>
+              </a:defRPr>
+            </a:lvl1pPr>
+            <a:lvl2pPr marL="742950" indent="-285750" defTabSz="457200">
+              <a:defRPr kumimoji="1" sz="2400">
+                <a:solidFill>
+                  <a:schemeClr val="tx1"/>
+                </a:solidFill>
+                <a:latin typeface="Calibri" panose="020F0502020204030204" pitchFamily="34" charset="0"/>
+                <a:cs typeface="Arial" panose="020B0604020202020204" pitchFamily="34" charset="0"/>
+              </a:defRPr>
+            </a:lvl2pPr>
+            <a:lvl3pPr marL="1143000" indent="-228600" defTabSz="457200">
+              <a:defRPr kumimoji="1" sz="2400">
+                <a:solidFill>
+                  <a:schemeClr val="tx1"/>
+                </a:solidFill>
+                <a:latin typeface="Calibri" panose="020F0502020204030204" pitchFamily="34" charset="0"/>
+                <a:cs typeface="Arial" panose="020B0604020202020204" pitchFamily="34" charset="0"/>
+              </a:defRPr>
+            </a:lvl3pPr>
+            <a:lvl4pPr marL="1600200" indent="-228600" defTabSz="457200">
+              <a:defRPr kumimoji="1" sz="2400">
+                <a:solidFill>
+                  <a:schemeClr val="tx1"/>
+                </a:solidFill>
+                <a:latin typeface="Calibri" panose="020F0502020204030204" pitchFamily="34" charset="0"/>
+                <a:cs typeface="Arial" panose="020B0604020202020204" pitchFamily="34" charset="0"/>
+              </a:defRPr>
+            </a:lvl4pPr>
+            <a:lvl5pPr marL="2057400" indent="-228600" defTabSz="457200">
+              <a:defRPr kumimoji="1" sz="2400">
+                <a:solidFill>
+                  <a:schemeClr val="tx1"/>
+                </a:solidFill>
+                <a:latin typeface="Calibri" panose="020F0502020204030204" pitchFamily="34" charset="0"/>
+                <a:cs typeface="Arial" panose="020B0604020202020204" pitchFamily="34" charset="0"/>
+              </a:defRPr>
+            </a:lvl5pPr>
+            <a:lvl6pPr marL="2514600" indent="-228600" defTabSz="457200" eaLnBrk="0" fontAlgn="base" hangingPunct="0">
+              <a:spcBef>
+                <a:spcPct val="0"/>
+              </a:spcBef>
+              <a:spcAft>
+                <a:spcPct val="0"/>
+              </a:spcAft>
+              <a:defRPr kumimoji="1" sz="2400">
+                <a:solidFill>
+                  <a:schemeClr val="tx1"/>
+                </a:solidFill>
+                <a:latin typeface="Calibri" panose="020F0502020204030204" pitchFamily="34" charset="0"/>
+                <a:cs typeface="Arial" panose="020B0604020202020204" pitchFamily="34" charset="0"/>
+              </a:defRPr>
+            </a:lvl6pPr>
+            <a:lvl7pPr marL="2971800" indent="-228600" defTabSz="457200" eaLnBrk="0" fontAlgn="base" hangingPunct="0">
+              <a:spcBef>
+                <a:spcPct val="0"/>
+              </a:spcBef>
+              <a:spcAft>
+                <a:spcPct val="0"/>
+              </a:spcAft>
+              <a:defRPr kumimoji="1" sz="2400">
+                <a:solidFill>
+                  <a:schemeClr val="tx1"/>
+                </a:solidFill>
+                <a:latin typeface="Calibri" panose="020F0502020204030204" pitchFamily="34" charset="0"/>
+                <a:cs typeface="Arial" panose="020B0604020202020204" pitchFamily="34" charset="0"/>
+              </a:defRPr>
+            </a:lvl7pPr>
+            <a:lvl8pPr marL="3429000" indent="-228600" defTabSz="457200" eaLnBrk="0" fontAlgn="base" hangingPunct="0">
+              <a:spcBef>
+                <a:spcPct val="0"/>
+              </a:spcBef>
+              <a:spcAft>
+                <a:spcPct val="0"/>
+              </a:spcAft>
+              <a:defRPr kumimoji="1" sz="2400">
+                <a:solidFill>
+                  <a:schemeClr val="tx1"/>
+                </a:solidFill>
+                <a:latin typeface="Calibri" panose="020F0502020204030204" pitchFamily="34" charset="0"/>
+                <a:cs typeface="Arial" panose="020B0604020202020204" pitchFamily="34" charset="0"/>
+              </a:defRPr>
+            </a:lvl8pPr>
+            <a:lvl9pPr marL="3886200" indent="-228600" defTabSz="457200" eaLnBrk="0" fontAlgn="base" hangingPunct="0">
+              <a:spcBef>
+                <a:spcPct val="0"/>
+              </a:spcBef>
+              <a:spcAft>
+                <a:spcPct val="0"/>
+              </a:spcAft>
+              <a:defRPr kumimoji="1" sz="2400">
+                <a:solidFill>
+                  <a:schemeClr val="tx1"/>
+                </a:solidFill>
+                <a:latin typeface="Calibri" panose="020F0502020204030204" pitchFamily="34" charset="0"/>
+                <a:cs typeface="Arial" panose="020B0604020202020204" pitchFamily="34" charset="0"/>
+              </a:defRPr>
+            </a:lvl9pPr>
+          </a:lstStyle>
+          <a:p>
+            <a:pPr algn="ctr" eaLnBrk="1" hangingPunct="1"/>
+            <a:r>
+              <a:rPr lang="ru-RU" altLang="ru-RU" sz="3200" dirty="0">
+                <a:solidFill>
+                  <a:schemeClr val="accent1"/>
+                </a:solidFill>
+              </a:rPr>
+              <a:t>Сбор данных</a:t>
+            </a:r>
+          </a:p>
+        </p:txBody>
+      </p:sp>
+      <p:pic>
+        <p:nvPicPr>
+          <p:cNvPr id="11" name="Рисунок 10">
+            <a:extLst>
+              <a:ext uri="{FF2B5EF4-FFF2-40B4-BE49-F238E27FC236}">
+                <a16:creationId xmlns:a16="http://schemas.microsoft.com/office/drawing/2014/main" id="{ABCE2392-9BE2-4011-A9B0-395D38974E0E}"/>
+              </a:ext>
+            </a:extLst>
+          </p:cNvPr>
+          <p:cNvPicPr/>
+          <p:nvPr/>
+        </p:nvPicPr>
+        <p:blipFill>
+          <a:blip r:embed="rId7" cstate="print">
+            <a:extLst>
+              <a:ext uri="{28A0092B-C50C-407E-A947-70E740481C1C}">
+                <a14:useLocalDpi xmlns:a14="http://schemas.microsoft.com/office/drawing/2010/main" val="0"/>
+              </a:ext>
+            </a:extLst>
+          </a:blip>
+          <a:srcRect/>
+          <a:stretch>
+            <a:fillRect/>
+          </a:stretch>
+        </p:blipFill>
+        <p:spPr bwMode="auto">
+          <a:xfrm>
+            <a:off x="479426" y="977588"/>
+            <a:ext cx="9230057" cy="4833663"/>
+          </a:xfrm>
+          <a:prstGeom prst="rect">
+            <a:avLst/>
+          </a:prstGeom>
+          <a:noFill/>
+          <a:ln>
+            <a:noFill/>
+          </a:ln>
+        </p:spPr>
+      </p:pic>
+      <p:sp>
+        <p:nvSpPr>
+          <p:cNvPr id="12" name="TextBox 11">
+            <a:extLst>
+              <a:ext uri="{FF2B5EF4-FFF2-40B4-BE49-F238E27FC236}">
+                <a16:creationId xmlns:a16="http://schemas.microsoft.com/office/drawing/2014/main" id="{E8A6BE3C-2C7D-4D31-9123-24BD43B04105}"/>
+              </a:ext>
+            </a:extLst>
+          </p:cNvPr>
+          <p:cNvSpPr txBox="1"/>
+          <p:nvPr/>
+        </p:nvSpPr>
+        <p:spPr>
+          <a:xfrm>
+            <a:off x="468313" y="5918911"/>
+            <a:ext cx="9210674" cy="400110"/>
+          </a:xfrm>
+          <a:prstGeom prst="rect">
+            <a:avLst/>
+          </a:prstGeom>
+          <a:noFill/>
+        </p:spPr>
+        <p:txBody>
+          <a:bodyPr wrap="square">
+            <a:spAutoFit/>
+          </a:bodyPr>
+          <a:lstStyle/>
+          <a:p>
+            <a:pPr algn="ctr"/>
+            <a:r>
+              <a:rPr lang="ru-RU" sz="2000" b="0" i="0" dirty="0">
+                <a:solidFill>
+                  <a:schemeClr val="accent1">
+                    <a:lumMod val="50000"/>
+                  </a:schemeClr>
+                </a:solidFill>
+                <a:effectLst/>
+                <a:latin typeface="+mn-lt"/>
+              </a:rPr>
+              <a:t>Страница «С</a:t>
+            </a:r>
+            <a:r>
+              <a:rPr lang="ru-RU" sz="2000" dirty="0">
+                <a:solidFill>
+                  <a:schemeClr val="accent1">
+                    <a:lumMod val="50000"/>
+                  </a:schemeClr>
+                </a:solidFill>
+                <a:latin typeface="+mn-lt"/>
+              </a:rPr>
+              <a:t>бор данных</a:t>
+            </a:r>
+            <a:r>
+              <a:rPr lang="ru-RU" sz="2000" b="0" i="0" dirty="0">
+                <a:solidFill>
+                  <a:schemeClr val="accent1">
+                    <a:lumMod val="50000"/>
+                  </a:schemeClr>
+                </a:solidFill>
+                <a:effectLst/>
+                <a:latin typeface="+mn-lt"/>
+              </a:rPr>
+              <a:t>»</a:t>
+            </a:r>
+          </a:p>
+        </p:txBody>
+      </p:sp>
+    </p:spTree>
+    <p:extLst>
+      <p:ext uri="{BB962C8B-B14F-4D97-AF65-F5344CB8AC3E}">
+        <p14:creationId xmlns:p14="http://schemas.microsoft.com/office/powerpoint/2010/main" val="380017476"/>
+      </p:ext>
+    </p:extLst>
+  </p:cSld>
+  <p:clrMapOvr>
+    <a:masterClrMapping/>
+  </p:clrMapOvr>
+  <p:transition spd="slow">
+    <p:push dir="u"/>
+  </p:transition>
+</p:sld>
+</file>
+
+<file path=ppt/slides/slide14.xml><?xml version="1.0" encoding="utf-8"?>
+<p:sld xmlns:a="http://schemas.openxmlformats.org/drawingml/2006/main" xmlns:r="http://schemas.openxmlformats.org/officeDocument/2006/relationships" xmlns:p="http://schemas.openxmlformats.org/presentationml/2006/main">
+  <p:cSld>
+    <p:spTree>
+      <p:nvGrpSpPr>
+        <p:cNvPr id="1" name=""/>
+        <p:cNvGrpSpPr/>
+        <p:nvPr/>
+      </p:nvGrpSpPr>
+      <p:grpSpPr>
+        <a:xfrm>
+          <a:off x="0" y="0"/>
+          <a:ext cx="0" cy="0"/>
+          <a:chOff x="0" y="0"/>
+          <a:chExt cx="0" cy="0"/>
+        </a:xfrm>
+      </p:grpSpPr>
+      <p:pic>
+        <p:nvPicPr>
+          <p:cNvPr id="38914" name="Рисунок 6"/>
+          <p:cNvPicPr>
+            <a:picLocks noChangeAspect="1"/>
+          </p:cNvPicPr>
+          <p:nvPr/>
+        </p:nvPicPr>
+        <p:blipFill>
+          <a:blip r:embed="rId3">
+            <a:extLst>
+              <a:ext uri="{28A0092B-C50C-407E-A947-70E740481C1C}">
+                <a14:useLocalDpi xmlns:a14="http://schemas.microsoft.com/office/drawing/2010/main" val="0"/>
+              </a:ext>
+            </a:extLst>
+          </a:blip>
+          <a:srcRect l="63036" t="63045"/>
+          <a:stretch>
+            <a:fillRect/>
+          </a:stretch>
+        </p:blipFill>
+        <p:spPr bwMode="auto">
+          <a:xfrm>
+            <a:off x="9278938" y="6224588"/>
+            <a:ext cx="627062" cy="638175"/>
+          </a:xfrm>
+          <a:prstGeom prst="rect">
+            <a:avLst/>
+          </a:prstGeom>
+          <a:noFill/>
+          <a:ln>
+            <a:noFill/>
+          </a:ln>
+          <a:extLst>
+            <a:ext uri="{909E8E84-426E-40DD-AFC4-6F175D3DCCD1}">
+              <a14:hiddenFill xmlns:a14="http://schemas.microsoft.com/office/drawing/2010/main">
+                <a:solidFill>
+                  <a:srgbClr val="FFFFFF"/>
+                </a:solidFill>
+              </a14:hiddenFill>
+            </a:ext>
+            <a:ext uri="{91240B29-F687-4F45-9708-019B960494DF}">
+              <a14:hiddenLine xmlns:a14="http://schemas.microsoft.com/office/drawing/2010/main" w="9525">
+                <a:solidFill>
+                  <a:srgbClr val="000000"/>
+                </a:solidFill>
+                <a:miter lim="800000"/>
+                <a:headEnd/>
+                <a:tailEnd/>
+              </a14:hiddenLine>
+            </a:ext>
+          </a:extLst>
+        </p:spPr>
+      </p:pic>
+      <p:sp>
+        <p:nvSpPr>
+          <p:cNvPr id="13" name="Прямоугольник 12">
+            <a:extLst>
+              <a:ext uri="{FF2B5EF4-FFF2-40B4-BE49-F238E27FC236}">
+                <a16:creationId xmlns:a16="http://schemas.microsoft.com/office/drawing/2014/main" id="{4176787B-437B-4855-89F0-E67425C1E242}"/>
+              </a:ext>
+            </a:extLst>
+          </p:cNvPr>
+          <p:cNvSpPr/>
+          <p:nvPr/>
+        </p:nvSpPr>
+        <p:spPr>
+          <a:xfrm>
+            <a:off x="0" y="0"/>
+            <a:ext cx="468313" cy="6856413"/>
+          </a:xfrm>
+          <a:prstGeom prst="rect">
+            <a:avLst/>
+          </a:prstGeom>
+          <a:solidFill>
+            <a:srgbClr val="006CB5"/>
+          </a:solidFill>
+          <a:ln w="12700">
+            <a:noFill/>
+          </a:ln>
+          <a:effectLst/>
+        </p:spPr>
+        <p:style>
+          <a:lnRef idx="2">
+            <a:schemeClr val="accent1">
+              <a:shade val="50000"/>
+            </a:schemeClr>
+          </a:lnRef>
+          <a:fillRef idx="1">
+            <a:schemeClr val="accent1"/>
+          </a:fillRef>
+          <a:effectRef idx="0">
+            <a:schemeClr val="accent1"/>
+          </a:effectRef>
+          <a:fontRef idx="minor">
+            <a:schemeClr val="lt1"/>
+          </a:fontRef>
+        </p:style>
+        <p:txBody>
+          <a:bodyPr rtlCol="1" anchor="ctr"/>
+          <a:lstStyle/>
+          <a:p>
+            <a:pPr algn="ctr">
+              <a:defRPr/>
+            </a:pPr>
+            <a:endParaRPr lang="ru-RU" sz="1800"/>
+          </a:p>
+        </p:txBody>
+      </p:sp>
+      <p:pic>
+        <p:nvPicPr>
+          <p:cNvPr id="14" name="Рисунок 1">
+            <a:extLst>
+              <a:ext uri="{FF2B5EF4-FFF2-40B4-BE49-F238E27FC236}">
+                <a16:creationId xmlns:a16="http://schemas.microsoft.com/office/drawing/2014/main" id="{CFDA044B-8EE9-4E1F-A8E7-2B747D5FECE4}"/>
+              </a:ext>
+            </a:extLst>
+          </p:cNvPr>
+          <p:cNvPicPr>
+            <a:picLocks noChangeAspect="1"/>
+          </p:cNvPicPr>
+          <p:nvPr/>
+        </p:nvPicPr>
+        <p:blipFill>
+          <a:blip r:embed="rId4" cstate="print">
+            <a:duotone>
+              <a:schemeClr val="bg2">
+                <a:shade val="45000"/>
+                <a:satMod val="135000"/>
+              </a:schemeClr>
+              <a:prstClr val="white"/>
+            </a:duotone>
+          </a:blip>
+          <a:srcRect r="96146"/>
+          <a:stretch>
+            <a:fillRect/>
+          </a:stretch>
+        </p:blipFill>
+        <p:spPr bwMode="auto">
+          <a:xfrm rot="16200000">
+            <a:off x="24865" y="6681477"/>
+            <a:ext cx="178594" cy="169069"/>
+          </a:xfrm>
+          <a:prstGeom prst="rect">
+            <a:avLst/>
+          </a:prstGeom>
+          <a:noFill/>
+          <a:ln>
+            <a:noFill/>
+          </a:ln>
+        </p:spPr>
+      </p:pic>
+      <p:pic>
+        <p:nvPicPr>
+          <p:cNvPr id="15" name="Рисунок 1">
+            <a:extLst>
+              <a:ext uri="{FF2B5EF4-FFF2-40B4-BE49-F238E27FC236}">
+                <a16:creationId xmlns:a16="http://schemas.microsoft.com/office/drawing/2014/main" id="{D05416C9-A821-470B-88EA-D84AC109B7EA}"/>
+              </a:ext>
+            </a:extLst>
+          </p:cNvPr>
+          <p:cNvPicPr>
+            <a:picLocks noChangeAspect="1"/>
+          </p:cNvPicPr>
+          <p:nvPr/>
+        </p:nvPicPr>
+        <p:blipFill>
+          <a:blip r:embed="rId5" cstate="print">
+            <a:duotone>
+              <a:schemeClr val="bg2">
+                <a:shade val="45000"/>
+                <a:satMod val="135000"/>
+              </a:schemeClr>
+              <a:prstClr val="white"/>
+            </a:duotone>
+          </a:blip>
+          <a:srcRect l="4880"/>
+          <a:stretch>
+            <a:fillRect/>
+          </a:stretch>
+        </p:blipFill>
+        <p:spPr bwMode="auto">
+          <a:xfrm rot="16200000">
+            <a:off x="-2870393" y="3531561"/>
+            <a:ext cx="5969110" cy="229146"/>
+          </a:xfrm>
+          <a:prstGeom prst="rect">
+            <a:avLst/>
+          </a:prstGeom>
+          <a:noFill/>
+          <a:ln>
+            <a:noFill/>
+          </a:ln>
+        </p:spPr>
+      </p:pic>
+      <p:pic>
+        <p:nvPicPr>
+          <p:cNvPr id="38918" name="Рисунок 10"/>
+          <p:cNvPicPr>
+            <a:picLocks noChangeAspect="1"/>
+          </p:cNvPicPr>
+          <p:nvPr/>
+        </p:nvPicPr>
+        <p:blipFill>
+          <a:blip r:embed="rId6">
+            <a:extLst>
+              <a:ext uri="{28A0092B-C50C-407E-A947-70E740481C1C}">
+                <a14:useLocalDpi xmlns:a14="http://schemas.microsoft.com/office/drawing/2010/main" val="0"/>
+              </a:ext>
+            </a:extLst>
+          </a:blip>
+          <a:srcRect/>
+          <a:stretch>
+            <a:fillRect/>
+          </a:stretch>
+        </p:blipFill>
+        <p:spPr bwMode="auto">
+          <a:xfrm>
+            <a:off x="-11113" y="71438"/>
+            <a:ext cx="479426" cy="481012"/>
+          </a:xfrm>
+          <a:prstGeom prst="rect">
+            <a:avLst/>
+          </a:prstGeom>
+          <a:noFill/>
+          <a:ln>
+            <a:noFill/>
+          </a:ln>
+          <a:extLst>
+            <a:ext uri="{909E8E84-426E-40DD-AFC4-6F175D3DCCD1}">
+              <a14:hiddenFill xmlns:a14="http://schemas.microsoft.com/office/drawing/2010/main">
+                <a:solidFill>
+                  <a:srgbClr val="FFFFFF"/>
+                </a:solidFill>
+              </a14:hiddenFill>
+            </a:ext>
+            <a:ext uri="{91240B29-F687-4F45-9708-019B960494DF}">
+              <a14:hiddenLine xmlns:a14="http://schemas.microsoft.com/office/drawing/2010/main" w="9525">
+                <a:solidFill>
+                  <a:srgbClr val="000000"/>
+                </a:solidFill>
+                <a:miter lim="800000"/>
+                <a:headEnd/>
+                <a:tailEnd/>
+              </a14:hiddenLine>
+            </a:ext>
+          </a:extLst>
+        </p:spPr>
+      </p:pic>
+      <p:cxnSp>
+        <p:nvCxnSpPr>
+          <p:cNvPr id="17" name="Прямая соединительная линия 16">
+            <a:extLst>
+              <a:ext uri="{FF2B5EF4-FFF2-40B4-BE49-F238E27FC236}">
+                <a16:creationId xmlns:a16="http://schemas.microsoft.com/office/drawing/2014/main" id="{3C153909-C85A-4642-9B91-E2ED9ADE9DA9}"/>
+              </a:ext>
+            </a:extLst>
+          </p:cNvPr>
+          <p:cNvCxnSpPr>
+            <a:endCxn id="13" idx="2"/>
+          </p:cNvCxnSpPr>
+          <p:nvPr/>
+        </p:nvCxnSpPr>
+        <p:spPr>
+          <a:xfrm>
+            <a:off x="227013" y="525463"/>
+            <a:ext cx="6350" cy="6330950"/>
+          </a:xfrm>
+          <a:prstGeom prst="line">
+            <a:avLst/>
+          </a:prstGeom>
+          <a:ln w="38100">
+            <a:solidFill>
+              <a:schemeClr val="bg1"/>
+            </a:solidFill>
+          </a:ln>
+        </p:spPr>
+        <p:style>
+          <a:lnRef idx="1">
+            <a:schemeClr val="accent1"/>
+          </a:lnRef>
+          <a:fillRef idx="0">
+            <a:schemeClr val="accent1"/>
+          </a:fillRef>
+          <a:effectRef idx="0">
+            <a:schemeClr val="accent1"/>
+          </a:effectRef>
+          <a:fontRef idx="minor">
+            <a:schemeClr val="tx1"/>
+          </a:fontRef>
+        </p:style>
+      </p:cxnSp>
+      <p:sp>
+        <p:nvSpPr>
+          <p:cNvPr id="38920" name="Прямоугольник 96"/>
+          <p:cNvSpPr>
+            <a:spLocks noChangeArrowheads="1"/>
+          </p:cNvSpPr>
+          <p:nvPr/>
+        </p:nvSpPr>
+        <p:spPr bwMode="auto">
+          <a:xfrm>
+            <a:off x="36087" y="127000"/>
+            <a:ext cx="383438" cy="307777"/>
+          </a:xfrm>
+          <a:prstGeom prst="rect">
+            <a:avLst/>
+          </a:prstGeom>
+          <a:noFill/>
+          <a:ln>
+            <a:noFill/>
+          </a:ln>
+          <a:extLst>
+            <a:ext uri="{909E8E84-426E-40DD-AFC4-6F175D3DCCD1}">
+              <a14:hiddenFill xmlns:a14="http://schemas.microsoft.com/office/drawing/2010/main">
+                <a:solidFill>
+                  <a:srgbClr val="FFFFFF"/>
+                </a:solidFill>
+              </a14:hiddenFill>
+            </a:ext>
+            <a:ext uri="{91240B29-F687-4F45-9708-019B960494DF}">
+              <a14:hiddenLine xmlns:a14="http://schemas.microsoft.com/office/drawing/2010/main" w="9525">
+                <a:solidFill>
+                  <a:srgbClr val="000000"/>
+                </a:solidFill>
+                <a:miter lim="800000"/>
+                <a:headEnd/>
+                <a:tailEnd/>
+              </a14:hiddenLine>
+            </a:ext>
+          </a:extLst>
+        </p:spPr>
+        <p:txBody>
+          <a:bodyPr wrap="none">
+            <a:spAutoFit/>
+          </a:bodyPr>
+          <a:lstStyle>
+            <a:lvl1pPr>
+              <a:defRPr kumimoji="1" sz="2400">
+                <a:solidFill>
+                  <a:schemeClr val="tx1"/>
+                </a:solidFill>
+                <a:latin typeface="Calibri" panose="020F0502020204030204" pitchFamily="34" charset="0"/>
+                <a:cs typeface="Arial" panose="020B0604020202020204" pitchFamily="34" charset="0"/>
+              </a:defRPr>
+            </a:lvl1pPr>
+            <a:lvl2pPr marL="742950" indent="-285750">
+              <a:defRPr kumimoji="1" sz="2400">
+                <a:solidFill>
+                  <a:schemeClr val="tx1"/>
+                </a:solidFill>
+                <a:latin typeface="Calibri" panose="020F0502020204030204" pitchFamily="34" charset="0"/>
+                <a:cs typeface="Arial" panose="020B0604020202020204" pitchFamily="34" charset="0"/>
+              </a:defRPr>
+            </a:lvl2pPr>
+            <a:lvl3pPr marL="1143000" indent="-228600">
+              <a:defRPr kumimoji="1" sz="2400">
+                <a:solidFill>
+                  <a:schemeClr val="tx1"/>
+                </a:solidFill>
+                <a:latin typeface="Calibri" panose="020F0502020204030204" pitchFamily="34" charset="0"/>
+                <a:cs typeface="Arial" panose="020B0604020202020204" pitchFamily="34" charset="0"/>
+              </a:defRPr>
+            </a:lvl3pPr>
+            <a:lvl4pPr marL="1600200" indent="-228600">
+              <a:defRPr kumimoji="1" sz="2400">
+                <a:solidFill>
+                  <a:schemeClr val="tx1"/>
+                </a:solidFill>
+                <a:latin typeface="Calibri" panose="020F0502020204030204" pitchFamily="34" charset="0"/>
+                <a:cs typeface="Arial" panose="020B0604020202020204" pitchFamily="34" charset="0"/>
+              </a:defRPr>
+            </a:lvl4pPr>
+            <a:lvl5pPr marL="2057400" indent="-228600">
+              <a:defRPr kumimoji="1" sz="2400">
+                <a:solidFill>
+                  <a:schemeClr val="tx1"/>
+                </a:solidFill>
+                <a:latin typeface="Calibri" panose="020F0502020204030204" pitchFamily="34" charset="0"/>
+                <a:cs typeface="Arial" panose="020B0604020202020204" pitchFamily="34" charset="0"/>
+              </a:defRPr>
+            </a:lvl5pPr>
+            <a:lvl6pPr marL="2514600" indent="-228600" eaLnBrk="0" fontAlgn="base" hangingPunct="0">
+              <a:spcBef>
+                <a:spcPct val="0"/>
+              </a:spcBef>
+              <a:spcAft>
+                <a:spcPct val="0"/>
+              </a:spcAft>
+              <a:defRPr kumimoji="1" sz="2400">
+                <a:solidFill>
+                  <a:schemeClr val="tx1"/>
+                </a:solidFill>
+                <a:latin typeface="Calibri" panose="020F0502020204030204" pitchFamily="34" charset="0"/>
+                <a:cs typeface="Arial" panose="020B0604020202020204" pitchFamily="34" charset="0"/>
+              </a:defRPr>
+            </a:lvl6pPr>
+            <a:lvl7pPr marL="2971800" indent="-228600" eaLnBrk="0" fontAlgn="base" hangingPunct="0">
+              <a:spcBef>
+                <a:spcPct val="0"/>
+              </a:spcBef>
+              <a:spcAft>
+                <a:spcPct val="0"/>
+              </a:spcAft>
+              <a:defRPr kumimoji="1" sz="2400">
+                <a:solidFill>
+                  <a:schemeClr val="tx1"/>
+                </a:solidFill>
+                <a:latin typeface="Calibri" panose="020F0502020204030204" pitchFamily="34" charset="0"/>
+                <a:cs typeface="Arial" panose="020B0604020202020204" pitchFamily="34" charset="0"/>
+              </a:defRPr>
+            </a:lvl7pPr>
+            <a:lvl8pPr marL="3429000" indent="-228600" eaLnBrk="0" fontAlgn="base" hangingPunct="0">
+              <a:spcBef>
+                <a:spcPct val="0"/>
+              </a:spcBef>
+              <a:spcAft>
+                <a:spcPct val="0"/>
+              </a:spcAft>
+              <a:defRPr kumimoji="1" sz="2400">
+                <a:solidFill>
+                  <a:schemeClr val="tx1"/>
+                </a:solidFill>
+                <a:latin typeface="Calibri" panose="020F0502020204030204" pitchFamily="34" charset="0"/>
+                <a:cs typeface="Arial" panose="020B0604020202020204" pitchFamily="34" charset="0"/>
+              </a:defRPr>
+            </a:lvl8pPr>
+            <a:lvl9pPr marL="3886200" indent="-228600" eaLnBrk="0" fontAlgn="base" hangingPunct="0">
+              <a:spcBef>
+                <a:spcPct val="0"/>
+              </a:spcBef>
+              <a:spcAft>
+                <a:spcPct val="0"/>
+              </a:spcAft>
+              <a:defRPr kumimoji="1" sz="2400">
+                <a:solidFill>
+                  <a:schemeClr val="tx1"/>
+                </a:solidFill>
+                <a:latin typeface="Calibri" panose="020F0502020204030204" pitchFamily="34" charset="0"/>
+                <a:cs typeface="Arial" panose="020B0604020202020204" pitchFamily="34" charset="0"/>
+              </a:defRPr>
+            </a:lvl9pPr>
+          </a:lstStyle>
+          <a:p>
+            <a:pPr algn="ctr">
+              <a:buFont typeface="Arial" panose="020B0604020202020204" pitchFamily="34" charset="0"/>
+              <a:buNone/>
+            </a:pPr>
+            <a:r>
+              <a:rPr lang="ru-RU" altLang="ru-RU" sz="1400" b="1" dirty="0">
+                <a:solidFill>
+                  <a:schemeClr val="bg1"/>
+                </a:solidFill>
+                <a:latin typeface="Arial" panose="020B0604020202020204" pitchFamily="34" charset="0"/>
+              </a:rPr>
+              <a:t>14</a:t>
+            </a:r>
+            <a:endParaRPr lang="en-US" altLang="ru-RU" sz="1400" b="1" dirty="0">
+              <a:solidFill>
+                <a:schemeClr val="bg1"/>
+              </a:solidFill>
+              <a:latin typeface="Arial" panose="020B0604020202020204" pitchFamily="34" charset="0"/>
+            </a:endParaRPr>
+          </a:p>
+        </p:txBody>
+      </p:sp>
+      <p:sp>
+        <p:nvSpPr>
           <p:cNvPr id="38921" name="Прямоугольник 10"/>
           <p:cNvSpPr>
             <a:spLocks noChangeArrowheads="1"/>
@@ -24241,12 +25984,1748 @@
           <a:chExt cx="0" cy="0"/>
         </a:xfrm>
       </p:grpSpPr>
+      <p:pic>
+        <p:nvPicPr>
+          <p:cNvPr id="38914" name="Рисунок 6"/>
+          <p:cNvPicPr>
+            <a:picLocks noChangeAspect="1"/>
+          </p:cNvPicPr>
+          <p:nvPr/>
+        </p:nvPicPr>
+        <p:blipFill>
+          <a:blip r:embed="rId3">
+            <a:extLst>
+              <a:ext uri="{28A0092B-C50C-407E-A947-70E740481C1C}">
+                <a14:useLocalDpi xmlns:a14="http://schemas.microsoft.com/office/drawing/2010/main" val="0"/>
+              </a:ext>
+            </a:extLst>
+          </a:blip>
+          <a:srcRect l="63036" t="63045"/>
+          <a:stretch>
+            <a:fillRect/>
+          </a:stretch>
+        </p:blipFill>
+        <p:spPr bwMode="auto">
+          <a:xfrm>
+            <a:off x="9278938" y="6224588"/>
+            <a:ext cx="627062" cy="638175"/>
+          </a:xfrm>
+          <a:prstGeom prst="rect">
+            <a:avLst/>
+          </a:prstGeom>
+          <a:noFill/>
+          <a:ln>
+            <a:noFill/>
+          </a:ln>
+          <a:extLst>
+            <a:ext uri="{909E8E84-426E-40DD-AFC4-6F175D3DCCD1}">
+              <a14:hiddenFill xmlns:a14="http://schemas.microsoft.com/office/drawing/2010/main">
+                <a:solidFill>
+                  <a:srgbClr val="FFFFFF"/>
+                </a:solidFill>
+              </a14:hiddenFill>
+            </a:ext>
+            <a:ext uri="{91240B29-F687-4F45-9708-019B960494DF}">
+              <a14:hiddenLine xmlns:a14="http://schemas.microsoft.com/office/drawing/2010/main" w="9525">
+                <a:solidFill>
+                  <a:srgbClr val="000000"/>
+                </a:solidFill>
+                <a:miter lim="800000"/>
+                <a:headEnd/>
+                <a:tailEnd/>
+              </a14:hiddenLine>
+            </a:ext>
+          </a:extLst>
+        </p:spPr>
+      </p:pic>
       <p:sp>
         <p:nvSpPr>
-          <p:cNvPr id="3" name="Заголовок 1">
+          <p:cNvPr id="13" name="Прямоугольник 12">
             <a:extLst>
               <a:ext uri="{FF2B5EF4-FFF2-40B4-BE49-F238E27FC236}">
-                <a16:creationId xmlns:a16="http://schemas.microsoft.com/office/drawing/2014/main" id="{2D02A192-128A-4673-BDEC-75A97A0D8BAE}"/>
+                <a16:creationId xmlns:a16="http://schemas.microsoft.com/office/drawing/2014/main" id="{4176787B-437B-4855-89F0-E67425C1E242}"/>
+              </a:ext>
+            </a:extLst>
+          </p:cNvPr>
+          <p:cNvSpPr/>
+          <p:nvPr/>
+        </p:nvSpPr>
+        <p:spPr>
+          <a:xfrm>
+            <a:off x="0" y="0"/>
+            <a:ext cx="468313" cy="6856413"/>
+          </a:xfrm>
+          <a:prstGeom prst="rect">
+            <a:avLst/>
+          </a:prstGeom>
+          <a:solidFill>
+            <a:srgbClr val="006CB5"/>
+          </a:solidFill>
+          <a:ln w="12700">
+            <a:noFill/>
+          </a:ln>
+          <a:effectLst/>
+        </p:spPr>
+        <p:style>
+          <a:lnRef idx="2">
+            <a:schemeClr val="accent1">
+              <a:shade val="50000"/>
+            </a:schemeClr>
+          </a:lnRef>
+          <a:fillRef idx="1">
+            <a:schemeClr val="accent1"/>
+          </a:fillRef>
+          <a:effectRef idx="0">
+            <a:schemeClr val="accent1"/>
+          </a:effectRef>
+          <a:fontRef idx="minor">
+            <a:schemeClr val="lt1"/>
+          </a:fontRef>
+        </p:style>
+        <p:txBody>
+          <a:bodyPr rtlCol="1" anchor="ctr"/>
+          <a:lstStyle/>
+          <a:p>
+            <a:pPr algn="ctr">
+              <a:defRPr/>
+            </a:pPr>
+            <a:endParaRPr lang="ru-RU" sz="1800"/>
+          </a:p>
+        </p:txBody>
+      </p:sp>
+      <p:pic>
+        <p:nvPicPr>
+          <p:cNvPr id="14" name="Рисунок 1">
+            <a:extLst>
+              <a:ext uri="{FF2B5EF4-FFF2-40B4-BE49-F238E27FC236}">
+                <a16:creationId xmlns:a16="http://schemas.microsoft.com/office/drawing/2014/main" id="{CFDA044B-8EE9-4E1F-A8E7-2B747D5FECE4}"/>
+              </a:ext>
+            </a:extLst>
+          </p:cNvPr>
+          <p:cNvPicPr>
+            <a:picLocks noChangeAspect="1"/>
+          </p:cNvPicPr>
+          <p:nvPr/>
+        </p:nvPicPr>
+        <p:blipFill>
+          <a:blip r:embed="rId4" cstate="print">
+            <a:duotone>
+              <a:schemeClr val="bg2">
+                <a:shade val="45000"/>
+                <a:satMod val="135000"/>
+              </a:schemeClr>
+              <a:prstClr val="white"/>
+            </a:duotone>
+          </a:blip>
+          <a:srcRect r="96146"/>
+          <a:stretch>
+            <a:fillRect/>
+          </a:stretch>
+        </p:blipFill>
+        <p:spPr bwMode="auto">
+          <a:xfrm rot="16200000">
+            <a:off x="24865" y="6681477"/>
+            <a:ext cx="178594" cy="169069"/>
+          </a:xfrm>
+          <a:prstGeom prst="rect">
+            <a:avLst/>
+          </a:prstGeom>
+          <a:noFill/>
+          <a:ln>
+            <a:noFill/>
+          </a:ln>
+        </p:spPr>
+      </p:pic>
+      <p:pic>
+        <p:nvPicPr>
+          <p:cNvPr id="15" name="Рисунок 1">
+            <a:extLst>
+              <a:ext uri="{FF2B5EF4-FFF2-40B4-BE49-F238E27FC236}">
+                <a16:creationId xmlns:a16="http://schemas.microsoft.com/office/drawing/2014/main" id="{D05416C9-A821-470B-88EA-D84AC109B7EA}"/>
+              </a:ext>
+            </a:extLst>
+          </p:cNvPr>
+          <p:cNvPicPr>
+            <a:picLocks noChangeAspect="1"/>
+          </p:cNvPicPr>
+          <p:nvPr/>
+        </p:nvPicPr>
+        <p:blipFill>
+          <a:blip r:embed="rId5" cstate="print">
+            <a:duotone>
+              <a:schemeClr val="bg2">
+                <a:shade val="45000"/>
+                <a:satMod val="135000"/>
+              </a:schemeClr>
+              <a:prstClr val="white"/>
+            </a:duotone>
+          </a:blip>
+          <a:srcRect l="4880"/>
+          <a:stretch>
+            <a:fillRect/>
+          </a:stretch>
+        </p:blipFill>
+        <p:spPr bwMode="auto">
+          <a:xfrm rot="16200000">
+            <a:off x="-2870393" y="3531561"/>
+            <a:ext cx="5969110" cy="229146"/>
+          </a:xfrm>
+          <a:prstGeom prst="rect">
+            <a:avLst/>
+          </a:prstGeom>
+          <a:noFill/>
+          <a:ln>
+            <a:noFill/>
+          </a:ln>
+        </p:spPr>
+      </p:pic>
+      <p:pic>
+        <p:nvPicPr>
+          <p:cNvPr id="38918" name="Рисунок 10"/>
+          <p:cNvPicPr>
+            <a:picLocks noChangeAspect="1"/>
+          </p:cNvPicPr>
+          <p:nvPr/>
+        </p:nvPicPr>
+        <p:blipFill>
+          <a:blip r:embed="rId6">
+            <a:extLst>
+              <a:ext uri="{28A0092B-C50C-407E-A947-70E740481C1C}">
+                <a14:useLocalDpi xmlns:a14="http://schemas.microsoft.com/office/drawing/2010/main" val="0"/>
+              </a:ext>
+            </a:extLst>
+          </a:blip>
+          <a:srcRect/>
+          <a:stretch>
+            <a:fillRect/>
+          </a:stretch>
+        </p:blipFill>
+        <p:spPr bwMode="auto">
+          <a:xfrm>
+            <a:off x="-11113" y="71438"/>
+            <a:ext cx="479426" cy="481012"/>
+          </a:xfrm>
+          <a:prstGeom prst="rect">
+            <a:avLst/>
+          </a:prstGeom>
+          <a:noFill/>
+          <a:ln>
+            <a:noFill/>
+          </a:ln>
+          <a:extLst>
+            <a:ext uri="{909E8E84-426E-40DD-AFC4-6F175D3DCCD1}">
+              <a14:hiddenFill xmlns:a14="http://schemas.microsoft.com/office/drawing/2010/main">
+                <a:solidFill>
+                  <a:srgbClr val="FFFFFF"/>
+                </a:solidFill>
+              </a14:hiddenFill>
+            </a:ext>
+            <a:ext uri="{91240B29-F687-4F45-9708-019B960494DF}">
+              <a14:hiddenLine xmlns:a14="http://schemas.microsoft.com/office/drawing/2010/main" w="9525">
+                <a:solidFill>
+                  <a:srgbClr val="000000"/>
+                </a:solidFill>
+                <a:miter lim="800000"/>
+                <a:headEnd/>
+                <a:tailEnd/>
+              </a14:hiddenLine>
+            </a:ext>
+          </a:extLst>
+        </p:spPr>
+      </p:pic>
+      <p:cxnSp>
+        <p:nvCxnSpPr>
+          <p:cNvPr id="17" name="Прямая соединительная линия 16">
+            <a:extLst>
+              <a:ext uri="{FF2B5EF4-FFF2-40B4-BE49-F238E27FC236}">
+                <a16:creationId xmlns:a16="http://schemas.microsoft.com/office/drawing/2014/main" id="{3C153909-C85A-4642-9B91-E2ED9ADE9DA9}"/>
+              </a:ext>
+            </a:extLst>
+          </p:cNvPr>
+          <p:cNvCxnSpPr>
+            <a:endCxn id="13" idx="2"/>
+          </p:cNvCxnSpPr>
+          <p:nvPr/>
+        </p:nvCxnSpPr>
+        <p:spPr>
+          <a:xfrm>
+            <a:off x="227013" y="525463"/>
+            <a:ext cx="6350" cy="6330950"/>
+          </a:xfrm>
+          <a:prstGeom prst="line">
+            <a:avLst/>
+          </a:prstGeom>
+          <a:ln w="38100">
+            <a:solidFill>
+              <a:schemeClr val="bg1"/>
+            </a:solidFill>
+          </a:ln>
+        </p:spPr>
+        <p:style>
+          <a:lnRef idx="1">
+            <a:schemeClr val="accent1"/>
+          </a:lnRef>
+          <a:fillRef idx="0">
+            <a:schemeClr val="accent1"/>
+          </a:fillRef>
+          <a:effectRef idx="0">
+            <a:schemeClr val="accent1"/>
+          </a:effectRef>
+          <a:fontRef idx="minor">
+            <a:schemeClr val="tx1"/>
+          </a:fontRef>
+        </p:style>
+      </p:cxnSp>
+      <p:sp>
+        <p:nvSpPr>
+          <p:cNvPr id="38920" name="Прямоугольник 96"/>
+          <p:cNvSpPr>
+            <a:spLocks noChangeArrowheads="1"/>
+          </p:cNvSpPr>
+          <p:nvPr/>
+        </p:nvSpPr>
+        <p:spPr bwMode="auto">
+          <a:xfrm>
+            <a:off x="36087" y="127000"/>
+            <a:ext cx="383438" cy="307777"/>
+          </a:xfrm>
+          <a:prstGeom prst="rect">
+            <a:avLst/>
+          </a:prstGeom>
+          <a:noFill/>
+          <a:ln>
+            <a:noFill/>
+          </a:ln>
+          <a:extLst>
+            <a:ext uri="{909E8E84-426E-40DD-AFC4-6F175D3DCCD1}">
+              <a14:hiddenFill xmlns:a14="http://schemas.microsoft.com/office/drawing/2010/main">
+                <a:solidFill>
+                  <a:srgbClr val="FFFFFF"/>
+                </a:solidFill>
+              </a14:hiddenFill>
+            </a:ext>
+            <a:ext uri="{91240B29-F687-4F45-9708-019B960494DF}">
+              <a14:hiddenLine xmlns:a14="http://schemas.microsoft.com/office/drawing/2010/main" w="9525">
+                <a:solidFill>
+                  <a:srgbClr val="000000"/>
+                </a:solidFill>
+                <a:miter lim="800000"/>
+                <a:headEnd/>
+                <a:tailEnd/>
+              </a14:hiddenLine>
+            </a:ext>
+          </a:extLst>
+        </p:spPr>
+        <p:txBody>
+          <a:bodyPr wrap="none">
+            <a:spAutoFit/>
+          </a:bodyPr>
+          <a:lstStyle>
+            <a:lvl1pPr>
+              <a:defRPr kumimoji="1" sz="2400">
+                <a:solidFill>
+                  <a:schemeClr val="tx1"/>
+                </a:solidFill>
+                <a:latin typeface="Calibri" panose="020F0502020204030204" pitchFamily="34" charset="0"/>
+                <a:cs typeface="Arial" panose="020B0604020202020204" pitchFamily="34" charset="0"/>
+              </a:defRPr>
+            </a:lvl1pPr>
+            <a:lvl2pPr marL="742950" indent="-285750">
+              <a:defRPr kumimoji="1" sz="2400">
+                <a:solidFill>
+                  <a:schemeClr val="tx1"/>
+                </a:solidFill>
+                <a:latin typeface="Calibri" panose="020F0502020204030204" pitchFamily="34" charset="0"/>
+                <a:cs typeface="Arial" panose="020B0604020202020204" pitchFamily="34" charset="0"/>
+              </a:defRPr>
+            </a:lvl2pPr>
+            <a:lvl3pPr marL="1143000" indent="-228600">
+              <a:defRPr kumimoji="1" sz="2400">
+                <a:solidFill>
+                  <a:schemeClr val="tx1"/>
+                </a:solidFill>
+                <a:latin typeface="Calibri" panose="020F0502020204030204" pitchFamily="34" charset="0"/>
+                <a:cs typeface="Arial" panose="020B0604020202020204" pitchFamily="34" charset="0"/>
+              </a:defRPr>
+            </a:lvl3pPr>
+            <a:lvl4pPr marL="1600200" indent="-228600">
+              <a:defRPr kumimoji="1" sz="2400">
+                <a:solidFill>
+                  <a:schemeClr val="tx1"/>
+                </a:solidFill>
+                <a:latin typeface="Calibri" panose="020F0502020204030204" pitchFamily="34" charset="0"/>
+                <a:cs typeface="Arial" panose="020B0604020202020204" pitchFamily="34" charset="0"/>
+              </a:defRPr>
+            </a:lvl4pPr>
+            <a:lvl5pPr marL="2057400" indent="-228600">
+              <a:defRPr kumimoji="1" sz="2400">
+                <a:solidFill>
+                  <a:schemeClr val="tx1"/>
+                </a:solidFill>
+                <a:latin typeface="Calibri" panose="020F0502020204030204" pitchFamily="34" charset="0"/>
+                <a:cs typeface="Arial" panose="020B0604020202020204" pitchFamily="34" charset="0"/>
+              </a:defRPr>
+            </a:lvl5pPr>
+            <a:lvl6pPr marL="2514600" indent="-228600" eaLnBrk="0" fontAlgn="base" hangingPunct="0">
+              <a:spcBef>
+                <a:spcPct val="0"/>
+              </a:spcBef>
+              <a:spcAft>
+                <a:spcPct val="0"/>
+              </a:spcAft>
+              <a:defRPr kumimoji="1" sz="2400">
+                <a:solidFill>
+                  <a:schemeClr val="tx1"/>
+                </a:solidFill>
+                <a:latin typeface="Calibri" panose="020F0502020204030204" pitchFamily="34" charset="0"/>
+                <a:cs typeface="Arial" panose="020B0604020202020204" pitchFamily="34" charset="0"/>
+              </a:defRPr>
+            </a:lvl6pPr>
+            <a:lvl7pPr marL="2971800" indent="-228600" eaLnBrk="0" fontAlgn="base" hangingPunct="0">
+              <a:spcBef>
+                <a:spcPct val="0"/>
+              </a:spcBef>
+              <a:spcAft>
+                <a:spcPct val="0"/>
+              </a:spcAft>
+              <a:defRPr kumimoji="1" sz="2400">
+                <a:solidFill>
+                  <a:schemeClr val="tx1"/>
+                </a:solidFill>
+                <a:latin typeface="Calibri" panose="020F0502020204030204" pitchFamily="34" charset="0"/>
+                <a:cs typeface="Arial" panose="020B0604020202020204" pitchFamily="34" charset="0"/>
+              </a:defRPr>
+            </a:lvl7pPr>
+            <a:lvl8pPr marL="3429000" indent="-228600" eaLnBrk="0" fontAlgn="base" hangingPunct="0">
+              <a:spcBef>
+                <a:spcPct val="0"/>
+              </a:spcBef>
+              <a:spcAft>
+                <a:spcPct val="0"/>
+              </a:spcAft>
+              <a:defRPr kumimoji="1" sz="2400">
+                <a:solidFill>
+                  <a:schemeClr val="tx1"/>
+                </a:solidFill>
+                <a:latin typeface="Calibri" panose="020F0502020204030204" pitchFamily="34" charset="0"/>
+                <a:cs typeface="Arial" panose="020B0604020202020204" pitchFamily="34" charset="0"/>
+              </a:defRPr>
+            </a:lvl8pPr>
+            <a:lvl9pPr marL="3886200" indent="-228600" eaLnBrk="0" fontAlgn="base" hangingPunct="0">
+              <a:spcBef>
+                <a:spcPct val="0"/>
+              </a:spcBef>
+              <a:spcAft>
+                <a:spcPct val="0"/>
+              </a:spcAft>
+              <a:defRPr kumimoji="1" sz="2400">
+                <a:solidFill>
+                  <a:schemeClr val="tx1"/>
+                </a:solidFill>
+                <a:latin typeface="Calibri" panose="020F0502020204030204" pitchFamily="34" charset="0"/>
+                <a:cs typeface="Arial" panose="020B0604020202020204" pitchFamily="34" charset="0"/>
+              </a:defRPr>
+            </a:lvl9pPr>
+          </a:lstStyle>
+          <a:p>
+            <a:pPr algn="ctr">
+              <a:buFont typeface="Arial" panose="020B0604020202020204" pitchFamily="34" charset="0"/>
+              <a:buNone/>
+            </a:pPr>
+            <a:r>
+              <a:rPr lang="ru-RU" altLang="ru-RU" sz="1400" b="1" dirty="0">
+                <a:solidFill>
+                  <a:schemeClr val="bg1"/>
+                </a:solidFill>
+                <a:latin typeface="Arial" panose="020B0604020202020204" pitchFamily="34" charset="0"/>
+              </a:rPr>
+              <a:t>15</a:t>
+            </a:r>
+            <a:endParaRPr lang="en-US" altLang="ru-RU" sz="1400" b="1" dirty="0">
+              <a:solidFill>
+                <a:schemeClr val="bg1"/>
+              </a:solidFill>
+              <a:latin typeface="Arial" panose="020B0604020202020204" pitchFamily="34" charset="0"/>
+            </a:endParaRPr>
+          </a:p>
+        </p:txBody>
+      </p:sp>
+      <p:sp>
+        <p:nvSpPr>
+          <p:cNvPr id="16" name="Объект 2">
+            <a:extLst>
+              <a:ext uri="{FF2B5EF4-FFF2-40B4-BE49-F238E27FC236}">
+                <a16:creationId xmlns:a16="http://schemas.microsoft.com/office/drawing/2014/main" id="{3C0E2EDF-70A4-4FB2-B359-076A89F4DE57}"/>
+              </a:ext>
+            </a:extLst>
+          </p:cNvPr>
+          <p:cNvSpPr>
+            <a:spLocks noGrp="1"/>
+          </p:cNvSpPr>
+          <p:nvPr/>
+        </p:nvSpPr>
+        <p:spPr>
+          <a:xfrm>
+            <a:off x="781050" y="1163638"/>
+            <a:ext cx="9893300" cy="5513076"/>
+          </a:xfrm>
+          <a:prstGeom prst="rect">
+            <a:avLst/>
+          </a:prstGeom>
+        </p:spPr>
+        <p:txBody>
+          <a:bodyPr/>
+          <a:lstStyle>
+            <a:lvl1pPr marL="342900" indent="-342900" algn="l" defTabSz="457200" rtl="0" eaLnBrk="1" latinLnBrk="0" hangingPunct="1">
+              <a:spcBef>
+                <a:spcPts val="1000"/>
+              </a:spcBef>
+              <a:spcAft>
+                <a:spcPts val="0"/>
+              </a:spcAft>
+              <a:buClr>
+                <a:schemeClr val="accent1"/>
+              </a:buClr>
+              <a:buSzPct val="80000"/>
+              <a:buFont typeface="Wingdings 3" charset="2"/>
+              <a:buChar char=""/>
+              <a:defRPr sz="1800" kern="1200">
+                <a:solidFill>
+                  <a:schemeClr val="tx1">
+                    <a:lumMod val="75000"/>
+                    <a:lumOff val="25000"/>
+                  </a:schemeClr>
+                </a:solidFill>
+                <a:latin typeface="+mn-lt"/>
+                <a:ea typeface="+mn-ea"/>
+                <a:cs typeface="+mn-cs"/>
+              </a:defRPr>
+            </a:lvl1pPr>
+            <a:lvl2pPr marL="742950" indent="-285750" algn="l" defTabSz="457200" rtl="0" eaLnBrk="1" latinLnBrk="0" hangingPunct="1">
+              <a:spcBef>
+                <a:spcPts val="1000"/>
+              </a:spcBef>
+              <a:spcAft>
+                <a:spcPts val="0"/>
+              </a:spcAft>
+              <a:buClr>
+                <a:schemeClr val="accent1"/>
+              </a:buClr>
+              <a:buSzPct val="80000"/>
+              <a:buFont typeface="Wingdings 3" charset="2"/>
+              <a:buChar char=""/>
+              <a:defRPr sz="1600" kern="1200">
+                <a:solidFill>
+                  <a:schemeClr val="tx1">
+                    <a:lumMod val="75000"/>
+                    <a:lumOff val="25000"/>
+                  </a:schemeClr>
+                </a:solidFill>
+                <a:latin typeface="+mn-lt"/>
+                <a:ea typeface="+mn-ea"/>
+                <a:cs typeface="+mn-cs"/>
+              </a:defRPr>
+            </a:lvl2pPr>
+            <a:lvl3pPr marL="1143000" indent="-228600" algn="l" defTabSz="457200" rtl="0" eaLnBrk="1" latinLnBrk="0" hangingPunct="1">
+              <a:spcBef>
+                <a:spcPts val="1000"/>
+              </a:spcBef>
+              <a:spcAft>
+                <a:spcPts val="0"/>
+              </a:spcAft>
+              <a:buClr>
+                <a:schemeClr val="accent1"/>
+              </a:buClr>
+              <a:buSzPct val="80000"/>
+              <a:buFont typeface="Wingdings 3" charset="2"/>
+              <a:buChar char=""/>
+              <a:defRPr sz="1400" kern="1200">
+                <a:solidFill>
+                  <a:schemeClr val="tx1">
+                    <a:lumMod val="75000"/>
+                    <a:lumOff val="25000"/>
+                  </a:schemeClr>
+                </a:solidFill>
+                <a:latin typeface="+mn-lt"/>
+                <a:ea typeface="+mn-ea"/>
+                <a:cs typeface="+mn-cs"/>
+              </a:defRPr>
+            </a:lvl3pPr>
+            <a:lvl4pPr marL="1600200" indent="-228600" algn="l" defTabSz="457200" rtl="0" eaLnBrk="1" latinLnBrk="0" hangingPunct="1">
+              <a:spcBef>
+                <a:spcPts val="1000"/>
+              </a:spcBef>
+              <a:spcAft>
+                <a:spcPts val="0"/>
+              </a:spcAft>
+              <a:buClr>
+                <a:schemeClr val="accent1"/>
+              </a:buClr>
+              <a:buSzPct val="80000"/>
+              <a:buFont typeface="Wingdings 3" charset="2"/>
+              <a:buChar char=""/>
+              <a:defRPr sz="1200" kern="1200">
+                <a:solidFill>
+                  <a:schemeClr val="tx1">
+                    <a:lumMod val="75000"/>
+                    <a:lumOff val="25000"/>
+                  </a:schemeClr>
+                </a:solidFill>
+                <a:latin typeface="+mn-lt"/>
+                <a:ea typeface="+mn-ea"/>
+                <a:cs typeface="+mn-cs"/>
+              </a:defRPr>
+            </a:lvl4pPr>
+            <a:lvl5pPr marL="2057400" indent="-228600" algn="l" defTabSz="457200" rtl="0" eaLnBrk="1" latinLnBrk="0" hangingPunct="1">
+              <a:spcBef>
+                <a:spcPts val="1000"/>
+              </a:spcBef>
+              <a:spcAft>
+                <a:spcPts val="0"/>
+              </a:spcAft>
+              <a:buClr>
+                <a:schemeClr val="accent1"/>
+              </a:buClr>
+              <a:buSzPct val="80000"/>
+              <a:buFont typeface="Wingdings 3" charset="2"/>
+              <a:buChar char=""/>
+              <a:defRPr sz="1200" kern="1200">
+                <a:solidFill>
+                  <a:schemeClr val="tx1">
+                    <a:lumMod val="75000"/>
+                    <a:lumOff val="25000"/>
+                  </a:schemeClr>
+                </a:solidFill>
+                <a:latin typeface="+mn-lt"/>
+                <a:ea typeface="+mn-ea"/>
+                <a:cs typeface="+mn-cs"/>
+              </a:defRPr>
+            </a:lvl5pPr>
+            <a:lvl6pPr marL="2514600" indent="-228600" algn="l" defTabSz="457200" rtl="0" eaLnBrk="1" latinLnBrk="0" hangingPunct="1">
+              <a:spcBef>
+                <a:spcPts val="1000"/>
+              </a:spcBef>
+              <a:spcAft>
+                <a:spcPts val="0"/>
+              </a:spcAft>
+              <a:buClr>
+                <a:schemeClr val="accent1"/>
+              </a:buClr>
+              <a:buSzPct val="80000"/>
+              <a:buFont typeface="Wingdings 3" charset="2"/>
+              <a:buChar char=""/>
+              <a:defRPr sz="1200" kern="1200">
+                <a:solidFill>
+                  <a:schemeClr val="tx1">
+                    <a:lumMod val="75000"/>
+                    <a:lumOff val="25000"/>
+                  </a:schemeClr>
+                </a:solidFill>
+                <a:latin typeface="+mn-lt"/>
+                <a:ea typeface="+mn-ea"/>
+                <a:cs typeface="+mn-cs"/>
+              </a:defRPr>
+            </a:lvl6pPr>
+            <a:lvl7pPr marL="2971800" indent="-228600" algn="l" defTabSz="457200" rtl="0" eaLnBrk="1" latinLnBrk="0" hangingPunct="1">
+              <a:spcBef>
+                <a:spcPts val="1000"/>
+              </a:spcBef>
+              <a:spcAft>
+                <a:spcPts val="0"/>
+              </a:spcAft>
+              <a:buClr>
+                <a:schemeClr val="accent1"/>
+              </a:buClr>
+              <a:buSzPct val="80000"/>
+              <a:buFont typeface="Wingdings 3" charset="2"/>
+              <a:buChar char=""/>
+              <a:defRPr sz="1200" kern="1200">
+                <a:solidFill>
+                  <a:schemeClr val="tx1">
+                    <a:lumMod val="75000"/>
+                    <a:lumOff val="25000"/>
+                  </a:schemeClr>
+                </a:solidFill>
+                <a:latin typeface="+mn-lt"/>
+                <a:ea typeface="+mn-ea"/>
+                <a:cs typeface="+mn-cs"/>
+              </a:defRPr>
+            </a:lvl7pPr>
+            <a:lvl8pPr marL="3429000" indent="-228600" algn="l" defTabSz="457200" rtl="0" eaLnBrk="1" latinLnBrk="0" hangingPunct="1">
+              <a:spcBef>
+                <a:spcPts val="1000"/>
+              </a:spcBef>
+              <a:spcAft>
+                <a:spcPts val="0"/>
+              </a:spcAft>
+              <a:buClr>
+                <a:schemeClr val="accent1"/>
+              </a:buClr>
+              <a:buSzPct val="80000"/>
+              <a:buFont typeface="Wingdings 3" charset="2"/>
+              <a:buChar char=""/>
+              <a:defRPr sz="1200" kern="1200">
+                <a:solidFill>
+                  <a:schemeClr val="tx1">
+                    <a:lumMod val="75000"/>
+                    <a:lumOff val="25000"/>
+                  </a:schemeClr>
+                </a:solidFill>
+                <a:latin typeface="+mn-lt"/>
+                <a:ea typeface="+mn-ea"/>
+                <a:cs typeface="+mn-cs"/>
+              </a:defRPr>
+            </a:lvl8pPr>
+            <a:lvl9pPr marL="3886200" indent="-228600" algn="l" defTabSz="457200" rtl="0" eaLnBrk="1" latinLnBrk="0" hangingPunct="1">
+              <a:spcBef>
+                <a:spcPts val="1000"/>
+              </a:spcBef>
+              <a:spcAft>
+                <a:spcPts val="0"/>
+              </a:spcAft>
+              <a:buClr>
+                <a:schemeClr val="accent1"/>
+              </a:buClr>
+              <a:buSzPct val="80000"/>
+              <a:buFont typeface="Wingdings 3" charset="2"/>
+              <a:buChar char=""/>
+              <a:defRPr sz="1200" kern="1200">
+                <a:solidFill>
+                  <a:schemeClr val="tx1">
+                    <a:lumMod val="75000"/>
+                    <a:lumOff val="25000"/>
+                  </a:schemeClr>
+                </a:solidFill>
+                <a:latin typeface="+mn-lt"/>
+                <a:ea typeface="+mn-ea"/>
+                <a:cs typeface="+mn-cs"/>
+              </a:defRPr>
+            </a:lvl9pPr>
+          </a:lstStyle>
+          <a:p>
+            <a:pPr>
+              <a:defRPr/>
+            </a:pPr>
+            <a:endParaRPr lang="ru-RU" sz="2400" dirty="0"/>
+          </a:p>
+        </p:txBody>
+      </p:sp>
+      <p:pic>
+        <p:nvPicPr>
+          <p:cNvPr id="20" name="Рисунок 19">
+            <a:extLst>
+              <a:ext uri="{FF2B5EF4-FFF2-40B4-BE49-F238E27FC236}">
+                <a16:creationId xmlns:a16="http://schemas.microsoft.com/office/drawing/2014/main" id="{5BBC6410-BD3D-4E95-8870-F4EECE0CF60D}"/>
+              </a:ext>
+            </a:extLst>
+          </p:cNvPr>
+          <p:cNvPicPr/>
+          <p:nvPr/>
+        </p:nvPicPr>
+        <p:blipFill>
+          <a:blip r:embed="rId7" cstate="print">
+            <a:extLst>
+              <a:ext uri="{28A0092B-C50C-407E-A947-70E740481C1C}">
+                <a14:useLocalDpi xmlns:a14="http://schemas.microsoft.com/office/drawing/2010/main" val="0"/>
+              </a:ext>
+            </a:extLst>
+          </a:blip>
+          <a:srcRect/>
+          <a:stretch>
+            <a:fillRect/>
+          </a:stretch>
+        </p:blipFill>
+        <p:spPr bwMode="auto">
+          <a:xfrm>
+            <a:off x="496629" y="887239"/>
+            <a:ext cx="9260982" cy="4671349"/>
+          </a:xfrm>
+          <a:prstGeom prst="rect">
+            <a:avLst/>
+          </a:prstGeom>
+          <a:noFill/>
+          <a:ln>
+            <a:noFill/>
+          </a:ln>
+        </p:spPr>
+      </p:pic>
+      <p:sp>
+        <p:nvSpPr>
+          <p:cNvPr id="21" name="Заголовок 1">
+            <a:extLst>
+              <a:ext uri="{FF2B5EF4-FFF2-40B4-BE49-F238E27FC236}">
+                <a16:creationId xmlns:a16="http://schemas.microsoft.com/office/drawing/2014/main" id="{BE835CE7-0591-4382-8B1B-689C44E3419C}"/>
+              </a:ext>
+            </a:extLst>
+          </p:cNvPr>
+          <p:cNvSpPr>
+            <a:spLocks noGrp="1" noChangeArrowheads="1"/>
+          </p:cNvSpPr>
+          <p:nvPr/>
+        </p:nvSpPr>
+        <p:spPr bwMode="auto">
+          <a:xfrm>
+            <a:off x="504826" y="1"/>
+            <a:ext cx="9401174" cy="661578"/>
+          </a:xfrm>
+          <a:prstGeom prst="rect">
+            <a:avLst/>
+          </a:prstGeom>
+          <a:noFill/>
+          <a:ln>
+            <a:noFill/>
+          </a:ln>
+          <a:extLst>
+            <a:ext uri="{909E8E84-426E-40DD-AFC4-6F175D3DCCD1}">
+              <a14:hiddenFill xmlns:a14="http://schemas.microsoft.com/office/drawing/2010/main">
+                <a:solidFill>
+                  <a:srgbClr val="FFFFFF"/>
+                </a:solidFill>
+              </a14:hiddenFill>
+            </a:ext>
+            <a:ext uri="{91240B29-F687-4F45-9708-019B960494DF}">
+              <a14:hiddenLine xmlns:a14="http://schemas.microsoft.com/office/drawing/2010/main" w="9525">
+                <a:solidFill>
+                  <a:srgbClr val="000000"/>
+                </a:solidFill>
+                <a:miter lim="800000"/>
+                <a:headEnd/>
+                <a:tailEnd/>
+              </a14:hiddenLine>
+            </a:ext>
+          </a:extLst>
+        </p:spPr>
+        <p:txBody>
+          <a:bodyPr/>
+          <a:lstStyle>
+            <a:lvl1pPr defTabSz="457200">
+              <a:defRPr kumimoji="1" sz="2400">
+                <a:solidFill>
+                  <a:schemeClr val="tx1"/>
+                </a:solidFill>
+                <a:latin typeface="Calibri" panose="020F0502020204030204" pitchFamily="34" charset="0"/>
+                <a:cs typeface="Arial" panose="020B0604020202020204" pitchFamily="34" charset="0"/>
+              </a:defRPr>
+            </a:lvl1pPr>
+            <a:lvl2pPr marL="742950" indent="-285750" defTabSz="457200">
+              <a:defRPr kumimoji="1" sz="2400">
+                <a:solidFill>
+                  <a:schemeClr val="tx1"/>
+                </a:solidFill>
+                <a:latin typeface="Calibri" panose="020F0502020204030204" pitchFamily="34" charset="0"/>
+                <a:cs typeface="Arial" panose="020B0604020202020204" pitchFamily="34" charset="0"/>
+              </a:defRPr>
+            </a:lvl2pPr>
+            <a:lvl3pPr marL="1143000" indent="-228600" defTabSz="457200">
+              <a:defRPr kumimoji="1" sz="2400">
+                <a:solidFill>
+                  <a:schemeClr val="tx1"/>
+                </a:solidFill>
+                <a:latin typeface="Calibri" panose="020F0502020204030204" pitchFamily="34" charset="0"/>
+                <a:cs typeface="Arial" panose="020B0604020202020204" pitchFamily="34" charset="0"/>
+              </a:defRPr>
+            </a:lvl3pPr>
+            <a:lvl4pPr marL="1600200" indent="-228600" defTabSz="457200">
+              <a:defRPr kumimoji="1" sz="2400">
+                <a:solidFill>
+                  <a:schemeClr val="tx1"/>
+                </a:solidFill>
+                <a:latin typeface="Calibri" panose="020F0502020204030204" pitchFamily="34" charset="0"/>
+                <a:cs typeface="Arial" panose="020B0604020202020204" pitchFamily="34" charset="0"/>
+              </a:defRPr>
+            </a:lvl4pPr>
+            <a:lvl5pPr marL="2057400" indent="-228600" defTabSz="457200">
+              <a:defRPr kumimoji="1" sz="2400">
+                <a:solidFill>
+                  <a:schemeClr val="tx1"/>
+                </a:solidFill>
+                <a:latin typeface="Calibri" panose="020F0502020204030204" pitchFamily="34" charset="0"/>
+                <a:cs typeface="Arial" panose="020B0604020202020204" pitchFamily="34" charset="0"/>
+              </a:defRPr>
+            </a:lvl5pPr>
+            <a:lvl6pPr marL="2514600" indent="-228600" defTabSz="457200" eaLnBrk="0" fontAlgn="base" hangingPunct="0">
+              <a:spcBef>
+                <a:spcPct val="0"/>
+              </a:spcBef>
+              <a:spcAft>
+                <a:spcPct val="0"/>
+              </a:spcAft>
+              <a:defRPr kumimoji="1" sz="2400">
+                <a:solidFill>
+                  <a:schemeClr val="tx1"/>
+                </a:solidFill>
+                <a:latin typeface="Calibri" panose="020F0502020204030204" pitchFamily="34" charset="0"/>
+                <a:cs typeface="Arial" panose="020B0604020202020204" pitchFamily="34" charset="0"/>
+              </a:defRPr>
+            </a:lvl6pPr>
+            <a:lvl7pPr marL="2971800" indent="-228600" defTabSz="457200" eaLnBrk="0" fontAlgn="base" hangingPunct="0">
+              <a:spcBef>
+                <a:spcPct val="0"/>
+              </a:spcBef>
+              <a:spcAft>
+                <a:spcPct val="0"/>
+              </a:spcAft>
+              <a:defRPr kumimoji="1" sz="2400">
+                <a:solidFill>
+                  <a:schemeClr val="tx1"/>
+                </a:solidFill>
+                <a:latin typeface="Calibri" panose="020F0502020204030204" pitchFamily="34" charset="0"/>
+                <a:cs typeface="Arial" panose="020B0604020202020204" pitchFamily="34" charset="0"/>
+              </a:defRPr>
+            </a:lvl7pPr>
+            <a:lvl8pPr marL="3429000" indent="-228600" defTabSz="457200" eaLnBrk="0" fontAlgn="base" hangingPunct="0">
+              <a:spcBef>
+                <a:spcPct val="0"/>
+              </a:spcBef>
+              <a:spcAft>
+                <a:spcPct val="0"/>
+              </a:spcAft>
+              <a:defRPr kumimoji="1" sz="2400">
+                <a:solidFill>
+                  <a:schemeClr val="tx1"/>
+                </a:solidFill>
+                <a:latin typeface="Calibri" panose="020F0502020204030204" pitchFamily="34" charset="0"/>
+                <a:cs typeface="Arial" panose="020B0604020202020204" pitchFamily="34" charset="0"/>
+              </a:defRPr>
+            </a:lvl8pPr>
+            <a:lvl9pPr marL="3886200" indent="-228600" defTabSz="457200" eaLnBrk="0" fontAlgn="base" hangingPunct="0">
+              <a:spcBef>
+                <a:spcPct val="0"/>
+              </a:spcBef>
+              <a:spcAft>
+                <a:spcPct val="0"/>
+              </a:spcAft>
+              <a:defRPr kumimoji="1" sz="2400">
+                <a:solidFill>
+                  <a:schemeClr val="tx1"/>
+                </a:solidFill>
+                <a:latin typeface="Calibri" panose="020F0502020204030204" pitchFamily="34" charset="0"/>
+                <a:cs typeface="Arial" panose="020B0604020202020204" pitchFamily="34" charset="0"/>
+              </a:defRPr>
+            </a:lvl9pPr>
+          </a:lstStyle>
+          <a:p>
+            <a:pPr algn="ctr" eaLnBrk="1" hangingPunct="1"/>
+            <a:r>
+              <a:rPr lang="ru-RU" altLang="ru-RU" sz="3200" dirty="0">
+                <a:solidFill>
+                  <a:schemeClr val="accent1"/>
+                </a:solidFill>
+              </a:rPr>
+              <a:t>Визуализация данных</a:t>
+            </a:r>
+          </a:p>
+        </p:txBody>
+      </p:sp>
+      <p:sp>
+        <p:nvSpPr>
+          <p:cNvPr id="22" name="TextBox 21">
+            <a:extLst>
+              <a:ext uri="{FF2B5EF4-FFF2-40B4-BE49-F238E27FC236}">
+                <a16:creationId xmlns:a16="http://schemas.microsoft.com/office/drawing/2014/main" id="{B1DE7612-9FA5-449B-B9CF-565D138528E2}"/>
+              </a:ext>
+            </a:extLst>
+          </p:cNvPr>
+          <p:cNvSpPr txBox="1"/>
+          <p:nvPr/>
+        </p:nvSpPr>
+        <p:spPr>
+          <a:xfrm>
+            <a:off x="468313" y="5558589"/>
+            <a:ext cx="9245181" cy="400110"/>
+          </a:xfrm>
+          <a:prstGeom prst="rect">
+            <a:avLst/>
+          </a:prstGeom>
+          <a:noFill/>
+        </p:spPr>
+        <p:txBody>
+          <a:bodyPr wrap="square">
+            <a:spAutoFit/>
+          </a:bodyPr>
+          <a:lstStyle/>
+          <a:p>
+            <a:pPr algn="ctr"/>
+            <a:r>
+              <a:rPr lang="ru-RU" sz="2000" b="0" i="0" dirty="0">
+                <a:solidFill>
+                  <a:schemeClr val="accent1">
+                    <a:lumMod val="50000"/>
+                  </a:schemeClr>
+                </a:solidFill>
+                <a:effectLst/>
+                <a:latin typeface="+mn-lt"/>
+              </a:rPr>
+              <a:t>Страница «Построение диаграммы»</a:t>
+            </a:r>
+          </a:p>
+        </p:txBody>
+      </p:sp>
+    </p:spTree>
+    <p:extLst>
+      <p:ext uri="{BB962C8B-B14F-4D97-AF65-F5344CB8AC3E}">
+        <p14:creationId xmlns:p14="http://schemas.microsoft.com/office/powerpoint/2010/main" val="3632235083"/>
+      </p:ext>
+    </p:extLst>
+  </p:cSld>
+  <p:clrMapOvr>
+    <a:masterClrMapping/>
+  </p:clrMapOvr>
+  <p:transition spd="slow">
+    <p:push dir="u"/>
+  </p:transition>
+</p:sld>
+</file>
+
+<file path=ppt/slides/slide16.xml><?xml version="1.0" encoding="utf-8"?>
+<p:sld xmlns:a="http://schemas.openxmlformats.org/drawingml/2006/main" xmlns:r="http://schemas.openxmlformats.org/officeDocument/2006/relationships" xmlns:p="http://schemas.openxmlformats.org/presentationml/2006/main">
+  <p:cSld>
+    <p:spTree>
+      <p:nvGrpSpPr>
+        <p:cNvPr id="1" name=""/>
+        <p:cNvGrpSpPr/>
+        <p:nvPr/>
+      </p:nvGrpSpPr>
+      <p:grpSpPr>
+        <a:xfrm>
+          <a:off x="0" y="0"/>
+          <a:ext cx="0" cy="0"/>
+          <a:chOff x="0" y="0"/>
+          <a:chExt cx="0" cy="0"/>
+        </a:xfrm>
+      </p:grpSpPr>
+      <p:pic>
+        <p:nvPicPr>
+          <p:cNvPr id="38914" name="Рисунок 6"/>
+          <p:cNvPicPr>
+            <a:picLocks noChangeAspect="1"/>
+          </p:cNvPicPr>
+          <p:nvPr/>
+        </p:nvPicPr>
+        <p:blipFill>
+          <a:blip r:embed="rId3">
+            <a:extLst>
+              <a:ext uri="{28A0092B-C50C-407E-A947-70E740481C1C}">
+                <a14:useLocalDpi xmlns:a14="http://schemas.microsoft.com/office/drawing/2010/main" val="0"/>
+              </a:ext>
+            </a:extLst>
+          </a:blip>
+          <a:srcRect l="63036" t="63045"/>
+          <a:stretch>
+            <a:fillRect/>
+          </a:stretch>
+        </p:blipFill>
+        <p:spPr bwMode="auto">
+          <a:xfrm>
+            <a:off x="9278938" y="6224588"/>
+            <a:ext cx="627062" cy="638175"/>
+          </a:xfrm>
+          <a:prstGeom prst="rect">
+            <a:avLst/>
+          </a:prstGeom>
+          <a:noFill/>
+          <a:ln>
+            <a:noFill/>
+          </a:ln>
+          <a:extLst>
+            <a:ext uri="{909E8E84-426E-40DD-AFC4-6F175D3DCCD1}">
+              <a14:hiddenFill xmlns:a14="http://schemas.microsoft.com/office/drawing/2010/main">
+                <a:solidFill>
+                  <a:srgbClr val="FFFFFF"/>
+                </a:solidFill>
+              </a14:hiddenFill>
+            </a:ext>
+            <a:ext uri="{91240B29-F687-4F45-9708-019B960494DF}">
+              <a14:hiddenLine xmlns:a14="http://schemas.microsoft.com/office/drawing/2010/main" w="9525">
+                <a:solidFill>
+                  <a:srgbClr val="000000"/>
+                </a:solidFill>
+                <a:miter lim="800000"/>
+                <a:headEnd/>
+                <a:tailEnd/>
+              </a14:hiddenLine>
+            </a:ext>
+          </a:extLst>
+        </p:spPr>
+      </p:pic>
+      <p:sp>
+        <p:nvSpPr>
+          <p:cNvPr id="13" name="Прямоугольник 12">
+            <a:extLst>
+              <a:ext uri="{FF2B5EF4-FFF2-40B4-BE49-F238E27FC236}">
+                <a16:creationId xmlns:a16="http://schemas.microsoft.com/office/drawing/2014/main" id="{4176787B-437B-4855-89F0-E67425C1E242}"/>
+              </a:ext>
+            </a:extLst>
+          </p:cNvPr>
+          <p:cNvSpPr/>
+          <p:nvPr/>
+        </p:nvSpPr>
+        <p:spPr>
+          <a:xfrm>
+            <a:off x="0" y="0"/>
+            <a:ext cx="468313" cy="6856413"/>
+          </a:xfrm>
+          <a:prstGeom prst="rect">
+            <a:avLst/>
+          </a:prstGeom>
+          <a:solidFill>
+            <a:srgbClr val="006CB5"/>
+          </a:solidFill>
+          <a:ln w="12700">
+            <a:noFill/>
+          </a:ln>
+          <a:effectLst/>
+        </p:spPr>
+        <p:style>
+          <a:lnRef idx="2">
+            <a:schemeClr val="accent1">
+              <a:shade val="50000"/>
+            </a:schemeClr>
+          </a:lnRef>
+          <a:fillRef idx="1">
+            <a:schemeClr val="accent1"/>
+          </a:fillRef>
+          <a:effectRef idx="0">
+            <a:schemeClr val="accent1"/>
+          </a:effectRef>
+          <a:fontRef idx="minor">
+            <a:schemeClr val="lt1"/>
+          </a:fontRef>
+        </p:style>
+        <p:txBody>
+          <a:bodyPr rtlCol="1" anchor="ctr"/>
+          <a:lstStyle/>
+          <a:p>
+            <a:pPr algn="ctr">
+              <a:defRPr/>
+            </a:pPr>
+            <a:endParaRPr lang="ru-RU" sz="1800"/>
+          </a:p>
+        </p:txBody>
+      </p:sp>
+      <p:pic>
+        <p:nvPicPr>
+          <p:cNvPr id="14" name="Рисунок 1">
+            <a:extLst>
+              <a:ext uri="{FF2B5EF4-FFF2-40B4-BE49-F238E27FC236}">
+                <a16:creationId xmlns:a16="http://schemas.microsoft.com/office/drawing/2014/main" id="{CFDA044B-8EE9-4E1F-A8E7-2B747D5FECE4}"/>
+              </a:ext>
+            </a:extLst>
+          </p:cNvPr>
+          <p:cNvPicPr>
+            <a:picLocks noChangeAspect="1"/>
+          </p:cNvPicPr>
+          <p:nvPr/>
+        </p:nvPicPr>
+        <p:blipFill>
+          <a:blip r:embed="rId4" cstate="print">
+            <a:duotone>
+              <a:schemeClr val="bg2">
+                <a:shade val="45000"/>
+                <a:satMod val="135000"/>
+              </a:schemeClr>
+              <a:prstClr val="white"/>
+            </a:duotone>
+          </a:blip>
+          <a:srcRect r="96146"/>
+          <a:stretch>
+            <a:fillRect/>
+          </a:stretch>
+        </p:blipFill>
+        <p:spPr bwMode="auto">
+          <a:xfrm rot="16200000">
+            <a:off x="24865" y="6681477"/>
+            <a:ext cx="178594" cy="169069"/>
+          </a:xfrm>
+          <a:prstGeom prst="rect">
+            <a:avLst/>
+          </a:prstGeom>
+          <a:noFill/>
+          <a:ln>
+            <a:noFill/>
+          </a:ln>
+        </p:spPr>
+      </p:pic>
+      <p:pic>
+        <p:nvPicPr>
+          <p:cNvPr id="15" name="Рисунок 1">
+            <a:extLst>
+              <a:ext uri="{FF2B5EF4-FFF2-40B4-BE49-F238E27FC236}">
+                <a16:creationId xmlns:a16="http://schemas.microsoft.com/office/drawing/2014/main" id="{D05416C9-A821-470B-88EA-D84AC109B7EA}"/>
+              </a:ext>
+            </a:extLst>
+          </p:cNvPr>
+          <p:cNvPicPr>
+            <a:picLocks noChangeAspect="1"/>
+          </p:cNvPicPr>
+          <p:nvPr/>
+        </p:nvPicPr>
+        <p:blipFill>
+          <a:blip r:embed="rId5" cstate="print">
+            <a:duotone>
+              <a:schemeClr val="bg2">
+                <a:shade val="45000"/>
+                <a:satMod val="135000"/>
+              </a:schemeClr>
+              <a:prstClr val="white"/>
+            </a:duotone>
+          </a:blip>
+          <a:srcRect l="4880"/>
+          <a:stretch>
+            <a:fillRect/>
+          </a:stretch>
+        </p:blipFill>
+        <p:spPr bwMode="auto">
+          <a:xfrm rot="16200000">
+            <a:off x="-2870393" y="3531561"/>
+            <a:ext cx="5969110" cy="229146"/>
+          </a:xfrm>
+          <a:prstGeom prst="rect">
+            <a:avLst/>
+          </a:prstGeom>
+          <a:noFill/>
+          <a:ln>
+            <a:noFill/>
+          </a:ln>
+        </p:spPr>
+      </p:pic>
+      <p:pic>
+        <p:nvPicPr>
+          <p:cNvPr id="38918" name="Рисунок 10"/>
+          <p:cNvPicPr>
+            <a:picLocks noChangeAspect="1"/>
+          </p:cNvPicPr>
+          <p:nvPr/>
+        </p:nvPicPr>
+        <p:blipFill>
+          <a:blip r:embed="rId6">
+            <a:extLst>
+              <a:ext uri="{28A0092B-C50C-407E-A947-70E740481C1C}">
+                <a14:useLocalDpi xmlns:a14="http://schemas.microsoft.com/office/drawing/2010/main" val="0"/>
+              </a:ext>
+            </a:extLst>
+          </a:blip>
+          <a:srcRect/>
+          <a:stretch>
+            <a:fillRect/>
+          </a:stretch>
+        </p:blipFill>
+        <p:spPr bwMode="auto">
+          <a:xfrm>
+            <a:off x="-11113" y="71438"/>
+            <a:ext cx="479426" cy="481012"/>
+          </a:xfrm>
+          <a:prstGeom prst="rect">
+            <a:avLst/>
+          </a:prstGeom>
+          <a:noFill/>
+          <a:ln>
+            <a:noFill/>
+          </a:ln>
+          <a:extLst>
+            <a:ext uri="{909E8E84-426E-40DD-AFC4-6F175D3DCCD1}">
+              <a14:hiddenFill xmlns:a14="http://schemas.microsoft.com/office/drawing/2010/main">
+                <a:solidFill>
+                  <a:srgbClr val="FFFFFF"/>
+                </a:solidFill>
+              </a14:hiddenFill>
+            </a:ext>
+            <a:ext uri="{91240B29-F687-4F45-9708-019B960494DF}">
+              <a14:hiddenLine xmlns:a14="http://schemas.microsoft.com/office/drawing/2010/main" w="9525">
+                <a:solidFill>
+                  <a:srgbClr val="000000"/>
+                </a:solidFill>
+                <a:miter lim="800000"/>
+                <a:headEnd/>
+                <a:tailEnd/>
+              </a14:hiddenLine>
+            </a:ext>
+          </a:extLst>
+        </p:spPr>
+      </p:pic>
+      <p:cxnSp>
+        <p:nvCxnSpPr>
+          <p:cNvPr id="17" name="Прямая соединительная линия 16">
+            <a:extLst>
+              <a:ext uri="{FF2B5EF4-FFF2-40B4-BE49-F238E27FC236}">
+                <a16:creationId xmlns:a16="http://schemas.microsoft.com/office/drawing/2014/main" id="{3C153909-C85A-4642-9B91-E2ED9ADE9DA9}"/>
+              </a:ext>
+            </a:extLst>
+          </p:cNvPr>
+          <p:cNvCxnSpPr>
+            <a:endCxn id="13" idx="2"/>
+          </p:cNvCxnSpPr>
+          <p:nvPr/>
+        </p:nvCxnSpPr>
+        <p:spPr>
+          <a:xfrm>
+            <a:off x="227013" y="525463"/>
+            <a:ext cx="6350" cy="6330950"/>
+          </a:xfrm>
+          <a:prstGeom prst="line">
+            <a:avLst/>
+          </a:prstGeom>
+          <a:ln w="38100">
+            <a:solidFill>
+              <a:schemeClr val="bg1"/>
+            </a:solidFill>
+          </a:ln>
+        </p:spPr>
+        <p:style>
+          <a:lnRef idx="1">
+            <a:schemeClr val="accent1"/>
+          </a:lnRef>
+          <a:fillRef idx="0">
+            <a:schemeClr val="accent1"/>
+          </a:fillRef>
+          <a:effectRef idx="0">
+            <a:schemeClr val="accent1"/>
+          </a:effectRef>
+          <a:fontRef idx="minor">
+            <a:schemeClr val="tx1"/>
+          </a:fontRef>
+        </p:style>
+      </p:cxnSp>
+      <p:sp>
+        <p:nvSpPr>
+          <p:cNvPr id="38920" name="Прямоугольник 96"/>
+          <p:cNvSpPr>
+            <a:spLocks noChangeArrowheads="1"/>
+          </p:cNvSpPr>
+          <p:nvPr/>
+        </p:nvSpPr>
+        <p:spPr bwMode="auto">
+          <a:xfrm>
+            <a:off x="36087" y="127000"/>
+            <a:ext cx="383438" cy="307777"/>
+          </a:xfrm>
+          <a:prstGeom prst="rect">
+            <a:avLst/>
+          </a:prstGeom>
+          <a:noFill/>
+          <a:ln>
+            <a:noFill/>
+          </a:ln>
+          <a:extLst>
+            <a:ext uri="{909E8E84-426E-40DD-AFC4-6F175D3DCCD1}">
+              <a14:hiddenFill xmlns:a14="http://schemas.microsoft.com/office/drawing/2010/main">
+                <a:solidFill>
+                  <a:srgbClr val="FFFFFF"/>
+                </a:solidFill>
+              </a14:hiddenFill>
+            </a:ext>
+            <a:ext uri="{91240B29-F687-4F45-9708-019B960494DF}">
+              <a14:hiddenLine xmlns:a14="http://schemas.microsoft.com/office/drawing/2010/main" w="9525">
+                <a:solidFill>
+                  <a:srgbClr val="000000"/>
+                </a:solidFill>
+                <a:miter lim="800000"/>
+                <a:headEnd/>
+                <a:tailEnd/>
+              </a14:hiddenLine>
+            </a:ext>
+          </a:extLst>
+        </p:spPr>
+        <p:txBody>
+          <a:bodyPr wrap="none">
+            <a:spAutoFit/>
+          </a:bodyPr>
+          <a:lstStyle>
+            <a:lvl1pPr>
+              <a:defRPr kumimoji="1" sz="2400">
+                <a:solidFill>
+                  <a:schemeClr val="tx1"/>
+                </a:solidFill>
+                <a:latin typeface="Calibri" panose="020F0502020204030204" pitchFamily="34" charset="0"/>
+                <a:cs typeface="Arial" panose="020B0604020202020204" pitchFamily="34" charset="0"/>
+              </a:defRPr>
+            </a:lvl1pPr>
+            <a:lvl2pPr marL="742950" indent="-285750">
+              <a:defRPr kumimoji="1" sz="2400">
+                <a:solidFill>
+                  <a:schemeClr val="tx1"/>
+                </a:solidFill>
+                <a:latin typeface="Calibri" panose="020F0502020204030204" pitchFamily="34" charset="0"/>
+                <a:cs typeface="Arial" panose="020B0604020202020204" pitchFamily="34" charset="0"/>
+              </a:defRPr>
+            </a:lvl2pPr>
+            <a:lvl3pPr marL="1143000" indent="-228600">
+              <a:defRPr kumimoji="1" sz="2400">
+                <a:solidFill>
+                  <a:schemeClr val="tx1"/>
+                </a:solidFill>
+                <a:latin typeface="Calibri" panose="020F0502020204030204" pitchFamily="34" charset="0"/>
+                <a:cs typeface="Arial" panose="020B0604020202020204" pitchFamily="34" charset="0"/>
+              </a:defRPr>
+            </a:lvl3pPr>
+            <a:lvl4pPr marL="1600200" indent="-228600">
+              <a:defRPr kumimoji="1" sz="2400">
+                <a:solidFill>
+                  <a:schemeClr val="tx1"/>
+                </a:solidFill>
+                <a:latin typeface="Calibri" panose="020F0502020204030204" pitchFamily="34" charset="0"/>
+                <a:cs typeface="Arial" panose="020B0604020202020204" pitchFamily="34" charset="0"/>
+              </a:defRPr>
+            </a:lvl4pPr>
+            <a:lvl5pPr marL="2057400" indent="-228600">
+              <a:defRPr kumimoji="1" sz="2400">
+                <a:solidFill>
+                  <a:schemeClr val="tx1"/>
+                </a:solidFill>
+                <a:latin typeface="Calibri" panose="020F0502020204030204" pitchFamily="34" charset="0"/>
+                <a:cs typeface="Arial" panose="020B0604020202020204" pitchFamily="34" charset="0"/>
+              </a:defRPr>
+            </a:lvl5pPr>
+            <a:lvl6pPr marL="2514600" indent="-228600" eaLnBrk="0" fontAlgn="base" hangingPunct="0">
+              <a:spcBef>
+                <a:spcPct val="0"/>
+              </a:spcBef>
+              <a:spcAft>
+                <a:spcPct val="0"/>
+              </a:spcAft>
+              <a:defRPr kumimoji="1" sz="2400">
+                <a:solidFill>
+                  <a:schemeClr val="tx1"/>
+                </a:solidFill>
+                <a:latin typeface="Calibri" panose="020F0502020204030204" pitchFamily="34" charset="0"/>
+                <a:cs typeface="Arial" panose="020B0604020202020204" pitchFamily="34" charset="0"/>
+              </a:defRPr>
+            </a:lvl6pPr>
+            <a:lvl7pPr marL="2971800" indent="-228600" eaLnBrk="0" fontAlgn="base" hangingPunct="0">
+              <a:spcBef>
+                <a:spcPct val="0"/>
+              </a:spcBef>
+              <a:spcAft>
+                <a:spcPct val="0"/>
+              </a:spcAft>
+              <a:defRPr kumimoji="1" sz="2400">
+                <a:solidFill>
+                  <a:schemeClr val="tx1"/>
+                </a:solidFill>
+                <a:latin typeface="Calibri" panose="020F0502020204030204" pitchFamily="34" charset="0"/>
+                <a:cs typeface="Arial" panose="020B0604020202020204" pitchFamily="34" charset="0"/>
+              </a:defRPr>
+            </a:lvl7pPr>
+            <a:lvl8pPr marL="3429000" indent="-228600" eaLnBrk="0" fontAlgn="base" hangingPunct="0">
+              <a:spcBef>
+                <a:spcPct val="0"/>
+              </a:spcBef>
+              <a:spcAft>
+                <a:spcPct val="0"/>
+              </a:spcAft>
+              <a:defRPr kumimoji="1" sz="2400">
+                <a:solidFill>
+                  <a:schemeClr val="tx1"/>
+                </a:solidFill>
+                <a:latin typeface="Calibri" panose="020F0502020204030204" pitchFamily="34" charset="0"/>
+                <a:cs typeface="Arial" panose="020B0604020202020204" pitchFamily="34" charset="0"/>
+              </a:defRPr>
+            </a:lvl8pPr>
+            <a:lvl9pPr marL="3886200" indent="-228600" eaLnBrk="0" fontAlgn="base" hangingPunct="0">
+              <a:spcBef>
+                <a:spcPct val="0"/>
+              </a:spcBef>
+              <a:spcAft>
+                <a:spcPct val="0"/>
+              </a:spcAft>
+              <a:defRPr kumimoji="1" sz="2400">
+                <a:solidFill>
+                  <a:schemeClr val="tx1"/>
+                </a:solidFill>
+                <a:latin typeface="Calibri" panose="020F0502020204030204" pitchFamily="34" charset="0"/>
+                <a:cs typeface="Arial" panose="020B0604020202020204" pitchFamily="34" charset="0"/>
+              </a:defRPr>
+            </a:lvl9pPr>
+          </a:lstStyle>
+          <a:p>
+            <a:pPr algn="ctr">
+              <a:buFont typeface="Arial" panose="020B0604020202020204" pitchFamily="34" charset="0"/>
+              <a:buNone/>
+            </a:pPr>
+            <a:r>
+              <a:rPr lang="ru-RU" altLang="ru-RU" sz="1400" b="1" dirty="0">
+                <a:solidFill>
+                  <a:schemeClr val="bg1"/>
+                </a:solidFill>
+                <a:latin typeface="Arial" panose="020B0604020202020204" pitchFamily="34" charset="0"/>
+              </a:rPr>
+              <a:t>16</a:t>
+            </a:r>
+            <a:endParaRPr lang="en-US" altLang="ru-RU" sz="1400" b="1" dirty="0">
+              <a:solidFill>
+                <a:schemeClr val="bg1"/>
+              </a:solidFill>
+              <a:latin typeface="Arial" panose="020B0604020202020204" pitchFamily="34" charset="0"/>
+            </a:endParaRPr>
+          </a:p>
+        </p:txBody>
+      </p:sp>
+      <p:sp>
+        <p:nvSpPr>
+          <p:cNvPr id="16" name="Объект 2">
+            <a:extLst>
+              <a:ext uri="{FF2B5EF4-FFF2-40B4-BE49-F238E27FC236}">
+                <a16:creationId xmlns:a16="http://schemas.microsoft.com/office/drawing/2014/main" id="{3C0E2EDF-70A4-4FB2-B359-076A89F4DE57}"/>
+              </a:ext>
+            </a:extLst>
+          </p:cNvPr>
+          <p:cNvSpPr>
+            <a:spLocks noGrp="1"/>
+          </p:cNvSpPr>
+          <p:nvPr/>
+        </p:nvSpPr>
+        <p:spPr>
+          <a:xfrm>
+            <a:off x="781050" y="1163638"/>
+            <a:ext cx="9893300" cy="5513076"/>
+          </a:xfrm>
+          <a:prstGeom prst="rect">
+            <a:avLst/>
+          </a:prstGeom>
+        </p:spPr>
+        <p:txBody>
+          <a:bodyPr/>
+          <a:lstStyle>
+            <a:lvl1pPr marL="342900" indent="-342900" algn="l" defTabSz="457200" rtl="0" eaLnBrk="1" latinLnBrk="0" hangingPunct="1">
+              <a:spcBef>
+                <a:spcPts val="1000"/>
+              </a:spcBef>
+              <a:spcAft>
+                <a:spcPts val="0"/>
+              </a:spcAft>
+              <a:buClr>
+                <a:schemeClr val="accent1"/>
+              </a:buClr>
+              <a:buSzPct val="80000"/>
+              <a:buFont typeface="Wingdings 3" charset="2"/>
+              <a:buChar char=""/>
+              <a:defRPr sz="1800" kern="1200">
+                <a:solidFill>
+                  <a:schemeClr val="tx1">
+                    <a:lumMod val="75000"/>
+                    <a:lumOff val="25000"/>
+                  </a:schemeClr>
+                </a:solidFill>
+                <a:latin typeface="+mn-lt"/>
+                <a:ea typeface="+mn-ea"/>
+                <a:cs typeface="+mn-cs"/>
+              </a:defRPr>
+            </a:lvl1pPr>
+            <a:lvl2pPr marL="742950" indent="-285750" algn="l" defTabSz="457200" rtl="0" eaLnBrk="1" latinLnBrk="0" hangingPunct="1">
+              <a:spcBef>
+                <a:spcPts val="1000"/>
+              </a:spcBef>
+              <a:spcAft>
+                <a:spcPts val="0"/>
+              </a:spcAft>
+              <a:buClr>
+                <a:schemeClr val="accent1"/>
+              </a:buClr>
+              <a:buSzPct val="80000"/>
+              <a:buFont typeface="Wingdings 3" charset="2"/>
+              <a:buChar char=""/>
+              <a:defRPr sz="1600" kern="1200">
+                <a:solidFill>
+                  <a:schemeClr val="tx1">
+                    <a:lumMod val="75000"/>
+                    <a:lumOff val="25000"/>
+                  </a:schemeClr>
+                </a:solidFill>
+                <a:latin typeface="+mn-lt"/>
+                <a:ea typeface="+mn-ea"/>
+                <a:cs typeface="+mn-cs"/>
+              </a:defRPr>
+            </a:lvl2pPr>
+            <a:lvl3pPr marL="1143000" indent="-228600" algn="l" defTabSz="457200" rtl="0" eaLnBrk="1" latinLnBrk="0" hangingPunct="1">
+              <a:spcBef>
+                <a:spcPts val="1000"/>
+              </a:spcBef>
+              <a:spcAft>
+                <a:spcPts val="0"/>
+              </a:spcAft>
+              <a:buClr>
+                <a:schemeClr val="accent1"/>
+              </a:buClr>
+              <a:buSzPct val="80000"/>
+              <a:buFont typeface="Wingdings 3" charset="2"/>
+              <a:buChar char=""/>
+              <a:defRPr sz="1400" kern="1200">
+                <a:solidFill>
+                  <a:schemeClr val="tx1">
+                    <a:lumMod val="75000"/>
+                    <a:lumOff val="25000"/>
+                  </a:schemeClr>
+                </a:solidFill>
+                <a:latin typeface="+mn-lt"/>
+                <a:ea typeface="+mn-ea"/>
+                <a:cs typeface="+mn-cs"/>
+              </a:defRPr>
+            </a:lvl3pPr>
+            <a:lvl4pPr marL="1600200" indent="-228600" algn="l" defTabSz="457200" rtl="0" eaLnBrk="1" latinLnBrk="0" hangingPunct="1">
+              <a:spcBef>
+                <a:spcPts val="1000"/>
+              </a:spcBef>
+              <a:spcAft>
+                <a:spcPts val="0"/>
+              </a:spcAft>
+              <a:buClr>
+                <a:schemeClr val="accent1"/>
+              </a:buClr>
+              <a:buSzPct val="80000"/>
+              <a:buFont typeface="Wingdings 3" charset="2"/>
+              <a:buChar char=""/>
+              <a:defRPr sz="1200" kern="1200">
+                <a:solidFill>
+                  <a:schemeClr val="tx1">
+                    <a:lumMod val="75000"/>
+                    <a:lumOff val="25000"/>
+                  </a:schemeClr>
+                </a:solidFill>
+                <a:latin typeface="+mn-lt"/>
+                <a:ea typeface="+mn-ea"/>
+                <a:cs typeface="+mn-cs"/>
+              </a:defRPr>
+            </a:lvl4pPr>
+            <a:lvl5pPr marL="2057400" indent="-228600" algn="l" defTabSz="457200" rtl="0" eaLnBrk="1" latinLnBrk="0" hangingPunct="1">
+              <a:spcBef>
+                <a:spcPts val="1000"/>
+              </a:spcBef>
+              <a:spcAft>
+                <a:spcPts val="0"/>
+              </a:spcAft>
+              <a:buClr>
+                <a:schemeClr val="accent1"/>
+              </a:buClr>
+              <a:buSzPct val="80000"/>
+              <a:buFont typeface="Wingdings 3" charset="2"/>
+              <a:buChar char=""/>
+              <a:defRPr sz="1200" kern="1200">
+                <a:solidFill>
+                  <a:schemeClr val="tx1">
+                    <a:lumMod val="75000"/>
+                    <a:lumOff val="25000"/>
+                  </a:schemeClr>
+                </a:solidFill>
+                <a:latin typeface="+mn-lt"/>
+                <a:ea typeface="+mn-ea"/>
+                <a:cs typeface="+mn-cs"/>
+              </a:defRPr>
+            </a:lvl5pPr>
+            <a:lvl6pPr marL="2514600" indent="-228600" algn="l" defTabSz="457200" rtl="0" eaLnBrk="1" latinLnBrk="0" hangingPunct="1">
+              <a:spcBef>
+                <a:spcPts val="1000"/>
+              </a:spcBef>
+              <a:spcAft>
+                <a:spcPts val="0"/>
+              </a:spcAft>
+              <a:buClr>
+                <a:schemeClr val="accent1"/>
+              </a:buClr>
+              <a:buSzPct val="80000"/>
+              <a:buFont typeface="Wingdings 3" charset="2"/>
+              <a:buChar char=""/>
+              <a:defRPr sz="1200" kern="1200">
+                <a:solidFill>
+                  <a:schemeClr val="tx1">
+                    <a:lumMod val="75000"/>
+                    <a:lumOff val="25000"/>
+                  </a:schemeClr>
+                </a:solidFill>
+                <a:latin typeface="+mn-lt"/>
+                <a:ea typeface="+mn-ea"/>
+                <a:cs typeface="+mn-cs"/>
+              </a:defRPr>
+            </a:lvl6pPr>
+            <a:lvl7pPr marL="2971800" indent="-228600" algn="l" defTabSz="457200" rtl="0" eaLnBrk="1" latinLnBrk="0" hangingPunct="1">
+              <a:spcBef>
+                <a:spcPts val="1000"/>
+              </a:spcBef>
+              <a:spcAft>
+                <a:spcPts val="0"/>
+              </a:spcAft>
+              <a:buClr>
+                <a:schemeClr val="accent1"/>
+              </a:buClr>
+              <a:buSzPct val="80000"/>
+              <a:buFont typeface="Wingdings 3" charset="2"/>
+              <a:buChar char=""/>
+              <a:defRPr sz="1200" kern="1200">
+                <a:solidFill>
+                  <a:schemeClr val="tx1">
+                    <a:lumMod val="75000"/>
+                    <a:lumOff val="25000"/>
+                  </a:schemeClr>
+                </a:solidFill>
+                <a:latin typeface="+mn-lt"/>
+                <a:ea typeface="+mn-ea"/>
+                <a:cs typeface="+mn-cs"/>
+              </a:defRPr>
+            </a:lvl7pPr>
+            <a:lvl8pPr marL="3429000" indent="-228600" algn="l" defTabSz="457200" rtl="0" eaLnBrk="1" latinLnBrk="0" hangingPunct="1">
+              <a:spcBef>
+                <a:spcPts val="1000"/>
+              </a:spcBef>
+              <a:spcAft>
+                <a:spcPts val="0"/>
+              </a:spcAft>
+              <a:buClr>
+                <a:schemeClr val="accent1"/>
+              </a:buClr>
+              <a:buSzPct val="80000"/>
+              <a:buFont typeface="Wingdings 3" charset="2"/>
+              <a:buChar char=""/>
+              <a:defRPr sz="1200" kern="1200">
+                <a:solidFill>
+                  <a:schemeClr val="tx1">
+                    <a:lumMod val="75000"/>
+                    <a:lumOff val="25000"/>
+                  </a:schemeClr>
+                </a:solidFill>
+                <a:latin typeface="+mn-lt"/>
+                <a:ea typeface="+mn-ea"/>
+                <a:cs typeface="+mn-cs"/>
+              </a:defRPr>
+            </a:lvl8pPr>
+            <a:lvl9pPr marL="3886200" indent="-228600" algn="l" defTabSz="457200" rtl="0" eaLnBrk="1" latinLnBrk="0" hangingPunct="1">
+              <a:spcBef>
+                <a:spcPts val="1000"/>
+              </a:spcBef>
+              <a:spcAft>
+                <a:spcPts val="0"/>
+              </a:spcAft>
+              <a:buClr>
+                <a:schemeClr val="accent1"/>
+              </a:buClr>
+              <a:buSzPct val="80000"/>
+              <a:buFont typeface="Wingdings 3" charset="2"/>
+              <a:buChar char=""/>
+              <a:defRPr sz="1200" kern="1200">
+                <a:solidFill>
+                  <a:schemeClr val="tx1">
+                    <a:lumMod val="75000"/>
+                    <a:lumOff val="25000"/>
+                  </a:schemeClr>
+                </a:solidFill>
+                <a:latin typeface="+mn-lt"/>
+                <a:ea typeface="+mn-ea"/>
+                <a:cs typeface="+mn-cs"/>
+              </a:defRPr>
+            </a:lvl9pPr>
+          </a:lstStyle>
+          <a:p>
+            <a:pPr>
+              <a:defRPr/>
+            </a:pPr>
+            <a:endParaRPr lang="ru-RU" sz="2400" dirty="0"/>
+          </a:p>
+        </p:txBody>
+      </p:sp>
+      <p:sp>
+        <p:nvSpPr>
+          <p:cNvPr id="18" name="Заголовок 1">
+            <a:extLst>
+              <a:ext uri="{FF2B5EF4-FFF2-40B4-BE49-F238E27FC236}">
+                <a16:creationId xmlns:a16="http://schemas.microsoft.com/office/drawing/2014/main" id="{F6D69E9B-0C3B-44DA-B7C6-171E5A7ECAD9}"/>
               </a:ext>
             </a:extLst>
           </p:cNvPr>
@@ -24404,290 +27883,6 @@
                   <a:schemeClr val="accent1"/>
                 </a:solidFill>
               </a:rPr>
-              <a:t>Визуализация данных</a:t>
-            </a:r>
-          </a:p>
-        </p:txBody>
-      </p:sp>
-      <p:pic>
-        <p:nvPicPr>
-          <p:cNvPr id="4" name="Рисунок 3">
-            <a:extLst>
-              <a:ext uri="{FF2B5EF4-FFF2-40B4-BE49-F238E27FC236}">
-                <a16:creationId xmlns:a16="http://schemas.microsoft.com/office/drawing/2014/main" id="{70AAA4E6-C163-4D52-B1BF-CBC73CF06F3D}"/>
-              </a:ext>
-            </a:extLst>
-          </p:cNvPr>
-          <p:cNvPicPr/>
-          <p:nvPr/>
-        </p:nvPicPr>
-        <p:blipFill>
-          <a:blip r:embed="rId2" cstate="print">
-            <a:extLst>
-              <a:ext uri="{28A0092B-C50C-407E-A947-70E740481C1C}">
-                <a14:useLocalDpi xmlns:a14="http://schemas.microsoft.com/office/drawing/2010/main" val="0"/>
-              </a:ext>
-            </a:extLst>
-          </a:blip>
-          <a:srcRect/>
-          <a:stretch>
-            <a:fillRect/>
-          </a:stretch>
-        </p:blipFill>
-        <p:spPr bwMode="auto">
-          <a:xfrm>
-            <a:off x="192505" y="661579"/>
-            <a:ext cx="9565106" cy="4897010"/>
-          </a:xfrm>
-          <a:prstGeom prst="rect">
-            <a:avLst/>
-          </a:prstGeom>
-          <a:noFill/>
-          <a:ln>
-            <a:noFill/>
-          </a:ln>
-        </p:spPr>
-      </p:pic>
-      <p:sp>
-        <p:nvSpPr>
-          <p:cNvPr id="5" name="TextBox 4">
-            <a:extLst>
-              <a:ext uri="{FF2B5EF4-FFF2-40B4-BE49-F238E27FC236}">
-                <a16:creationId xmlns:a16="http://schemas.microsoft.com/office/drawing/2014/main" id="{C903B65C-FD86-4909-A374-3D982C7B77EE}"/>
-              </a:ext>
-            </a:extLst>
-          </p:cNvPr>
-          <p:cNvSpPr txBox="1"/>
-          <p:nvPr/>
-        </p:nvSpPr>
-        <p:spPr>
-          <a:xfrm>
-            <a:off x="114435" y="5558589"/>
-            <a:ext cx="9599059" cy="400110"/>
-          </a:xfrm>
-          <a:prstGeom prst="rect">
-            <a:avLst/>
-          </a:prstGeom>
-          <a:noFill/>
-        </p:spPr>
-        <p:txBody>
-          <a:bodyPr wrap="square">
-            <a:spAutoFit/>
-          </a:bodyPr>
-          <a:lstStyle/>
-          <a:p>
-            <a:pPr algn="ctr"/>
-            <a:r>
-              <a:rPr lang="ru-RU" sz="2000" b="0" i="0" dirty="0">
-                <a:solidFill>
-                  <a:schemeClr val="accent1">
-                    <a:lumMod val="50000"/>
-                  </a:schemeClr>
-                </a:solidFill>
-                <a:effectLst/>
-                <a:latin typeface="+mn-lt"/>
-              </a:rPr>
-              <a:t>Страница «Построение диаграммы»</a:t>
-            </a:r>
-          </a:p>
-        </p:txBody>
-      </p:sp>
-    </p:spTree>
-    <p:extLst>
-      <p:ext uri="{BB962C8B-B14F-4D97-AF65-F5344CB8AC3E}">
-        <p14:creationId xmlns:p14="http://schemas.microsoft.com/office/powerpoint/2010/main" val="1546437185"/>
-      </p:ext>
-    </p:extLst>
-  </p:cSld>
-  <p:clrMapOvr>
-    <a:masterClrMapping/>
-  </p:clrMapOvr>
-  <p:transition spd="slow" advClick="0" advTm="2000">
-    <p:cover dir="d"/>
-  </p:transition>
-</p:sld>
-</file>
-
-<file path=ppt/slides/slide16.xml><?xml version="1.0" encoding="utf-8"?>
-<p:sld xmlns:a="http://schemas.openxmlformats.org/drawingml/2006/main" xmlns:r="http://schemas.openxmlformats.org/officeDocument/2006/relationships" xmlns:p="http://schemas.openxmlformats.org/presentationml/2006/main">
-  <p:cSld>
-    <p:spTree>
-      <p:nvGrpSpPr>
-        <p:cNvPr id="1" name=""/>
-        <p:cNvGrpSpPr/>
-        <p:nvPr/>
-      </p:nvGrpSpPr>
-      <p:grpSpPr>
-        <a:xfrm>
-          <a:off x="0" y="0"/>
-          <a:ext cx="0" cy="0"/>
-          <a:chOff x="0" y="0"/>
-          <a:chExt cx="0" cy="0"/>
-        </a:xfrm>
-      </p:grpSpPr>
-      <p:sp>
-        <p:nvSpPr>
-          <p:cNvPr id="2" name="Заголовок 1">
-            <a:extLst>
-              <a:ext uri="{FF2B5EF4-FFF2-40B4-BE49-F238E27FC236}">
-                <a16:creationId xmlns:a16="http://schemas.microsoft.com/office/drawing/2014/main" id="{566BFB4C-BC6A-414D-89C4-BE2583C7FDAD}"/>
-              </a:ext>
-            </a:extLst>
-          </p:cNvPr>
-          <p:cNvSpPr>
-            <a:spLocks noGrp="1" noChangeArrowheads="1"/>
-          </p:cNvSpPr>
-          <p:nvPr/>
-        </p:nvSpPr>
-        <p:spPr bwMode="auto">
-          <a:xfrm>
-            <a:off x="0" y="1"/>
-            <a:ext cx="9906000" cy="661578"/>
-          </a:xfrm>
-          <a:prstGeom prst="rect">
-            <a:avLst/>
-          </a:prstGeom>
-          <a:noFill/>
-          <a:ln>
-            <a:noFill/>
-          </a:ln>
-          <a:extLst>
-            <a:ext uri="{909E8E84-426E-40DD-AFC4-6F175D3DCCD1}">
-              <a14:hiddenFill xmlns:a14="http://schemas.microsoft.com/office/drawing/2010/main">
-                <a:solidFill>
-                  <a:srgbClr val="FFFFFF"/>
-                </a:solidFill>
-              </a14:hiddenFill>
-            </a:ext>
-            <a:ext uri="{91240B29-F687-4F45-9708-019B960494DF}">
-              <a14:hiddenLine xmlns:a14="http://schemas.microsoft.com/office/drawing/2010/main" w="9525">
-                <a:solidFill>
-                  <a:srgbClr val="000000"/>
-                </a:solidFill>
-                <a:miter lim="800000"/>
-                <a:headEnd/>
-                <a:tailEnd/>
-              </a14:hiddenLine>
-            </a:ext>
-          </a:extLst>
-        </p:spPr>
-        <p:txBody>
-          <a:bodyPr/>
-          <a:lstStyle>
-            <a:lvl1pPr defTabSz="457200">
-              <a:defRPr kumimoji="1" sz="2400">
-                <a:solidFill>
-                  <a:schemeClr val="tx1"/>
-                </a:solidFill>
-                <a:latin typeface="Calibri" panose="020F0502020204030204" pitchFamily="34" charset="0"/>
-                <a:cs typeface="Arial" panose="020B0604020202020204" pitchFamily="34" charset="0"/>
-              </a:defRPr>
-            </a:lvl1pPr>
-            <a:lvl2pPr marL="742950" indent="-285750" defTabSz="457200">
-              <a:defRPr kumimoji="1" sz="2400">
-                <a:solidFill>
-                  <a:schemeClr val="tx1"/>
-                </a:solidFill>
-                <a:latin typeface="Calibri" panose="020F0502020204030204" pitchFamily="34" charset="0"/>
-                <a:cs typeface="Arial" panose="020B0604020202020204" pitchFamily="34" charset="0"/>
-              </a:defRPr>
-            </a:lvl2pPr>
-            <a:lvl3pPr marL="1143000" indent="-228600" defTabSz="457200">
-              <a:defRPr kumimoji="1" sz="2400">
-                <a:solidFill>
-                  <a:schemeClr val="tx1"/>
-                </a:solidFill>
-                <a:latin typeface="Calibri" panose="020F0502020204030204" pitchFamily="34" charset="0"/>
-                <a:cs typeface="Arial" panose="020B0604020202020204" pitchFamily="34" charset="0"/>
-              </a:defRPr>
-            </a:lvl3pPr>
-            <a:lvl4pPr marL="1600200" indent="-228600" defTabSz="457200">
-              <a:defRPr kumimoji="1" sz="2400">
-                <a:solidFill>
-                  <a:schemeClr val="tx1"/>
-                </a:solidFill>
-                <a:latin typeface="Calibri" panose="020F0502020204030204" pitchFamily="34" charset="0"/>
-                <a:cs typeface="Arial" panose="020B0604020202020204" pitchFamily="34" charset="0"/>
-              </a:defRPr>
-            </a:lvl4pPr>
-            <a:lvl5pPr marL="2057400" indent="-228600" defTabSz="457200">
-              <a:defRPr kumimoji="1" sz="2400">
-                <a:solidFill>
-                  <a:schemeClr val="tx1"/>
-                </a:solidFill>
-                <a:latin typeface="Calibri" panose="020F0502020204030204" pitchFamily="34" charset="0"/>
-                <a:cs typeface="Arial" panose="020B0604020202020204" pitchFamily="34" charset="0"/>
-              </a:defRPr>
-            </a:lvl5pPr>
-            <a:lvl6pPr marL="2514600" indent="-228600" defTabSz="457200" eaLnBrk="0" fontAlgn="base" hangingPunct="0">
-              <a:spcBef>
-                <a:spcPct val="0"/>
-              </a:spcBef>
-              <a:spcAft>
-                <a:spcPct val="0"/>
-              </a:spcAft>
-              <a:defRPr kumimoji="1" sz="2400">
-                <a:solidFill>
-                  <a:schemeClr val="tx1"/>
-                </a:solidFill>
-                <a:latin typeface="Calibri" panose="020F0502020204030204" pitchFamily="34" charset="0"/>
-                <a:cs typeface="Arial" panose="020B0604020202020204" pitchFamily="34" charset="0"/>
-              </a:defRPr>
-            </a:lvl6pPr>
-            <a:lvl7pPr marL="2971800" indent="-228600" defTabSz="457200" eaLnBrk="0" fontAlgn="base" hangingPunct="0">
-              <a:spcBef>
-                <a:spcPct val="0"/>
-              </a:spcBef>
-              <a:spcAft>
-                <a:spcPct val="0"/>
-              </a:spcAft>
-              <a:defRPr kumimoji="1" sz="2400">
-                <a:solidFill>
-                  <a:schemeClr val="tx1"/>
-                </a:solidFill>
-                <a:latin typeface="Calibri" panose="020F0502020204030204" pitchFamily="34" charset="0"/>
-                <a:cs typeface="Arial" panose="020B0604020202020204" pitchFamily="34" charset="0"/>
-              </a:defRPr>
-            </a:lvl7pPr>
-            <a:lvl8pPr marL="3429000" indent="-228600" defTabSz="457200" eaLnBrk="0" fontAlgn="base" hangingPunct="0">
-              <a:spcBef>
-                <a:spcPct val="0"/>
-              </a:spcBef>
-              <a:spcAft>
-                <a:spcPct val="0"/>
-              </a:spcAft>
-              <a:defRPr kumimoji="1" sz="2400">
-                <a:solidFill>
-                  <a:schemeClr val="tx1"/>
-                </a:solidFill>
-                <a:latin typeface="Calibri" panose="020F0502020204030204" pitchFamily="34" charset="0"/>
-                <a:cs typeface="Arial" panose="020B0604020202020204" pitchFamily="34" charset="0"/>
-              </a:defRPr>
-            </a:lvl8pPr>
-            <a:lvl9pPr marL="3886200" indent="-228600" defTabSz="457200" eaLnBrk="0" fontAlgn="base" hangingPunct="0">
-              <a:spcBef>
-                <a:spcPct val="0"/>
-              </a:spcBef>
-              <a:spcAft>
-                <a:spcPct val="0"/>
-              </a:spcAft>
-              <a:defRPr kumimoji="1" sz="2400">
-                <a:solidFill>
-                  <a:schemeClr val="tx1"/>
-                </a:solidFill>
-                <a:latin typeface="Calibri" panose="020F0502020204030204" pitchFamily="34" charset="0"/>
-                <a:cs typeface="Arial" panose="020B0604020202020204" pitchFamily="34" charset="0"/>
-              </a:defRPr>
-            </a:lvl9pPr>
-          </a:lstStyle>
-          <a:p>
-            <a:pPr algn="ctr" eaLnBrk="1" hangingPunct="1"/>
-            <a:r>
-              <a:rPr lang="ru-RU" altLang="ru-RU" sz="3200" dirty="0">
-                <a:solidFill>
-                  <a:schemeClr val="accent1"/>
-                </a:solidFill>
-              </a:rPr>
               <a:t>Алгоритм получения данных</a:t>
             </a:r>
           </a:p>
@@ -24695,10 +27890,10 @@
       </p:sp>
       <p:pic>
         <p:nvPicPr>
-          <p:cNvPr id="3" name="Рисунок 2">
+          <p:cNvPr id="19" name="Рисунок 18">
             <a:extLst>
               <a:ext uri="{FF2B5EF4-FFF2-40B4-BE49-F238E27FC236}">
-                <a16:creationId xmlns:a16="http://schemas.microsoft.com/office/drawing/2014/main" id="{0761D972-2813-4C11-92D5-B2085A41FA46}"/>
+                <a16:creationId xmlns:a16="http://schemas.microsoft.com/office/drawing/2014/main" id="{717F1973-9479-4694-8F35-84AF9D78DAF5}"/>
               </a:ext>
             </a:extLst>
           </p:cNvPr>
@@ -24706,14 +27901,14 @@
           <p:nvPr/>
         </p:nvPicPr>
         <p:blipFill rotWithShape="1">
-          <a:blip r:embed="rId2"/>
+          <a:blip r:embed="rId7"/>
           <a:srcRect l="18109" t="19986" r="7816" b="33248"/>
           <a:stretch/>
         </p:blipFill>
         <p:spPr bwMode="auto">
           <a:xfrm>
-            <a:off x="204538" y="661579"/>
-            <a:ext cx="9516978" cy="3429158"/>
+            <a:off x="468312" y="896293"/>
+            <a:ext cx="9253203" cy="3194444"/>
           </a:xfrm>
           <a:prstGeom prst="rect">
             <a:avLst/>
@@ -24730,10 +27925,10 @@
       </p:pic>
       <p:sp>
         <p:nvSpPr>
-          <p:cNvPr id="4" name="TextBox 3">
+          <p:cNvPr id="23" name="TextBox 22">
             <a:extLst>
               <a:ext uri="{FF2B5EF4-FFF2-40B4-BE49-F238E27FC236}">
-                <a16:creationId xmlns:a16="http://schemas.microsoft.com/office/drawing/2014/main" id="{BB6D75B1-6AF9-4912-88D0-23E702042FFE}"/>
+                <a16:creationId xmlns:a16="http://schemas.microsoft.com/office/drawing/2014/main" id="{87AF4DF0-4A49-4F27-A6C8-7718CB31C82F}"/>
               </a:ext>
             </a:extLst>
           </p:cNvPr>
@@ -24742,8 +27937,8 @@
         </p:nvSpPr>
         <p:spPr>
           <a:xfrm>
-            <a:off x="117779" y="4194516"/>
-            <a:ext cx="9516978" cy="2246769"/>
+            <a:off x="468312" y="4193262"/>
+            <a:ext cx="9155331" cy="2031325"/>
           </a:xfrm>
           <a:prstGeom prst="rect">
             <a:avLst/>
@@ -24758,7 +27953,7 @@
           <a:p>
             <a:pPr algn="just"/>
             <a:r>
-              <a:rPr lang="ru-RU" sz="2000" b="1" i="0" dirty="0">
+              <a:rPr lang="ru-RU" sz="1800" b="1" i="0" dirty="0">
                 <a:solidFill>
                   <a:schemeClr val="accent1">
                     <a:lumMod val="50000"/>
@@ -24770,7 +27965,7 @@
               <a:t>"Паук"</a:t>
             </a:r>
             <a:r>
-              <a:rPr lang="ru-RU" sz="2000" b="0" i="0" dirty="0">
+              <a:rPr lang="ru-RU" sz="1800" b="0" i="0" dirty="0">
                 <a:solidFill>
                   <a:schemeClr val="accent1">
                     <a:lumMod val="50000"/>
@@ -24788,7 +27983,7 @@
               <a:buAutoNum type="arabicPeriod"/>
             </a:pPr>
             <a:r>
-              <a:rPr lang="ru-RU" sz="2000" b="1" i="0" dirty="0">
+              <a:rPr lang="ru-RU" sz="1800" b="1" i="0" dirty="0">
                 <a:solidFill>
                   <a:schemeClr val="accent1">
                     <a:lumMod val="50000"/>
@@ -24800,7 +27995,7 @@
               <a:t> Настройка</a:t>
             </a:r>
             <a:r>
-              <a:rPr lang="ru-RU" sz="2000" b="0" i="0" dirty="0">
+              <a:rPr lang="ru-RU" sz="1800" b="0" i="0" dirty="0">
                 <a:solidFill>
                   <a:schemeClr val="accent1">
                     <a:lumMod val="50000"/>
@@ -24812,7 +28007,7 @@
               <a:t>: загрузка URL, селекторов и ограничений для </a:t>
             </a:r>
             <a:r>
-              <a:rPr lang="ru-RU" sz="2000" dirty="0">
+              <a:rPr lang="ru-RU" sz="1800" dirty="0">
                 <a:solidFill>
                   <a:schemeClr val="accent1">
                     <a:lumMod val="50000"/>
@@ -24823,7 +28018,7 @@
               <a:t>упреждения</a:t>
             </a:r>
             <a:r>
-              <a:rPr lang="ru-RU" sz="2000" b="0" i="0" dirty="0">
+              <a:rPr lang="ru-RU" sz="1800" b="0" i="0" dirty="0">
                 <a:solidFill>
                   <a:schemeClr val="accent1">
                     <a:lumMod val="50000"/>
@@ -24841,7 +28036,7 @@
               <a:buAutoNum type="arabicPeriod"/>
             </a:pPr>
             <a:r>
-              <a:rPr lang="ru-RU" sz="2000" b="1" i="0" dirty="0">
+              <a:rPr lang="ru-RU" sz="1800" b="1" i="0" dirty="0">
                 <a:solidFill>
                   <a:schemeClr val="accent1">
                     <a:lumMod val="50000"/>
@@ -24853,7 +28048,7 @@
               <a:t> Обход</a:t>
             </a:r>
             <a:r>
-              <a:rPr lang="ru-RU" sz="2000" b="0" i="0" dirty="0">
+              <a:rPr lang="ru-RU" sz="1800" b="0" i="0" dirty="0">
                 <a:solidFill>
                   <a:schemeClr val="accent1">
                     <a:lumMod val="50000"/>
@@ -24871,7 +28066,7 @@
               <a:buAutoNum type="arabicPeriod"/>
             </a:pPr>
             <a:r>
-              <a:rPr lang="ru-RU" sz="2000" b="1" i="0" dirty="0">
+              <a:rPr lang="ru-RU" sz="1800" b="1" i="0" dirty="0">
                 <a:solidFill>
                   <a:schemeClr val="accent1">
                     <a:lumMod val="50000"/>
@@ -24883,7 +28078,7 @@
               <a:t> Сбор</a:t>
             </a:r>
             <a:r>
-              <a:rPr lang="ru-RU" sz="2000" b="0" i="0" dirty="0">
+              <a:rPr lang="ru-RU" sz="1800" b="0" i="0" dirty="0">
                 <a:solidFill>
                   <a:schemeClr val="accent1">
                     <a:lumMod val="50000"/>
@@ -24901,7 +28096,7 @@
               <a:buAutoNum type="arabicPeriod"/>
             </a:pPr>
             <a:r>
-              <a:rPr lang="ru-RU" sz="2000" b="1" i="0" dirty="0">
+              <a:rPr lang="ru-RU" sz="1800" b="1" i="0" dirty="0">
                 <a:solidFill>
                   <a:schemeClr val="accent1">
                     <a:lumMod val="50000"/>
@@ -24913,7 +28108,7 @@
               <a:t> Структурирование</a:t>
             </a:r>
             <a:r>
-              <a:rPr lang="ru-RU" sz="2000" b="0" i="0" dirty="0">
+              <a:rPr lang="ru-RU" sz="1800" b="0" i="0" dirty="0">
                 <a:solidFill>
                   <a:schemeClr val="accent1">
                     <a:lumMod val="50000"/>
@@ -24928,7 +28123,7 @@
           <a:p>
             <a:pPr algn="just"/>
             <a:r>
-              <a:rPr lang="ru-RU" sz="2000" b="0" i="1" dirty="0">
+              <a:rPr lang="ru-RU" sz="1800" b="0" i="1" dirty="0">
                 <a:solidFill>
                   <a:schemeClr val="accent1">
                     <a:lumMod val="50000"/>
@@ -24940,7 +28135,7 @@
               <a:t>Гибкий и надежный алгоритм адаптируется под изменения структуры сайтов</a:t>
             </a:r>
             <a:r>
-              <a:rPr lang="ru-RU" sz="2000" b="0" i="0" dirty="0">
+              <a:rPr lang="ru-RU" sz="1800" b="0" i="0" dirty="0">
                 <a:solidFill>
                   <a:schemeClr val="accent1">
                     <a:lumMod val="50000"/>
@@ -24957,15 +28152,15 @@
     </p:spTree>
     <p:extLst>
       <p:ext uri="{BB962C8B-B14F-4D97-AF65-F5344CB8AC3E}">
-        <p14:creationId xmlns:p14="http://schemas.microsoft.com/office/powerpoint/2010/main" val="884000045"/>
+        <p14:creationId xmlns:p14="http://schemas.microsoft.com/office/powerpoint/2010/main" val="3668859925"/>
       </p:ext>
     </p:extLst>
   </p:cSld>
   <p:clrMapOvr>
     <a:masterClrMapping/>
   </p:clrMapOvr>
-  <p:transition spd="slow" advClick="0" advTm="2000">
-    <p:cover dir="d"/>
+  <p:transition spd="slow">
+    <p:push dir="u"/>
   </p:transition>
 </p:sld>
 </file>
@@ -24987,24 +28182,31 @@
           <a:chExt cx="0" cy="0"/>
         </a:xfrm>
       </p:grpSpPr>
-      <p:sp>
-        <p:nvSpPr>
-          <p:cNvPr id="2" name="Заголовок 1">
+      <p:pic>
+        <p:nvPicPr>
+          <p:cNvPr id="38914" name="Рисунок 6"/>
+          <p:cNvPicPr>
+            <a:picLocks noChangeAspect="1"/>
+          </p:cNvPicPr>
+          <p:nvPr/>
+        </p:nvPicPr>
+        <p:blipFill>
+          <a:blip r:embed="rId3">
             <a:extLst>
-              <a:ext uri="{FF2B5EF4-FFF2-40B4-BE49-F238E27FC236}">
-                <a16:creationId xmlns:a16="http://schemas.microsoft.com/office/drawing/2014/main" id="{FB5FA960-7B30-464C-A94D-6A42FA909227}"/>
+              <a:ext uri="{28A0092B-C50C-407E-A947-70E740481C1C}">
+                <a14:useLocalDpi xmlns:a14="http://schemas.microsoft.com/office/drawing/2010/main" val="0"/>
               </a:ext>
             </a:extLst>
-          </p:cNvPr>
-          <p:cNvSpPr>
-            <a:spLocks noGrp="1" noChangeArrowheads="1"/>
-          </p:cNvSpPr>
-          <p:nvPr/>
-        </p:nvSpPr>
+          </a:blip>
+          <a:srcRect l="63036" t="63045"/>
+          <a:stretch>
+            <a:fillRect/>
+          </a:stretch>
+        </p:blipFill>
         <p:spPr bwMode="auto">
           <a:xfrm>
-            <a:off x="0" y="1"/>
-            <a:ext cx="9906000" cy="661578"/>
+            <a:off x="9278938" y="6224588"/>
+            <a:ext cx="627062" cy="638175"/>
           </a:xfrm>
           <a:prstGeom prst="rect">
             <a:avLst/>
@@ -25033,6 +28235,725 @@
             </a:ext>
           </a:extLst>
         </p:spPr>
+      </p:pic>
+      <p:sp>
+        <p:nvSpPr>
+          <p:cNvPr id="13" name="Прямоугольник 12">
+            <a:extLst>
+              <a:ext uri="{FF2B5EF4-FFF2-40B4-BE49-F238E27FC236}">
+                <a16:creationId xmlns:a16="http://schemas.microsoft.com/office/drawing/2014/main" id="{4176787B-437B-4855-89F0-E67425C1E242}"/>
+              </a:ext>
+            </a:extLst>
+          </p:cNvPr>
+          <p:cNvSpPr/>
+          <p:nvPr/>
+        </p:nvSpPr>
+        <p:spPr>
+          <a:xfrm>
+            <a:off x="0" y="0"/>
+            <a:ext cx="468313" cy="6856413"/>
+          </a:xfrm>
+          <a:prstGeom prst="rect">
+            <a:avLst/>
+          </a:prstGeom>
+          <a:solidFill>
+            <a:srgbClr val="006CB5"/>
+          </a:solidFill>
+          <a:ln w="12700">
+            <a:noFill/>
+          </a:ln>
+          <a:effectLst/>
+        </p:spPr>
+        <p:style>
+          <a:lnRef idx="2">
+            <a:schemeClr val="accent1">
+              <a:shade val="50000"/>
+            </a:schemeClr>
+          </a:lnRef>
+          <a:fillRef idx="1">
+            <a:schemeClr val="accent1"/>
+          </a:fillRef>
+          <a:effectRef idx="0">
+            <a:schemeClr val="accent1"/>
+          </a:effectRef>
+          <a:fontRef idx="minor">
+            <a:schemeClr val="lt1"/>
+          </a:fontRef>
+        </p:style>
+        <p:txBody>
+          <a:bodyPr rtlCol="1" anchor="ctr"/>
+          <a:lstStyle/>
+          <a:p>
+            <a:pPr algn="ctr">
+              <a:defRPr/>
+            </a:pPr>
+            <a:endParaRPr lang="ru-RU" sz="1800"/>
+          </a:p>
+        </p:txBody>
+      </p:sp>
+      <p:pic>
+        <p:nvPicPr>
+          <p:cNvPr id="14" name="Рисунок 1">
+            <a:extLst>
+              <a:ext uri="{FF2B5EF4-FFF2-40B4-BE49-F238E27FC236}">
+                <a16:creationId xmlns:a16="http://schemas.microsoft.com/office/drawing/2014/main" id="{CFDA044B-8EE9-4E1F-A8E7-2B747D5FECE4}"/>
+              </a:ext>
+            </a:extLst>
+          </p:cNvPr>
+          <p:cNvPicPr>
+            <a:picLocks noChangeAspect="1"/>
+          </p:cNvPicPr>
+          <p:nvPr/>
+        </p:nvPicPr>
+        <p:blipFill>
+          <a:blip r:embed="rId4" cstate="print">
+            <a:duotone>
+              <a:schemeClr val="bg2">
+                <a:shade val="45000"/>
+                <a:satMod val="135000"/>
+              </a:schemeClr>
+              <a:prstClr val="white"/>
+            </a:duotone>
+          </a:blip>
+          <a:srcRect r="96146"/>
+          <a:stretch>
+            <a:fillRect/>
+          </a:stretch>
+        </p:blipFill>
+        <p:spPr bwMode="auto">
+          <a:xfrm rot="16200000">
+            <a:off x="24865" y="6681477"/>
+            <a:ext cx="178594" cy="169069"/>
+          </a:xfrm>
+          <a:prstGeom prst="rect">
+            <a:avLst/>
+          </a:prstGeom>
+          <a:noFill/>
+          <a:ln>
+            <a:noFill/>
+          </a:ln>
+        </p:spPr>
+      </p:pic>
+      <p:pic>
+        <p:nvPicPr>
+          <p:cNvPr id="15" name="Рисунок 1">
+            <a:extLst>
+              <a:ext uri="{FF2B5EF4-FFF2-40B4-BE49-F238E27FC236}">
+                <a16:creationId xmlns:a16="http://schemas.microsoft.com/office/drawing/2014/main" id="{D05416C9-A821-470B-88EA-D84AC109B7EA}"/>
+              </a:ext>
+            </a:extLst>
+          </p:cNvPr>
+          <p:cNvPicPr>
+            <a:picLocks noChangeAspect="1"/>
+          </p:cNvPicPr>
+          <p:nvPr/>
+        </p:nvPicPr>
+        <p:blipFill>
+          <a:blip r:embed="rId5" cstate="print">
+            <a:duotone>
+              <a:schemeClr val="bg2">
+                <a:shade val="45000"/>
+                <a:satMod val="135000"/>
+              </a:schemeClr>
+              <a:prstClr val="white"/>
+            </a:duotone>
+          </a:blip>
+          <a:srcRect l="4880"/>
+          <a:stretch>
+            <a:fillRect/>
+          </a:stretch>
+        </p:blipFill>
+        <p:spPr bwMode="auto">
+          <a:xfrm rot="16200000">
+            <a:off x="-2870393" y="3531561"/>
+            <a:ext cx="5969110" cy="229146"/>
+          </a:xfrm>
+          <a:prstGeom prst="rect">
+            <a:avLst/>
+          </a:prstGeom>
+          <a:noFill/>
+          <a:ln>
+            <a:noFill/>
+          </a:ln>
+        </p:spPr>
+      </p:pic>
+      <p:pic>
+        <p:nvPicPr>
+          <p:cNvPr id="38918" name="Рисунок 10"/>
+          <p:cNvPicPr>
+            <a:picLocks noChangeAspect="1"/>
+          </p:cNvPicPr>
+          <p:nvPr/>
+        </p:nvPicPr>
+        <p:blipFill>
+          <a:blip r:embed="rId6">
+            <a:extLst>
+              <a:ext uri="{28A0092B-C50C-407E-A947-70E740481C1C}">
+                <a14:useLocalDpi xmlns:a14="http://schemas.microsoft.com/office/drawing/2010/main" val="0"/>
+              </a:ext>
+            </a:extLst>
+          </a:blip>
+          <a:srcRect/>
+          <a:stretch>
+            <a:fillRect/>
+          </a:stretch>
+        </p:blipFill>
+        <p:spPr bwMode="auto">
+          <a:xfrm>
+            <a:off x="-11113" y="71438"/>
+            <a:ext cx="479426" cy="481012"/>
+          </a:xfrm>
+          <a:prstGeom prst="rect">
+            <a:avLst/>
+          </a:prstGeom>
+          <a:noFill/>
+          <a:ln>
+            <a:noFill/>
+          </a:ln>
+          <a:extLst>
+            <a:ext uri="{909E8E84-426E-40DD-AFC4-6F175D3DCCD1}">
+              <a14:hiddenFill xmlns:a14="http://schemas.microsoft.com/office/drawing/2010/main">
+                <a:solidFill>
+                  <a:srgbClr val="FFFFFF"/>
+                </a:solidFill>
+              </a14:hiddenFill>
+            </a:ext>
+            <a:ext uri="{91240B29-F687-4F45-9708-019B960494DF}">
+              <a14:hiddenLine xmlns:a14="http://schemas.microsoft.com/office/drawing/2010/main" w="9525">
+                <a:solidFill>
+                  <a:srgbClr val="000000"/>
+                </a:solidFill>
+                <a:miter lim="800000"/>
+                <a:headEnd/>
+                <a:tailEnd/>
+              </a14:hiddenLine>
+            </a:ext>
+          </a:extLst>
+        </p:spPr>
+      </p:pic>
+      <p:cxnSp>
+        <p:nvCxnSpPr>
+          <p:cNvPr id="17" name="Прямая соединительная линия 16">
+            <a:extLst>
+              <a:ext uri="{FF2B5EF4-FFF2-40B4-BE49-F238E27FC236}">
+                <a16:creationId xmlns:a16="http://schemas.microsoft.com/office/drawing/2014/main" id="{3C153909-C85A-4642-9B91-E2ED9ADE9DA9}"/>
+              </a:ext>
+            </a:extLst>
+          </p:cNvPr>
+          <p:cNvCxnSpPr>
+            <a:endCxn id="13" idx="2"/>
+          </p:cNvCxnSpPr>
+          <p:nvPr/>
+        </p:nvCxnSpPr>
+        <p:spPr>
+          <a:xfrm>
+            <a:off x="227013" y="525463"/>
+            <a:ext cx="6350" cy="6330950"/>
+          </a:xfrm>
+          <a:prstGeom prst="line">
+            <a:avLst/>
+          </a:prstGeom>
+          <a:ln w="38100">
+            <a:solidFill>
+              <a:schemeClr val="bg1"/>
+            </a:solidFill>
+          </a:ln>
+        </p:spPr>
+        <p:style>
+          <a:lnRef idx="1">
+            <a:schemeClr val="accent1"/>
+          </a:lnRef>
+          <a:fillRef idx="0">
+            <a:schemeClr val="accent1"/>
+          </a:fillRef>
+          <a:effectRef idx="0">
+            <a:schemeClr val="accent1"/>
+          </a:effectRef>
+          <a:fontRef idx="minor">
+            <a:schemeClr val="tx1"/>
+          </a:fontRef>
+        </p:style>
+      </p:cxnSp>
+      <p:sp>
+        <p:nvSpPr>
+          <p:cNvPr id="38920" name="Прямоугольник 96"/>
+          <p:cNvSpPr>
+            <a:spLocks noChangeArrowheads="1"/>
+          </p:cNvSpPr>
+          <p:nvPr/>
+        </p:nvSpPr>
+        <p:spPr bwMode="auto">
+          <a:xfrm>
+            <a:off x="36087" y="127000"/>
+            <a:ext cx="383438" cy="307777"/>
+          </a:xfrm>
+          <a:prstGeom prst="rect">
+            <a:avLst/>
+          </a:prstGeom>
+          <a:noFill/>
+          <a:ln>
+            <a:noFill/>
+          </a:ln>
+          <a:extLst>
+            <a:ext uri="{909E8E84-426E-40DD-AFC4-6F175D3DCCD1}">
+              <a14:hiddenFill xmlns:a14="http://schemas.microsoft.com/office/drawing/2010/main">
+                <a:solidFill>
+                  <a:srgbClr val="FFFFFF"/>
+                </a:solidFill>
+              </a14:hiddenFill>
+            </a:ext>
+            <a:ext uri="{91240B29-F687-4F45-9708-019B960494DF}">
+              <a14:hiddenLine xmlns:a14="http://schemas.microsoft.com/office/drawing/2010/main" w="9525">
+                <a:solidFill>
+                  <a:srgbClr val="000000"/>
+                </a:solidFill>
+                <a:miter lim="800000"/>
+                <a:headEnd/>
+                <a:tailEnd/>
+              </a14:hiddenLine>
+            </a:ext>
+          </a:extLst>
+        </p:spPr>
+        <p:txBody>
+          <a:bodyPr wrap="none">
+            <a:spAutoFit/>
+          </a:bodyPr>
+          <a:lstStyle>
+            <a:lvl1pPr>
+              <a:defRPr kumimoji="1" sz="2400">
+                <a:solidFill>
+                  <a:schemeClr val="tx1"/>
+                </a:solidFill>
+                <a:latin typeface="Calibri" panose="020F0502020204030204" pitchFamily="34" charset="0"/>
+                <a:cs typeface="Arial" panose="020B0604020202020204" pitchFamily="34" charset="0"/>
+              </a:defRPr>
+            </a:lvl1pPr>
+            <a:lvl2pPr marL="742950" indent="-285750">
+              <a:defRPr kumimoji="1" sz="2400">
+                <a:solidFill>
+                  <a:schemeClr val="tx1"/>
+                </a:solidFill>
+                <a:latin typeface="Calibri" panose="020F0502020204030204" pitchFamily="34" charset="0"/>
+                <a:cs typeface="Arial" panose="020B0604020202020204" pitchFamily="34" charset="0"/>
+              </a:defRPr>
+            </a:lvl2pPr>
+            <a:lvl3pPr marL="1143000" indent="-228600">
+              <a:defRPr kumimoji="1" sz="2400">
+                <a:solidFill>
+                  <a:schemeClr val="tx1"/>
+                </a:solidFill>
+                <a:latin typeface="Calibri" panose="020F0502020204030204" pitchFamily="34" charset="0"/>
+                <a:cs typeface="Arial" panose="020B0604020202020204" pitchFamily="34" charset="0"/>
+              </a:defRPr>
+            </a:lvl3pPr>
+            <a:lvl4pPr marL="1600200" indent="-228600">
+              <a:defRPr kumimoji="1" sz="2400">
+                <a:solidFill>
+                  <a:schemeClr val="tx1"/>
+                </a:solidFill>
+                <a:latin typeface="Calibri" panose="020F0502020204030204" pitchFamily="34" charset="0"/>
+                <a:cs typeface="Arial" panose="020B0604020202020204" pitchFamily="34" charset="0"/>
+              </a:defRPr>
+            </a:lvl4pPr>
+            <a:lvl5pPr marL="2057400" indent="-228600">
+              <a:defRPr kumimoji="1" sz="2400">
+                <a:solidFill>
+                  <a:schemeClr val="tx1"/>
+                </a:solidFill>
+                <a:latin typeface="Calibri" panose="020F0502020204030204" pitchFamily="34" charset="0"/>
+                <a:cs typeface="Arial" panose="020B0604020202020204" pitchFamily="34" charset="0"/>
+              </a:defRPr>
+            </a:lvl5pPr>
+            <a:lvl6pPr marL="2514600" indent="-228600" eaLnBrk="0" fontAlgn="base" hangingPunct="0">
+              <a:spcBef>
+                <a:spcPct val="0"/>
+              </a:spcBef>
+              <a:spcAft>
+                <a:spcPct val="0"/>
+              </a:spcAft>
+              <a:defRPr kumimoji="1" sz="2400">
+                <a:solidFill>
+                  <a:schemeClr val="tx1"/>
+                </a:solidFill>
+                <a:latin typeface="Calibri" panose="020F0502020204030204" pitchFamily="34" charset="0"/>
+                <a:cs typeface="Arial" panose="020B0604020202020204" pitchFamily="34" charset="0"/>
+              </a:defRPr>
+            </a:lvl6pPr>
+            <a:lvl7pPr marL="2971800" indent="-228600" eaLnBrk="0" fontAlgn="base" hangingPunct="0">
+              <a:spcBef>
+                <a:spcPct val="0"/>
+              </a:spcBef>
+              <a:spcAft>
+                <a:spcPct val="0"/>
+              </a:spcAft>
+              <a:defRPr kumimoji="1" sz="2400">
+                <a:solidFill>
+                  <a:schemeClr val="tx1"/>
+                </a:solidFill>
+                <a:latin typeface="Calibri" panose="020F0502020204030204" pitchFamily="34" charset="0"/>
+                <a:cs typeface="Arial" panose="020B0604020202020204" pitchFamily="34" charset="0"/>
+              </a:defRPr>
+            </a:lvl7pPr>
+            <a:lvl8pPr marL="3429000" indent="-228600" eaLnBrk="0" fontAlgn="base" hangingPunct="0">
+              <a:spcBef>
+                <a:spcPct val="0"/>
+              </a:spcBef>
+              <a:spcAft>
+                <a:spcPct val="0"/>
+              </a:spcAft>
+              <a:defRPr kumimoji="1" sz="2400">
+                <a:solidFill>
+                  <a:schemeClr val="tx1"/>
+                </a:solidFill>
+                <a:latin typeface="Calibri" panose="020F0502020204030204" pitchFamily="34" charset="0"/>
+                <a:cs typeface="Arial" panose="020B0604020202020204" pitchFamily="34" charset="0"/>
+              </a:defRPr>
+            </a:lvl8pPr>
+            <a:lvl9pPr marL="3886200" indent="-228600" eaLnBrk="0" fontAlgn="base" hangingPunct="0">
+              <a:spcBef>
+                <a:spcPct val="0"/>
+              </a:spcBef>
+              <a:spcAft>
+                <a:spcPct val="0"/>
+              </a:spcAft>
+              <a:defRPr kumimoji="1" sz="2400">
+                <a:solidFill>
+                  <a:schemeClr val="tx1"/>
+                </a:solidFill>
+                <a:latin typeface="Calibri" panose="020F0502020204030204" pitchFamily="34" charset="0"/>
+                <a:cs typeface="Arial" panose="020B0604020202020204" pitchFamily="34" charset="0"/>
+              </a:defRPr>
+            </a:lvl9pPr>
+          </a:lstStyle>
+          <a:p>
+            <a:pPr algn="ctr">
+              <a:buFont typeface="Arial" panose="020B0604020202020204" pitchFamily="34" charset="0"/>
+              <a:buNone/>
+            </a:pPr>
+            <a:r>
+              <a:rPr lang="ru-RU" altLang="ru-RU" sz="1400" b="1" dirty="0">
+                <a:solidFill>
+                  <a:schemeClr val="bg1"/>
+                </a:solidFill>
+                <a:latin typeface="Arial" panose="020B0604020202020204" pitchFamily="34" charset="0"/>
+              </a:rPr>
+              <a:t>17</a:t>
+            </a:r>
+            <a:endParaRPr lang="en-US" altLang="ru-RU" sz="1400" b="1" dirty="0">
+              <a:solidFill>
+                <a:schemeClr val="bg1"/>
+              </a:solidFill>
+              <a:latin typeface="Arial" panose="020B0604020202020204" pitchFamily="34" charset="0"/>
+            </a:endParaRPr>
+          </a:p>
+        </p:txBody>
+      </p:sp>
+      <p:sp>
+        <p:nvSpPr>
+          <p:cNvPr id="16" name="Объект 2">
+            <a:extLst>
+              <a:ext uri="{FF2B5EF4-FFF2-40B4-BE49-F238E27FC236}">
+                <a16:creationId xmlns:a16="http://schemas.microsoft.com/office/drawing/2014/main" id="{3C0E2EDF-70A4-4FB2-B359-076A89F4DE57}"/>
+              </a:ext>
+            </a:extLst>
+          </p:cNvPr>
+          <p:cNvSpPr>
+            <a:spLocks noGrp="1"/>
+          </p:cNvSpPr>
+          <p:nvPr/>
+        </p:nvSpPr>
+        <p:spPr>
+          <a:xfrm>
+            <a:off x="781050" y="1163638"/>
+            <a:ext cx="9893300" cy="5513076"/>
+          </a:xfrm>
+          <a:prstGeom prst="rect">
+            <a:avLst/>
+          </a:prstGeom>
+        </p:spPr>
+        <p:txBody>
+          <a:bodyPr/>
+          <a:lstStyle>
+            <a:lvl1pPr marL="342900" indent="-342900" algn="l" defTabSz="457200" rtl="0" eaLnBrk="1" latinLnBrk="0" hangingPunct="1">
+              <a:spcBef>
+                <a:spcPts val="1000"/>
+              </a:spcBef>
+              <a:spcAft>
+                <a:spcPts val="0"/>
+              </a:spcAft>
+              <a:buClr>
+                <a:schemeClr val="accent1"/>
+              </a:buClr>
+              <a:buSzPct val="80000"/>
+              <a:buFont typeface="Wingdings 3" charset="2"/>
+              <a:buChar char=""/>
+              <a:defRPr sz="1800" kern="1200">
+                <a:solidFill>
+                  <a:schemeClr val="tx1">
+                    <a:lumMod val="75000"/>
+                    <a:lumOff val="25000"/>
+                  </a:schemeClr>
+                </a:solidFill>
+                <a:latin typeface="+mn-lt"/>
+                <a:ea typeface="+mn-ea"/>
+                <a:cs typeface="+mn-cs"/>
+              </a:defRPr>
+            </a:lvl1pPr>
+            <a:lvl2pPr marL="742950" indent="-285750" algn="l" defTabSz="457200" rtl="0" eaLnBrk="1" latinLnBrk="0" hangingPunct="1">
+              <a:spcBef>
+                <a:spcPts val="1000"/>
+              </a:spcBef>
+              <a:spcAft>
+                <a:spcPts val="0"/>
+              </a:spcAft>
+              <a:buClr>
+                <a:schemeClr val="accent1"/>
+              </a:buClr>
+              <a:buSzPct val="80000"/>
+              <a:buFont typeface="Wingdings 3" charset="2"/>
+              <a:buChar char=""/>
+              <a:defRPr sz="1600" kern="1200">
+                <a:solidFill>
+                  <a:schemeClr val="tx1">
+                    <a:lumMod val="75000"/>
+                    <a:lumOff val="25000"/>
+                  </a:schemeClr>
+                </a:solidFill>
+                <a:latin typeface="+mn-lt"/>
+                <a:ea typeface="+mn-ea"/>
+                <a:cs typeface="+mn-cs"/>
+              </a:defRPr>
+            </a:lvl2pPr>
+            <a:lvl3pPr marL="1143000" indent="-228600" algn="l" defTabSz="457200" rtl="0" eaLnBrk="1" latinLnBrk="0" hangingPunct="1">
+              <a:spcBef>
+                <a:spcPts val="1000"/>
+              </a:spcBef>
+              <a:spcAft>
+                <a:spcPts val="0"/>
+              </a:spcAft>
+              <a:buClr>
+                <a:schemeClr val="accent1"/>
+              </a:buClr>
+              <a:buSzPct val="80000"/>
+              <a:buFont typeface="Wingdings 3" charset="2"/>
+              <a:buChar char=""/>
+              <a:defRPr sz="1400" kern="1200">
+                <a:solidFill>
+                  <a:schemeClr val="tx1">
+                    <a:lumMod val="75000"/>
+                    <a:lumOff val="25000"/>
+                  </a:schemeClr>
+                </a:solidFill>
+                <a:latin typeface="+mn-lt"/>
+                <a:ea typeface="+mn-ea"/>
+                <a:cs typeface="+mn-cs"/>
+              </a:defRPr>
+            </a:lvl3pPr>
+            <a:lvl4pPr marL="1600200" indent="-228600" algn="l" defTabSz="457200" rtl="0" eaLnBrk="1" latinLnBrk="0" hangingPunct="1">
+              <a:spcBef>
+                <a:spcPts val="1000"/>
+              </a:spcBef>
+              <a:spcAft>
+                <a:spcPts val="0"/>
+              </a:spcAft>
+              <a:buClr>
+                <a:schemeClr val="accent1"/>
+              </a:buClr>
+              <a:buSzPct val="80000"/>
+              <a:buFont typeface="Wingdings 3" charset="2"/>
+              <a:buChar char=""/>
+              <a:defRPr sz="1200" kern="1200">
+                <a:solidFill>
+                  <a:schemeClr val="tx1">
+                    <a:lumMod val="75000"/>
+                    <a:lumOff val="25000"/>
+                  </a:schemeClr>
+                </a:solidFill>
+                <a:latin typeface="+mn-lt"/>
+                <a:ea typeface="+mn-ea"/>
+                <a:cs typeface="+mn-cs"/>
+              </a:defRPr>
+            </a:lvl4pPr>
+            <a:lvl5pPr marL="2057400" indent="-228600" algn="l" defTabSz="457200" rtl="0" eaLnBrk="1" latinLnBrk="0" hangingPunct="1">
+              <a:spcBef>
+                <a:spcPts val="1000"/>
+              </a:spcBef>
+              <a:spcAft>
+                <a:spcPts val="0"/>
+              </a:spcAft>
+              <a:buClr>
+                <a:schemeClr val="accent1"/>
+              </a:buClr>
+              <a:buSzPct val="80000"/>
+              <a:buFont typeface="Wingdings 3" charset="2"/>
+              <a:buChar char=""/>
+              <a:defRPr sz="1200" kern="1200">
+                <a:solidFill>
+                  <a:schemeClr val="tx1">
+                    <a:lumMod val="75000"/>
+                    <a:lumOff val="25000"/>
+                  </a:schemeClr>
+                </a:solidFill>
+                <a:latin typeface="+mn-lt"/>
+                <a:ea typeface="+mn-ea"/>
+                <a:cs typeface="+mn-cs"/>
+              </a:defRPr>
+            </a:lvl5pPr>
+            <a:lvl6pPr marL="2514600" indent="-228600" algn="l" defTabSz="457200" rtl="0" eaLnBrk="1" latinLnBrk="0" hangingPunct="1">
+              <a:spcBef>
+                <a:spcPts val="1000"/>
+              </a:spcBef>
+              <a:spcAft>
+                <a:spcPts val="0"/>
+              </a:spcAft>
+              <a:buClr>
+                <a:schemeClr val="accent1"/>
+              </a:buClr>
+              <a:buSzPct val="80000"/>
+              <a:buFont typeface="Wingdings 3" charset="2"/>
+              <a:buChar char=""/>
+              <a:defRPr sz="1200" kern="1200">
+                <a:solidFill>
+                  <a:schemeClr val="tx1">
+                    <a:lumMod val="75000"/>
+                    <a:lumOff val="25000"/>
+                  </a:schemeClr>
+                </a:solidFill>
+                <a:latin typeface="+mn-lt"/>
+                <a:ea typeface="+mn-ea"/>
+                <a:cs typeface="+mn-cs"/>
+              </a:defRPr>
+            </a:lvl6pPr>
+            <a:lvl7pPr marL="2971800" indent="-228600" algn="l" defTabSz="457200" rtl="0" eaLnBrk="1" latinLnBrk="0" hangingPunct="1">
+              <a:spcBef>
+                <a:spcPts val="1000"/>
+              </a:spcBef>
+              <a:spcAft>
+                <a:spcPts val="0"/>
+              </a:spcAft>
+              <a:buClr>
+                <a:schemeClr val="accent1"/>
+              </a:buClr>
+              <a:buSzPct val="80000"/>
+              <a:buFont typeface="Wingdings 3" charset="2"/>
+              <a:buChar char=""/>
+              <a:defRPr sz="1200" kern="1200">
+                <a:solidFill>
+                  <a:schemeClr val="tx1">
+                    <a:lumMod val="75000"/>
+                    <a:lumOff val="25000"/>
+                  </a:schemeClr>
+                </a:solidFill>
+                <a:latin typeface="+mn-lt"/>
+                <a:ea typeface="+mn-ea"/>
+                <a:cs typeface="+mn-cs"/>
+              </a:defRPr>
+            </a:lvl7pPr>
+            <a:lvl8pPr marL="3429000" indent="-228600" algn="l" defTabSz="457200" rtl="0" eaLnBrk="1" latinLnBrk="0" hangingPunct="1">
+              <a:spcBef>
+                <a:spcPts val="1000"/>
+              </a:spcBef>
+              <a:spcAft>
+                <a:spcPts val="0"/>
+              </a:spcAft>
+              <a:buClr>
+                <a:schemeClr val="accent1"/>
+              </a:buClr>
+              <a:buSzPct val="80000"/>
+              <a:buFont typeface="Wingdings 3" charset="2"/>
+              <a:buChar char=""/>
+              <a:defRPr sz="1200" kern="1200">
+                <a:solidFill>
+                  <a:schemeClr val="tx1">
+                    <a:lumMod val="75000"/>
+                    <a:lumOff val="25000"/>
+                  </a:schemeClr>
+                </a:solidFill>
+                <a:latin typeface="+mn-lt"/>
+                <a:ea typeface="+mn-ea"/>
+                <a:cs typeface="+mn-cs"/>
+              </a:defRPr>
+            </a:lvl8pPr>
+            <a:lvl9pPr marL="3886200" indent="-228600" algn="l" defTabSz="457200" rtl="0" eaLnBrk="1" latinLnBrk="0" hangingPunct="1">
+              <a:spcBef>
+                <a:spcPts val="1000"/>
+              </a:spcBef>
+              <a:spcAft>
+                <a:spcPts val="0"/>
+              </a:spcAft>
+              <a:buClr>
+                <a:schemeClr val="accent1"/>
+              </a:buClr>
+              <a:buSzPct val="80000"/>
+              <a:buFont typeface="Wingdings 3" charset="2"/>
+              <a:buChar char=""/>
+              <a:defRPr sz="1200" kern="1200">
+                <a:solidFill>
+                  <a:schemeClr val="tx1">
+                    <a:lumMod val="75000"/>
+                    <a:lumOff val="25000"/>
+                  </a:schemeClr>
+                </a:solidFill>
+                <a:latin typeface="+mn-lt"/>
+                <a:ea typeface="+mn-ea"/>
+                <a:cs typeface="+mn-cs"/>
+              </a:defRPr>
+            </a:lvl9pPr>
+          </a:lstStyle>
+          <a:p>
+            <a:pPr>
+              <a:defRPr/>
+            </a:pPr>
+            <a:endParaRPr lang="ru-RU" sz="2400" dirty="0"/>
+          </a:p>
+        </p:txBody>
+      </p:sp>
+      <p:sp>
+        <p:nvSpPr>
+          <p:cNvPr id="10" name="Заголовок 1">
+            <a:extLst>
+              <a:ext uri="{FF2B5EF4-FFF2-40B4-BE49-F238E27FC236}">
+                <a16:creationId xmlns:a16="http://schemas.microsoft.com/office/drawing/2014/main" id="{8CF19F0E-75D7-421F-B06A-8CC528D94533}"/>
+              </a:ext>
+            </a:extLst>
+          </p:cNvPr>
+          <p:cNvSpPr>
+            <a:spLocks noGrp="1" noChangeArrowheads="1"/>
+          </p:cNvSpPr>
+          <p:nvPr/>
+        </p:nvSpPr>
+        <p:spPr bwMode="auto">
+          <a:xfrm>
+            <a:off x="479426" y="1"/>
+            <a:ext cx="9426574" cy="661578"/>
+          </a:xfrm>
+          <a:prstGeom prst="rect">
+            <a:avLst/>
+          </a:prstGeom>
+          <a:noFill/>
+          <a:ln>
+            <a:noFill/>
+          </a:ln>
+          <a:extLst>
+            <a:ext uri="{909E8E84-426E-40DD-AFC4-6F175D3DCCD1}">
+              <a14:hiddenFill xmlns:a14="http://schemas.microsoft.com/office/drawing/2010/main">
+                <a:solidFill>
+                  <a:srgbClr val="FFFFFF"/>
+                </a:solidFill>
+              </a14:hiddenFill>
+            </a:ext>
+            <a:ext uri="{91240B29-F687-4F45-9708-019B960494DF}">
+              <a14:hiddenLine xmlns:a14="http://schemas.microsoft.com/office/drawing/2010/main" w="9525">
+                <a:solidFill>
+                  <a:srgbClr val="000000"/>
+                </a:solidFill>
+                <a:miter lim="800000"/>
+                <a:headEnd/>
+                <a:tailEnd/>
+              </a14:hiddenLine>
+            </a:ext>
+          </a:extLst>
+        </p:spPr>
         <p:txBody>
           <a:bodyPr/>
           <a:lstStyle>
@@ -25157,10 +29078,10 @@
       </p:sp>
       <p:sp>
         <p:nvSpPr>
-          <p:cNvPr id="4" name="TextBox 3">
+          <p:cNvPr id="11" name="TextBox 10">
             <a:extLst>
               <a:ext uri="{FF2B5EF4-FFF2-40B4-BE49-F238E27FC236}">
-                <a16:creationId xmlns:a16="http://schemas.microsoft.com/office/drawing/2014/main" id="{1FEAC9FD-7A8E-45EE-838F-A0BC83905EC4}"/>
+                <a16:creationId xmlns:a16="http://schemas.microsoft.com/office/drawing/2014/main" id="{6CE1EE1F-D8B4-4F66-B7B0-FB0EAF3F6680}"/>
               </a:ext>
             </a:extLst>
           </p:cNvPr>
@@ -25169,7 +29090,7 @@
         </p:nvSpPr>
         <p:spPr>
           <a:xfrm>
-            <a:off x="0" y="661579"/>
+            <a:off x="532719" y="581273"/>
             <a:ext cx="3753853" cy="5693866"/>
           </a:xfrm>
           <a:prstGeom prst="rect">
@@ -25750,10 +29671,10 @@
       </p:sp>
       <p:sp>
         <p:nvSpPr>
-          <p:cNvPr id="6" name="TextBox 5">
+          <p:cNvPr id="12" name="TextBox 11">
             <a:extLst>
               <a:ext uri="{FF2B5EF4-FFF2-40B4-BE49-F238E27FC236}">
-                <a16:creationId xmlns:a16="http://schemas.microsoft.com/office/drawing/2014/main" id="{BC2F9D5A-40D3-4682-9B11-EB16CE9B2DCB}"/>
+                <a16:creationId xmlns:a16="http://schemas.microsoft.com/office/drawing/2014/main" id="{36AC5BD4-5B1B-4377-9EDA-B5015C2F3D5F}"/>
               </a:ext>
             </a:extLst>
           </p:cNvPr>
@@ -26977,245 +30898,10 @@
       </p:sp>
       <p:pic>
         <p:nvPicPr>
-          <p:cNvPr id="13314" name="Picture 2" descr="Api – Бесплатные иконки: компьютер">
+          <p:cNvPr id="18" name="Picture 2" descr="Api – Бесплатные иконки: компьютер">
             <a:extLst>
               <a:ext uri="{FF2B5EF4-FFF2-40B4-BE49-F238E27FC236}">
-                <a16:creationId xmlns:a16="http://schemas.microsoft.com/office/drawing/2014/main" id="{EBD00C6C-BE08-49FB-BFDF-291644D4FCBB}"/>
-              </a:ext>
-            </a:extLst>
-          </p:cNvPr>
-          <p:cNvPicPr>
-            <a:picLocks noChangeAspect="1" noChangeArrowheads="1"/>
-          </p:cNvPicPr>
-          <p:nvPr/>
-        </p:nvPicPr>
-        <p:blipFill>
-          <a:blip r:embed="rId2" cstate="print">
-            <a:extLst>
-              <a:ext uri="{28A0092B-C50C-407E-A947-70E740481C1C}">
-                <a14:useLocalDpi xmlns:a14="http://schemas.microsoft.com/office/drawing/2010/main" val="0"/>
-              </a:ext>
-            </a:extLst>
-          </a:blip>
-          <a:srcRect/>
-          <a:stretch>
-            <a:fillRect/>
-          </a:stretch>
-        </p:blipFill>
-        <p:spPr bwMode="auto">
-          <a:xfrm>
-            <a:off x="3866922" y="837419"/>
-            <a:ext cx="918409" cy="918409"/>
-          </a:xfrm>
-          <a:prstGeom prst="rect">
-            <a:avLst/>
-          </a:prstGeom>
-          <a:noFill/>
-          <a:extLst>
-            <a:ext uri="{909E8E84-426E-40DD-AFC4-6F175D3DCCD1}">
-              <a14:hiddenFill xmlns:a14="http://schemas.microsoft.com/office/drawing/2010/main">
-                <a:solidFill>
-                  <a:srgbClr val="FFFFFF"/>
-                </a:solidFill>
-              </a14:hiddenFill>
-            </a:ext>
-          </a:extLst>
-        </p:spPr>
-      </p:pic>
-      <p:pic>
-        <p:nvPicPr>
-          <p:cNvPr id="13316" name="Picture 4" descr="Endpoint Стоковых иллюстраций и клипартов – (2,184 Стоковых иллюстраций)">
-            <a:extLst>
-              <a:ext uri="{FF2B5EF4-FFF2-40B4-BE49-F238E27FC236}">
-                <a16:creationId xmlns:a16="http://schemas.microsoft.com/office/drawing/2014/main" id="{5C11039A-276F-443E-B793-E959F7AB056B}"/>
-              </a:ext>
-            </a:extLst>
-          </p:cNvPr>
-          <p:cNvPicPr>
-            <a:picLocks noChangeAspect="1" noChangeArrowheads="1"/>
-          </p:cNvPicPr>
-          <p:nvPr/>
-        </p:nvPicPr>
-        <p:blipFill>
-          <a:blip r:embed="rId3" cstate="print">
-            <a:extLst>
-              <a:ext uri="{28A0092B-C50C-407E-A947-70E740481C1C}">
-                <a14:useLocalDpi xmlns:a14="http://schemas.microsoft.com/office/drawing/2010/main" val="0"/>
-              </a:ext>
-            </a:extLst>
-          </a:blip>
-          <a:srcRect/>
-          <a:stretch>
-            <a:fillRect/>
-          </a:stretch>
-        </p:blipFill>
-        <p:spPr bwMode="auto">
-          <a:xfrm>
-            <a:off x="3866921" y="1836049"/>
-            <a:ext cx="918410" cy="918410"/>
-          </a:xfrm>
-          <a:prstGeom prst="rect">
-            <a:avLst/>
-          </a:prstGeom>
-          <a:noFill/>
-          <a:extLst>
-            <a:ext uri="{909E8E84-426E-40DD-AFC4-6F175D3DCCD1}">
-              <a14:hiddenFill xmlns:a14="http://schemas.microsoft.com/office/drawing/2010/main">
-                <a:solidFill>
-                  <a:srgbClr val="FFFFFF"/>
-                </a:solidFill>
-              </a14:hiddenFill>
-            </a:ext>
-          </a:extLst>
-        </p:spPr>
-      </p:pic>
-      <p:pic>
-        <p:nvPicPr>
-          <p:cNvPr id="13318" name="Picture 6" descr="Ошибка – Бесплатные иконки: компьютер">
-            <a:extLst>
-              <a:ext uri="{FF2B5EF4-FFF2-40B4-BE49-F238E27FC236}">
-                <a16:creationId xmlns:a16="http://schemas.microsoft.com/office/drawing/2014/main" id="{EDDA76DC-3779-4229-88D0-3BA7928EBF17}"/>
-              </a:ext>
-            </a:extLst>
-          </p:cNvPr>
-          <p:cNvPicPr>
-            <a:picLocks noChangeAspect="1" noChangeArrowheads="1"/>
-          </p:cNvPicPr>
-          <p:nvPr/>
-        </p:nvPicPr>
-        <p:blipFill>
-          <a:blip r:embed="rId4" cstate="print">
-            <a:extLst>
-              <a:ext uri="{28A0092B-C50C-407E-A947-70E740481C1C}">
-                <a14:useLocalDpi xmlns:a14="http://schemas.microsoft.com/office/drawing/2010/main" val="0"/>
-              </a:ext>
-            </a:extLst>
-          </a:blip>
-          <a:srcRect/>
-          <a:stretch>
-            <a:fillRect/>
-          </a:stretch>
-        </p:blipFill>
-        <p:spPr bwMode="auto">
-          <a:xfrm>
-            <a:off x="3978522" y="2754459"/>
-            <a:ext cx="695208" cy="695208"/>
-          </a:xfrm>
-          <a:prstGeom prst="rect">
-            <a:avLst/>
-          </a:prstGeom>
-          <a:noFill/>
-          <a:extLst>
-            <a:ext uri="{909E8E84-426E-40DD-AFC4-6F175D3DCCD1}">
-              <a14:hiddenFill xmlns:a14="http://schemas.microsoft.com/office/drawing/2010/main">
-                <a:solidFill>
-                  <a:srgbClr val="FFFFFF"/>
-                </a:solidFill>
-              </a14:hiddenFill>
-            </a:ext>
-          </a:extLst>
-        </p:spPr>
-      </p:pic>
-      <p:pic>
-        <p:nvPicPr>
-          <p:cNvPr id="13320" name="Picture 8" descr="Парсинг – Бесплатные иконки: файлы и папки">
-            <a:extLst>
-              <a:ext uri="{FF2B5EF4-FFF2-40B4-BE49-F238E27FC236}">
-                <a16:creationId xmlns:a16="http://schemas.microsoft.com/office/drawing/2014/main" id="{7D660906-7B79-445E-98FE-EFC03C11A798}"/>
-              </a:ext>
-            </a:extLst>
-          </p:cNvPr>
-          <p:cNvPicPr>
-            <a:picLocks noChangeAspect="1" noChangeArrowheads="1"/>
-          </p:cNvPicPr>
-          <p:nvPr/>
-        </p:nvPicPr>
-        <p:blipFill>
-          <a:blip r:embed="rId5" cstate="print">
-            <a:extLst>
-              <a:ext uri="{28A0092B-C50C-407E-A947-70E740481C1C}">
-                <a14:useLocalDpi xmlns:a14="http://schemas.microsoft.com/office/drawing/2010/main" val="0"/>
-              </a:ext>
-            </a:extLst>
-          </a:blip>
-          <a:srcRect/>
-          <a:stretch>
-            <a:fillRect/>
-          </a:stretch>
-        </p:blipFill>
-        <p:spPr bwMode="auto">
-          <a:xfrm>
-            <a:off x="3947825" y="3688753"/>
-            <a:ext cx="725905" cy="725905"/>
-          </a:xfrm>
-          <a:prstGeom prst="rect">
-            <a:avLst/>
-          </a:prstGeom>
-          <a:noFill/>
-          <a:extLst>
-            <a:ext uri="{909E8E84-426E-40DD-AFC4-6F175D3DCCD1}">
-              <a14:hiddenFill xmlns:a14="http://schemas.microsoft.com/office/drawing/2010/main">
-                <a:solidFill>
-                  <a:srgbClr val="FFFFFF"/>
-                </a:solidFill>
-              </a14:hiddenFill>
-            </a:ext>
-          </a:extLst>
-        </p:spPr>
-      </p:pic>
-      <p:pic>
-        <p:nvPicPr>
-          <p:cNvPr id="13322" name="Picture 10" descr="Валидация данных – Бесплатные иконки: файлы и папки">
-            <a:extLst>
-              <a:ext uri="{FF2B5EF4-FFF2-40B4-BE49-F238E27FC236}">
-                <a16:creationId xmlns:a16="http://schemas.microsoft.com/office/drawing/2014/main" id="{58B217A4-8245-447E-B087-A3A62AF0E6A3}"/>
-              </a:ext>
-            </a:extLst>
-          </p:cNvPr>
-          <p:cNvPicPr>
-            <a:picLocks noChangeAspect="1" noChangeArrowheads="1"/>
-          </p:cNvPicPr>
-          <p:nvPr/>
-        </p:nvPicPr>
-        <p:blipFill>
-          <a:blip r:embed="rId6" cstate="print">
-            <a:extLst>
-              <a:ext uri="{28A0092B-C50C-407E-A947-70E740481C1C}">
-                <a14:useLocalDpi xmlns:a14="http://schemas.microsoft.com/office/drawing/2010/main" val="0"/>
-              </a:ext>
-            </a:extLst>
-          </a:blip>
-          <a:srcRect/>
-          <a:stretch>
-            <a:fillRect/>
-          </a:stretch>
-        </p:blipFill>
-        <p:spPr bwMode="auto">
-          <a:xfrm>
-            <a:off x="3899698" y="4574920"/>
-            <a:ext cx="774032" cy="774032"/>
-          </a:xfrm>
-          <a:prstGeom prst="rect">
-            <a:avLst/>
-          </a:prstGeom>
-          <a:noFill/>
-          <a:extLst>
-            <a:ext uri="{909E8E84-426E-40DD-AFC4-6F175D3DCCD1}">
-              <a14:hiddenFill xmlns:a14="http://schemas.microsoft.com/office/drawing/2010/main">
-                <a:solidFill>
-                  <a:srgbClr val="FFFFFF"/>
-                </a:solidFill>
-              </a14:hiddenFill>
-            </a:ext>
-          </a:extLst>
-        </p:spPr>
-      </p:pic>
-      <p:pic>
-        <p:nvPicPr>
-          <p:cNvPr id="13328" name="Picture 16" descr="Резервное копирование базы данных – Бесплатные иконки: технологии">
-            <a:extLst>
-              <a:ext uri="{FF2B5EF4-FFF2-40B4-BE49-F238E27FC236}">
-                <a16:creationId xmlns:a16="http://schemas.microsoft.com/office/drawing/2014/main" id="{2753D66D-3E91-4D06-9A60-138ABE2D0922}"/>
+                <a16:creationId xmlns:a16="http://schemas.microsoft.com/office/drawing/2014/main" id="{0E1161D9-0822-4DA8-88F2-67AD32B06BD4}"/>
               </a:ext>
             </a:extLst>
           </p:cNvPr>
@@ -27239,7 +30925,242 @@
         </p:blipFill>
         <p:spPr bwMode="auto">
           <a:xfrm>
-            <a:off x="3880321" y="5494534"/>
+            <a:off x="4174843" y="891740"/>
+            <a:ext cx="918409" cy="918409"/>
+          </a:xfrm>
+          <a:prstGeom prst="rect">
+            <a:avLst/>
+          </a:prstGeom>
+          <a:noFill/>
+          <a:extLst>
+            <a:ext uri="{909E8E84-426E-40DD-AFC4-6F175D3DCCD1}">
+              <a14:hiddenFill xmlns:a14="http://schemas.microsoft.com/office/drawing/2010/main">
+                <a:solidFill>
+                  <a:srgbClr val="FFFFFF"/>
+                </a:solidFill>
+              </a14:hiddenFill>
+            </a:ext>
+          </a:extLst>
+        </p:spPr>
+      </p:pic>
+      <p:pic>
+        <p:nvPicPr>
+          <p:cNvPr id="19" name="Picture 4" descr="Endpoint Стоковых иллюстраций и клипартов – (2,184 Стоковых иллюстраций)">
+            <a:extLst>
+              <a:ext uri="{FF2B5EF4-FFF2-40B4-BE49-F238E27FC236}">
+                <a16:creationId xmlns:a16="http://schemas.microsoft.com/office/drawing/2014/main" id="{9E070C0A-B740-4C66-A603-59FA0C21E394}"/>
+              </a:ext>
+            </a:extLst>
+          </p:cNvPr>
+          <p:cNvPicPr>
+            <a:picLocks noChangeAspect="1" noChangeArrowheads="1"/>
+          </p:cNvPicPr>
+          <p:nvPr/>
+        </p:nvPicPr>
+        <p:blipFill>
+          <a:blip r:embed="rId8" cstate="print">
+            <a:extLst>
+              <a:ext uri="{28A0092B-C50C-407E-A947-70E740481C1C}">
+                <a14:useLocalDpi xmlns:a14="http://schemas.microsoft.com/office/drawing/2010/main" val="0"/>
+              </a:ext>
+            </a:extLst>
+          </a:blip>
+          <a:srcRect/>
+          <a:stretch>
+            <a:fillRect/>
+          </a:stretch>
+        </p:blipFill>
+        <p:spPr bwMode="auto">
+          <a:xfrm>
+            <a:off x="4174842" y="1890370"/>
+            <a:ext cx="918410" cy="918410"/>
+          </a:xfrm>
+          <a:prstGeom prst="rect">
+            <a:avLst/>
+          </a:prstGeom>
+          <a:noFill/>
+          <a:extLst>
+            <a:ext uri="{909E8E84-426E-40DD-AFC4-6F175D3DCCD1}">
+              <a14:hiddenFill xmlns:a14="http://schemas.microsoft.com/office/drawing/2010/main">
+                <a:solidFill>
+                  <a:srgbClr val="FFFFFF"/>
+                </a:solidFill>
+              </a14:hiddenFill>
+            </a:ext>
+          </a:extLst>
+        </p:spPr>
+      </p:pic>
+      <p:pic>
+        <p:nvPicPr>
+          <p:cNvPr id="20" name="Picture 6" descr="Ошибка – Бесплатные иконки: компьютер">
+            <a:extLst>
+              <a:ext uri="{FF2B5EF4-FFF2-40B4-BE49-F238E27FC236}">
+                <a16:creationId xmlns:a16="http://schemas.microsoft.com/office/drawing/2014/main" id="{3F23A1C6-9228-40C4-8CE2-C2B7AD6ABD1D}"/>
+              </a:ext>
+            </a:extLst>
+          </p:cNvPr>
+          <p:cNvPicPr>
+            <a:picLocks noChangeAspect="1" noChangeArrowheads="1"/>
+          </p:cNvPicPr>
+          <p:nvPr/>
+        </p:nvPicPr>
+        <p:blipFill>
+          <a:blip r:embed="rId9" cstate="print">
+            <a:extLst>
+              <a:ext uri="{28A0092B-C50C-407E-A947-70E740481C1C}">
+                <a14:useLocalDpi xmlns:a14="http://schemas.microsoft.com/office/drawing/2010/main" val="0"/>
+              </a:ext>
+            </a:extLst>
+          </a:blip>
+          <a:srcRect/>
+          <a:stretch>
+            <a:fillRect/>
+          </a:stretch>
+        </p:blipFill>
+        <p:spPr bwMode="auto">
+          <a:xfrm>
+            <a:off x="4286443" y="2808780"/>
+            <a:ext cx="695208" cy="695208"/>
+          </a:xfrm>
+          <a:prstGeom prst="rect">
+            <a:avLst/>
+          </a:prstGeom>
+          <a:noFill/>
+          <a:extLst>
+            <a:ext uri="{909E8E84-426E-40DD-AFC4-6F175D3DCCD1}">
+              <a14:hiddenFill xmlns:a14="http://schemas.microsoft.com/office/drawing/2010/main">
+                <a:solidFill>
+                  <a:srgbClr val="FFFFFF"/>
+                </a:solidFill>
+              </a14:hiddenFill>
+            </a:ext>
+          </a:extLst>
+        </p:spPr>
+      </p:pic>
+      <p:pic>
+        <p:nvPicPr>
+          <p:cNvPr id="21" name="Picture 8" descr="Парсинг – Бесплатные иконки: файлы и папки">
+            <a:extLst>
+              <a:ext uri="{FF2B5EF4-FFF2-40B4-BE49-F238E27FC236}">
+                <a16:creationId xmlns:a16="http://schemas.microsoft.com/office/drawing/2014/main" id="{B5D63F0E-EBFC-4745-AAFC-E806880D7DC4}"/>
+              </a:ext>
+            </a:extLst>
+          </p:cNvPr>
+          <p:cNvPicPr>
+            <a:picLocks noChangeAspect="1" noChangeArrowheads="1"/>
+          </p:cNvPicPr>
+          <p:nvPr/>
+        </p:nvPicPr>
+        <p:blipFill>
+          <a:blip r:embed="rId10" cstate="print">
+            <a:extLst>
+              <a:ext uri="{28A0092B-C50C-407E-A947-70E740481C1C}">
+                <a14:useLocalDpi xmlns:a14="http://schemas.microsoft.com/office/drawing/2010/main" val="0"/>
+              </a:ext>
+            </a:extLst>
+          </a:blip>
+          <a:srcRect/>
+          <a:stretch>
+            <a:fillRect/>
+          </a:stretch>
+        </p:blipFill>
+        <p:spPr bwMode="auto">
+          <a:xfrm>
+            <a:off x="4255746" y="3743074"/>
+            <a:ext cx="725905" cy="725905"/>
+          </a:xfrm>
+          <a:prstGeom prst="rect">
+            <a:avLst/>
+          </a:prstGeom>
+          <a:noFill/>
+          <a:extLst>
+            <a:ext uri="{909E8E84-426E-40DD-AFC4-6F175D3DCCD1}">
+              <a14:hiddenFill xmlns:a14="http://schemas.microsoft.com/office/drawing/2010/main">
+                <a:solidFill>
+                  <a:srgbClr val="FFFFFF"/>
+                </a:solidFill>
+              </a14:hiddenFill>
+            </a:ext>
+          </a:extLst>
+        </p:spPr>
+      </p:pic>
+      <p:pic>
+        <p:nvPicPr>
+          <p:cNvPr id="22" name="Picture 10" descr="Валидация данных – Бесплатные иконки: файлы и папки">
+            <a:extLst>
+              <a:ext uri="{FF2B5EF4-FFF2-40B4-BE49-F238E27FC236}">
+                <a16:creationId xmlns:a16="http://schemas.microsoft.com/office/drawing/2014/main" id="{9917C8B7-A762-4657-BCCB-698CAE742BC6}"/>
+              </a:ext>
+            </a:extLst>
+          </p:cNvPr>
+          <p:cNvPicPr>
+            <a:picLocks noChangeAspect="1" noChangeArrowheads="1"/>
+          </p:cNvPicPr>
+          <p:nvPr/>
+        </p:nvPicPr>
+        <p:blipFill>
+          <a:blip r:embed="rId11" cstate="print">
+            <a:extLst>
+              <a:ext uri="{28A0092B-C50C-407E-A947-70E740481C1C}">
+                <a14:useLocalDpi xmlns:a14="http://schemas.microsoft.com/office/drawing/2010/main" val="0"/>
+              </a:ext>
+            </a:extLst>
+          </a:blip>
+          <a:srcRect/>
+          <a:stretch>
+            <a:fillRect/>
+          </a:stretch>
+        </p:blipFill>
+        <p:spPr bwMode="auto">
+          <a:xfrm>
+            <a:off x="4207619" y="4629241"/>
+            <a:ext cx="774032" cy="774032"/>
+          </a:xfrm>
+          <a:prstGeom prst="rect">
+            <a:avLst/>
+          </a:prstGeom>
+          <a:noFill/>
+          <a:extLst>
+            <a:ext uri="{909E8E84-426E-40DD-AFC4-6F175D3DCCD1}">
+              <a14:hiddenFill xmlns:a14="http://schemas.microsoft.com/office/drawing/2010/main">
+                <a:solidFill>
+                  <a:srgbClr val="FFFFFF"/>
+                </a:solidFill>
+              </a14:hiddenFill>
+            </a:ext>
+          </a:extLst>
+        </p:spPr>
+      </p:pic>
+      <p:pic>
+        <p:nvPicPr>
+          <p:cNvPr id="23" name="Picture 16" descr="Резервное копирование базы данных – Бесплатные иконки: технологии">
+            <a:extLst>
+              <a:ext uri="{FF2B5EF4-FFF2-40B4-BE49-F238E27FC236}">
+                <a16:creationId xmlns:a16="http://schemas.microsoft.com/office/drawing/2014/main" id="{130BE6B4-C30C-407A-BC42-8A81A05574B2}"/>
+              </a:ext>
+            </a:extLst>
+          </p:cNvPr>
+          <p:cNvPicPr>
+            <a:picLocks noChangeAspect="1" noChangeArrowheads="1"/>
+          </p:cNvPicPr>
+          <p:nvPr/>
+        </p:nvPicPr>
+        <p:blipFill>
+          <a:blip r:embed="rId12" cstate="print">
+            <a:extLst>
+              <a:ext uri="{28A0092B-C50C-407E-A947-70E740481C1C}">
+                <a14:useLocalDpi xmlns:a14="http://schemas.microsoft.com/office/drawing/2010/main" val="0"/>
+              </a:ext>
+            </a:extLst>
+          </a:blip>
+          <a:srcRect/>
+          <a:stretch>
+            <a:fillRect/>
+          </a:stretch>
+        </p:blipFill>
+        <p:spPr bwMode="auto">
+          <a:xfrm>
+            <a:off x="4188242" y="5548855"/>
             <a:ext cx="860911" cy="860911"/>
           </a:xfrm>
           <a:prstGeom prst="rect">
@@ -27260,15 +31181,15 @@
     </p:spTree>
     <p:extLst>
       <p:ext uri="{BB962C8B-B14F-4D97-AF65-F5344CB8AC3E}">
-        <p14:creationId xmlns:p14="http://schemas.microsoft.com/office/powerpoint/2010/main" val="4082100573"/>
+        <p14:creationId xmlns:p14="http://schemas.microsoft.com/office/powerpoint/2010/main" val="3581871448"/>
       </p:ext>
     </p:extLst>
   </p:cSld>
   <p:clrMapOvr>
     <a:masterClrMapping/>
   </p:clrMapOvr>
-  <p:transition spd="slow" advClick="0" advTm="2000">
-    <p:cover dir="d"/>
+  <p:transition spd="slow">
+    <p:push dir="u"/>
   </p:transition>
 </p:sld>
 </file>
@@ -27592,8 +31513,8 @@
         </p:nvSpPr>
         <p:spPr bwMode="auto">
           <a:xfrm>
-            <a:off x="36513" y="127000"/>
-            <a:ext cx="382587" cy="307975"/>
+            <a:off x="36087" y="127000"/>
+            <a:ext cx="383438" cy="307777"/>
           </a:xfrm>
           <a:prstGeom prst="rect">
             <a:avLst/>
@@ -27739,15 +31660,15 @@
               <a:buNone/>
             </a:pPr>
             <a:r>
-              <a:rPr lang="ru-RU" altLang="ru-RU" sz="1400" b="1">
+              <a:rPr lang="ru-RU" altLang="ru-RU" sz="1400" b="1" dirty="0">
                 <a:solidFill>
                   <a:schemeClr val="bg1"/>
                 </a:solidFill>
                 <a:latin typeface="Arial" panose="020B0604020202020204" pitchFamily="34" charset="0"/>
               </a:rPr>
-              <a:t>14</a:t>
+              <a:t>18</a:t>
             </a:r>
-            <a:endParaRPr lang="en-US" altLang="ru-RU" sz="1400" b="1">
+            <a:endParaRPr lang="en-US" altLang="ru-RU" sz="1400" b="1" dirty="0">
               <a:solidFill>
                 <a:schemeClr val="bg1"/>
               </a:solidFill>
@@ -31312,8 +35233,8 @@
         </p:nvSpPr>
         <p:spPr bwMode="auto">
           <a:xfrm>
-            <a:off x="36513" y="127000"/>
-            <a:ext cx="382587" cy="307975"/>
+            <a:off x="36087" y="127000"/>
+            <a:ext cx="383438" cy="307777"/>
           </a:xfrm>
           <a:prstGeom prst="rect">
             <a:avLst/>
@@ -31459,15 +35380,15 @@
               <a:buNone/>
             </a:pPr>
             <a:r>
-              <a:rPr lang="ru-RU" altLang="ru-RU" sz="1400" b="1">
+              <a:rPr lang="ru-RU" altLang="ru-RU" sz="1400" b="1" dirty="0">
                 <a:solidFill>
                   <a:schemeClr val="bg1"/>
                 </a:solidFill>
                 <a:latin typeface="Arial" panose="020B0604020202020204" pitchFamily="34" charset="0"/>
               </a:rPr>
-              <a:t>16</a:t>
+              <a:t>19</a:t>
             </a:r>
-            <a:endParaRPr lang="en-US" altLang="ru-RU" sz="1400" b="1">
+            <a:endParaRPr lang="en-US" altLang="ru-RU" sz="1400" b="1" dirty="0">
               <a:solidFill>
                 <a:schemeClr val="bg1"/>
               </a:solidFill>
@@ -31822,7 +35743,7 @@
         <p:spPr>
           <a:xfrm>
             <a:off x="695326" y="891534"/>
-            <a:ext cx="8897143" cy="5755422"/>
+            <a:ext cx="8897143" cy="5509200"/>
           </a:xfrm>
           <a:prstGeom prst="rect">
             <a:avLst/>
@@ -31967,7 +35888,7 @@
                 </a:solidFill>
                 <a:latin typeface="+mn-lt"/>
               </a:rPr>
-              <a:t>Допускается - индексировать открытые данные, работать через кэширование без сохранения копий на своих серверах.</a:t>
+              <a:t>Допускается - индексировать открытые данные.</a:t>
             </a:r>
           </a:p>
           <a:p>
@@ -33658,8 +37579,8 @@
         </p:nvSpPr>
         <p:spPr bwMode="auto">
           <a:xfrm>
-            <a:off x="36513" y="127000"/>
-            <a:ext cx="382587" cy="307975"/>
+            <a:off x="36087" y="127000"/>
+            <a:ext cx="383438" cy="307777"/>
           </a:xfrm>
           <a:prstGeom prst="rect">
             <a:avLst/>
@@ -33805,15 +37726,15 @@
               <a:buNone/>
             </a:pPr>
             <a:r>
-              <a:rPr lang="ru-RU" altLang="ru-RU" sz="1400" b="1">
+              <a:rPr lang="ru-RU" altLang="ru-RU" sz="1400" b="1" dirty="0">
                 <a:solidFill>
                   <a:schemeClr val="bg1"/>
                 </a:solidFill>
                 <a:latin typeface="Arial" panose="020B0604020202020204" pitchFamily="34" charset="0"/>
               </a:rPr>
-              <a:t>15</a:t>
+              <a:t>20</a:t>
             </a:r>
-            <a:endParaRPr lang="en-US" altLang="ru-RU" sz="1400" b="1">
+            <a:endParaRPr lang="en-US" altLang="ru-RU" sz="1400" b="1" dirty="0">
               <a:solidFill>
                 <a:schemeClr val="bg1"/>
               </a:solidFill>
@@ -34624,8 +38545,8 @@
         </p:nvSpPr>
         <p:spPr bwMode="auto">
           <a:xfrm>
-            <a:off x="36513" y="127000"/>
-            <a:ext cx="382587" cy="307975"/>
+            <a:off x="36087" y="127000"/>
+            <a:ext cx="383438" cy="307777"/>
           </a:xfrm>
           <a:prstGeom prst="rect">
             <a:avLst/>
@@ -34771,15 +38692,15 @@
               <a:buNone/>
             </a:pPr>
             <a:r>
-              <a:rPr lang="ru-RU" altLang="ru-RU" sz="1400" b="1">
+              <a:rPr lang="ru-RU" altLang="ru-RU" sz="1400" b="1" dirty="0">
                 <a:solidFill>
                   <a:schemeClr val="bg1"/>
                 </a:solidFill>
                 <a:latin typeface="Arial" panose="020B0604020202020204" pitchFamily="34" charset="0"/>
               </a:rPr>
-              <a:t>17</a:t>
+              <a:t>21</a:t>
             </a:r>
-            <a:endParaRPr lang="en-US" altLang="ru-RU" sz="1400" b="1">
+            <a:endParaRPr lang="en-US" altLang="ru-RU" sz="1400" b="1" dirty="0">
               <a:solidFill>
                 <a:schemeClr val="bg1"/>
               </a:solidFill>
@@ -36729,8 +40650,8 @@
         </p:nvSpPr>
         <p:spPr bwMode="auto">
           <a:xfrm>
-            <a:off x="85725" y="127000"/>
-            <a:ext cx="284163" cy="307975"/>
+            <a:off x="85780" y="127000"/>
+            <a:ext cx="284052" cy="307777"/>
           </a:xfrm>
           <a:prstGeom prst="rect">
             <a:avLst/>
@@ -36882,7 +40803,7 @@
                 </a:solidFill>
                 <a:latin typeface="Arial" panose="020B0604020202020204" pitchFamily="34" charset="0"/>
               </a:rPr>
-              <a:t>4</a:t>
+              <a:t>3</a:t>
             </a:r>
             <a:endParaRPr lang="en-US" altLang="ru-RU" sz="1400" b="1" dirty="0">
               <a:solidFill>
@@ -37778,8 +41699,8 @@
         </p:nvSpPr>
         <p:spPr bwMode="auto">
           <a:xfrm>
-            <a:off x="85725" y="127000"/>
-            <a:ext cx="284163" cy="307975"/>
+            <a:off x="85780" y="127000"/>
+            <a:ext cx="284052" cy="307777"/>
           </a:xfrm>
           <a:prstGeom prst="rect">
             <a:avLst/>
@@ -37925,13 +41846,13 @@
               <a:buNone/>
             </a:pPr>
             <a:r>
-              <a:rPr lang="en-US" altLang="ru-RU" sz="1400" b="1">
+              <a:rPr lang="ru-RU" altLang="ru-RU" sz="1400" b="1" dirty="0">
                 <a:solidFill>
                   <a:schemeClr val="bg1"/>
                 </a:solidFill>
                 <a:latin typeface="Arial" panose="020B0604020202020204" pitchFamily="34" charset="0"/>
               </a:rPr>
-              <a:t>3</a:t>
+              <a:t>4</a:t>
             </a:r>
           </a:p>
         </p:txBody>

--- a/Documents/Презентация диплома Семенов Е.А. БПЦ 21-01.pptx
+++ b/Documents/Презентация диплома Семенов Е.А. БПЦ 21-01.pptx
@@ -20443,13 +20443,13 @@
   <p:clrMapOvr>
     <a:masterClrMapping/>
   </p:clrMapOvr>
-  <mc:AlternateContent xmlns:mc="http://schemas.openxmlformats.org/markup-compatibility/2006">
-    <mc:Choice xmlns:p159="http://schemas.microsoft.com/office/powerpoint/2015/09/main" Requires="p159">
+  <mc:AlternateContent xmlns:mc="http://schemas.openxmlformats.org/markup-compatibility/2006" xmlns:p159="http://schemas.microsoft.com/office/powerpoint/2015/09/main">
+    <mc:Choice Requires="p159">
       <p:transition>
         <p159:morph option="byObject"/>
       </p:transition>
     </mc:Choice>
-    <mc:Fallback>
+    <mc:Fallback xmlns="">
       <p:transition>
         <p:fade/>
       </p:transition>
@@ -21360,13 +21360,13 @@
   <p:clrMapOvr>
     <a:masterClrMapping/>
   </p:clrMapOvr>
-  <mc:AlternateContent xmlns:mc="http://schemas.openxmlformats.org/markup-compatibility/2006">
-    <mc:Choice xmlns:p159="http://schemas.microsoft.com/office/powerpoint/2015/09/main" Requires="p159">
+  <mc:AlternateContent xmlns:mc="http://schemas.openxmlformats.org/markup-compatibility/2006" xmlns:p159="http://schemas.microsoft.com/office/powerpoint/2015/09/main">
+    <mc:Choice Requires="p159">
       <p:transition>
         <p159:morph option="byObject"/>
       </p:transition>
     </mc:Choice>
-    <mc:Fallback>
+    <mc:Fallback xmlns="">
       <p:transition>
         <p:fade/>
       </p:transition>
@@ -22608,13 +22608,13 @@
   <p:clrMapOvr>
     <a:masterClrMapping/>
   </p:clrMapOvr>
-  <mc:AlternateContent xmlns:mc="http://schemas.openxmlformats.org/markup-compatibility/2006">
-    <mc:Choice xmlns:p159="http://schemas.microsoft.com/office/powerpoint/2015/09/main" Requires="p159">
+  <mc:AlternateContent xmlns:mc="http://schemas.openxmlformats.org/markup-compatibility/2006" xmlns:p159="http://schemas.microsoft.com/office/powerpoint/2015/09/main">
+    <mc:Choice Requires="p159">
       <p:transition>
         <p159:morph option="byObject"/>
       </p:transition>
     </mc:Choice>
-    <mc:Fallback>
+    <mc:Fallback xmlns="">
       <p:transition>
         <p:fade/>
       </p:transition>
@@ -23632,13 +23632,13 @@
   <p:clrMapOvr>
     <a:masterClrMapping/>
   </p:clrMapOvr>
-  <mc:AlternateContent xmlns:mc="http://schemas.openxmlformats.org/markup-compatibility/2006">
-    <mc:Choice xmlns:p159="http://schemas.microsoft.com/office/powerpoint/2015/09/main" Requires="p159">
+  <mc:AlternateContent xmlns:mc="http://schemas.openxmlformats.org/markup-compatibility/2006" xmlns:p159="http://schemas.microsoft.com/office/powerpoint/2015/09/main">
+    <mc:Choice Requires="p159">
       <p:transition>
         <p159:morph option="byObject"/>
       </p:transition>
     </mc:Choice>
-    <mc:Fallback>
+    <mc:Fallback xmlns="">
       <p:transition>
         <p:fade/>
       </p:transition>
@@ -24674,13 +24674,13 @@
   <p:clrMapOvr>
     <a:masterClrMapping/>
   </p:clrMapOvr>
-  <mc:AlternateContent xmlns:mc="http://schemas.openxmlformats.org/markup-compatibility/2006">
-    <mc:Choice xmlns:p159="http://schemas.microsoft.com/office/powerpoint/2015/09/main" Requires="p159">
+  <mc:AlternateContent xmlns:mc="http://schemas.openxmlformats.org/markup-compatibility/2006" xmlns:p159="http://schemas.microsoft.com/office/powerpoint/2015/09/main">
+    <mc:Choice Requires="p159">
       <p:transition>
         <p159:morph option="byObject"/>
       </p:transition>
     </mc:Choice>
-    <mc:Fallback>
+    <mc:Fallback xmlns="">
       <p:transition>
         <p:fade/>
       </p:transition>
@@ -26006,13 +26006,13 @@
   <p:clrMapOvr>
     <a:masterClrMapping/>
   </p:clrMapOvr>
-  <mc:AlternateContent xmlns:mc="http://schemas.openxmlformats.org/markup-compatibility/2006">
-    <mc:Choice xmlns:p159="http://schemas.microsoft.com/office/powerpoint/2015/09/main" Requires="p159">
+  <mc:AlternateContent xmlns:mc="http://schemas.openxmlformats.org/markup-compatibility/2006" xmlns:p159="http://schemas.microsoft.com/office/powerpoint/2015/09/main">
+    <mc:Choice Requires="p159">
       <p:transition>
         <p159:morph option="byObject"/>
       </p:transition>
     </mc:Choice>
-    <mc:Fallback>
+    <mc:Fallback xmlns="">
       <p:transition>
         <p:fade/>
       </p:transition>
@@ -27025,13 +27025,13 @@
   <p:clrMapOvr>
     <a:masterClrMapping/>
   </p:clrMapOvr>
-  <mc:AlternateContent xmlns:mc="http://schemas.openxmlformats.org/markup-compatibility/2006">
-    <mc:Choice xmlns:p159="http://schemas.microsoft.com/office/powerpoint/2015/09/main" Requires="p159">
+  <mc:AlternateContent xmlns:mc="http://schemas.openxmlformats.org/markup-compatibility/2006" xmlns:p159="http://schemas.microsoft.com/office/powerpoint/2015/09/main">
+    <mc:Choice Requires="p159">
       <p:transition>
         <p159:morph option="byObject"/>
       </p:transition>
     </mc:Choice>
-    <mc:Fallback>
+    <mc:Fallback xmlns="">
       <p:transition>
         <p:fade/>
       </p:transition>
@@ -28222,13 +28222,13 @@
   <p:clrMapOvr>
     <a:masterClrMapping/>
   </p:clrMapOvr>
-  <mc:AlternateContent xmlns:mc="http://schemas.openxmlformats.org/markup-compatibility/2006">
-    <mc:Choice xmlns:p159="http://schemas.microsoft.com/office/powerpoint/2015/09/main" Requires="p159">
+  <mc:AlternateContent xmlns:mc="http://schemas.openxmlformats.org/markup-compatibility/2006" xmlns:p159="http://schemas.microsoft.com/office/powerpoint/2015/09/main">
+    <mc:Choice Requires="p159">
       <p:transition>
         <p159:morph option="byObject"/>
       </p:transition>
     </mc:Choice>
-    <mc:Fallback>
+    <mc:Fallback xmlns="">
       <p:transition>
         <p:fade/>
       </p:transition>
@@ -31260,13 +31260,13 @@
   <p:clrMapOvr>
     <a:masterClrMapping/>
   </p:clrMapOvr>
-  <mc:AlternateContent xmlns:mc="http://schemas.openxmlformats.org/markup-compatibility/2006">
-    <mc:Choice xmlns:p159="http://schemas.microsoft.com/office/powerpoint/2015/09/main" Requires="p159">
+  <mc:AlternateContent xmlns:mc="http://schemas.openxmlformats.org/markup-compatibility/2006" xmlns:p159="http://schemas.microsoft.com/office/powerpoint/2015/09/main">
+    <mc:Choice Requires="p159">
       <p:transition>
         <p159:morph option="byObject"/>
       </p:transition>
     </mc:Choice>
-    <mc:Fallback>
+    <mc:Fallback xmlns="">
       <p:transition>
         <p:fade/>
       </p:transition>
@@ -31994,7 +31994,7 @@
           <p:nvPr>
             <p:extLst>
               <p:ext uri="{D42A27DB-BD31-4B8C-83A1-F6EECF244321}">
-                <p14:modId xmlns:p14="http://schemas.microsoft.com/office/powerpoint/2010/main" val="2782407601"/>
+                <p14:modId xmlns:p14="http://schemas.microsoft.com/office/powerpoint/2010/main" val="2278833509"/>
               </p:ext>
             </p:extLst>
           </p:nvPr>
@@ -32037,13 +32037,7 @@
                           <a:solidFill>
                             <a:srgbClr val="F5F5F5"/>
                           </a:solidFill>
-                          <a:effectLst>
-                            <a:outerShdw blurRad="38100" dist="38100" dir="2700000" algn="tl">
-                              <a:srgbClr val="000000">
-                                <a:alpha val="43137"/>
-                              </a:srgbClr>
-                            </a:outerShdw>
-                          </a:effectLst>
+                          <a:effectLst/>
                         </a:rPr>
                         <a:t>Статья расходов</a:t>
                       </a:r>
@@ -32099,13 +32093,7 @@
                           <a:solidFill>
                             <a:srgbClr val="F5F5F5"/>
                           </a:solidFill>
-                          <a:effectLst>
-                            <a:outerShdw blurRad="38100" dist="38100" dir="2700000" algn="tl">
-                              <a:srgbClr val="000000">
-                                <a:alpha val="43137"/>
-                              </a:srgbClr>
-                            </a:outerShdw>
-                          </a:effectLst>
+                          <a:effectLst/>
                         </a:rPr>
                         <a:t>Стоимость (руб.)</a:t>
                       </a:r>
@@ -32170,13 +32158,7 @@
                               <a:lumMod val="50000"/>
                             </a:schemeClr>
                           </a:solidFill>
-                          <a:effectLst>
-                            <a:outerShdw blurRad="38100" dist="38100" dir="2700000" algn="tl">
-                              <a:srgbClr val="000000">
-                                <a:alpha val="43137"/>
-                              </a:srgbClr>
-                            </a:outerShdw>
-                          </a:effectLst>
+                          <a:effectLst/>
                         </a:rPr>
                         <a:t>Фронтенд</a:t>
                       </a:r>
@@ -32187,13 +32169,7 @@
                               <a:lumMod val="50000"/>
                             </a:schemeClr>
                           </a:solidFill>
-                          <a:effectLst>
-                            <a:outerShdw blurRad="38100" dist="38100" dir="2700000" algn="tl">
-                              <a:srgbClr val="000000">
-                                <a:alpha val="43137"/>
-                              </a:srgbClr>
-                            </a:outerShdw>
-                          </a:effectLst>
+                          <a:effectLst/>
                         </a:rPr>
                         <a:t> (</a:t>
                       </a:r>
@@ -32204,13 +32180,7 @@
                               <a:lumMod val="50000"/>
                             </a:schemeClr>
                           </a:solidFill>
-                          <a:effectLst>
-                            <a:outerShdw blurRad="38100" dist="38100" dir="2700000" algn="tl">
-                              <a:srgbClr val="000000">
-                                <a:alpha val="43137"/>
-                              </a:srgbClr>
-                            </a:outerShdw>
-                          </a:effectLst>
+                          <a:effectLst/>
                         </a:rPr>
                         <a:t>React, Redux)</a:t>
                       </a:r>
@@ -32274,13 +32244,7 @@
                               <a:lumMod val="50000"/>
                             </a:schemeClr>
                           </a:solidFill>
-                          <a:effectLst>
-                            <a:outerShdw blurRad="38100" dist="38100" dir="2700000" algn="tl">
-                              <a:srgbClr val="000000">
-                                <a:alpha val="43137"/>
-                              </a:srgbClr>
-                            </a:outerShdw>
-                          </a:effectLst>
+                          <a:effectLst/>
                         </a:rPr>
                         <a:t>150 000 – 300 000</a:t>
                       </a:r>
@@ -32351,13 +32315,7 @@
                               <a:lumMod val="50000"/>
                             </a:schemeClr>
                           </a:solidFill>
-                          <a:effectLst>
-                            <a:outerShdw blurRad="38100" dist="38100" dir="2700000" algn="tl">
-                              <a:srgbClr val="000000">
-                                <a:alpha val="43137"/>
-                              </a:srgbClr>
-                            </a:outerShdw>
-                          </a:effectLst>
+                          <a:effectLst/>
                         </a:rPr>
                         <a:t>Бекенд</a:t>
                       </a:r>
@@ -32368,13 +32326,7 @@
                               <a:lumMod val="50000"/>
                             </a:schemeClr>
                           </a:solidFill>
-                          <a:effectLst>
-                            <a:outerShdw blurRad="38100" dist="38100" dir="2700000" algn="tl">
-                              <a:srgbClr val="000000">
-                                <a:alpha val="43137"/>
-                              </a:srgbClr>
-                            </a:outerShdw>
-                          </a:effectLst>
+                          <a:effectLst/>
                         </a:rPr>
                         <a:t> (</a:t>
                       </a:r>
@@ -32385,13 +32337,7 @@
                               <a:lumMod val="50000"/>
                             </a:schemeClr>
                           </a:solidFill>
-                          <a:effectLst>
-                            <a:outerShdw blurRad="38100" dist="38100" dir="2700000" algn="tl">
-                              <a:srgbClr val="000000">
-                                <a:alpha val="43137"/>
-                              </a:srgbClr>
-                            </a:outerShdw>
-                          </a:effectLst>
+                          <a:effectLst/>
                         </a:rPr>
                         <a:t>Python, Flask)</a:t>
                       </a:r>
@@ -32455,13 +32401,7 @@
                               <a:lumMod val="50000"/>
                             </a:schemeClr>
                           </a:solidFill>
-                          <a:effectLst>
-                            <a:outerShdw blurRad="38100" dist="38100" dir="2700000" algn="tl">
-                              <a:srgbClr val="000000">
-                                <a:alpha val="43137"/>
-                              </a:srgbClr>
-                            </a:outerShdw>
-                          </a:effectLst>
+                          <a:effectLst/>
                         </a:rPr>
                         <a:t>200 000 – 400 000</a:t>
                       </a:r>
@@ -32532,13 +32472,7 @@
                               <a:lumMod val="50000"/>
                             </a:schemeClr>
                           </a:solidFill>
-                          <a:effectLst>
-                            <a:outerShdw blurRad="38100" dist="38100" dir="2700000" algn="tl">
-                              <a:srgbClr val="000000">
-                                <a:alpha val="43137"/>
-                              </a:srgbClr>
-                            </a:outerShdw>
-                          </a:effectLst>
+                          <a:effectLst/>
                         </a:rPr>
                         <a:t>Парсинг</a:t>
                       </a:r>
@@ -32549,13 +32483,7 @@
                               <a:lumMod val="50000"/>
                             </a:schemeClr>
                           </a:solidFill>
-                          <a:effectLst>
-                            <a:outerShdw blurRad="38100" dist="38100" dir="2700000" algn="tl">
-                              <a:srgbClr val="000000">
-                                <a:alpha val="43137"/>
-                              </a:srgbClr>
-                            </a:outerShdw>
-                          </a:effectLst>
+                          <a:effectLst/>
                         </a:rPr>
                         <a:t> (</a:t>
                       </a:r>
@@ -32566,13 +32494,7 @@
                               <a:lumMod val="50000"/>
                             </a:schemeClr>
                           </a:solidFill>
-                          <a:effectLst>
-                            <a:outerShdw blurRad="38100" dist="38100" dir="2700000" algn="tl">
-                              <a:srgbClr val="000000">
-                                <a:alpha val="43137"/>
-                              </a:srgbClr>
-                            </a:outerShdw>
-                          </a:effectLst>
+                          <a:effectLst/>
                         </a:rPr>
                         <a:t>Scrapy, Playwright)</a:t>
                       </a:r>
@@ -32636,13 +32558,7 @@
                               <a:lumMod val="50000"/>
                             </a:schemeClr>
                           </a:solidFill>
-                          <a:effectLst>
-                            <a:outerShdw blurRad="38100" dist="38100" dir="2700000" algn="tl">
-                              <a:srgbClr val="000000">
-                                <a:alpha val="43137"/>
-                              </a:srgbClr>
-                            </a:outerShdw>
-                          </a:effectLst>
+                          <a:effectLst/>
                         </a:rPr>
                         <a:t>100 000 – 200 000</a:t>
                       </a:r>
@@ -32713,13 +32629,7 @@
                               <a:lumMod val="50000"/>
                             </a:schemeClr>
                           </a:solidFill>
-                          <a:effectLst>
-                            <a:outerShdw blurRad="38100" dist="38100" dir="2700000" algn="tl">
-                              <a:srgbClr val="000000">
-                                <a:alpha val="43137"/>
-                              </a:srgbClr>
-                            </a:outerShdw>
-                          </a:effectLst>
+                          <a:effectLst/>
                         </a:rPr>
                         <a:t>База данных (</a:t>
                       </a:r>
@@ -32730,13 +32640,7 @@
                               <a:lumMod val="50000"/>
                             </a:schemeClr>
                           </a:solidFill>
-                          <a:effectLst>
-                            <a:outerShdw blurRad="38100" dist="38100" dir="2700000" algn="tl">
-                              <a:srgbClr val="000000">
-                                <a:alpha val="43137"/>
-                              </a:srgbClr>
-                            </a:outerShdw>
-                          </a:effectLst>
+                          <a:effectLst/>
                         </a:rPr>
                         <a:t>MySQL)</a:t>
                       </a:r>
@@ -32800,13 +32704,7 @@
                               <a:lumMod val="50000"/>
                             </a:schemeClr>
                           </a:solidFill>
-                          <a:effectLst>
-                            <a:outerShdw blurRad="38100" dist="38100" dir="2700000" algn="tl">
-                              <a:srgbClr val="000000">
-                                <a:alpha val="43137"/>
-                              </a:srgbClr>
-                            </a:outerShdw>
-                          </a:effectLst>
+                          <a:effectLst/>
                         </a:rPr>
                         <a:t>50 000 – 100 000</a:t>
                       </a:r>
@@ -32877,13 +32775,7 @@
                               <a:lumMod val="50000"/>
                             </a:schemeClr>
                           </a:solidFill>
-                          <a:effectLst>
-                            <a:outerShdw blurRad="38100" dist="38100" dir="2700000" algn="tl">
-                              <a:srgbClr val="000000">
-                                <a:alpha val="43137"/>
-                              </a:srgbClr>
-                            </a:outerShdw>
-                          </a:effectLst>
+                          <a:effectLst/>
                         </a:rPr>
                         <a:t>Тестирование и </a:t>
                       </a:r>
@@ -32894,13 +32786,7 @@
                               <a:lumMod val="50000"/>
                             </a:schemeClr>
                           </a:solidFill>
-                          <a:effectLst>
-                            <a:outerShdw blurRad="38100" dist="38100" dir="2700000" algn="tl">
-                              <a:srgbClr val="000000">
-                                <a:alpha val="43137"/>
-                              </a:srgbClr>
-                            </a:outerShdw>
-                          </a:effectLst>
+                          <a:effectLst/>
                         </a:rPr>
                         <a:t>DevOps</a:t>
                       </a:r>
@@ -32964,13 +32850,7 @@
                               <a:lumMod val="50000"/>
                             </a:schemeClr>
                           </a:solidFill>
-                          <a:effectLst>
-                            <a:outerShdw blurRad="38100" dist="38100" dir="2700000" algn="tl">
-                              <a:srgbClr val="000000">
-                                <a:alpha val="43137"/>
-                              </a:srgbClr>
-                            </a:outerShdw>
-                          </a:effectLst>
+                          <a:effectLst/>
                         </a:rPr>
                         <a:t>100 000 – 200 000</a:t>
                       </a:r>
@@ -33036,24 +32916,12 @@
                       <a:pPr algn="ctr"/>
                       <a:r>
                         <a:rPr lang="ru-RU" sz="1200" b="1" dirty="0">
-                          <a:effectLst>
-                            <a:outerShdw blurRad="38100" dist="38100" dir="2700000" algn="tl">
-                              <a:srgbClr val="000000">
-                                <a:alpha val="43137"/>
-                              </a:srgbClr>
-                            </a:outerShdw>
-                          </a:effectLst>
+                          <a:effectLst/>
                         </a:rPr>
                         <a:t>Итого</a:t>
                       </a:r>
                       <a:endParaRPr lang="ru-RU" sz="1200" dirty="0">
-                        <a:effectLst>
-                          <a:outerShdw blurRad="38100" dist="38100" dir="2700000" algn="tl">
-                            <a:srgbClr val="000000">
-                              <a:alpha val="43137"/>
-                            </a:srgbClr>
-                          </a:outerShdw>
-                        </a:effectLst>
+                        <a:effectLst/>
                       </a:endParaRPr>
                     </a:p>
                   </a:txBody>
@@ -33107,24 +32975,12 @@
                       <a:pPr algn="ctr"/>
                       <a:r>
                         <a:rPr lang="ru-RU" sz="1200" b="1" dirty="0">
-                          <a:effectLst>
-                            <a:outerShdw blurRad="38100" dist="38100" dir="2700000" algn="tl">
-                              <a:srgbClr val="000000">
-                                <a:alpha val="43137"/>
-                              </a:srgbClr>
-                            </a:outerShdw>
-                          </a:effectLst>
+                          <a:effectLst/>
                         </a:rPr>
                         <a:t>600 000 – 1 200 000</a:t>
                       </a:r>
                       <a:endParaRPr lang="ru-RU" sz="1200" dirty="0">
-                        <a:effectLst>
-                          <a:outerShdw blurRad="38100" dist="38100" dir="2700000" algn="tl">
-                            <a:srgbClr val="000000">
-                              <a:alpha val="43137"/>
-                            </a:srgbClr>
-                          </a:outerShdw>
-                        </a:effectLst>
+                        <a:effectLst/>
                       </a:endParaRPr>
                     </a:p>
                   </a:txBody>
@@ -33195,7 +33051,7 @@
           <p:nvPr>
             <p:extLst>
               <p:ext uri="{D42A27DB-BD31-4B8C-83A1-F6EECF244321}">
-                <p14:modId xmlns:p14="http://schemas.microsoft.com/office/powerpoint/2010/main" val="2050650859"/>
+                <p14:modId xmlns:p14="http://schemas.microsoft.com/office/powerpoint/2010/main" val="1266062378"/>
               </p:ext>
             </p:extLst>
           </p:nvPr>
@@ -33252,13 +33108,7 @@
                           <a:solidFill>
                             <a:srgbClr val="F5F5F5"/>
                           </a:solidFill>
-                          <a:effectLst>
-                            <a:outerShdw blurRad="38100" dist="38100" dir="2700000" algn="tl">
-                              <a:srgbClr val="000000">
-                                <a:alpha val="43137"/>
-                              </a:srgbClr>
-                            </a:outerShdw>
-                          </a:effectLst>
+                          <a:effectLst/>
                         </a:rPr>
                         <a:t>Тариф</a:t>
                       </a:r>
@@ -33314,13 +33164,7 @@
                           <a:solidFill>
                             <a:srgbClr val="F5F5F5"/>
                           </a:solidFill>
-                          <a:effectLst>
-                            <a:outerShdw blurRad="38100" dist="38100" dir="2700000" algn="tl">
-                              <a:srgbClr val="000000">
-                                <a:alpha val="43137"/>
-                              </a:srgbClr>
-                            </a:outerShdw>
-                          </a:effectLst>
+                          <a:effectLst/>
                         </a:rPr>
                         <a:t>Цена (руб./мес.)</a:t>
                       </a:r>
@@ -33376,13 +33220,7 @@
                           <a:solidFill>
                             <a:srgbClr val="F5F5F5"/>
                           </a:solidFill>
-                          <a:effectLst>
-                            <a:outerShdw blurRad="38100" dist="38100" dir="2700000" algn="tl">
-                              <a:srgbClr val="000000">
-                                <a:alpha val="43137"/>
-                              </a:srgbClr>
-                            </a:outerShdw>
-                          </a:effectLst>
+                          <a:effectLst/>
                         </a:rPr>
                         <a:t>Кол-во клиентов</a:t>
                       </a:r>
@@ -33438,13 +33276,7 @@
                           <a:solidFill>
                             <a:srgbClr val="F5F5F5"/>
                           </a:solidFill>
-                          <a:effectLst>
-                            <a:outerShdw blurRad="38100" dist="38100" dir="2700000" algn="tl">
-                              <a:srgbClr val="000000">
-                                <a:alpha val="43137"/>
-                              </a:srgbClr>
-                            </a:outerShdw>
-                          </a:effectLst>
+                          <a:effectLst/>
                         </a:rPr>
                         <a:t>Годовой доход</a:t>
                       </a:r>
@@ -33509,13 +33341,7 @@
                               <a:lumMod val="50000"/>
                             </a:schemeClr>
                           </a:solidFill>
-                          <a:effectLst>
-                            <a:outerShdw blurRad="38100" dist="38100" dir="2700000" algn="tl">
-                              <a:srgbClr val="000000">
-                                <a:alpha val="43137"/>
-                              </a:srgbClr>
-                            </a:outerShdw>
-                          </a:effectLst>
+                          <a:effectLst/>
                         </a:rPr>
                         <a:t>Базовый</a:t>
                       </a:r>
@@ -33579,13 +33405,7 @@
                               <a:lumMod val="50000"/>
                             </a:schemeClr>
                           </a:solidFill>
-                          <a:effectLst>
-                            <a:outerShdw blurRad="38100" dist="38100" dir="2700000" algn="tl">
-                              <a:srgbClr val="000000">
-                                <a:alpha val="43137"/>
-                              </a:srgbClr>
-                            </a:outerShdw>
-                          </a:effectLst>
+                          <a:effectLst/>
                         </a:rPr>
                         <a:t>1 000</a:t>
                       </a:r>
@@ -33649,13 +33469,7 @@
                               <a:lumMod val="50000"/>
                             </a:schemeClr>
                           </a:solidFill>
-                          <a:effectLst>
-                            <a:outerShdw blurRad="38100" dist="38100" dir="2700000" algn="tl">
-                              <a:srgbClr val="000000">
-                                <a:alpha val="43137"/>
-                              </a:srgbClr>
-                            </a:outerShdw>
-                          </a:effectLst>
+                          <a:effectLst/>
                         </a:rPr>
                         <a:t>50</a:t>
                       </a:r>
@@ -33719,13 +33533,7 @@
                               <a:lumMod val="50000"/>
                             </a:schemeClr>
                           </a:solidFill>
-                          <a:effectLst>
-                            <a:outerShdw blurRad="38100" dist="38100" dir="2700000" algn="tl">
-                              <a:srgbClr val="000000">
-                                <a:alpha val="43137"/>
-                              </a:srgbClr>
-                            </a:outerShdw>
-                          </a:effectLst>
+                          <a:effectLst/>
                         </a:rPr>
                         <a:t>600 000</a:t>
                       </a:r>
@@ -33796,13 +33604,7 @@
                               <a:lumMod val="50000"/>
                             </a:schemeClr>
                           </a:solidFill>
-                          <a:effectLst>
-                            <a:outerShdw blurRad="38100" dist="38100" dir="2700000" algn="tl">
-                              <a:srgbClr val="000000">
-                                <a:alpha val="43137"/>
-                              </a:srgbClr>
-                            </a:outerShdw>
-                          </a:effectLst>
+                          <a:effectLst/>
                         </a:rPr>
                         <a:t>Профессиональный</a:t>
                       </a:r>
@@ -33866,13 +33668,7 @@
                               <a:lumMod val="50000"/>
                             </a:schemeClr>
                           </a:solidFill>
-                          <a:effectLst>
-                            <a:outerShdw blurRad="38100" dist="38100" dir="2700000" algn="tl">
-                              <a:srgbClr val="000000">
-                                <a:alpha val="43137"/>
-                              </a:srgbClr>
-                            </a:outerShdw>
-                          </a:effectLst>
+                          <a:effectLst/>
                         </a:rPr>
                         <a:t>5 000</a:t>
                       </a:r>
@@ -33936,13 +33732,7 @@
                               <a:lumMod val="50000"/>
                             </a:schemeClr>
                           </a:solidFill>
-                          <a:effectLst>
-                            <a:outerShdw blurRad="38100" dist="38100" dir="2700000" algn="tl">
-                              <a:srgbClr val="000000">
-                                <a:alpha val="43137"/>
-                              </a:srgbClr>
-                            </a:outerShdw>
-                          </a:effectLst>
+                          <a:effectLst/>
                         </a:rPr>
                         <a:t>20</a:t>
                       </a:r>
@@ -34006,13 +33796,7 @@
                               <a:lumMod val="50000"/>
                             </a:schemeClr>
                           </a:solidFill>
-                          <a:effectLst>
-                            <a:outerShdw blurRad="38100" dist="38100" dir="2700000" algn="tl">
-                              <a:srgbClr val="000000">
-                                <a:alpha val="43137"/>
-                              </a:srgbClr>
-                            </a:outerShdw>
-                          </a:effectLst>
+                          <a:effectLst/>
                         </a:rPr>
                         <a:t>1 200 000</a:t>
                       </a:r>
@@ -34083,13 +33867,7 @@
                               <a:lumMod val="50000"/>
                             </a:schemeClr>
                           </a:solidFill>
-                          <a:effectLst>
-                            <a:outerShdw blurRad="38100" dist="38100" dir="2700000" algn="tl">
-                              <a:srgbClr val="000000">
-                                <a:alpha val="43137"/>
-                              </a:srgbClr>
-                            </a:outerShdw>
-                          </a:effectLst>
+                          <a:effectLst/>
                         </a:rPr>
                         <a:t>Корпоративный</a:t>
                       </a:r>
@@ -34153,13 +33931,7 @@
                               <a:lumMod val="50000"/>
                             </a:schemeClr>
                           </a:solidFill>
-                          <a:effectLst>
-                            <a:outerShdw blurRad="38100" dist="38100" dir="2700000" algn="tl">
-                              <a:srgbClr val="000000">
-                                <a:alpha val="43137"/>
-                              </a:srgbClr>
-                            </a:outerShdw>
-                          </a:effectLst>
+                          <a:effectLst/>
                         </a:rPr>
                         <a:t>7 000</a:t>
                       </a:r>
@@ -34223,13 +33995,7 @@
                               <a:lumMod val="50000"/>
                             </a:schemeClr>
                           </a:solidFill>
-                          <a:effectLst>
-                            <a:outerShdw blurRad="38100" dist="38100" dir="2700000" algn="tl">
-                              <a:srgbClr val="000000">
-                                <a:alpha val="43137"/>
-                              </a:srgbClr>
-                            </a:outerShdw>
-                          </a:effectLst>
+                          <a:effectLst/>
                         </a:rPr>
                         <a:t>10</a:t>
                       </a:r>
@@ -34293,13 +34059,7 @@
                               <a:lumMod val="50000"/>
                             </a:schemeClr>
                           </a:solidFill>
-                          <a:effectLst>
-                            <a:outerShdw blurRad="38100" dist="38100" dir="2700000" algn="tl">
-                              <a:srgbClr val="000000">
-                                <a:alpha val="43137"/>
-                              </a:srgbClr>
-                            </a:outerShdw>
-                          </a:effectLst>
+                          <a:effectLst/>
                         </a:rPr>
                         <a:t>840 000</a:t>
                       </a:r>
@@ -34989,13 +34749,13 @@
   <p:clrMapOvr>
     <a:masterClrMapping/>
   </p:clrMapOvr>
-  <mc:AlternateContent xmlns:mc="http://schemas.openxmlformats.org/markup-compatibility/2006">
-    <mc:Choice xmlns:p159="http://schemas.microsoft.com/office/powerpoint/2015/09/main" Requires="p159">
+  <mc:AlternateContent xmlns:mc="http://schemas.openxmlformats.org/markup-compatibility/2006" xmlns:p159="http://schemas.microsoft.com/office/powerpoint/2015/09/main">
+    <mc:Choice Requires="p159">
       <p:transition>
         <p159:morph option="byObject"/>
       </p:transition>
     </mc:Choice>
-    <mc:Fallback>
+    <mc:Fallback xmlns="">
       <p:transition>
         <p:fade/>
       </p:transition>
@@ -36314,13 +36074,13 @@
   <p:clrMapOvr>
     <a:masterClrMapping/>
   </p:clrMapOvr>
-  <mc:AlternateContent xmlns:mc="http://schemas.openxmlformats.org/markup-compatibility/2006">
-    <mc:Choice xmlns:p159="http://schemas.microsoft.com/office/powerpoint/2015/09/main" Requires="p159">
+  <mc:AlternateContent xmlns:mc="http://schemas.openxmlformats.org/markup-compatibility/2006" xmlns:p159="http://schemas.microsoft.com/office/powerpoint/2015/09/main">
+    <mc:Choice Requires="p159">
       <p:transition>
         <p159:morph option="byObject"/>
       </p:transition>
     </mc:Choice>
-    <mc:Fallback>
+    <mc:Fallback xmlns="">
       <p:transition>
         <p:fade/>
       </p:transition>
@@ -37353,13 +37113,13 @@
   <p:clrMapOvr>
     <a:masterClrMapping/>
   </p:clrMapOvr>
-  <mc:AlternateContent xmlns:mc="http://schemas.openxmlformats.org/markup-compatibility/2006">
-    <mc:Choice xmlns:p159="http://schemas.microsoft.com/office/powerpoint/2015/09/main" Requires="p159">
+  <mc:AlternateContent xmlns:mc="http://schemas.openxmlformats.org/markup-compatibility/2006" xmlns:p159="http://schemas.microsoft.com/office/powerpoint/2015/09/main">
+    <mc:Choice Requires="p159">
       <p:transition>
         <p159:morph option="byObject"/>
       </p:transition>
     </mc:Choice>
-    <mc:Fallback>
+    <mc:Fallback xmlns="">
       <p:transition>
         <p:fade/>
       </p:transition>
@@ -38328,13 +38088,13 @@
   <p:clrMapOvr>
     <a:masterClrMapping/>
   </p:clrMapOvr>
-  <mc:AlternateContent xmlns:mc="http://schemas.openxmlformats.org/markup-compatibility/2006">
-    <mc:Choice xmlns:p159="http://schemas.microsoft.com/office/powerpoint/2015/09/main" Requires="p159">
+  <mc:AlternateContent xmlns:mc="http://schemas.openxmlformats.org/markup-compatibility/2006" xmlns:p159="http://schemas.microsoft.com/office/powerpoint/2015/09/main">
+    <mc:Choice Requires="p159">
       <p:transition>
         <p159:morph option="byObject"/>
       </p:transition>
     </mc:Choice>
-    <mc:Fallback>
+    <mc:Fallback xmlns="">
       <p:transition>
         <p:fade/>
       </p:transition>
@@ -39632,13 +39392,13 @@
   <p:clrMapOvr>
     <a:masterClrMapping/>
   </p:clrMapOvr>
-  <mc:AlternateContent xmlns:mc="http://schemas.openxmlformats.org/markup-compatibility/2006">
-    <mc:Choice xmlns:p159="http://schemas.microsoft.com/office/powerpoint/2015/09/main" Requires="p159">
+  <mc:AlternateContent xmlns:mc="http://schemas.openxmlformats.org/markup-compatibility/2006" xmlns:p159="http://schemas.microsoft.com/office/powerpoint/2015/09/main">
+    <mc:Choice Requires="p159">
       <p:transition>
         <p159:morph option="byObject"/>
       </p:transition>
     </mc:Choice>
-    <mc:Fallback>
+    <mc:Fallback xmlns="">
       <p:transition>
         <p:fade/>
       </p:transition>
@@ -40451,13 +40211,13 @@
   <p:clrMapOvr>
     <a:masterClrMapping/>
   </p:clrMapOvr>
-  <mc:AlternateContent xmlns:mc="http://schemas.openxmlformats.org/markup-compatibility/2006">
-    <mc:Choice xmlns:p159="http://schemas.microsoft.com/office/powerpoint/2015/09/main" Requires="p159">
+  <mc:AlternateContent xmlns:mc="http://schemas.openxmlformats.org/markup-compatibility/2006" xmlns:p159="http://schemas.microsoft.com/office/powerpoint/2015/09/main">
+    <mc:Choice Requires="p159">
       <p:transition>
         <p159:morph option="byObject"/>
       </p:transition>
     </mc:Choice>
-    <mc:Fallback>
+    <mc:Fallback xmlns="">
       <p:transition>
         <p:fade/>
       </p:transition>
@@ -41458,13 +41218,13 @@
   <p:clrMapOvr>
     <a:masterClrMapping/>
   </p:clrMapOvr>
-  <mc:AlternateContent xmlns:mc="http://schemas.openxmlformats.org/markup-compatibility/2006">
-    <mc:Choice xmlns:p159="http://schemas.microsoft.com/office/powerpoint/2015/09/main" Requires="p159">
+  <mc:AlternateContent xmlns:mc="http://schemas.openxmlformats.org/markup-compatibility/2006" xmlns:p159="http://schemas.microsoft.com/office/powerpoint/2015/09/main">
+    <mc:Choice Requires="p159">
       <p:transition>
         <p159:morph option="byObject"/>
       </p:transition>
     </mc:Choice>
-    <mc:Fallback>
+    <mc:Fallback xmlns="">
       <p:transition>
         <p:fade/>
       </p:transition>
@@ -42512,13 +42272,13 @@
   <p:clrMapOvr>
     <a:masterClrMapping/>
   </p:clrMapOvr>
-  <mc:AlternateContent xmlns:mc="http://schemas.openxmlformats.org/markup-compatibility/2006">
-    <mc:Choice xmlns:p159="http://schemas.microsoft.com/office/powerpoint/2015/09/main" Requires="p159">
+  <mc:AlternateContent xmlns:mc="http://schemas.openxmlformats.org/markup-compatibility/2006" xmlns:p159="http://schemas.microsoft.com/office/powerpoint/2015/09/main">
+    <mc:Choice Requires="p159">
       <p:transition>
         <p159:morph option="byObject"/>
       </p:transition>
     </mc:Choice>
-    <mc:Fallback>
+    <mc:Fallback xmlns="">
       <p:transition>
         <p:fade/>
       </p:transition>
@@ -45191,13 +44951,13 @@
   <p:clrMapOvr>
     <a:masterClrMapping/>
   </p:clrMapOvr>
-  <mc:AlternateContent xmlns:mc="http://schemas.openxmlformats.org/markup-compatibility/2006">
-    <mc:Choice xmlns:p159="http://schemas.microsoft.com/office/powerpoint/2015/09/main" Requires="p159">
+  <mc:AlternateContent xmlns:mc="http://schemas.openxmlformats.org/markup-compatibility/2006" xmlns:p159="http://schemas.microsoft.com/office/powerpoint/2015/09/main">
+    <mc:Choice Requires="p159">
       <p:transition>
         <p159:morph option="byObject"/>
       </p:transition>
     </mc:Choice>
-    <mc:Fallback>
+    <mc:Fallback xmlns="">
       <p:transition>
         <p:fade/>
       </p:transition>
@@ -46429,13 +46189,13 @@
   <p:clrMapOvr>
     <a:masterClrMapping/>
   </p:clrMapOvr>
-  <mc:AlternateContent xmlns:mc="http://schemas.openxmlformats.org/markup-compatibility/2006">
-    <mc:Choice xmlns:p159="http://schemas.microsoft.com/office/powerpoint/2015/09/main" Requires="p159">
+  <mc:AlternateContent xmlns:mc="http://schemas.openxmlformats.org/markup-compatibility/2006" xmlns:p159="http://schemas.microsoft.com/office/powerpoint/2015/09/main">
+    <mc:Choice Requires="p159">
       <p:transition>
         <p159:morph option="byObject"/>
       </p:transition>
     </mc:Choice>
-    <mc:Fallback>
+    <mc:Fallback xmlns="">
       <p:transition>
         <p:fade/>
       </p:transition>
@@ -48000,13 +47760,13 @@
   <p:clrMapOvr>
     <a:masterClrMapping/>
   </p:clrMapOvr>
-  <mc:AlternateContent xmlns:mc="http://schemas.openxmlformats.org/markup-compatibility/2006">
-    <mc:Choice xmlns:p159="http://schemas.microsoft.com/office/powerpoint/2015/09/main" Requires="p159">
+  <mc:AlternateContent xmlns:mc="http://schemas.openxmlformats.org/markup-compatibility/2006" xmlns:p159="http://schemas.microsoft.com/office/powerpoint/2015/09/main">
+    <mc:Choice Requires="p159">
       <p:transition>
         <p159:morph option="byObject"/>
       </p:transition>
     </mc:Choice>
-    <mc:Fallback>
+    <mc:Fallback xmlns="">
       <p:transition>
         <p:fade/>
       </p:transition>
@@ -49200,13 +48960,13 @@
   <p:clrMapOvr>
     <a:masterClrMapping/>
   </p:clrMapOvr>
-  <mc:AlternateContent xmlns:mc="http://schemas.openxmlformats.org/markup-compatibility/2006">
-    <mc:Choice xmlns:p159="http://schemas.microsoft.com/office/powerpoint/2015/09/main" Requires="p159">
+  <mc:AlternateContent xmlns:mc="http://schemas.openxmlformats.org/markup-compatibility/2006" xmlns:p159="http://schemas.microsoft.com/office/powerpoint/2015/09/main">
+    <mc:Choice Requires="p159">
       <p:transition>
         <p159:morph option="byObject"/>
       </p:transition>
     </mc:Choice>
-    <mc:Fallback>
+    <mc:Fallback xmlns="">
       <p:transition>
         <p:fade/>
       </p:transition>
@@ -51485,13 +51245,13 @@
   <p:clrMapOvr>
     <a:masterClrMapping/>
   </p:clrMapOvr>
-  <mc:AlternateContent xmlns:mc="http://schemas.openxmlformats.org/markup-compatibility/2006">
-    <mc:Choice xmlns:p159="http://schemas.microsoft.com/office/powerpoint/2015/09/main" Requires="p159">
+  <mc:AlternateContent xmlns:mc="http://schemas.openxmlformats.org/markup-compatibility/2006" xmlns:p159="http://schemas.microsoft.com/office/powerpoint/2015/09/main">
+    <mc:Choice Requires="p159">
       <p:transition>
         <p159:morph option="byObject"/>
       </p:transition>
     </mc:Choice>
-    <mc:Fallback>
+    <mc:Fallback xmlns="">
       <p:transition>
         <p:fade/>
       </p:transition>

--- a/Documents/Презентация диплома Семенов Е.А. БПЦ 21-01.pptx
+++ b/Documents/Презентация диплома Семенов Е.А. БПЦ 21-01.pptx
@@ -42947,13 +42947,13 @@
           <p:nvPr>
             <p:extLst>
               <p:ext uri="{D42A27DB-BD31-4B8C-83A1-F6EECF244321}">
-                <p14:modId xmlns:p14="http://schemas.microsoft.com/office/powerpoint/2010/main" val="1941713492"/>
+                <p14:modId xmlns:p14="http://schemas.microsoft.com/office/powerpoint/2010/main" val="3588072346"/>
               </p:ext>
             </p:extLst>
           </p:nvPr>
         </p:nvGraphicFramePr>
         <p:xfrm>
-          <a:off x="681037" y="1089271"/>
+          <a:off x="558233" y="1089271"/>
           <a:ext cx="8789534" cy="5130554"/>
         </p:xfrm>
         <a:graphic>
@@ -43023,7 +43023,7 @@
                       </a:r>
                     </a:p>
                   </a:txBody>
-                  <a:tcPr marR="95250" marT="95250" marB="95250" anchor="ctr">
+                  <a:tcPr marL="108000" marR="95250" marT="95250" marB="95250" anchor="ctr">
                     <a:lnL w="12700" cap="flat" cmpd="sng" algn="ctr">
                       <a:solidFill>
                         <a:schemeClr val="bg1"/>
@@ -43085,7 +43085,7 @@
                       </a:r>
                     </a:p>
                   </a:txBody>
-                  <a:tcPr marL="95250" marR="95250" marT="95250" marB="95250" anchor="ctr">
+                  <a:tcPr marL="108000" marR="95250" marT="95250" marB="95250" anchor="ctr">
                     <a:lnL w="12700" cap="flat" cmpd="sng" algn="ctr">
                       <a:solidFill>
                         <a:schemeClr val="bg1"/>
@@ -43147,7 +43147,7 @@
                       </a:r>
                     </a:p>
                   </a:txBody>
-                  <a:tcPr marL="95250" marR="95250" marT="95250" marB="95250" anchor="ctr">
+                  <a:tcPr marL="108000" marR="95250" marT="95250" marB="95250" anchor="ctr">
                     <a:lnL w="12700" cap="flat" cmpd="sng" algn="ctr">
                       <a:solidFill>
                         <a:schemeClr val="bg1"/>
@@ -43209,7 +43209,7 @@
                       </a:r>
                     </a:p>
                   </a:txBody>
-                  <a:tcPr marL="95250" marR="95250" marT="95250" marB="95250" anchor="ctr">
+                  <a:tcPr marL="108000" marR="95250" marT="95250" marB="95250" anchor="ctr">
                     <a:lnL w="12700" cap="flat" cmpd="sng" algn="ctr">
                       <a:solidFill>
                         <a:schemeClr val="bg1"/>
@@ -43271,7 +43271,7 @@
                       </a:r>
                     </a:p>
                   </a:txBody>
-                  <a:tcPr marL="95250" marR="95250" marT="95250" marB="95250" anchor="ctr">
+                  <a:tcPr marL="108000" marR="95250" marT="95250" marB="95250" anchor="ctr">
                     <a:lnL w="12700" cap="flat" cmpd="sng" algn="ctr">
                       <a:solidFill>
                         <a:schemeClr val="bg1"/>
@@ -43340,7 +43340,7 @@
                       </a:r>
                     </a:p>
                   </a:txBody>
-                  <a:tcPr marR="95250" marT="95250" marB="95250" anchor="ctr">
+                  <a:tcPr marL="108000" marR="95250" marT="95250" marB="95250" anchor="ctr">
                     <a:lnL w="12700" cap="flat" cmpd="sng" algn="ctr">
                       <a:solidFill>
                         <a:schemeClr val="bg1"/>
@@ -43384,7 +43384,10 @@
                     <a:bodyPr/>
                     <a:lstStyle/>
                     <a:p>
-                      <a:pPr algn="l"/>
+                      <a:pPr marL="0" indent="0" algn="l">
+                        <a:buFont typeface="+mj-lt"/>
+                        <a:buNone/>
+                      </a:pPr>
                       <a:r>
                         <a:rPr lang="ru-RU" sz="1400" b="0" i="0" u="none" dirty="0">
                           <a:solidFill>
@@ -43400,11 +43403,11 @@
                             </a:outerShdw>
                           </a:effectLst>
                         </a:rPr>
-                        <a:t>• Стройплощадка • Пульс Цен</a:t>
+                        <a:t>Стройплощадка, Пульс Цен</a:t>
                       </a:r>
                     </a:p>
                   </a:txBody>
-                  <a:tcPr marL="95250" marR="95250" marT="95250" marB="95250" anchor="ctr">
+                  <a:tcPr marL="108000" marR="95250" marT="95250" marB="95250" anchor="ctr">
                     <a:lnL w="12700" cap="flat" cmpd="sng" algn="ctr">
                       <a:solidFill>
                         <a:schemeClr val="bg1"/>
@@ -43456,7 +43459,7 @@
                     <a:p>
                       <a:pPr algn="l"/>
                       <a:r>
-                        <a:rPr lang="ru-RU" sz="1400" b="0" i="0" u="none" dirty="0">
+                        <a:rPr lang="ru-RU" sz="1400" b="0" i="0" u="none">
                           <a:solidFill>
                             <a:schemeClr val="accent1">
                               <a:lumMod val="50000"/>
@@ -43470,10 +43473,10 @@
                             </a:outerShdw>
                           </a:effectLst>
                         </a:rPr>
-                        <a:t>• Готовые базы данных</a:t>
+                        <a:t>Готовые базы данных,</a:t>
                       </a:r>
                       <a:br>
-                        <a:rPr lang="ru-RU" sz="1400" b="0" i="0" u="none" dirty="0">
+                        <a:rPr lang="ru-RU" sz="1400" b="0" i="0" u="none">
                           <a:solidFill>
                             <a:schemeClr val="accent1">
                               <a:lumMod val="50000"/>
@@ -43489,6 +43492,23 @@
                         </a:rPr>
                       </a:br>
                       <a:r>
+                        <a:rPr lang="ru-RU" sz="1400" b="0" i="0" u="none">
+                          <a:solidFill>
+                            <a:schemeClr val="accent1">
+                              <a:lumMod val="50000"/>
+                            </a:schemeClr>
+                          </a:solidFill>
+                          <a:effectLst>
+                            <a:outerShdw blurRad="38100" dist="38100" dir="2700000" algn="tl">
+                              <a:srgbClr val="000000">
+                                <a:alpha val="43137"/>
+                              </a:srgbClr>
+                            </a:outerShdw>
+                          </a:effectLst>
+                        </a:rPr>
+                        <a:t>Удобный </a:t>
+                      </a:r>
+                      <a:r>
                         <a:rPr lang="ru-RU" sz="1400" b="0" i="0" u="none" dirty="0">
                           <a:solidFill>
                             <a:schemeClr val="accent1">
@@ -43503,11 +43523,11 @@
                             </a:outerShdw>
                           </a:effectLst>
                         </a:rPr>
-                        <a:t>• Удобный интерфейс</a:t>
+                        <a:t>интерфейс</a:t>
                       </a:r>
                     </a:p>
                   </a:txBody>
-                  <a:tcPr marL="95250" marR="95250" marT="95250" marB="95250" anchor="ctr">
+                  <a:tcPr marL="108000" marR="95250" marT="95250" marB="95250" anchor="ctr">
                     <a:lnL w="12700" cap="flat" cmpd="sng" algn="ctr">
                       <a:solidFill>
                         <a:schemeClr val="bg1"/>
@@ -43610,7 +43630,7 @@
                       </a:r>
                     </a:p>
                   </a:txBody>
-                  <a:tcPr marL="95250" marR="95250" marT="95250" marB="95250" anchor="ctr">
+                  <a:tcPr marL="108000" marR="95250" marT="95250" marB="95250" anchor="ctr">
                     <a:lnL w="12700" cap="flat" cmpd="sng" algn="ctr">
                       <a:solidFill>
                         <a:schemeClr val="bg1"/>
@@ -43713,7 +43733,7 @@
                       </a:r>
                     </a:p>
                   </a:txBody>
-                  <a:tcPr marL="95250" marR="95250" marT="95250" marB="95250" anchor="ctr">
+                  <a:tcPr marL="108000" marR="95250" marT="95250" marB="95250" anchor="ctr">
                     <a:lnL w="12700" cap="flat" cmpd="sng" algn="ctr">
                       <a:solidFill>
                         <a:schemeClr val="bg1"/>
@@ -43818,7 +43838,7 @@
                       </a:r>
                     </a:p>
                   </a:txBody>
-                  <a:tcPr marR="95250" marT="95250" marB="95250" anchor="ctr">
+                  <a:tcPr marL="108000" marR="95250" marT="95250" marB="95250" anchor="ctr">
                     <a:lnL w="12700" cap="flat" cmpd="sng" algn="ctr">
                       <a:solidFill>
                         <a:schemeClr val="bg1"/>
@@ -43984,7 +44004,7 @@
                       </a:endParaRPr>
                     </a:p>
                   </a:txBody>
-                  <a:tcPr marL="95250" marR="95250" marT="95250" marB="95250" anchor="ctr">
+                  <a:tcPr marL="108000" marR="95250" marT="95250" marB="95250" anchor="ctr">
                     <a:lnL w="12700" cap="flat" cmpd="sng" algn="ctr">
                       <a:solidFill>
                         <a:schemeClr val="bg1"/>
@@ -44087,7 +44107,7 @@
                       </a:r>
                     </a:p>
                   </a:txBody>
-                  <a:tcPr marL="95250" marR="95250" marT="95250" marB="95250" anchor="ctr">
+                  <a:tcPr marL="108000" marR="95250" marT="95250" marB="95250" anchor="ctr">
                     <a:lnL w="12700" cap="flat" cmpd="sng" algn="ctr">
                       <a:solidFill>
                         <a:schemeClr val="bg1"/>
@@ -44190,7 +44210,7 @@
                       </a:r>
                     </a:p>
                   </a:txBody>
-                  <a:tcPr marL="95250" marR="95250" marT="95250" marB="95250" anchor="ctr">
+                  <a:tcPr marL="108000" marR="95250" marT="95250" marB="95250" anchor="ctr">
                     <a:lnL w="12700" cap="flat" cmpd="sng" algn="ctr">
                       <a:solidFill>
                         <a:schemeClr val="bg1"/>
@@ -44293,7 +44313,7 @@
                       </a:r>
                     </a:p>
                   </a:txBody>
-                  <a:tcPr marL="95250" marR="95250" marT="95250" marB="95250" anchor="ctr">
+                  <a:tcPr marL="108000" marR="95250" marT="95250" marB="95250" anchor="ctr">
                     <a:lnL w="12700" cap="flat" cmpd="sng" algn="ctr">
                       <a:solidFill>
                         <a:schemeClr val="bg1"/>
@@ -44368,7 +44388,7 @@
                       </a:r>
                     </a:p>
                   </a:txBody>
-                  <a:tcPr marR="95250" marT="95250" marB="95250" anchor="ctr">
+                  <a:tcPr marL="108000" marR="95250" marT="95250" marB="95250" anchor="ctr">
                     <a:lnL w="12700" cap="flat" cmpd="sng" algn="ctr">
                       <a:solidFill>
                         <a:schemeClr val="bg1"/>
@@ -44582,7 +44602,7 @@
                       </a:endParaRPr>
                     </a:p>
                   </a:txBody>
-                  <a:tcPr marL="95250" marR="95250" marT="95250" marB="95250" anchor="ctr">
+                  <a:tcPr marL="108000" marR="95250" marT="95250" marB="95250" anchor="ctr">
                     <a:lnL w="12700" cap="flat" cmpd="sng" algn="ctr">
                       <a:solidFill>
                         <a:schemeClr val="bg1"/>
@@ -44685,7 +44705,7 @@
                       </a:r>
                     </a:p>
                   </a:txBody>
-                  <a:tcPr marL="95250" marR="95250" marT="95250" marB="95250" anchor="ctr">
+                  <a:tcPr marL="108000" marR="95250" marT="95250" marB="95250" anchor="ctr">
                     <a:lnL w="12700" cap="flat" cmpd="sng" algn="ctr">
                       <a:solidFill>
                         <a:schemeClr val="bg1"/>
@@ -44788,7 +44808,7 @@
                       </a:r>
                     </a:p>
                   </a:txBody>
-                  <a:tcPr marL="95250" marR="95250" marT="95250" marB="95250" anchor="ctr">
+                  <a:tcPr marL="108000" marR="95250" marT="95250" marB="95250" anchor="ctr">
                     <a:lnL w="12700" cap="flat" cmpd="sng" algn="ctr">
                       <a:solidFill>
                         <a:schemeClr val="bg1"/>
@@ -44891,7 +44911,7 @@
                       </a:r>
                     </a:p>
                   </a:txBody>
-                  <a:tcPr marL="95250" marR="95250" marT="95250" marB="95250" anchor="ctr">
+                  <a:tcPr marL="108000" marR="95250" marT="95250" marB="95250" anchor="ctr">
                     <a:lnL w="12700" cap="flat" cmpd="sng" algn="ctr">
                       <a:solidFill>
                         <a:schemeClr val="bg1"/>

--- a/Documents/Презентация диплома Семенов Е.А. БПЦ 21-01.pptx
+++ b/Documents/Презентация диплома Семенов Е.А. БПЦ 21-01.pptx
@@ -20443,13 +20443,13 @@
   <p:clrMapOvr>
     <a:masterClrMapping/>
   </p:clrMapOvr>
-  <mc:AlternateContent xmlns:mc="http://schemas.openxmlformats.org/markup-compatibility/2006" xmlns:p159="http://schemas.microsoft.com/office/powerpoint/2015/09/main">
-    <mc:Choice Requires="p159">
+  <mc:AlternateContent xmlns:mc="http://schemas.openxmlformats.org/markup-compatibility/2006">
+    <mc:Choice xmlns:p159="http://schemas.microsoft.com/office/powerpoint/2015/09/main" xmlns="" Requires="p159">
       <p:transition>
         <p159:morph option="byObject"/>
       </p:transition>
     </mc:Choice>
-    <mc:Fallback xmlns="">
+    <mc:Fallback>
       <p:transition>
         <p:fade/>
       </p:transition>
@@ -21360,13 +21360,13 @@
   <p:clrMapOvr>
     <a:masterClrMapping/>
   </p:clrMapOvr>
-  <mc:AlternateContent xmlns:mc="http://schemas.openxmlformats.org/markup-compatibility/2006" xmlns:p159="http://schemas.microsoft.com/office/powerpoint/2015/09/main">
-    <mc:Choice Requires="p159">
+  <mc:AlternateContent xmlns:mc="http://schemas.openxmlformats.org/markup-compatibility/2006">
+    <mc:Choice xmlns:p159="http://schemas.microsoft.com/office/powerpoint/2015/09/main" xmlns="" Requires="p159">
       <p:transition>
         <p159:morph option="byObject"/>
       </p:transition>
     </mc:Choice>
-    <mc:Fallback xmlns="">
+    <mc:Fallback>
       <p:transition>
         <p:fade/>
       </p:transition>
@@ -22608,13 +22608,13 @@
   <p:clrMapOvr>
     <a:masterClrMapping/>
   </p:clrMapOvr>
-  <mc:AlternateContent xmlns:mc="http://schemas.openxmlformats.org/markup-compatibility/2006" xmlns:p159="http://schemas.microsoft.com/office/powerpoint/2015/09/main">
-    <mc:Choice Requires="p159">
+  <mc:AlternateContent xmlns:mc="http://schemas.openxmlformats.org/markup-compatibility/2006">
+    <mc:Choice xmlns:p159="http://schemas.microsoft.com/office/powerpoint/2015/09/main" xmlns="" Requires="p159">
       <p:transition>
         <p159:morph option="byObject"/>
       </p:transition>
     </mc:Choice>
-    <mc:Fallback xmlns="">
+    <mc:Fallback>
       <p:transition>
         <p:fade/>
       </p:transition>
@@ -23369,6 +23369,10 @@
             <a:pPr algn="ctr">
               <a:defRPr/>
             </a:pPr>
+            <a:r>
+              <a:rPr lang="ru-RU" dirty="0"/>
+              <a:t/>
+            </a:r>
             <a:br>
               <a:rPr lang="ru-RU" dirty="0"/>
             </a:br>
@@ -23632,13 +23636,13 @@
   <p:clrMapOvr>
     <a:masterClrMapping/>
   </p:clrMapOvr>
-  <mc:AlternateContent xmlns:mc="http://schemas.openxmlformats.org/markup-compatibility/2006" xmlns:p159="http://schemas.microsoft.com/office/powerpoint/2015/09/main">
-    <mc:Choice Requires="p159">
+  <mc:AlternateContent xmlns:mc="http://schemas.openxmlformats.org/markup-compatibility/2006">
+    <mc:Choice xmlns:p159="http://schemas.microsoft.com/office/powerpoint/2015/09/main" xmlns="" Requires="p159">
       <p:transition>
         <p159:morph option="byObject"/>
       </p:transition>
     </mc:Choice>
-    <mc:Fallback xmlns="">
+    <mc:Fallback>
       <p:transition>
         <p:fade/>
       </p:transition>
@@ -24674,13 +24678,13 @@
   <p:clrMapOvr>
     <a:masterClrMapping/>
   </p:clrMapOvr>
-  <mc:AlternateContent xmlns:mc="http://schemas.openxmlformats.org/markup-compatibility/2006" xmlns:p159="http://schemas.microsoft.com/office/powerpoint/2015/09/main">
-    <mc:Choice Requires="p159">
+  <mc:AlternateContent xmlns:mc="http://schemas.openxmlformats.org/markup-compatibility/2006">
+    <mc:Choice xmlns:p159="http://schemas.microsoft.com/office/powerpoint/2015/09/main" xmlns="" Requires="p159">
       <p:transition>
         <p159:morph option="byObject"/>
       </p:transition>
     </mc:Choice>
-    <mc:Fallback xmlns="">
+    <mc:Fallback>
       <p:transition>
         <p:fade/>
       </p:transition>
@@ -26006,13 +26010,13 @@
   <p:clrMapOvr>
     <a:masterClrMapping/>
   </p:clrMapOvr>
-  <mc:AlternateContent xmlns:mc="http://schemas.openxmlformats.org/markup-compatibility/2006" xmlns:p159="http://schemas.microsoft.com/office/powerpoint/2015/09/main">
-    <mc:Choice Requires="p159">
+  <mc:AlternateContent xmlns:mc="http://schemas.openxmlformats.org/markup-compatibility/2006">
+    <mc:Choice xmlns:p159="http://schemas.microsoft.com/office/powerpoint/2015/09/main" xmlns="" Requires="p159">
       <p:transition>
         <p159:morph option="byObject"/>
       </p:transition>
     </mc:Choice>
-    <mc:Fallback xmlns="">
+    <mc:Fallback>
       <p:transition>
         <p:fade/>
       </p:transition>
@@ -27025,13 +27029,13 @@
   <p:clrMapOvr>
     <a:masterClrMapping/>
   </p:clrMapOvr>
-  <mc:AlternateContent xmlns:mc="http://schemas.openxmlformats.org/markup-compatibility/2006" xmlns:p159="http://schemas.microsoft.com/office/powerpoint/2015/09/main">
-    <mc:Choice Requires="p159">
+  <mc:AlternateContent xmlns:mc="http://schemas.openxmlformats.org/markup-compatibility/2006">
+    <mc:Choice xmlns:p159="http://schemas.microsoft.com/office/powerpoint/2015/09/main" xmlns="" Requires="p159">
       <p:transition>
         <p159:morph option="byObject"/>
       </p:transition>
     </mc:Choice>
-    <mc:Fallback xmlns="">
+    <mc:Fallback>
       <p:transition>
         <p:fade/>
       </p:transition>
@@ -28222,13 +28226,13 @@
   <p:clrMapOvr>
     <a:masterClrMapping/>
   </p:clrMapOvr>
-  <mc:AlternateContent xmlns:mc="http://schemas.openxmlformats.org/markup-compatibility/2006" xmlns:p159="http://schemas.microsoft.com/office/powerpoint/2015/09/main">
-    <mc:Choice Requires="p159">
+  <mc:AlternateContent xmlns:mc="http://schemas.openxmlformats.org/markup-compatibility/2006">
+    <mc:Choice xmlns:p159="http://schemas.microsoft.com/office/powerpoint/2015/09/main" xmlns="" Requires="p159">
       <p:transition>
         <p159:morph option="byObject"/>
       </p:transition>
     </mc:Choice>
-    <mc:Fallback xmlns="">
+    <mc:Fallback>
       <p:transition>
         <p:fade/>
       </p:transition>
@@ -29431,7 +29435,7 @@
               <a:buChar char="•"/>
             </a:pPr>
             <a:r>
-              <a:rPr lang="ru-RU" b="1" i="0" dirty="0">
+              <a:rPr lang="ru-RU" i="0" dirty="0">
                 <a:solidFill>
                   <a:schemeClr val="accent1">
                     <a:lumMod val="50000"/>
@@ -29443,7 +29447,7 @@
               <a:t>Сохранение данных</a:t>
             </a:r>
             <a:r>
-              <a:rPr lang="ru-RU" b="1" dirty="0">
+              <a:rPr lang="ru-RU" dirty="0">
                 <a:solidFill>
                   <a:schemeClr val="accent1">
                     <a:lumMod val="50000"/>
@@ -29453,7 +29457,7 @@
               </a:rPr>
               <a:t>.</a:t>
             </a:r>
-            <a:endParaRPr lang="ru-RU" b="0" i="0" dirty="0">
+            <a:endParaRPr lang="ru-RU" i="0" dirty="0">
               <a:solidFill>
                 <a:schemeClr val="accent1">
                   <a:lumMod val="50000"/>
@@ -30984,13 +30988,13 @@
   <p:clrMapOvr>
     <a:masterClrMapping/>
   </p:clrMapOvr>
-  <mc:AlternateContent xmlns:mc="http://schemas.openxmlformats.org/markup-compatibility/2006" xmlns:p159="http://schemas.microsoft.com/office/powerpoint/2015/09/main">
-    <mc:Choice Requires="p159">
+  <mc:AlternateContent xmlns:mc="http://schemas.openxmlformats.org/markup-compatibility/2006">
+    <mc:Choice xmlns:p159="http://schemas.microsoft.com/office/powerpoint/2015/09/main" xmlns="" Requires="p159">
       <p:transition>
         <p159:morph option="byObject"/>
       </p:transition>
     </mc:Choice>
-    <mc:Fallback xmlns="">
+    <mc:Fallback>
       <p:transition>
         <p:fade/>
       </p:transition>
@@ -34209,13 +34213,13 @@
   <p:clrMapOvr>
     <a:masterClrMapping/>
   </p:clrMapOvr>
-  <mc:AlternateContent xmlns:mc="http://schemas.openxmlformats.org/markup-compatibility/2006" xmlns:p159="http://schemas.microsoft.com/office/powerpoint/2015/09/main">
-    <mc:Choice Requires="p159">
+  <mc:AlternateContent xmlns:mc="http://schemas.openxmlformats.org/markup-compatibility/2006">
+    <mc:Choice xmlns:p159="http://schemas.microsoft.com/office/powerpoint/2015/09/main" xmlns="" Requires="p159">
       <p:transition>
         <p159:morph option="byObject"/>
       </p:transition>
     </mc:Choice>
-    <mc:Fallback xmlns="">
+    <mc:Fallback>
       <p:transition>
         <p:fade/>
       </p:transition>
@@ -35362,13 +35366,13 @@
   <p:clrMapOvr>
     <a:masterClrMapping/>
   </p:clrMapOvr>
-  <mc:AlternateContent xmlns:mc="http://schemas.openxmlformats.org/markup-compatibility/2006" xmlns:p159="http://schemas.microsoft.com/office/powerpoint/2015/09/main">
-    <mc:Choice Requires="p159">
+  <mc:AlternateContent xmlns:mc="http://schemas.openxmlformats.org/markup-compatibility/2006">
+    <mc:Choice xmlns:p159="http://schemas.microsoft.com/office/powerpoint/2015/09/main" xmlns="" Requires="p159">
       <p:transition>
         <p159:morph option="byObject"/>
       </p:transition>
     </mc:Choice>
-    <mc:Fallback xmlns="">
+    <mc:Fallback>
       <p:transition>
         <p:fade/>
       </p:transition>
@@ -36428,13 +36432,13 @@
   <p:clrMapOvr>
     <a:masterClrMapping/>
   </p:clrMapOvr>
-  <mc:AlternateContent xmlns:mc="http://schemas.openxmlformats.org/markup-compatibility/2006" xmlns:p159="http://schemas.microsoft.com/office/powerpoint/2015/09/main">
-    <mc:Choice Requires="p159">
+  <mc:AlternateContent xmlns:mc="http://schemas.openxmlformats.org/markup-compatibility/2006">
+    <mc:Choice xmlns:p159="http://schemas.microsoft.com/office/powerpoint/2015/09/main" xmlns="" Requires="p159">
       <p:transition>
         <p159:morph option="byObject"/>
       </p:transition>
     </mc:Choice>
-    <mc:Fallback xmlns="">
+    <mc:Fallback>
       <p:transition>
         <p:fade/>
       </p:transition>
@@ -37376,13 +37380,13 @@
   <p:clrMapOvr>
     <a:masterClrMapping/>
   </p:clrMapOvr>
-  <mc:AlternateContent xmlns:mc="http://schemas.openxmlformats.org/markup-compatibility/2006" xmlns:p159="http://schemas.microsoft.com/office/powerpoint/2015/09/main">
-    <mc:Choice Requires="p159">
+  <mc:AlternateContent xmlns:mc="http://schemas.openxmlformats.org/markup-compatibility/2006">
+    <mc:Choice xmlns:p159="http://schemas.microsoft.com/office/powerpoint/2015/09/main" xmlns="" Requires="p159">
       <p:transition>
         <p159:morph option="byObject"/>
       </p:transition>
     </mc:Choice>
-    <mc:Fallback xmlns="">
+    <mc:Fallback>
       <p:transition>
         <p:fade/>
       </p:transition>
@@ -38334,13 +38338,13 @@
   <p:clrMapOvr>
     <a:masterClrMapping/>
   </p:clrMapOvr>
-  <mc:AlternateContent xmlns:mc="http://schemas.openxmlformats.org/markup-compatibility/2006" xmlns:p159="http://schemas.microsoft.com/office/powerpoint/2015/09/main">
-    <mc:Choice Requires="p159">
+  <mc:AlternateContent xmlns:mc="http://schemas.openxmlformats.org/markup-compatibility/2006">
+    <mc:Choice xmlns:p159="http://schemas.microsoft.com/office/powerpoint/2015/09/main" xmlns="" Requires="p159">
       <p:transition>
         <p159:morph option="byObject"/>
       </p:transition>
     </mc:Choice>
-    <mc:Fallback xmlns="">
+    <mc:Fallback>
       <p:transition>
         <p:fade/>
       </p:transition>
@@ -39153,13 +39157,13 @@
   <p:clrMapOvr>
     <a:masterClrMapping/>
   </p:clrMapOvr>
-  <mc:AlternateContent xmlns:mc="http://schemas.openxmlformats.org/markup-compatibility/2006" xmlns:p159="http://schemas.microsoft.com/office/powerpoint/2015/09/main">
-    <mc:Choice Requires="p159">
+  <mc:AlternateContent xmlns:mc="http://schemas.openxmlformats.org/markup-compatibility/2006">
+    <mc:Choice xmlns:p159="http://schemas.microsoft.com/office/powerpoint/2015/09/main" xmlns="" Requires="p159">
       <p:transition>
         <p159:morph option="byObject"/>
       </p:transition>
     </mc:Choice>
-    <mc:Fallback xmlns="">
+    <mc:Fallback>
       <p:transition>
         <p:fade/>
       </p:transition>
@@ -40097,13 +40101,13 @@
   <p:clrMapOvr>
     <a:masterClrMapping/>
   </p:clrMapOvr>
-  <mc:AlternateContent xmlns:mc="http://schemas.openxmlformats.org/markup-compatibility/2006" xmlns:p159="http://schemas.microsoft.com/office/powerpoint/2015/09/main">
-    <mc:Choice Requires="p159">
+  <mc:AlternateContent xmlns:mc="http://schemas.openxmlformats.org/markup-compatibility/2006">
+    <mc:Choice xmlns:p159="http://schemas.microsoft.com/office/powerpoint/2015/09/main" xmlns="" Requires="p159">
       <p:transition>
         <p159:morph option="byObject"/>
       </p:transition>
     </mc:Choice>
-    <mc:Fallback xmlns="">
+    <mc:Fallback>
       <p:transition>
         <p:fade/>
       </p:transition>
@@ -41141,13 +41145,13 @@
   <p:clrMapOvr>
     <a:masterClrMapping/>
   </p:clrMapOvr>
-  <mc:AlternateContent xmlns:mc="http://schemas.openxmlformats.org/markup-compatibility/2006" xmlns:p159="http://schemas.microsoft.com/office/powerpoint/2015/09/main">
-    <mc:Choice Requires="p159">
+  <mc:AlternateContent xmlns:mc="http://schemas.openxmlformats.org/markup-compatibility/2006">
+    <mc:Choice xmlns:p159="http://schemas.microsoft.com/office/powerpoint/2015/09/main" xmlns="" Requires="p159">
       <p:transition>
         <p159:morph option="byObject"/>
       </p:transition>
     </mc:Choice>
-    <mc:Fallback xmlns="">
+    <mc:Fallback>
       <p:transition>
         <p:fade/>
       </p:transition>
@@ -43407,13 +43411,13 @@
   <p:clrMapOvr>
     <a:masterClrMapping/>
   </p:clrMapOvr>
-  <mc:AlternateContent xmlns:mc="http://schemas.openxmlformats.org/markup-compatibility/2006" xmlns:p159="http://schemas.microsoft.com/office/powerpoint/2015/09/main">
-    <mc:Choice Requires="p159">
+  <mc:AlternateContent xmlns:mc="http://schemas.openxmlformats.org/markup-compatibility/2006">
+    <mc:Choice xmlns:p159="http://schemas.microsoft.com/office/powerpoint/2015/09/main" xmlns="" Requires="p159">
       <p:transition>
         <p159:morph option="byObject"/>
       </p:transition>
     </mc:Choice>
-    <mc:Fallback xmlns="">
+    <mc:Fallback>
       <p:transition>
         <p:fade/>
       </p:transition>
@@ -44157,13 +44161,13 @@
   <p:clrMapOvr>
     <a:masterClrMapping/>
   </p:clrMapOvr>
-  <mc:AlternateContent xmlns:mc="http://schemas.openxmlformats.org/markup-compatibility/2006" xmlns:p159="http://schemas.microsoft.com/office/powerpoint/2015/09/main">
-    <mc:Choice Requires="p159">
+  <mc:AlternateContent xmlns:mc="http://schemas.openxmlformats.org/markup-compatibility/2006">
+    <mc:Choice xmlns:p159="http://schemas.microsoft.com/office/powerpoint/2015/09/main" xmlns="" Requires="p159">
       <p:transition>
         <p159:morph option="byObject"/>
       </p:transition>
     </mc:Choice>
-    <mc:Fallback xmlns="">
+    <mc:Fallback>
       <p:transition>
         <p:fade/>
       </p:transition>
@@ -45085,13 +45089,13 @@
   <p:clrMapOvr>
     <a:masterClrMapping/>
   </p:clrMapOvr>
-  <mc:AlternateContent xmlns:mc="http://schemas.openxmlformats.org/markup-compatibility/2006" xmlns:p159="http://schemas.microsoft.com/office/powerpoint/2015/09/main">
-    <mc:Choice Requires="p159">
+  <mc:AlternateContent xmlns:mc="http://schemas.openxmlformats.org/markup-compatibility/2006">
+    <mc:Choice xmlns:p159="http://schemas.microsoft.com/office/powerpoint/2015/09/main" xmlns="" Requires="p159">
       <p:transition>
         <p159:morph option="byObject"/>
       </p:transition>
     </mc:Choice>
-    <mc:Fallback xmlns="">
+    <mc:Fallback>
       <p:transition>
         <p:fade/>
       </p:transition>
@@ -46019,13 +46023,13 @@
   <p:clrMapOvr>
     <a:masterClrMapping/>
   </p:clrMapOvr>
-  <mc:AlternateContent xmlns:mc="http://schemas.openxmlformats.org/markup-compatibility/2006" xmlns:p159="http://schemas.microsoft.com/office/powerpoint/2015/09/main">
-    <mc:Choice Requires="p159">
+  <mc:AlternateContent xmlns:mc="http://schemas.openxmlformats.org/markup-compatibility/2006">
+    <mc:Choice xmlns:p159="http://schemas.microsoft.com/office/powerpoint/2015/09/main" xmlns="" Requires="p159">
       <p:transition>
         <p159:morph option="byObject"/>
       </p:transition>
     </mc:Choice>
-    <mc:Fallback xmlns="">
+    <mc:Fallback>
       <p:transition>
         <p:fade/>
       </p:transition>
@@ -48252,13 +48256,13 @@
   <p:clrMapOvr>
     <a:masterClrMapping/>
   </p:clrMapOvr>
-  <mc:AlternateContent xmlns:mc="http://schemas.openxmlformats.org/markup-compatibility/2006" xmlns:p159="http://schemas.microsoft.com/office/powerpoint/2015/09/main">
-    <mc:Choice Requires="p159">
+  <mc:AlternateContent xmlns:mc="http://schemas.openxmlformats.org/markup-compatibility/2006">
+    <mc:Choice xmlns:p159="http://schemas.microsoft.com/office/powerpoint/2015/09/main" xmlns="" Requires="p159">
       <p:transition>
         <p159:morph option="byObject"/>
       </p:transition>
     </mc:Choice>
-    <mc:Fallback xmlns="">
+    <mc:Fallback>
       <p:transition>
         <p:fade/>
       </p:transition>

--- a/Documents/Презентация диплома Семенов Е.А. БПЦ 21-01.pptx
+++ b/Documents/Презентация диплома Семенов Е.А. БПЦ 21-01.pptx
@@ -27953,265 +27953,33 @@
       </p:sp>
       <p:pic>
         <p:nvPicPr>
-          <p:cNvPr id="19" name="Рисунок 18">
+          <p:cNvPr id="3" name="Рисунок 2">
             <a:extLst>
               <a:ext uri="{FF2B5EF4-FFF2-40B4-BE49-F238E27FC236}">
-                <a16:creationId xmlns:a16="http://schemas.microsoft.com/office/drawing/2014/main" id="{717F1973-9479-4694-8F35-84AF9D78DAF5}"/>
+                <a16:creationId xmlns:a16="http://schemas.microsoft.com/office/drawing/2014/main" id="{EAEA5088-2E68-43ED-8632-8F0D7B2D8A9D}"/>
               </a:ext>
             </a:extLst>
           </p:cNvPr>
-          <p:cNvPicPr/>
+          <p:cNvPicPr>
+            <a:picLocks noChangeAspect="1"/>
+          </p:cNvPicPr>
           <p:nvPr/>
         </p:nvPicPr>
         <p:blipFill rotWithShape="1">
           <a:blip r:embed="rId7"/>
-          <a:srcRect l="18109" t="19986" r="7816" b="33248"/>
+          <a:srcRect l="33477" t="17562" r="1415" b="24017"/>
           <a:stretch/>
         </p:blipFill>
-        <p:spPr bwMode="auto">
+        <p:spPr>
           <a:xfrm>
-            <a:off x="468312" y="896293"/>
-            <a:ext cx="9253203" cy="3194444"/>
+            <a:off x="505115" y="642180"/>
+            <a:ext cx="9428635" cy="4758876"/>
           </a:xfrm>
           <a:prstGeom prst="rect">
             <a:avLst/>
           </a:prstGeom>
-          <a:ln>
-            <a:noFill/>
-          </a:ln>
-          <a:extLst>
-            <a:ext uri="{53640926-AAD7-44D8-BBD7-CCE9431645EC}">
-              <a14:shadowObscured xmlns:a14="http://schemas.microsoft.com/office/drawing/2010/main"/>
-            </a:ext>
-          </a:extLst>
         </p:spPr>
       </p:pic>
-      <p:sp>
-        <p:nvSpPr>
-          <p:cNvPr id="23" name="TextBox 22">
-            <a:extLst>
-              <a:ext uri="{FF2B5EF4-FFF2-40B4-BE49-F238E27FC236}">
-                <a16:creationId xmlns:a16="http://schemas.microsoft.com/office/drawing/2014/main" id="{87AF4DF0-4A49-4F27-A6C8-7718CB31C82F}"/>
-              </a:ext>
-            </a:extLst>
-          </p:cNvPr>
-          <p:cNvSpPr txBox="1"/>
-          <p:nvPr/>
-        </p:nvSpPr>
-        <p:spPr>
-          <a:xfrm>
-            <a:off x="468311" y="3945768"/>
-            <a:ext cx="9155331" cy="2862322"/>
-          </a:xfrm>
-          <a:prstGeom prst="rect">
-            <a:avLst/>
-          </a:prstGeom>
-          <a:noFill/>
-        </p:spPr>
-        <p:txBody>
-          <a:bodyPr wrap="square">
-            <a:spAutoFit/>
-          </a:bodyPr>
-          <a:lstStyle/>
-          <a:p>
-            <a:pPr algn="just"/>
-            <a:r>
-              <a:rPr lang="ru-RU" sz="2000" b="1" i="0" dirty="0">
-                <a:solidFill>
-                  <a:schemeClr val="accent1">
-                    <a:lumMod val="50000"/>
-                  </a:schemeClr>
-                </a:solidFill>
-                <a:effectLst/>
-                <a:latin typeface="+mn-lt"/>
-              </a:rPr>
-              <a:t>"Паук"</a:t>
-            </a:r>
-            <a:r>
-              <a:rPr lang="ru-RU" sz="2000" b="0" i="0" dirty="0">
-                <a:solidFill>
-                  <a:schemeClr val="accent1">
-                    <a:lumMod val="50000"/>
-                  </a:schemeClr>
-                </a:solidFill>
-                <a:effectLst/>
-                <a:latin typeface="+mn-lt"/>
-              </a:rPr>
-              <a:t> — автоматизированный парсер для сбора данных о стройматериалах. Поэтапно обрабатывает сайты:</a:t>
-            </a:r>
-          </a:p>
-          <a:p>
-            <a:pPr algn="just">
-              <a:buFont typeface="+mj-lt"/>
-              <a:buAutoNum type="arabicPeriod"/>
-            </a:pPr>
-            <a:r>
-              <a:rPr lang="ru-RU" sz="2000" b="1" i="0" dirty="0">
-                <a:solidFill>
-                  <a:schemeClr val="accent1">
-                    <a:lumMod val="50000"/>
-                  </a:schemeClr>
-                </a:solidFill>
-                <a:effectLst/>
-                <a:latin typeface="+mn-lt"/>
-              </a:rPr>
-              <a:t> Настройка</a:t>
-            </a:r>
-            <a:r>
-              <a:rPr lang="ru-RU" sz="2000" b="0" i="0" dirty="0">
-                <a:solidFill>
-                  <a:schemeClr val="accent1">
-                    <a:lumMod val="50000"/>
-                  </a:schemeClr>
-                </a:solidFill>
-                <a:effectLst/>
-                <a:latin typeface="+mn-lt"/>
-              </a:rPr>
-              <a:t>: загрузка URL, селекторов и ограничений для </a:t>
-            </a:r>
-            <a:r>
-              <a:rPr lang="ru-RU" sz="2000" dirty="0">
-                <a:solidFill>
-                  <a:schemeClr val="accent1">
-                    <a:lumMod val="50000"/>
-                  </a:schemeClr>
-                </a:solidFill>
-                <a:latin typeface="+mn-lt"/>
-              </a:rPr>
-              <a:t>упреждения</a:t>
-            </a:r>
-            <a:r>
-              <a:rPr lang="ru-RU" sz="2000" b="0" i="0" dirty="0">
-                <a:solidFill>
-                  <a:schemeClr val="accent1">
-                    <a:lumMod val="50000"/>
-                  </a:schemeClr>
-                </a:solidFill>
-                <a:effectLst/>
-                <a:latin typeface="+mn-lt"/>
-              </a:rPr>
-              <a:t> блокировки.</a:t>
-            </a:r>
-          </a:p>
-          <a:p>
-            <a:pPr algn="just">
-              <a:buFont typeface="+mj-lt"/>
-              <a:buAutoNum type="arabicPeriod"/>
-            </a:pPr>
-            <a:r>
-              <a:rPr lang="ru-RU" sz="2000" b="1" i="0" dirty="0">
-                <a:solidFill>
-                  <a:schemeClr val="accent1">
-                    <a:lumMod val="50000"/>
-                  </a:schemeClr>
-                </a:solidFill>
-                <a:effectLst/>
-                <a:latin typeface="+mn-lt"/>
-              </a:rPr>
-              <a:t> Обход</a:t>
-            </a:r>
-            <a:r>
-              <a:rPr lang="ru-RU" sz="2000" b="0" i="0" dirty="0">
-                <a:solidFill>
-                  <a:schemeClr val="accent1">
-                    <a:lumMod val="50000"/>
-                  </a:schemeClr>
-                </a:solidFill>
-                <a:effectLst/>
-                <a:latin typeface="+mn-lt"/>
-              </a:rPr>
-              <a:t>: фильтрация ссылок, исключение дублей и служебных страниц.</a:t>
-            </a:r>
-          </a:p>
-          <a:p>
-            <a:pPr algn="just">
-              <a:buFont typeface="+mj-lt"/>
-              <a:buAutoNum type="arabicPeriod"/>
-            </a:pPr>
-            <a:r>
-              <a:rPr lang="ru-RU" sz="2000" b="1" i="0" dirty="0">
-                <a:solidFill>
-                  <a:schemeClr val="accent1">
-                    <a:lumMod val="50000"/>
-                  </a:schemeClr>
-                </a:solidFill>
-                <a:effectLst/>
-                <a:latin typeface="+mn-lt"/>
-              </a:rPr>
-              <a:t> Сбор</a:t>
-            </a:r>
-            <a:r>
-              <a:rPr lang="ru-RU" sz="2000" b="0" i="0" dirty="0">
-                <a:solidFill>
-                  <a:schemeClr val="accent1">
-                    <a:lumMod val="50000"/>
-                  </a:schemeClr>
-                </a:solidFill>
-                <a:effectLst/>
-                <a:latin typeface="+mn-lt"/>
-              </a:rPr>
-              <a:t>: извлечение данных (название, цена, характеристики) с нормализацией.</a:t>
-            </a:r>
-          </a:p>
-          <a:p>
-            <a:pPr algn="just">
-              <a:buFont typeface="+mj-lt"/>
-              <a:buAutoNum type="arabicPeriod"/>
-            </a:pPr>
-            <a:r>
-              <a:rPr lang="ru-RU" sz="2000" b="1" i="0" dirty="0">
-                <a:solidFill>
-                  <a:schemeClr val="accent1">
-                    <a:lumMod val="50000"/>
-                  </a:schemeClr>
-                </a:solidFill>
-                <a:effectLst/>
-                <a:latin typeface="+mn-lt"/>
-              </a:rPr>
-              <a:t> Структурирование</a:t>
-            </a:r>
-            <a:r>
-              <a:rPr lang="ru-RU" sz="2000" b="0" i="0" dirty="0">
-                <a:solidFill>
-                  <a:schemeClr val="accent1">
-                    <a:lumMod val="50000"/>
-                  </a:schemeClr>
-                </a:solidFill>
-                <a:effectLst/>
-                <a:latin typeface="+mn-lt"/>
-              </a:rPr>
-              <a:t>: формирование объектов с метаданными и логированием.</a:t>
-            </a:r>
-          </a:p>
-          <a:p>
-            <a:pPr algn="just"/>
-            <a:r>
-              <a:rPr lang="ru-RU" sz="2000" b="0" i="1" dirty="0">
-                <a:solidFill>
-                  <a:schemeClr val="accent1">
-                    <a:lumMod val="50000"/>
-                  </a:schemeClr>
-                </a:solidFill>
-                <a:effectLst/>
-                <a:latin typeface="+mn-lt"/>
-              </a:rPr>
-              <a:t>Гибкий и надежный алгоритм адаптируется под изменения структуры сайтов</a:t>
-            </a:r>
-            <a:r>
-              <a:rPr lang="ru-RU" sz="2000" b="0" i="0" dirty="0">
-                <a:solidFill>
-                  <a:schemeClr val="accent1">
-                    <a:lumMod val="50000"/>
-                  </a:schemeClr>
-                </a:solidFill>
-                <a:effectLst/>
-                <a:latin typeface="+mn-lt"/>
-              </a:rPr>
-              <a:t>.</a:t>
-            </a:r>
-          </a:p>
-        </p:txBody>
-      </p:sp>
     </p:spTree>
     <p:extLst>
       <p:ext uri="{BB962C8B-B14F-4D97-AF65-F5344CB8AC3E}">
@@ -30721,7 +30489,7 @@
         </p:blipFill>
         <p:spPr bwMode="auto">
           <a:xfrm>
-            <a:off x="4174843" y="891740"/>
+            <a:off x="4188242" y="608595"/>
             <a:ext cx="918409" cy="918409"/>
           </a:xfrm>
           <a:prstGeom prst="rect">
@@ -30768,7 +30536,7 @@
         </p:blipFill>
         <p:spPr bwMode="auto">
           <a:xfrm>
-            <a:off x="4174842" y="1890370"/>
+            <a:off x="4237407" y="1527004"/>
             <a:ext cx="918410" cy="918410"/>
           </a:xfrm>
           <a:prstGeom prst="rect">
@@ -30815,7 +30583,7 @@
         </p:blipFill>
         <p:spPr bwMode="auto">
           <a:xfrm>
-            <a:off x="4286443" y="2808780"/>
+            <a:off x="4371528" y="2469036"/>
             <a:ext cx="695208" cy="695208"/>
           </a:xfrm>
           <a:prstGeom prst="rect">
@@ -30862,7 +30630,7 @@
         </p:blipFill>
         <p:spPr bwMode="auto">
           <a:xfrm>
-            <a:off x="4255746" y="3743074"/>
+            <a:off x="4378261" y="3327985"/>
             <a:ext cx="725905" cy="725905"/>
           </a:xfrm>
           <a:prstGeom prst="rect">
@@ -30909,7 +30677,7 @@
         </p:blipFill>
         <p:spPr bwMode="auto">
           <a:xfrm>
-            <a:off x="4207619" y="4629241"/>
+            <a:off x="4354197" y="4272193"/>
             <a:ext cx="774032" cy="774032"/>
           </a:xfrm>
           <a:prstGeom prst="rect">
@@ -30956,7 +30724,7 @@
         </p:blipFill>
         <p:spPr bwMode="auto">
           <a:xfrm>
-            <a:off x="4188242" y="5548855"/>
+            <a:off x="4410309" y="5306454"/>
             <a:ext cx="860911" cy="860911"/>
           </a:xfrm>
           <a:prstGeom prst="rect">
@@ -35115,7 +34883,31 @@
                 <a:effectLst/>
                 <a:latin typeface="+mn-lt"/>
               </a:rPr>
-              <a:t>Федеральный закон №149-ФЗ "Об информации, информационных технологиях и о защите информации":</a:t>
+              <a:t>Федеральный закон </a:t>
+            </a:r>
+            <a:r>
+              <a:rPr lang="ru-RU" sz="2000" b="1" i="1" dirty="0">
+                <a:solidFill>
+                  <a:schemeClr val="accent1">
+                    <a:lumMod val="50000"/>
+                  </a:schemeClr>
+                </a:solidFill>
+                <a:effectLst/>
+                <a:latin typeface="+mn-lt"/>
+              </a:rPr>
+              <a:t>№149-ФЗ </a:t>
+            </a:r>
+            <a:r>
+              <a:rPr lang="ru-RU" sz="2000" i="1" dirty="0">
+                <a:solidFill>
+                  <a:schemeClr val="accent1">
+                    <a:lumMod val="50000"/>
+                  </a:schemeClr>
+                </a:solidFill>
+                <a:effectLst/>
+                <a:latin typeface="+mn-lt"/>
+              </a:rPr>
+              <a:t>"Об информации, информационных технологиях и о защите информации":</a:t>
             </a:r>
           </a:p>
           <a:p>
@@ -35133,10 +34925,22 @@
                 <a:effectLst/>
                 <a:latin typeface="+mn-lt"/>
               </a:rPr>
-              <a:t>Судебная практика (дело № А40-18827/17-110-180 ВК предъявило иск к </a:t>
+              <a:t>Судебная практика (дело № А40-18827/17-110-180 </a:t>
             </a:r>
             <a:r>
-              <a:rPr lang="ru-RU" sz="2000" i="1" dirty="0" err="1">
+              <a:rPr lang="ru-RU" sz="2000" b="1" i="1" dirty="0">
+                <a:solidFill>
+                  <a:schemeClr val="accent1">
+                    <a:lumMod val="50000"/>
+                  </a:schemeClr>
+                </a:solidFill>
+                <a:effectLst/>
+                <a:latin typeface="+mn-lt"/>
+              </a:rPr>
+              <a:t>ВК предъявило иск к </a:t>
+            </a:r>
+            <a:r>
+              <a:rPr lang="ru-RU" sz="2000" b="1" i="1" dirty="0" err="1">
                 <a:solidFill>
                   <a:schemeClr val="accent1">
                     <a:lumMod val="50000"/>
@@ -35188,7 +34992,7 @@
                 </a:solidFill>
                 <a:latin typeface="+mn-lt"/>
               </a:rPr>
-              <a:t>Собирает только общедоступные данные (цены, характеристики товаров)</a:t>
+              <a:t>Собирает только общедоступные данные </a:t>
             </a:r>
           </a:p>
           <a:p>
